--- a/代码实现.pptx
+++ b/代码实现.pptx
@@ -5,7 +5,7 @@
     <p:sldMasterId id="2147483648" r:id="rId1"/>
   </p:sldMasterIdLst>
   <p:notesMasterIdLst>
-    <p:notesMasterId r:id="rId30"/>
+    <p:notesMasterId r:id="rId35"/>
   </p:notesMasterIdLst>
   <p:sldIdLst>
     <p:sldId id="256" r:id="rId2"/>
@@ -31,11 +31,16 @@
     <p:sldId id="336" r:id="rId22"/>
     <p:sldId id="337" r:id="rId23"/>
     <p:sldId id="338" r:id="rId24"/>
-    <p:sldId id="339" r:id="rId25"/>
-    <p:sldId id="340" r:id="rId26"/>
-    <p:sldId id="341" r:id="rId27"/>
-    <p:sldId id="342" r:id="rId28"/>
-    <p:sldId id="283" r:id="rId29"/>
+    <p:sldId id="343" r:id="rId25"/>
+    <p:sldId id="344" r:id="rId26"/>
+    <p:sldId id="345" r:id="rId27"/>
+    <p:sldId id="346" r:id="rId28"/>
+    <p:sldId id="347" r:id="rId29"/>
+    <p:sldId id="339" r:id="rId30"/>
+    <p:sldId id="340" r:id="rId31"/>
+    <p:sldId id="341" r:id="rId32"/>
+    <p:sldId id="342" r:id="rId33"/>
+    <p:sldId id="283" r:id="rId34"/>
   </p:sldIdLst>
   <p:sldSz cx="12192000" cy="6858000"/>
   <p:notesSz cx="6858000" cy="9144000"/>
@@ -235,7 +240,7 @@
           <a:p>
             <a:fld id="{6AE3C7FC-3CC8-4214-AAB7-B272A27C17B9}" type="datetimeFigureOut">
               <a:rPr lang="zh-CN" altLang="en-US" smtClean="0"/>
-              <a:t>2021/11/28</a:t>
+              <a:t>2021/12/12</a:t>
             </a:fld>
             <a:endParaRPr lang="zh-CN" altLang="en-US"/>
           </a:p>
@@ -631,7 +636,7 @@
           <a:p>
             <a:fld id="{787439C1-9380-4261-8626-06D21037FD93}" type="datetimeFigureOut">
               <a:rPr lang="zh-CN" altLang="en-US" smtClean="0"/>
-              <a:t>2021/11/28</a:t>
+              <a:t>2021/12/12</a:t>
             </a:fld>
             <a:endParaRPr lang="zh-CN" altLang="en-US"/>
           </a:p>
@@ -807,7 +812,7 @@
           <a:p>
             <a:fld id="{787439C1-9380-4261-8626-06D21037FD93}" type="datetimeFigureOut">
               <a:rPr lang="zh-CN" altLang="en-US" smtClean="0"/>
-              <a:t>2021/11/28</a:t>
+              <a:t>2021/12/12</a:t>
             </a:fld>
             <a:endParaRPr lang="zh-CN" altLang="en-US"/>
           </a:p>
@@ -993,7 +998,7 @@
           <a:p>
             <a:fld id="{787439C1-9380-4261-8626-06D21037FD93}" type="datetimeFigureOut">
               <a:rPr lang="zh-CN" altLang="en-US" smtClean="0"/>
-              <a:t>2021/11/28</a:t>
+              <a:t>2021/12/12</a:t>
             </a:fld>
             <a:endParaRPr lang="zh-CN" altLang="en-US"/>
           </a:p>
@@ -1169,7 +1174,7 @@
           <a:p>
             <a:fld id="{787439C1-9380-4261-8626-06D21037FD93}" type="datetimeFigureOut">
               <a:rPr lang="zh-CN" altLang="en-US" smtClean="0"/>
-              <a:t>2021/11/28</a:t>
+              <a:t>2021/12/12</a:t>
             </a:fld>
             <a:endParaRPr lang="zh-CN" altLang="en-US"/>
           </a:p>
@@ -1422,7 +1427,7 @@
           <a:p>
             <a:fld id="{787439C1-9380-4261-8626-06D21037FD93}" type="datetimeFigureOut">
               <a:rPr lang="zh-CN" altLang="en-US" smtClean="0"/>
-              <a:t>2021/11/28</a:t>
+              <a:t>2021/12/12</a:t>
             </a:fld>
             <a:endParaRPr lang="zh-CN" altLang="en-US"/>
           </a:p>
@@ -1659,7 +1664,7 @@
           <a:p>
             <a:fld id="{787439C1-9380-4261-8626-06D21037FD93}" type="datetimeFigureOut">
               <a:rPr lang="zh-CN" altLang="en-US" smtClean="0"/>
-              <a:t>2021/11/28</a:t>
+              <a:t>2021/12/12</a:t>
             </a:fld>
             <a:endParaRPr lang="zh-CN" altLang="en-US"/>
           </a:p>
@@ -2031,7 +2036,7 @@
           <a:p>
             <a:fld id="{787439C1-9380-4261-8626-06D21037FD93}" type="datetimeFigureOut">
               <a:rPr lang="zh-CN" altLang="en-US" smtClean="0"/>
-              <a:t>2021/11/28</a:t>
+              <a:t>2021/12/12</a:t>
             </a:fld>
             <a:endParaRPr lang="zh-CN" altLang="en-US"/>
           </a:p>
@@ -2156,7 +2161,7 @@
           <a:p>
             <a:fld id="{787439C1-9380-4261-8626-06D21037FD93}" type="datetimeFigureOut">
               <a:rPr lang="zh-CN" altLang="en-US" smtClean="0"/>
-              <a:t>2021/11/28</a:t>
+              <a:t>2021/12/12</a:t>
             </a:fld>
             <a:endParaRPr lang="zh-CN" altLang="en-US"/>
           </a:p>
@@ -2259,7 +2264,7 @@
           <a:p>
             <a:fld id="{787439C1-9380-4261-8626-06D21037FD93}" type="datetimeFigureOut">
               <a:rPr lang="zh-CN" altLang="en-US" smtClean="0"/>
-              <a:t>2021/11/28</a:t>
+              <a:t>2021/12/12</a:t>
             </a:fld>
             <a:endParaRPr lang="zh-CN" altLang="en-US"/>
           </a:p>
@@ -2542,7 +2547,7 @@
           <a:p>
             <a:fld id="{787439C1-9380-4261-8626-06D21037FD93}" type="datetimeFigureOut">
               <a:rPr lang="zh-CN" altLang="en-US" smtClean="0"/>
-              <a:t>2021/11/28</a:t>
+              <a:t>2021/12/12</a:t>
             </a:fld>
             <a:endParaRPr lang="zh-CN" altLang="en-US"/>
           </a:p>
@@ -2802,7 +2807,7 @@
           <a:p>
             <a:fld id="{787439C1-9380-4261-8626-06D21037FD93}" type="datetimeFigureOut">
               <a:rPr lang="zh-CN" altLang="en-US" smtClean="0"/>
-              <a:t>2021/11/28</a:t>
+              <a:t>2021/12/12</a:t>
             </a:fld>
             <a:endParaRPr lang="zh-CN" altLang="en-US"/>
           </a:p>
@@ -3021,7 +3026,7 @@
           <a:p>
             <a:fld id="{787439C1-9380-4261-8626-06D21037FD93}" type="datetimeFigureOut">
               <a:rPr lang="zh-CN" altLang="en-US" smtClean="0"/>
-              <a:t>2021/11/28</a:t>
+              <a:t>2021/12/12</a:t>
             </a:fld>
             <a:endParaRPr lang="zh-CN" altLang="en-US"/>
           </a:p>
@@ -12208,7 +12213,7 @@
         </p:nvSpPr>
         <p:spPr>
           <a:xfrm>
-            <a:off x="5725160" y="3784060"/>
+            <a:off x="4766123" y="3784060"/>
             <a:ext cx="615553" cy="1528624"/>
           </a:xfrm>
           <a:prstGeom prst="rect">
@@ -12332,7 +12337,7 @@
         </p:nvSpPr>
         <p:spPr>
           <a:xfrm>
-            <a:off x="5867666" y="3103124"/>
+            <a:off x="4908629" y="3103124"/>
             <a:ext cx="330540" cy="400110"/>
           </a:xfrm>
           <a:prstGeom prst="rect">
@@ -12390,6 +12395,104 @@
         </p:spPr>
         <p:txBody>
           <a:bodyPr wrap="square" rtlCol="0">
+            <a:spAutoFit/>
+          </a:bodyPr>
+          <a:lstStyle/>
+          <a:p>
+            <a:r>
+              <a:rPr lang="en-US" altLang="zh-CN" sz="2000" dirty="0">
+                <a:solidFill>
+                  <a:schemeClr val="tx1">
+                    <a:lumMod val="50000"/>
+                    <a:lumOff val="50000"/>
+                  </a:schemeClr>
+                </a:solidFill>
+                <a:latin typeface="华文琥珀" panose="02010800040101010101" pitchFamily="2" charset="-122"/>
+                <a:ea typeface="华文琥珀" panose="02010800040101010101" pitchFamily="2" charset="-122"/>
+              </a:rPr>
+              <a:t>3</a:t>
+            </a:r>
+            <a:endParaRPr lang="zh-CN" altLang="en-US" sz="2000" dirty="0">
+              <a:solidFill>
+                <a:schemeClr val="tx1">
+                  <a:lumMod val="50000"/>
+                  <a:lumOff val="50000"/>
+                </a:schemeClr>
+              </a:solidFill>
+              <a:latin typeface="华文琥珀" panose="02010800040101010101" pitchFamily="2" charset="-122"/>
+              <a:ea typeface="华文琥珀" panose="02010800040101010101" pitchFamily="2" charset="-122"/>
+            </a:endParaRPr>
+          </a:p>
+        </p:txBody>
+      </p:sp>
+      <p:sp>
+        <p:nvSpPr>
+          <p:cNvPr id="11" name="文本框 10">
+            <a:extLst>
+              <a:ext uri="{FF2B5EF4-FFF2-40B4-BE49-F238E27FC236}">
+                <a16:creationId xmlns:a16="http://schemas.microsoft.com/office/drawing/2014/main" id="{3D1DBA86-82AF-45DA-A8B2-A9D46BDCEB1B}"/>
+              </a:ext>
+            </a:extLst>
+          </p:cNvPr>
+          <p:cNvSpPr txBox="1"/>
+          <p:nvPr/>
+        </p:nvSpPr>
+        <p:spPr>
+          <a:xfrm>
+            <a:off x="6996037" y="3784060"/>
+            <a:ext cx="615553" cy="1528624"/>
+          </a:xfrm>
+          <a:prstGeom prst="rect">
+            <a:avLst/>
+          </a:prstGeom>
+          <a:noFill/>
+        </p:spPr>
+        <p:txBody>
+          <a:bodyPr vert="eaVert" wrap="none" rtlCol="0">
+            <a:spAutoFit/>
+          </a:bodyPr>
+          <a:lstStyle/>
+          <a:p>
+            <a:r>
+              <a:rPr lang="zh-CN" altLang="en-US" sz="2800" dirty="0">
+                <a:solidFill>
+                  <a:schemeClr val="tx1">
+                    <a:lumMod val="50000"/>
+                    <a:lumOff val="50000"/>
+                  </a:schemeClr>
+                </a:solidFill>
+                <a:latin typeface="幼圆" panose="02010509060101010101" pitchFamily="49" charset="-122"/>
+                <a:ea typeface="幼圆" panose="02010509060101010101" pitchFamily="49" charset="-122"/>
+              </a:rPr>
+              <a:t>测试用例</a:t>
+            </a:r>
+          </a:p>
+        </p:txBody>
+      </p:sp>
+      <p:sp>
+        <p:nvSpPr>
+          <p:cNvPr id="12" name="文本框 11">
+            <a:extLst>
+              <a:ext uri="{FF2B5EF4-FFF2-40B4-BE49-F238E27FC236}">
+                <a16:creationId xmlns:a16="http://schemas.microsoft.com/office/drawing/2014/main" id="{49FD8EE5-E648-46CA-A8E6-62379AAD8A36}"/>
+              </a:ext>
+            </a:extLst>
+          </p:cNvPr>
+          <p:cNvSpPr txBox="1"/>
+          <p:nvPr/>
+        </p:nvSpPr>
+        <p:spPr>
+          <a:xfrm>
+            <a:off x="7138543" y="3103124"/>
+            <a:ext cx="330540" cy="400110"/>
+          </a:xfrm>
+          <a:prstGeom prst="rect">
+            <a:avLst/>
+          </a:prstGeom>
+          <a:noFill/>
+        </p:spPr>
+        <p:txBody>
+          <a:bodyPr wrap="none" rtlCol="0">
             <a:spAutoFit/>
           </a:bodyPr>
           <a:lstStyle/>
@@ -14584,6 +14687,315 @@
         <p:spPr>
           <a:xfrm>
             <a:off x="5782130" y="2759902"/>
+            <a:ext cx="3589444" cy="1107996"/>
+          </a:xfrm>
+          <a:prstGeom prst="rect">
+            <a:avLst/>
+          </a:prstGeom>
+          <a:noFill/>
+        </p:spPr>
+        <p:txBody>
+          <a:bodyPr wrap="none" rtlCol="0">
+            <a:spAutoFit/>
+          </a:bodyPr>
+          <a:lstStyle/>
+          <a:p>
+            <a:r>
+              <a:rPr lang="zh-CN" altLang="en-US" sz="6600" b="1" dirty="0">
+                <a:solidFill>
+                  <a:schemeClr val="tx1">
+                    <a:lumMod val="50000"/>
+                    <a:lumOff val="50000"/>
+                  </a:schemeClr>
+                </a:solidFill>
+                <a:latin typeface="幼圆" panose="02010509060101010101" pitchFamily="49" charset="-122"/>
+                <a:ea typeface="幼圆" panose="02010509060101010101" pitchFamily="49" charset="-122"/>
+              </a:rPr>
+              <a:t>测试用例</a:t>
+            </a:r>
+          </a:p>
+        </p:txBody>
+      </p:sp>
+    </p:spTree>
+    <p:extLst>
+      <p:ext uri="{BB962C8B-B14F-4D97-AF65-F5344CB8AC3E}">
+        <p14:creationId xmlns:p14="http://schemas.microsoft.com/office/powerpoint/2010/main" val="112323653"/>
+      </p:ext>
+    </p:extLst>
+  </p:cSld>
+  <p:clrMapOvr>
+    <a:masterClrMapping/>
+  </p:clrMapOvr>
+  <mc:AlternateContent xmlns:mc="http://schemas.openxmlformats.org/markup-compatibility/2006" xmlns:p15="http://schemas.microsoft.com/office/powerpoint/2012/main">
+    <mc:Choice Requires="p15">
+      <p:transition xmlns:p14="http://schemas.microsoft.com/office/powerpoint/2010/main" spd="slow" p14:dur="2000" advTm="0">
+        <p15:prstTrans prst="drape"/>
+      </p:transition>
+    </mc:Choice>
+    <mc:Fallback xmlns="">
+      <p:transition spd="slow" advTm="0">
+        <p:fade/>
+      </p:transition>
+    </mc:Fallback>
+  </mc:AlternateContent>
+</p:sld>
+</file>
+
+<file path=ppt/slides/slide25.xml><?xml version="1.0" encoding="utf-8"?>
+<p:sld xmlns:a="http://schemas.openxmlformats.org/drawingml/2006/main" xmlns:r="http://schemas.openxmlformats.org/officeDocument/2006/relationships" xmlns:p="http://schemas.openxmlformats.org/presentationml/2006/main">
+  <p:cSld>
+    <p:spTree>
+      <p:nvGrpSpPr>
+        <p:cNvPr id="1" name=""/>
+        <p:cNvGrpSpPr/>
+        <p:nvPr/>
+      </p:nvGrpSpPr>
+      <p:grpSpPr>
+        <a:xfrm>
+          <a:off x="0" y="0"/>
+          <a:ext cx="0" cy="0"/>
+          <a:chOff x="0" y="0"/>
+          <a:chExt cx="0" cy="0"/>
+        </a:xfrm>
+      </p:grpSpPr>
+    </p:spTree>
+    <p:extLst>
+      <p:ext uri="{BB962C8B-B14F-4D97-AF65-F5344CB8AC3E}">
+        <p14:creationId xmlns:p14="http://schemas.microsoft.com/office/powerpoint/2010/main" val="1949289830"/>
+      </p:ext>
+    </p:extLst>
+  </p:cSld>
+  <p:clrMapOvr>
+    <a:masterClrMapping/>
+  </p:clrMapOvr>
+  <mc:AlternateContent xmlns:mc="http://schemas.openxmlformats.org/markup-compatibility/2006" xmlns:p14="http://schemas.microsoft.com/office/powerpoint/2010/main">
+    <mc:Choice Requires="p14">
+      <p:transition spd="slow" p14:dur="2000" advTm="0"/>
+    </mc:Choice>
+    <mc:Fallback xmlns="">
+      <p:transition spd="slow" advTm="0"/>
+    </mc:Fallback>
+  </mc:AlternateContent>
+</p:sld>
+</file>
+
+<file path=ppt/slides/slide26.xml><?xml version="1.0" encoding="utf-8"?>
+<p:sld xmlns:a="http://schemas.openxmlformats.org/drawingml/2006/main" xmlns:r="http://schemas.openxmlformats.org/officeDocument/2006/relationships" xmlns:p="http://schemas.openxmlformats.org/presentationml/2006/main">
+  <p:cSld>
+    <p:spTree>
+      <p:nvGrpSpPr>
+        <p:cNvPr id="1" name=""/>
+        <p:cNvGrpSpPr/>
+        <p:nvPr/>
+      </p:nvGrpSpPr>
+      <p:grpSpPr>
+        <a:xfrm>
+          <a:off x="0" y="0"/>
+          <a:ext cx="0" cy="0"/>
+          <a:chOff x="0" y="0"/>
+          <a:chExt cx="0" cy="0"/>
+        </a:xfrm>
+      </p:grpSpPr>
+    </p:spTree>
+    <p:extLst>
+      <p:ext uri="{BB962C8B-B14F-4D97-AF65-F5344CB8AC3E}">
+        <p14:creationId xmlns:p14="http://schemas.microsoft.com/office/powerpoint/2010/main" val="4264502093"/>
+      </p:ext>
+    </p:extLst>
+  </p:cSld>
+  <p:clrMapOvr>
+    <a:masterClrMapping/>
+  </p:clrMapOvr>
+  <mc:AlternateContent xmlns:mc="http://schemas.openxmlformats.org/markup-compatibility/2006" xmlns:p14="http://schemas.microsoft.com/office/powerpoint/2010/main">
+    <mc:Choice Requires="p14">
+      <p:transition spd="slow" p14:dur="2000" advTm="0"/>
+    </mc:Choice>
+    <mc:Fallback xmlns="">
+      <p:transition spd="slow" advTm="0"/>
+    </mc:Fallback>
+  </mc:AlternateContent>
+</p:sld>
+</file>
+
+<file path=ppt/slides/slide27.xml><?xml version="1.0" encoding="utf-8"?>
+<p:sld xmlns:a="http://schemas.openxmlformats.org/drawingml/2006/main" xmlns:r="http://schemas.openxmlformats.org/officeDocument/2006/relationships" xmlns:p="http://schemas.openxmlformats.org/presentationml/2006/main">
+  <p:cSld>
+    <p:spTree>
+      <p:nvGrpSpPr>
+        <p:cNvPr id="1" name=""/>
+        <p:cNvGrpSpPr/>
+        <p:nvPr/>
+      </p:nvGrpSpPr>
+      <p:grpSpPr>
+        <a:xfrm>
+          <a:off x="0" y="0"/>
+          <a:ext cx="0" cy="0"/>
+          <a:chOff x="0" y="0"/>
+          <a:chExt cx="0" cy="0"/>
+        </a:xfrm>
+      </p:grpSpPr>
+    </p:spTree>
+    <p:extLst>
+      <p:ext uri="{BB962C8B-B14F-4D97-AF65-F5344CB8AC3E}">
+        <p14:creationId xmlns:p14="http://schemas.microsoft.com/office/powerpoint/2010/main" val="2855026938"/>
+      </p:ext>
+    </p:extLst>
+  </p:cSld>
+  <p:clrMapOvr>
+    <a:masterClrMapping/>
+  </p:clrMapOvr>
+  <mc:AlternateContent xmlns:mc="http://schemas.openxmlformats.org/markup-compatibility/2006" xmlns:p14="http://schemas.microsoft.com/office/powerpoint/2010/main">
+    <mc:Choice Requires="p14">
+      <p:transition spd="slow" p14:dur="2000" advTm="0"/>
+    </mc:Choice>
+    <mc:Fallback xmlns="">
+      <p:transition spd="slow" advTm="0"/>
+    </mc:Fallback>
+  </mc:AlternateContent>
+</p:sld>
+</file>
+
+<file path=ppt/slides/slide28.xml><?xml version="1.0" encoding="utf-8"?>
+<p:sld xmlns:a="http://schemas.openxmlformats.org/drawingml/2006/main" xmlns:r="http://schemas.openxmlformats.org/officeDocument/2006/relationships" xmlns:p="http://schemas.openxmlformats.org/presentationml/2006/main">
+  <p:cSld>
+    <p:spTree>
+      <p:nvGrpSpPr>
+        <p:cNvPr id="1" name=""/>
+        <p:cNvGrpSpPr/>
+        <p:nvPr/>
+      </p:nvGrpSpPr>
+      <p:grpSpPr>
+        <a:xfrm>
+          <a:off x="0" y="0"/>
+          <a:ext cx="0" cy="0"/>
+          <a:chOff x="0" y="0"/>
+          <a:chExt cx="0" cy="0"/>
+        </a:xfrm>
+      </p:grpSpPr>
+    </p:spTree>
+    <p:extLst>
+      <p:ext uri="{BB962C8B-B14F-4D97-AF65-F5344CB8AC3E}">
+        <p14:creationId xmlns:p14="http://schemas.microsoft.com/office/powerpoint/2010/main" val="602112675"/>
+      </p:ext>
+    </p:extLst>
+  </p:cSld>
+  <p:clrMapOvr>
+    <a:masterClrMapping/>
+  </p:clrMapOvr>
+  <mc:AlternateContent xmlns:mc="http://schemas.openxmlformats.org/markup-compatibility/2006" xmlns:p14="http://schemas.microsoft.com/office/powerpoint/2010/main">
+    <mc:Choice Requires="p14">
+      <p:transition spd="slow" p14:dur="2000" advTm="0"/>
+    </mc:Choice>
+    <mc:Fallback xmlns="">
+      <p:transition spd="slow" advTm="0"/>
+    </mc:Fallback>
+  </mc:AlternateContent>
+</p:sld>
+</file>
+
+<file path=ppt/slides/slide29.xml><?xml version="1.0" encoding="utf-8"?>
+<p:sld xmlns:a="http://schemas.openxmlformats.org/drawingml/2006/main" xmlns:r="http://schemas.openxmlformats.org/officeDocument/2006/relationships" xmlns:p="http://schemas.openxmlformats.org/presentationml/2006/main">
+  <p:cSld>
+    <p:spTree>
+      <p:nvGrpSpPr>
+        <p:cNvPr id="1" name=""/>
+        <p:cNvGrpSpPr/>
+        <p:nvPr/>
+      </p:nvGrpSpPr>
+      <p:grpSpPr>
+        <a:xfrm>
+          <a:off x="0" y="0"/>
+          <a:ext cx="0" cy="0"/>
+          <a:chOff x="0" y="0"/>
+          <a:chExt cx="0" cy="0"/>
+        </a:xfrm>
+      </p:grpSpPr>
+      <p:pic>
+        <p:nvPicPr>
+          <p:cNvPr id="8" name="图片 7"/>
+          <p:cNvPicPr>
+            <a:picLocks noChangeAspect="1"/>
+          </p:cNvPicPr>
+          <p:nvPr/>
+        </p:nvPicPr>
+        <p:blipFill rotWithShape="1">
+          <a:blip r:embed="rId2">
+            <a:extLst>
+              <a:ext uri="{28A0092B-C50C-407E-A947-70E740481C1C}">
+                <a14:useLocalDpi xmlns:a14="http://schemas.microsoft.com/office/drawing/2010/main" val="0"/>
+              </a:ext>
+            </a:extLst>
+          </a:blip>
+          <a:srcRect l="36622" t="27234" r="41356" b="38865"/>
+          <a:stretch/>
+        </p:blipFill>
+        <p:spPr>
+          <a:xfrm>
+            <a:off x="2844166" y="2541008"/>
+            <a:ext cx="2050927" cy="1775983"/>
+          </a:xfrm>
+          <a:prstGeom prst="rect">
+            <a:avLst/>
+          </a:prstGeom>
+        </p:spPr>
+      </p:pic>
+      <p:sp>
+        <p:nvSpPr>
+          <p:cNvPr id="4" name="文本框 3"/>
+          <p:cNvSpPr txBox="1"/>
+          <p:nvPr/>
+        </p:nvSpPr>
+        <p:spPr>
+          <a:xfrm>
+            <a:off x="3214954" y="2541008"/>
+            <a:ext cx="1415772" cy="1569660"/>
+          </a:xfrm>
+          <a:prstGeom prst="rect">
+            <a:avLst/>
+          </a:prstGeom>
+          <a:noFill/>
+        </p:spPr>
+        <p:txBody>
+          <a:bodyPr wrap="none" rtlCol="0">
+            <a:spAutoFit/>
+          </a:bodyPr>
+          <a:lstStyle/>
+          <a:p>
+            <a:r>
+              <a:rPr lang="en-US" altLang="zh-CN" sz="9600" dirty="0">
+                <a:solidFill>
+                  <a:schemeClr val="tx1">
+                    <a:lumMod val="50000"/>
+                    <a:lumOff val="50000"/>
+                  </a:schemeClr>
+                </a:solidFill>
+                <a:latin typeface="楷体" panose="02010609060101010101" pitchFamily="49" charset="-122"/>
+                <a:ea typeface="楷体" panose="02010609060101010101" pitchFamily="49" charset="-122"/>
+              </a:rPr>
+              <a:t>04</a:t>
+            </a:r>
+            <a:endParaRPr lang="zh-CN" altLang="en-US" sz="9600" dirty="0">
+              <a:solidFill>
+                <a:schemeClr val="tx1">
+                  <a:lumMod val="50000"/>
+                  <a:lumOff val="50000"/>
+                </a:schemeClr>
+              </a:solidFill>
+              <a:latin typeface="楷体" panose="02010609060101010101" pitchFamily="49" charset="-122"/>
+              <a:ea typeface="楷体" panose="02010609060101010101" pitchFamily="49" charset="-122"/>
+            </a:endParaRPr>
+          </a:p>
+        </p:txBody>
+      </p:sp>
+      <p:sp>
+        <p:nvSpPr>
+          <p:cNvPr id="5" name="文本框 4"/>
+          <p:cNvSpPr txBox="1"/>
+          <p:nvPr/>
+        </p:nvSpPr>
+        <p:spPr>
+          <a:xfrm>
+            <a:off x="5782130" y="2759902"/>
             <a:ext cx="1883849" cy="1107996"/>
           </a:xfrm>
           <a:prstGeom prst="rect">
@@ -14638,7 +15050,174 @@
 </p:sld>
 </file>
 
-<file path=ppt/slides/slide25.xml><?xml version="1.0" encoding="utf-8"?>
+<file path=ppt/slides/slide3.xml><?xml version="1.0" encoding="utf-8"?>
+<p:sld xmlns:a="http://schemas.openxmlformats.org/drawingml/2006/main" xmlns:r="http://schemas.openxmlformats.org/officeDocument/2006/relationships" xmlns:p="http://schemas.openxmlformats.org/presentationml/2006/main">
+  <p:cSld>
+    <p:bg>
+      <p:bgPr>
+        <a:solidFill>
+          <a:schemeClr val="bg1">
+            <a:lumMod val="95000"/>
+          </a:schemeClr>
+        </a:solidFill>
+        <a:effectLst/>
+      </p:bgPr>
+    </p:bg>
+    <p:spTree>
+      <p:nvGrpSpPr>
+        <p:cNvPr id="1" name=""/>
+        <p:cNvGrpSpPr/>
+        <p:nvPr/>
+      </p:nvGrpSpPr>
+      <p:grpSpPr>
+        <a:xfrm>
+          <a:off x="0" y="0"/>
+          <a:ext cx="0" cy="0"/>
+          <a:chOff x="0" y="0"/>
+          <a:chExt cx="0" cy="0"/>
+        </a:xfrm>
+      </p:grpSpPr>
+      <p:pic>
+        <p:nvPicPr>
+          <p:cNvPr id="8" name="图片 7"/>
+          <p:cNvPicPr>
+            <a:picLocks noChangeAspect="1"/>
+          </p:cNvPicPr>
+          <p:nvPr/>
+        </p:nvPicPr>
+        <p:blipFill rotWithShape="1">
+          <a:blip r:embed="rId2">
+            <a:extLst>
+              <a:ext uri="{28A0092B-C50C-407E-A947-70E740481C1C}">
+                <a14:useLocalDpi xmlns:a14="http://schemas.microsoft.com/office/drawing/2010/main" val="0"/>
+              </a:ext>
+            </a:extLst>
+          </a:blip>
+          <a:srcRect l="36622" t="27234" r="41356" b="38865"/>
+          <a:stretch/>
+        </p:blipFill>
+        <p:spPr>
+          <a:xfrm>
+            <a:off x="2844166" y="2541008"/>
+            <a:ext cx="2050927" cy="1775983"/>
+          </a:xfrm>
+          <a:prstGeom prst="rect">
+            <a:avLst/>
+          </a:prstGeom>
+        </p:spPr>
+      </p:pic>
+      <p:sp>
+        <p:nvSpPr>
+          <p:cNvPr id="4" name="文本框 3"/>
+          <p:cNvSpPr txBox="1"/>
+          <p:nvPr/>
+        </p:nvSpPr>
+        <p:spPr>
+          <a:xfrm>
+            <a:off x="3214954" y="2541008"/>
+            <a:ext cx="1415772" cy="1569660"/>
+          </a:xfrm>
+          <a:prstGeom prst="rect">
+            <a:avLst/>
+          </a:prstGeom>
+          <a:noFill/>
+        </p:spPr>
+        <p:txBody>
+          <a:bodyPr wrap="none" rtlCol="0">
+            <a:spAutoFit/>
+          </a:bodyPr>
+          <a:lstStyle/>
+          <a:p>
+            <a:r>
+              <a:rPr lang="en-US" altLang="zh-CN" sz="9600" dirty="0">
+                <a:solidFill>
+                  <a:schemeClr val="tx1">
+                    <a:lumMod val="50000"/>
+                    <a:lumOff val="50000"/>
+                  </a:schemeClr>
+                </a:solidFill>
+                <a:latin typeface="楷体" panose="02010609060101010101" pitchFamily="49" charset="-122"/>
+                <a:ea typeface="楷体" panose="02010609060101010101" pitchFamily="49" charset="-122"/>
+              </a:rPr>
+              <a:t>01</a:t>
+            </a:r>
+            <a:endParaRPr lang="zh-CN" altLang="en-US" sz="9600" dirty="0">
+              <a:solidFill>
+                <a:schemeClr val="tx1">
+                  <a:lumMod val="50000"/>
+                  <a:lumOff val="50000"/>
+                </a:schemeClr>
+              </a:solidFill>
+              <a:latin typeface="楷体" panose="02010609060101010101" pitchFamily="49" charset="-122"/>
+              <a:ea typeface="楷体" panose="02010609060101010101" pitchFamily="49" charset="-122"/>
+            </a:endParaRPr>
+          </a:p>
+        </p:txBody>
+      </p:sp>
+      <p:sp>
+        <p:nvSpPr>
+          <p:cNvPr id="5" name="文本框 4"/>
+          <p:cNvSpPr txBox="1"/>
+          <p:nvPr/>
+        </p:nvSpPr>
+        <p:spPr>
+          <a:xfrm>
+            <a:off x="5782130" y="2759902"/>
+            <a:ext cx="3583032" cy="1107996"/>
+          </a:xfrm>
+          <a:prstGeom prst="rect">
+            <a:avLst/>
+          </a:prstGeom>
+          <a:noFill/>
+        </p:spPr>
+        <p:txBody>
+          <a:bodyPr wrap="none" rtlCol="0">
+            <a:spAutoFit/>
+          </a:bodyPr>
+          <a:lstStyle/>
+          <a:p>
+            <a:r>
+              <a:rPr lang="zh-CN" altLang="en-US" sz="6600" b="1" dirty="0">
+                <a:solidFill>
+                  <a:schemeClr val="tx1">
+                    <a:lumMod val="50000"/>
+                    <a:lumOff val="50000"/>
+                  </a:schemeClr>
+                </a:solidFill>
+                <a:latin typeface="幼圆" panose="02010509060101010101" pitchFamily="49" charset="-122"/>
+                <a:ea typeface="幼圆" panose="02010509060101010101" pitchFamily="49" charset="-122"/>
+              </a:rPr>
+              <a:t>代码清单</a:t>
+            </a:r>
+          </a:p>
+        </p:txBody>
+      </p:sp>
+    </p:spTree>
+    <p:extLst>
+      <p:ext uri="{BB962C8B-B14F-4D97-AF65-F5344CB8AC3E}">
+        <p14:creationId xmlns:p14="http://schemas.microsoft.com/office/powerpoint/2010/main" val="2467079865"/>
+      </p:ext>
+    </p:extLst>
+  </p:cSld>
+  <p:clrMapOvr>
+    <a:masterClrMapping/>
+  </p:clrMapOvr>
+  <mc:AlternateContent xmlns:mc="http://schemas.openxmlformats.org/markup-compatibility/2006" xmlns:p15="http://schemas.microsoft.com/office/powerpoint/2012/main">
+    <mc:Choice Requires="p15">
+      <p:transition xmlns:p14="http://schemas.microsoft.com/office/powerpoint/2010/main" spd="slow" p14:dur="2000" advTm="0">
+        <p15:prstTrans prst="drape"/>
+      </p:transition>
+    </mc:Choice>
+    <mc:Fallback xmlns="">
+      <p:transition spd="slow" advTm="0">
+        <p:fade/>
+      </p:transition>
+    </mc:Fallback>
+  </mc:AlternateContent>
+</p:sld>
+</file>
+
+<file path=ppt/slides/slide30.xml><?xml version="1.0" encoding="utf-8"?>
 <p:sld xmlns:a="http://schemas.openxmlformats.org/drawingml/2006/main" xmlns:r="http://schemas.openxmlformats.org/officeDocument/2006/relationships" xmlns:p="http://schemas.openxmlformats.org/presentationml/2006/main">
   <p:cSld>
     <p:spTree>
@@ -15066,7 +15645,7 @@
 </p:sld>
 </file>
 
-<file path=ppt/slides/slide26.xml><?xml version="1.0" encoding="utf-8"?>
+<file path=ppt/slides/slide31.xml><?xml version="1.0" encoding="utf-8"?>
 <p:sld xmlns:a="http://schemas.openxmlformats.org/drawingml/2006/main" xmlns:r="http://schemas.openxmlformats.org/officeDocument/2006/relationships" xmlns:p="http://schemas.openxmlformats.org/presentationml/2006/main">
   <p:cSld>
     <p:spTree>
@@ -15182,7 +15761,7 @@
 </p:sld>
 </file>
 
-<file path=ppt/slides/slide27.xml><?xml version="1.0" encoding="utf-8"?>
+<file path=ppt/slides/slide32.xml><?xml version="1.0" encoding="utf-8"?>
 <p:sld xmlns:a="http://schemas.openxmlformats.org/drawingml/2006/main" xmlns:r="http://schemas.openxmlformats.org/officeDocument/2006/relationships" xmlns:p="http://schemas.openxmlformats.org/presentationml/2006/main">
   <p:cSld>
     <p:spTree>
@@ -15252,14 +15831,14 @@
           <p:nvPr>
             <p:extLst>
               <p:ext uri="{D42A27DB-BD31-4B8C-83A1-F6EECF244321}">
-                <p14:modId xmlns:p14="http://schemas.microsoft.com/office/powerpoint/2010/main" val="4260173906"/>
+                <p14:modId xmlns:p14="http://schemas.microsoft.com/office/powerpoint/2010/main" val="1320045443"/>
               </p:ext>
             </p:extLst>
           </p:nvPr>
         </p:nvGraphicFramePr>
         <p:xfrm>
-          <a:off x="735043" y="1945640"/>
-          <a:ext cx="10433700" cy="3232852"/>
+          <a:off x="1267900" y="2048277"/>
+          <a:ext cx="9508957" cy="3232852"/>
         </p:xfrm>
         <a:graphic>
           <a:graphicData uri="http://schemas.openxmlformats.org/drawingml/2006/table">
@@ -15268,28 +15847,28 @@
                 <a:tableStyleId>{F5AB1C69-6EDB-4FF4-983F-18BD219EF322}</a:tableStyleId>
               </a:tblPr>
               <a:tblGrid>
-                <a:gridCol w="2608425">
+                <a:gridCol w="1705226">
                   <a:extLst>
                     <a:ext uri="{9D8B030D-6E8A-4147-A177-3AD203B41FA5}">
                       <a16:colId xmlns:a16="http://schemas.microsoft.com/office/drawing/2014/main" val="1312679218"/>
                     </a:ext>
                   </a:extLst>
                 </a:gridCol>
-                <a:gridCol w="2608425">
+                <a:gridCol w="2186703">
                   <a:extLst>
                     <a:ext uri="{9D8B030D-6E8A-4147-A177-3AD203B41FA5}">
                       <a16:colId xmlns:a16="http://schemas.microsoft.com/office/drawing/2014/main" val="3678379424"/>
                     </a:ext>
                   </a:extLst>
                 </a:gridCol>
-                <a:gridCol w="2608425">
+                <a:gridCol w="3498979">
                   <a:extLst>
                     <a:ext uri="{9D8B030D-6E8A-4147-A177-3AD203B41FA5}">
                       <a16:colId xmlns:a16="http://schemas.microsoft.com/office/drawing/2014/main" val="195593621"/>
                     </a:ext>
                   </a:extLst>
                 </a:gridCol>
-                <a:gridCol w="2608425">
+                <a:gridCol w="2118049">
                   <a:extLst>
                     <a:ext uri="{9D8B030D-6E8A-4147-A177-3AD203B41FA5}">
                       <a16:colId xmlns:a16="http://schemas.microsoft.com/office/drawing/2014/main" val="941486974"/>
@@ -15408,7 +15987,7 @@
                     <a:bodyPr/>
                     <a:lstStyle/>
                     <a:p>
-                      <a:endParaRPr lang="zh-CN" altLang="en-US"/>
+                      <a:endParaRPr lang="zh-CN" altLang="en-US" dirty="0"/>
                     </a:p>
                   </a:txBody>
                   <a:tcPr/>
@@ -15497,7 +16076,7 @@
                     <a:p>
                       <a:r>
                         <a:rPr lang="zh-CN" altLang="en-US" dirty="0"/>
-                        <a:t>代码规范</a:t>
+                        <a:t>测试报告</a:t>
                       </a:r>
                     </a:p>
                   </a:txBody>
@@ -15561,7 +16140,7 @@
 </p:sld>
 </file>
 
-<file path=ppt/slides/slide28.xml><?xml version="1.0" encoding="utf-8"?>
+<file path=ppt/slides/slide33.xml><?xml version="1.0" encoding="utf-8"?>
 <p:sld xmlns:a="http://schemas.openxmlformats.org/drawingml/2006/main" xmlns:r="http://schemas.openxmlformats.org/officeDocument/2006/relationships" xmlns:p="http://schemas.openxmlformats.org/presentationml/2006/main">
   <p:cSld>
     <p:bg>
@@ -16191,173 +16770,6 @@
     </mc:Choice>
     <mc:Fallback xmlns="">
       <p:transition spd="slow" advTm="9000">
-        <p:fade/>
-      </p:transition>
-    </mc:Fallback>
-  </mc:AlternateContent>
-</p:sld>
-</file>
-
-<file path=ppt/slides/slide3.xml><?xml version="1.0" encoding="utf-8"?>
-<p:sld xmlns:a="http://schemas.openxmlformats.org/drawingml/2006/main" xmlns:r="http://schemas.openxmlformats.org/officeDocument/2006/relationships" xmlns:p="http://schemas.openxmlformats.org/presentationml/2006/main">
-  <p:cSld>
-    <p:bg>
-      <p:bgPr>
-        <a:solidFill>
-          <a:schemeClr val="bg1">
-            <a:lumMod val="95000"/>
-          </a:schemeClr>
-        </a:solidFill>
-        <a:effectLst/>
-      </p:bgPr>
-    </p:bg>
-    <p:spTree>
-      <p:nvGrpSpPr>
-        <p:cNvPr id="1" name=""/>
-        <p:cNvGrpSpPr/>
-        <p:nvPr/>
-      </p:nvGrpSpPr>
-      <p:grpSpPr>
-        <a:xfrm>
-          <a:off x="0" y="0"/>
-          <a:ext cx="0" cy="0"/>
-          <a:chOff x="0" y="0"/>
-          <a:chExt cx="0" cy="0"/>
-        </a:xfrm>
-      </p:grpSpPr>
-      <p:pic>
-        <p:nvPicPr>
-          <p:cNvPr id="8" name="图片 7"/>
-          <p:cNvPicPr>
-            <a:picLocks noChangeAspect="1"/>
-          </p:cNvPicPr>
-          <p:nvPr/>
-        </p:nvPicPr>
-        <p:blipFill rotWithShape="1">
-          <a:blip r:embed="rId2">
-            <a:extLst>
-              <a:ext uri="{28A0092B-C50C-407E-A947-70E740481C1C}">
-                <a14:useLocalDpi xmlns:a14="http://schemas.microsoft.com/office/drawing/2010/main" val="0"/>
-              </a:ext>
-            </a:extLst>
-          </a:blip>
-          <a:srcRect l="36622" t="27234" r="41356" b="38865"/>
-          <a:stretch/>
-        </p:blipFill>
-        <p:spPr>
-          <a:xfrm>
-            <a:off x="2844166" y="2541008"/>
-            <a:ext cx="2050927" cy="1775983"/>
-          </a:xfrm>
-          <a:prstGeom prst="rect">
-            <a:avLst/>
-          </a:prstGeom>
-        </p:spPr>
-      </p:pic>
-      <p:sp>
-        <p:nvSpPr>
-          <p:cNvPr id="4" name="文本框 3"/>
-          <p:cNvSpPr txBox="1"/>
-          <p:nvPr/>
-        </p:nvSpPr>
-        <p:spPr>
-          <a:xfrm>
-            <a:off x="3214954" y="2541008"/>
-            <a:ext cx="1415772" cy="1569660"/>
-          </a:xfrm>
-          <a:prstGeom prst="rect">
-            <a:avLst/>
-          </a:prstGeom>
-          <a:noFill/>
-        </p:spPr>
-        <p:txBody>
-          <a:bodyPr wrap="none" rtlCol="0">
-            <a:spAutoFit/>
-          </a:bodyPr>
-          <a:lstStyle/>
-          <a:p>
-            <a:r>
-              <a:rPr lang="en-US" altLang="zh-CN" sz="9600" dirty="0">
-                <a:solidFill>
-                  <a:schemeClr val="tx1">
-                    <a:lumMod val="50000"/>
-                    <a:lumOff val="50000"/>
-                  </a:schemeClr>
-                </a:solidFill>
-                <a:latin typeface="楷体" panose="02010609060101010101" pitchFamily="49" charset="-122"/>
-                <a:ea typeface="楷体" panose="02010609060101010101" pitchFamily="49" charset="-122"/>
-              </a:rPr>
-              <a:t>01</a:t>
-            </a:r>
-            <a:endParaRPr lang="zh-CN" altLang="en-US" sz="9600" dirty="0">
-              <a:solidFill>
-                <a:schemeClr val="tx1">
-                  <a:lumMod val="50000"/>
-                  <a:lumOff val="50000"/>
-                </a:schemeClr>
-              </a:solidFill>
-              <a:latin typeface="楷体" panose="02010609060101010101" pitchFamily="49" charset="-122"/>
-              <a:ea typeface="楷体" panose="02010609060101010101" pitchFamily="49" charset="-122"/>
-            </a:endParaRPr>
-          </a:p>
-        </p:txBody>
-      </p:sp>
-      <p:sp>
-        <p:nvSpPr>
-          <p:cNvPr id="5" name="文本框 4"/>
-          <p:cNvSpPr txBox="1"/>
-          <p:nvPr/>
-        </p:nvSpPr>
-        <p:spPr>
-          <a:xfrm>
-            <a:off x="5782130" y="2759902"/>
-            <a:ext cx="3583032" cy="1107996"/>
-          </a:xfrm>
-          <a:prstGeom prst="rect">
-            <a:avLst/>
-          </a:prstGeom>
-          <a:noFill/>
-        </p:spPr>
-        <p:txBody>
-          <a:bodyPr wrap="none" rtlCol="0">
-            <a:spAutoFit/>
-          </a:bodyPr>
-          <a:lstStyle/>
-          <a:p>
-            <a:r>
-              <a:rPr lang="zh-CN" altLang="en-US" sz="6600" b="1" dirty="0">
-                <a:solidFill>
-                  <a:schemeClr val="tx1">
-                    <a:lumMod val="50000"/>
-                    <a:lumOff val="50000"/>
-                  </a:schemeClr>
-                </a:solidFill>
-                <a:latin typeface="幼圆" panose="02010509060101010101" pitchFamily="49" charset="-122"/>
-                <a:ea typeface="幼圆" panose="02010509060101010101" pitchFamily="49" charset="-122"/>
-              </a:rPr>
-              <a:t>代码清单</a:t>
-            </a:r>
-          </a:p>
-        </p:txBody>
-      </p:sp>
-    </p:spTree>
-    <p:extLst>
-      <p:ext uri="{BB962C8B-B14F-4D97-AF65-F5344CB8AC3E}">
-        <p14:creationId xmlns:p14="http://schemas.microsoft.com/office/powerpoint/2010/main" val="2467079865"/>
-      </p:ext>
-    </p:extLst>
-  </p:cSld>
-  <p:clrMapOvr>
-    <a:masterClrMapping/>
-  </p:clrMapOvr>
-  <mc:AlternateContent xmlns:mc="http://schemas.openxmlformats.org/markup-compatibility/2006" xmlns:p15="http://schemas.microsoft.com/office/powerpoint/2012/main">
-    <mc:Choice Requires="p15">
-      <p:transition xmlns:p14="http://schemas.microsoft.com/office/powerpoint/2010/main" spd="slow" p14:dur="2000" advTm="0">
-        <p15:prstTrans prst="drape"/>
-      </p:transition>
-    </mc:Choice>
-    <mc:Fallback xmlns="">
-      <p:transition spd="slow" advTm="0">
         <p:fade/>
       </p:transition>
     </mc:Fallback>

--- a/代码实现.pptx
+++ b/代码实现.pptx
@@ -5,7 +5,7 @@
     <p:sldMasterId id="2147483648" r:id="rId1"/>
   </p:sldMasterIdLst>
   <p:notesMasterIdLst>
-    <p:notesMasterId r:id="rId35"/>
+    <p:notesMasterId r:id="rId40"/>
   </p:notesMasterIdLst>
   <p:sldIdLst>
     <p:sldId id="256" r:id="rId2"/>
@@ -32,15 +32,20 @@
     <p:sldId id="337" r:id="rId23"/>
     <p:sldId id="338" r:id="rId24"/>
     <p:sldId id="343" r:id="rId25"/>
-    <p:sldId id="344" r:id="rId26"/>
-    <p:sldId id="345" r:id="rId27"/>
-    <p:sldId id="346" r:id="rId28"/>
-    <p:sldId id="347" r:id="rId29"/>
-    <p:sldId id="339" r:id="rId30"/>
-    <p:sldId id="340" r:id="rId31"/>
-    <p:sldId id="341" r:id="rId32"/>
-    <p:sldId id="342" r:id="rId33"/>
-    <p:sldId id="283" r:id="rId34"/>
+    <p:sldId id="346" r:id="rId26"/>
+    <p:sldId id="347" r:id="rId27"/>
+    <p:sldId id="344" r:id="rId28"/>
+    <p:sldId id="345" r:id="rId29"/>
+    <p:sldId id="351" r:id="rId30"/>
+    <p:sldId id="348" r:id="rId31"/>
+    <p:sldId id="349" r:id="rId32"/>
+    <p:sldId id="350" r:id="rId33"/>
+    <p:sldId id="339" r:id="rId34"/>
+    <p:sldId id="340" r:id="rId35"/>
+    <p:sldId id="352" r:id="rId36"/>
+    <p:sldId id="341" r:id="rId37"/>
+    <p:sldId id="342" r:id="rId38"/>
+    <p:sldId id="283" r:id="rId39"/>
   </p:sldIdLst>
   <p:sldSz cx="12192000" cy="6858000"/>
   <p:notesSz cx="6858000" cy="9144000"/>
@@ -14758,10 +14763,44 @@
           <a:chExt cx="0" cy="0"/>
         </a:xfrm>
       </p:grpSpPr>
+      <p:pic>
+        <p:nvPicPr>
+          <p:cNvPr id="2" name="图片 1">
+            <a:extLst>
+              <a:ext uri="{FF2B5EF4-FFF2-40B4-BE49-F238E27FC236}">
+                <a16:creationId xmlns:a16="http://schemas.microsoft.com/office/drawing/2014/main" id="{D49FCA86-EBB0-4D76-AFFA-5EDB2E64004C}"/>
+              </a:ext>
+            </a:extLst>
+          </p:cNvPr>
+          <p:cNvPicPr>
+            <a:picLocks noChangeAspect="1"/>
+          </p:cNvPicPr>
+          <p:nvPr/>
+        </p:nvPicPr>
+        <p:blipFill>
+          <a:blip r:embed="rId2"/>
+          <a:stretch>
+            <a:fillRect/>
+          </a:stretch>
+        </p:blipFill>
+        <p:spPr>
+          <a:xfrm>
+            <a:off x="2066037" y="0"/>
+            <a:ext cx="8645506" cy="6533746"/>
+          </a:xfrm>
+          <a:prstGeom prst="rect">
+            <a:avLst/>
+          </a:prstGeom>
+          <a:noFill/>
+          <a:ln>
+            <a:noFill/>
+          </a:ln>
+        </p:spPr>
+      </p:pic>
     </p:spTree>
     <p:extLst>
       <p:ext uri="{BB962C8B-B14F-4D97-AF65-F5344CB8AC3E}">
-        <p14:creationId xmlns:p14="http://schemas.microsoft.com/office/powerpoint/2010/main" val="1949289830"/>
+        <p14:creationId xmlns:p14="http://schemas.microsoft.com/office/powerpoint/2010/main" val="2855026938"/>
       </p:ext>
     </p:extLst>
   </p:cSld>
@@ -14796,10 +14835,44 @@
           <a:chExt cx="0" cy="0"/>
         </a:xfrm>
       </p:grpSpPr>
+      <p:pic>
+        <p:nvPicPr>
+          <p:cNvPr id="2" name="图片 1">
+            <a:extLst>
+              <a:ext uri="{FF2B5EF4-FFF2-40B4-BE49-F238E27FC236}">
+                <a16:creationId xmlns:a16="http://schemas.microsoft.com/office/drawing/2014/main" id="{C2C5AD56-2D54-4EE3-9F4A-0ECAEF1F28F1}"/>
+              </a:ext>
+            </a:extLst>
+          </p:cNvPr>
+          <p:cNvPicPr>
+            <a:picLocks noChangeAspect="1"/>
+          </p:cNvPicPr>
+          <p:nvPr/>
+        </p:nvPicPr>
+        <p:blipFill>
+          <a:blip r:embed="rId2"/>
+          <a:stretch>
+            <a:fillRect/>
+          </a:stretch>
+        </p:blipFill>
+        <p:spPr>
+          <a:xfrm>
+            <a:off x="1754155" y="467992"/>
+            <a:ext cx="8129211" cy="5922015"/>
+          </a:xfrm>
+          <a:prstGeom prst="rect">
+            <a:avLst/>
+          </a:prstGeom>
+          <a:noFill/>
+          <a:ln>
+            <a:noFill/>
+          </a:ln>
+        </p:spPr>
+      </p:pic>
     </p:spTree>
     <p:extLst>
       <p:ext uri="{BB962C8B-B14F-4D97-AF65-F5344CB8AC3E}">
-        <p14:creationId xmlns:p14="http://schemas.microsoft.com/office/powerpoint/2010/main" val="4264502093"/>
+        <p14:creationId xmlns:p14="http://schemas.microsoft.com/office/powerpoint/2010/main" val="602112675"/>
       </p:ext>
     </p:extLst>
   </p:cSld>
@@ -14834,10 +14907,44 @@
           <a:chExt cx="0" cy="0"/>
         </a:xfrm>
       </p:grpSpPr>
+      <p:pic>
+        <p:nvPicPr>
+          <p:cNvPr id="2" name="图片 1">
+            <a:extLst>
+              <a:ext uri="{FF2B5EF4-FFF2-40B4-BE49-F238E27FC236}">
+                <a16:creationId xmlns:a16="http://schemas.microsoft.com/office/drawing/2014/main" id="{CF70B945-4620-4A6B-B25A-3362FD8A9627}"/>
+              </a:ext>
+            </a:extLst>
+          </p:cNvPr>
+          <p:cNvPicPr>
+            <a:picLocks noChangeAspect="1"/>
+          </p:cNvPicPr>
+          <p:nvPr/>
+        </p:nvPicPr>
+        <p:blipFill>
+          <a:blip r:embed="rId2"/>
+          <a:stretch>
+            <a:fillRect/>
+          </a:stretch>
+        </p:blipFill>
+        <p:spPr>
+          <a:xfrm>
+            <a:off x="348744" y="2433607"/>
+            <a:ext cx="11494511" cy="1990786"/>
+          </a:xfrm>
+          <a:prstGeom prst="rect">
+            <a:avLst/>
+          </a:prstGeom>
+          <a:noFill/>
+          <a:ln>
+            <a:noFill/>
+          </a:ln>
+        </p:spPr>
+      </p:pic>
     </p:spTree>
     <p:extLst>
       <p:ext uri="{BB962C8B-B14F-4D97-AF65-F5344CB8AC3E}">
-        <p14:creationId xmlns:p14="http://schemas.microsoft.com/office/powerpoint/2010/main" val="2855026938"/>
+        <p14:creationId xmlns:p14="http://schemas.microsoft.com/office/powerpoint/2010/main" val="1949289830"/>
       </p:ext>
     </p:extLst>
   </p:cSld>
@@ -14872,10 +14979,44 @@
           <a:chExt cx="0" cy="0"/>
         </a:xfrm>
       </p:grpSpPr>
+      <p:pic>
+        <p:nvPicPr>
+          <p:cNvPr id="2" name="图片 1">
+            <a:extLst>
+              <a:ext uri="{FF2B5EF4-FFF2-40B4-BE49-F238E27FC236}">
+                <a16:creationId xmlns:a16="http://schemas.microsoft.com/office/drawing/2014/main" id="{1CB3DDB2-0F41-4BF6-82D7-DCA6D274D285}"/>
+              </a:ext>
+            </a:extLst>
+          </p:cNvPr>
+          <p:cNvPicPr>
+            <a:picLocks noChangeAspect="1"/>
+          </p:cNvPicPr>
+          <p:nvPr/>
+        </p:nvPicPr>
+        <p:blipFill>
+          <a:blip r:embed="rId2"/>
+          <a:stretch>
+            <a:fillRect/>
+          </a:stretch>
+        </p:blipFill>
+        <p:spPr>
+          <a:xfrm>
+            <a:off x="1510785" y="2586263"/>
+            <a:ext cx="9170430" cy="2186947"/>
+          </a:xfrm>
+          <a:prstGeom prst="rect">
+            <a:avLst/>
+          </a:prstGeom>
+          <a:noFill/>
+          <a:ln>
+            <a:noFill/>
+          </a:ln>
+        </p:spPr>
+      </p:pic>
     </p:spTree>
     <p:extLst>
       <p:ext uri="{BB962C8B-B14F-4D97-AF65-F5344CB8AC3E}">
-        <p14:creationId xmlns:p14="http://schemas.microsoft.com/office/powerpoint/2010/main" val="602112675"/>
+        <p14:creationId xmlns:p14="http://schemas.microsoft.com/office/powerpoint/2010/main" val="4264502093"/>
       </p:ext>
     </p:extLst>
   </p:cSld>
@@ -14912,139 +15053,54 @@
       </p:grpSpPr>
       <p:pic>
         <p:nvPicPr>
-          <p:cNvPr id="8" name="图片 7"/>
+          <p:cNvPr id="2" name="图片 1">
+            <a:extLst>
+              <a:ext uri="{FF2B5EF4-FFF2-40B4-BE49-F238E27FC236}">
+                <a16:creationId xmlns:a16="http://schemas.microsoft.com/office/drawing/2014/main" id="{771D30BE-72FB-4651-929C-85118B8AB03C}"/>
+              </a:ext>
+            </a:extLst>
+          </p:cNvPr>
           <p:cNvPicPr>
             <a:picLocks noChangeAspect="1"/>
           </p:cNvPicPr>
           <p:nvPr/>
         </p:nvPicPr>
-        <p:blipFill rotWithShape="1">
-          <a:blip r:embed="rId2">
-            <a:extLst>
-              <a:ext uri="{28A0092B-C50C-407E-A947-70E740481C1C}">
-                <a14:useLocalDpi xmlns:a14="http://schemas.microsoft.com/office/drawing/2010/main" val="0"/>
-              </a:ext>
-            </a:extLst>
-          </a:blip>
-          <a:srcRect l="36622" t="27234" r="41356" b="38865"/>
-          <a:stretch/>
+        <p:blipFill>
+          <a:blip r:embed="rId2"/>
+          <a:stretch>
+            <a:fillRect/>
+          </a:stretch>
         </p:blipFill>
         <p:spPr>
           <a:xfrm>
-            <a:off x="2844166" y="2541008"/>
-            <a:ext cx="2050927" cy="1775983"/>
-          </a:xfrm>
-          <a:prstGeom prst="rect">
-            <a:avLst/>
-          </a:prstGeom>
-        </p:spPr>
-      </p:pic>
-      <p:sp>
-        <p:nvSpPr>
-          <p:cNvPr id="4" name="文本框 3"/>
-          <p:cNvSpPr txBox="1"/>
-          <p:nvPr/>
-        </p:nvSpPr>
-        <p:spPr>
-          <a:xfrm>
-            <a:off x="3214954" y="2541008"/>
-            <a:ext cx="1415772" cy="1569660"/>
+            <a:off x="1399592" y="451523"/>
+            <a:ext cx="8545914" cy="5954953"/>
           </a:xfrm>
           <a:prstGeom prst="rect">
             <a:avLst/>
           </a:prstGeom>
           <a:noFill/>
+          <a:ln>
+            <a:noFill/>
+          </a:ln>
         </p:spPr>
-        <p:txBody>
-          <a:bodyPr wrap="none" rtlCol="0">
-            <a:spAutoFit/>
-          </a:bodyPr>
-          <a:lstStyle/>
-          <a:p>
-            <a:r>
-              <a:rPr lang="en-US" altLang="zh-CN" sz="9600" dirty="0">
-                <a:solidFill>
-                  <a:schemeClr val="tx1">
-                    <a:lumMod val="50000"/>
-                    <a:lumOff val="50000"/>
-                  </a:schemeClr>
-                </a:solidFill>
-                <a:latin typeface="楷体" panose="02010609060101010101" pitchFamily="49" charset="-122"/>
-                <a:ea typeface="楷体" panose="02010609060101010101" pitchFamily="49" charset="-122"/>
-              </a:rPr>
-              <a:t>04</a:t>
-            </a:r>
-            <a:endParaRPr lang="zh-CN" altLang="en-US" sz="9600" dirty="0">
-              <a:solidFill>
-                <a:schemeClr val="tx1">
-                  <a:lumMod val="50000"/>
-                  <a:lumOff val="50000"/>
-                </a:schemeClr>
-              </a:solidFill>
-              <a:latin typeface="楷体" panose="02010609060101010101" pitchFamily="49" charset="-122"/>
-              <a:ea typeface="楷体" panose="02010609060101010101" pitchFamily="49" charset="-122"/>
-            </a:endParaRPr>
-          </a:p>
-        </p:txBody>
-      </p:sp>
-      <p:sp>
-        <p:nvSpPr>
-          <p:cNvPr id="5" name="文本框 4"/>
-          <p:cNvSpPr txBox="1"/>
-          <p:nvPr/>
-        </p:nvSpPr>
-        <p:spPr>
-          <a:xfrm>
-            <a:off x="5782130" y="2759902"/>
-            <a:ext cx="1883849" cy="1107996"/>
-          </a:xfrm>
-          <a:prstGeom prst="rect">
-            <a:avLst/>
-          </a:prstGeom>
-          <a:noFill/>
-        </p:spPr>
-        <p:txBody>
-          <a:bodyPr wrap="none" rtlCol="0">
-            <a:spAutoFit/>
-          </a:bodyPr>
-          <a:lstStyle/>
-          <a:p>
-            <a:r>
-              <a:rPr lang="zh-CN" altLang="en-US" sz="6600" b="1" dirty="0">
-                <a:solidFill>
-                  <a:schemeClr val="tx1">
-                    <a:lumMod val="50000"/>
-                    <a:lumOff val="50000"/>
-                  </a:schemeClr>
-                </a:solidFill>
-                <a:latin typeface="幼圆" panose="02010509060101010101" pitchFamily="49" charset="-122"/>
-                <a:ea typeface="幼圆" panose="02010509060101010101" pitchFamily="49" charset="-122"/>
-              </a:rPr>
-              <a:t>其他</a:t>
-            </a:r>
-          </a:p>
-        </p:txBody>
-      </p:sp>
+      </p:pic>
     </p:spTree>
     <p:extLst>
       <p:ext uri="{BB962C8B-B14F-4D97-AF65-F5344CB8AC3E}">
-        <p14:creationId xmlns:p14="http://schemas.microsoft.com/office/powerpoint/2010/main" val="2054100251"/>
+        <p14:creationId xmlns:p14="http://schemas.microsoft.com/office/powerpoint/2010/main" val="1282302417"/>
       </p:ext>
     </p:extLst>
   </p:cSld>
   <p:clrMapOvr>
     <a:masterClrMapping/>
   </p:clrMapOvr>
-  <mc:AlternateContent xmlns:mc="http://schemas.openxmlformats.org/markup-compatibility/2006" xmlns:p15="http://schemas.microsoft.com/office/powerpoint/2012/main">
-    <mc:Choice Requires="p15">
-      <p:transition xmlns:p14="http://schemas.microsoft.com/office/powerpoint/2010/main" spd="slow" p14:dur="2000" advTm="0">
-        <p15:prstTrans prst="drape"/>
-      </p:transition>
+  <mc:AlternateContent xmlns:mc="http://schemas.openxmlformats.org/markup-compatibility/2006" xmlns:p14="http://schemas.microsoft.com/office/powerpoint/2010/main">
+    <mc:Choice Requires="p14">
+      <p:transition spd="slow" p14:dur="2000" advTm="0"/>
     </mc:Choice>
     <mc:Fallback xmlns="">
-      <p:transition spd="slow" advTm="0">
-        <p:fade/>
-      </p:transition>
+      <p:transition spd="slow" advTm="0"/>
     </mc:Fallback>
   </mc:AlternateContent>
 </p:sld>
@@ -15236,10 +15292,383 @@
       </p:grpSpPr>
       <p:pic>
         <p:nvPicPr>
-          <p:cNvPr id="3" name="图片 2">
+          <p:cNvPr id="2" name="图片 1">
             <a:extLst>
               <a:ext uri="{FF2B5EF4-FFF2-40B4-BE49-F238E27FC236}">
-                <a16:creationId xmlns:a16="http://schemas.microsoft.com/office/drawing/2014/main" id="{2E5D4345-9677-43C2-9327-76F6FFADC2E7}"/>
+                <a16:creationId xmlns:a16="http://schemas.microsoft.com/office/drawing/2014/main" id="{2100D852-65A6-4B88-9C5E-12C5B4B65488}"/>
+              </a:ext>
+            </a:extLst>
+          </p:cNvPr>
+          <p:cNvPicPr>
+            <a:picLocks noChangeAspect="1"/>
+          </p:cNvPicPr>
+          <p:nvPr/>
+        </p:nvPicPr>
+        <p:blipFill>
+          <a:blip r:embed="rId2"/>
+          <a:stretch>
+            <a:fillRect/>
+          </a:stretch>
+        </p:blipFill>
+        <p:spPr>
+          <a:xfrm>
+            <a:off x="1950097" y="348375"/>
+            <a:ext cx="8117659" cy="5728113"/>
+          </a:xfrm>
+          <a:prstGeom prst="rect">
+            <a:avLst/>
+          </a:prstGeom>
+          <a:noFill/>
+          <a:ln>
+            <a:noFill/>
+          </a:ln>
+        </p:spPr>
+      </p:pic>
+    </p:spTree>
+    <p:extLst>
+      <p:ext uri="{BB962C8B-B14F-4D97-AF65-F5344CB8AC3E}">
+        <p14:creationId xmlns:p14="http://schemas.microsoft.com/office/powerpoint/2010/main" val="99209238"/>
+      </p:ext>
+    </p:extLst>
+  </p:cSld>
+  <p:clrMapOvr>
+    <a:masterClrMapping/>
+  </p:clrMapOvr>
+  <mc:AlternateContent xmlns:mc="http://schemas.openxmlformats.org/markup-compatibility/2006" xmlns:p14="http://schemas.microsoft.com/office/powerpoint/2010/main">
+    <mc:Choice Requires="p14">
+      <p:transition spd="slow" p14:dur="2000" advTm="0"/>
+    </mc:Choice>
+    <mc:Fallback xmlns="">
+      <p:transition spd="slow" advTm="0"/>
+    </mc:Fallback>
+  </mc:AlternateContent>
+</p:sld>
+</file>
+
+<file path=ppt/slides/slide31.xml><?xml version="1.0" encoding="utf-8"?>
+<p:sld xmlns:a="http://schemas.openxmlformats.org/drawingml/2006/main" xmlns:r="http://schemas.openxmlformats.org/officeDocument/2006/relationships" xmlns:p="http://schemas.openxmlformats.org/presentationml/2006/main">
+  <p:cSld>
+    <p:spTree>
+      <p:nvGrpSpPr>
+        <p:cNvPr id="1" name=""/>
+        <p:cNvGrpSpPr/>
+        <p:nvPr/>
+      </p:nvGrpSpPr>
+      <p:grpSpPr>
+        <a:xfrm>
+          <a:off x="0" y="0"/>
+          <a:ext cx="0" cy="0"/>
+          <a:chOff x="0" y="0"/>
+          <a:chExt cx="0" cy="0"/>
+        </a:xfrm>
+      </p:grpSpPr>
+      <p:pic>
+        <p:nvPicPr>
+          <p:cNvPr id="2" name="图片 1">
+            <a:extLst>
+              <a:ext uri="{FF2B5EF4-FFF2-40B4-BE49-F238E27FC236}">
+                <a16:creationId xmlns:a16="http://schemas.microsoft.com/office/drawing/2014/main" id="{67DDD948-CA0F-40B7-AE31-F12609B9CE21}"/>
+              </a:ext>
+            </a:extLst>
+          </p:cNvPr>
+          <p:cNvPicPr>
+            <a:picLocks noChangeAspect="1"/>
+          </p:cNvPicPr>
+          <p:nvPr/>
+        </p:nvPicPr>
+        <p:blipFill>
+          <a:blip r:embed="rId2"/>
+          <a:stretch>
+            <a:fillRect/>
+          </a:stretch>
+        </p:blipFill>
+        <p:spPr>
+          <a:xfrm>
+            <a:off x="677353" y="2056700"/>
+            <a:ext cx="10624267" cy="2897855"/>
+          </a:xfrm>
+          <a:prstGeom prst="rect">
+            <a:avLst/>
+          </a:prstGeom>
+          <a:noFill/>
+          <a:ln>
+            <a:noFill/>
+          </a:ln>
+        </p:spPr>
+      </p:pic>
+    </p:spTree>
+    <p:extLst>
+      <p:ext uri="{BB962C8B-B14F-4D97-AF65-F5344CB8AC3E}">
+        <p14:creationId xmlns:p14="http://schemas.microsoft.com/office/powerpoint/2010/main" val="3964648910"/>
+      </p:ext>
+    </p:extLst>
+  </p:cSld>
+  <p:clrMapOvr>
+    <a:masterClrMapping/>
+  </p:clrMapOvr>
+  <mc:AlternateContent xmlns:mc="http://schemas.openxmlformats.org/markup-compatibility/2006" xmlns:p14="http://schemas.microsoft.com/office/powerpoint/2010/main">
+    <mc:Choice Requires="p14">
+      <p:transition spd="slow" p14:dur="2000" advTm="0"/>
+    </mc:Choice>
+    <mc:Fallback xmlns="">
+      <p:transition spd="slow" advTm="0"/>
+    </mc:Fallback>
+  </mc:AlternateContent>
+</p:sld>
+</file>
+
+<file path=ppt/slides/slide32.xml><?xml version="1.0" encoding="utf-8"?>
+<p:sld xmlns:a="http://schemas.openxmlformats.org/drawingml/2006/main" xmlns:r="http://schemas.openxmlformats.org/officeDocument/2006/relationships" xmlns:p="http://schemas.openxmlformats.org/presentationml/2006/main">
+  <p:cSld>
+    <p:spTree>
+      <p:nvGrpSpPr>
+        <p:cNvPr id="1" name=""/>
+        <p:cNvGrpSpPr/>
+        <p:nvPr/>
+      </p:nvGrpSpPr>
+      <p:grpSpPr>
+        <a:xfrm>
+          <a:off x="0" y="0"/>
+          <a:ext cx="0" cy="0"/>
+          <a:chOff x="0" y="0"/>
+          <a:chExt cx="0" cy="0"/>
+        </a:xfrm>
+      </p:grpSpPr>
+      <p:pic>
+        <p:nvPicPr>
+          <p:cNvPr id="2" name="图片 1">
+            <a:extLst>
+              <a:ext uri="{FF2B5EF4-FFF2-40B4-BE49-F238E27FC236}">
+                <a16:creationId xmlns:a16="http://schemas.microsoft.com/office/drawing/2014/main" id="{260FA965-5C8C-4DE4-8825-9E18E8406557}"/>
+              </a:ext>
+            </a:extLst>
+          </p:cNvPr>
+          <p:cNvPicPr>
+            <a:picLocks noChangeAspect="1"/>
+          </p:cNvPicPr>
+          <p:nvPr/>
+        </p:nvPicPr>
+        <p:blipFill>
+          <a:blip r:embed="rId2"/>
+          <a:stretch>
+            <a:fillRect/>
+          </a:stretch>
+        </p:blipFill>
+        <p:spPr>
+          <a:xfrm>
+            <a:off x="709127" y="2145192"/>
+            <a:ext cx="10460912" cy="2767882"/>
+          </a:xfrm>
+          <a:prstGeom prst="rect">
+            <a:avLst/>
+          </a:prstGeom>
+          <a:noFill/>
+          <a:ln>
+            <a:noFill/>
+          </a:ln>
+        </p:spPr>
+      </p:pic>
+    </p:spTree>
+    <p:extLst>
+      <p:ext uri="{BB962C8B-B14F-4D97-AF65-F5344CB8AC3E}">
+        <p14:creationId xmlns:p14="http://schemas.microsoft.com/office/powerpoint/2010/main" val="1065624318"/>
+      </p:ext>
+    </p:extLst>
+  </p:cSld>
+  <p:clrMapOvr>
+    <a:masterClrMapping/>
+  </p:clrMapOvr>
+  <mc:AlternateContent xmlns:mc="http://schemas.openxmlformats.org/markup-compatibility/2006" xmlns:p14="http://schemas.microsoft.com/office/powerpoint/2010/main">
+    <mc:Choice Requires="p14">
+      <p:transition spd="slow" p14:dur="2000" advTm="0"/>
+    </mc:Choice>
+    <mc:Fallback xmlns="">
+      <p:transition spd="slow" advTm="0"/>
+    </mc:Fallback>
+  </mc:AlternateContent>
+</p:sld>
+</file>
+
+<file path=ppt/slides/slide33.xml><?xml version="1.0" encoding="utf-8"?>
+<p:sld xmlns:a="http://schemas.openxmlformats.org/drawingml/2006/main" xmlns:r="http://schemas.openxmlformats.org/officeDocument/2006/relationships" xmlns:p="http://schemas.openxmlformats.org/presentationml/2006/main">
+  <p:cSld>
+    <p:spTree>
+      <p:nvGrpSpPr>
+        <p:cNvPr id="1" name=""/>
+        <p:cNvGrpSpPr/>
+        <p:nvPr/>
+      </p:nvGrpSpPr>
+      <p:grpSpPr>
+        <a:xfrm>
+          <a:off x="0" y="0"/>
+          <a:ext cx="0" cy="0"/>
+          <a:chOff x="0" y="0"/>
+          <a:chExt cx="0" cy="0"/>
+        </a:xfrm>
+      </p:grpSpPr>
+      <p:pic>
+        <p:nvPicPr>
+          <p:cNvPr id="8" name="图片 7"/>
+          <p:cNvPicPr>
+            <a:picLocks noChangeAspect="1"/>
+          </p:cNvPicPr>
+          <p:nvPr/>
+        </p:nvPicPr>
+        <p:blipFill rotWithShape="1">
+          <a:blip r:embed="rId2">
+            <a:extLst>
+              <a:ext uri="{28A0092B-C50C-407E-A947-70E740481C1C}">
+                <a14:useLocalDpi xmlns:a14="http://schemas.microsoft.com/office/drawing/2010/main" val="0"/>
+              </a:ext>
+            </a:extLst>
+          </a:blip>
+          <a:srcRect l="36622" t="27234" r="41356" b="38865"/>
+          <a:stretch/>
+        </p:blipFill>
+        <p:spPr>
+          <a:xfrm>
+            <a:off x="2844166" y="2541008"/>
+            <a:ext cx="2050927" cy="1775983"/>
+          </a:xfrm>
+          <a:prstGeom prst="rect">
+            <a:avLst/>
+          </a:prstGeom>
+        </p:spPr>
+      </p:pic>
+      <p:sp>
+        <p:nvSpPr>
+          <p:cNvPr id="4" name="文本框 3"/>
+          <p:cNvSpPr txBox="1"/>
+          <p:nvPr/>
+        </p:nvSpPr>
+        <p:spPr>
+          <a:xfrm>
+            <a:off x="3214954" y="2541008"/>
+            <a:ext cx="1415772" cy="1569660"/>
+          </a:xfrm>
+          <a:prstGeom prst="rect">
+            <a:avLst/>
+          </a:prstGeom>
+          <a:noFill/>
+        </p:spPr>
+        <p:txBody>
+          <a:bodyPr wrap="none" rtlCol="0">
+            <a:spAutoFit/>
+          </a:bodyPr>
+          <a:lstStyle/>
+          <a:p>
+            <a:r>
+              <a:rPr lang="en-US" altLang="zh-CN" sz="9600" dirty="0">
+                <a:solidFill>
+                  <a:schemeClr val="tx1">
+                    <a:lumMod val="50000"/>
+                    <a:lumOff val="50000"/>
+                  </a:schemeClr>
+                </a:solidFill>
+                <a:latin typeface="楷体" panose="02010609060101010101" pitchFamily="49" charset="-122"/>
+                <a:ea typeface="楷体" panose="02010609060101010101" pitchFamily="49" charset="-122"/>
+              </a:rPr>
+              <a:t>04</a:t>
+            </a:r>
+            <a:endParaRPr lang="zh-CN" altLang="en-US" sz="9600" dirty="0">
+              <a:solidFill>
+                <a:schemeClr val="tx1">
+                  <a:lumMod val="50000"/>
+                  <a:lumOff val="50000"/>
+                </a:schemeClr>
+              </a:solidFill>
+              <a:latin typeface="楷体" panose="02010609060101010101" pitchFamily="49" charset="-122"/>
+              <a:ea typeface="楷体" panose="02010609060101010101" pitchFamily="49" charset="-122"/>
+            </a:endParaRPr>
+          </a:p>
+        </p:txBody>
+      </p:sp>
+      <p:sp>
+        <p:nvSpPr>
+          <p:cNvPr id="5" name="文本框 4"/>
+          <p:cNvSpPr txBox="1"/>
+          <p:nvPr/>
+        </p:nvSpPr>
+        <p:spPr>
+          <a:xfrm>
+            <a:off x="5782130" y="2759902"/>
+            <a:ext cx="1883849" cy="1107996"/>
+          </a:xfrm>
+          <a:prstGeom prst="rect">
+            <a:avLst/>
+          </a:prstGeom>
+          <a:noFill/>
+        </p:spPr>
+        <p:txBody>
+          <a:bodyPr wrap="none" rtlCol="0">
+            <a:spAutoFit/>
+          </a:bodyPr>
+          <a:lstStyle/>
+          <a:p>
+            <a:r>
+              <a:rPr lang="zh-CN" altLang="en-US" sz="6600" b="1" dirty="0">
+                <a:solidFill>
+                  <a:schemeClr val="tx1">
+                    <a:lumMod val="50000"/>
+                    <a:lumOff val="50000"/>
+                  </a:schemeClr>
+                </a:solidFill>
+                <a:latin typeface="幼圆" panose="02010509060101010101" pitchFamily="49" charset="-122"/>
+                <a:ea typeface="幼圆" panose="02010509060101010101" pitchFamily="49" charset="-122"/>
+              </a:rPr>
+              <a:t>其他</a:t>
+            </a:r>
+          </a:p>
+        </p:txBody>
+      </p:sp>
+    </p:spTree>
+    <p:extLst>
+      <p:ext uri="{BB962C8B-B14F-4D97-AF65-F5344CB8AC3E}">
+        <p14:creationId xmlns:p14="http://schemas.microsoft.com/office/powerpoint/2010/main" val="2054100251"/>
+      </p:ext>
+    </p:extLst>
+  </p:cSld>
+  <p:clrMapOvr>
+    <a:masterClrMapping/>
+  </p:clrMapOvr>
+  <mc:AlternateContent xmlns:mc="http://schemas.openxmlformats.org/markup-compatibility/2006" xmlns:p15="http://schemas.microsoft.com/office/powerpoint/2012/main">
+    <mc:Choice Requires="p15">
+      <p:transition xmlns:p14="http://schemas.microsoft.com/office/powerpoint/2010/main" spd="slow" p14:dur="2000" advTm="0">
+        <p15:prstTrans prst="drape"/>
+      </p:transition>
+    </mc:Choice>
+    <mc:Fallback xmlns="">
+      <p:transition spd="slow" advTm="0">
+        <p:fade/>
+      </p:transition>
+    </mc:Fallback>
+  </mc:AlternateContent>
+</p:sld>
+</file>
+
+<file path=ppt/slides/slide34.xml><?xml version="1.0" encoding="utf-8"?>
+<p:sld xmlns:a="http://schemas.openxmlformats.org/drawingml/2006/main" xmlns:r="http://schemas.openxmlformats.org/officeDocument/2006/relationships" xmlns:p="http://schemas.openxmlformats.org/presentationml/2006/main">
+  <p:cSld>
+    <p:spTree>
+      <p:nvGrpSpPr>
+        <p:cNvPr id="1" name=""/>
+        <p:cNvGrpSpPr/>
+        <p:nvPr/>
+      </p:nvGrpSpPr>
+      <p:grpSpPr>
+        <a:xfrm>
+          <a:off x="0" y="0"/>
+          <a:ext cx="0" cy="0"/>
+          <a:chOff x="0" y="0"/>
+          <a:chExt cx="0" cy="0"/>
+        </a:xfrm>
+      </p:grpSpPr>
+      <p:pic>
+        <p:nvPicPr>
+          <p:cNvPr id="4" name="图片 3">
+            <a:extLst>
+              <a:ext uri="{FF2B5EF4-FFF2-40B4-BE49-F238E27FC236}">
+                <a16:creationId xmlns:a16="http://schemas.microsoft.com/office/drawing/2014/main" id="{007BAEE1-77FD-4219-AC13-CD68B2B54A43}"/>
               </a:ext>
             </a:extLst>
           </p:cNvPr>
@@ -15262,8 +15691,8 @@
         </p:blipFill>
         <p:spPr>
           <a:xfrm>
-            <a:off x="980482" y="510604"/>
-            <a:ext cx="10530840" cy="6080760"/>
+            <a:off x="1466850" y="430530"/>
+            <a:ext cx="9258300" cy="5996940"/>
           </a:xfrm>
           <a:prstGeom prst="rect">
             <a:avLst/>
@@ -15308,42 +15737,6 @@
           </a:p>
         </p:txBody>
       </p:sp>
-      <p:pic>
-        <p:nvPicPr>
-          <p:cNvPr id="7" name="图片 6">
-            <a:extLst>
-              <a:ext uri="{FF2B5EF4-FFF2-40B4-BE49-F238E27FC236}">
-                <a16:creationId xmlns:a16="http://schemas.microsoft.com/office/drawing/2014/main" id="{B29373FD-6066-4C7B-AD64-454C51B0F749}"/>
-              </a:ext>
-            </a:extLst>
-          </p:cNvPr>
-          <p:cNvPicPr>
-            <a:picLocks noChangeAspect="1"/>
-          </p:cNvPicPr>
-          <p:nvPr/>
-        </p:nvPicPr>
-        <p:blipFill>
-          <a:blip r:embed="rId3">
-            <a:extLst>
-              <a:ext uri="{28A0092B-C50C-407E-A947-70E740481C1C}">
-                <a14:useLocalDpi xmlns:a14="http://schemas.microsoft.com/office/drawing/2010/main" val="0"/>
-              </a:ext>
-            </a:extLst>
-          </a:blip>
-          <a:stretch>
-            <a:fillRect/>
-          </a:stretch>
-        </p:blipFill>
-        <p:spPr>
-          <a:xfrm>
-            <a:off x="2497131" y="266636"/>
-            <a:ext cx="9029700" cy="6080760"/>
-          </a:xfrm>
-          <a:prstGeom prst="rect">
-            <a:avLst/>
-          </a:prstGeom>
-        </p:spPr>
-      </p:pic>
     </p:spTree>
     <p:extLst>
       <p:ext uri="{BB962C8B-B14F-4D97-AF65-F5344CB8AC3E}">
@@ -15427,33 +15820,182 @@
                       </p:childTnLst>
                     </p:cTn>
                   </p:par>
+                </p:childTnLst>
+              </p:cTn>
+              <p:prevCondLst>
+                <p:cond evt="onPrev" delay="0">
+                  <p:tgtEl>
+                    <p:sldTgt/>
+                  </p:tgtEl>
+                </p:cond>
+              </p:prevCondLst>
+              <p:nextCondLst>
+                <p:cond evt="onNext" delay="0">
+                  <p:tgtEl>
+                    <p:sldTgt/>
+                  </p:tgtEl>
+                </p:cond>
+              </p:nextCondLst>
+            </p:seq>
+          </p:childTnLst>
+        </p:cTn>
+      </p:par>
+    </p:tnLst>
+    <p:bldLst>
+      <p:bldP spid="5" grpId="0"/>
+    </p:bldLst>
+  </p:timing>
+</p:sld>
+</file>
+
+<file path=ppt/slides/slide35.xml><?xml version="1.0" encoding="utf-8"?>
+<p:sld xmlns:a="http://schemas.openxmlformats.org/drawingml/2006/main" xmlns:r="http://schemas.openxmlformats.org/officeDocument/2006/relationships" xmlns:p="http://schemas.openxmlformats.org/presentationml/2006/main">
+  <p:cSld>
+    <p:spTree>
+      <p:nvGrpSpPr>
+        <p:cNvPr id="1" name=""/>
+        <p:cNvGrpSpPr/>
+        <p:nvPr/>
+      </p:nvGrpSpPr>
+      <p:grpSpPr>
+        <a:xfrm>
+          <a:off x="0" y="0"/>
+          <a:ext cx="0" cy="0"/>
+          <a:chOff x="0" y="0"/>
+          <a:chExt cx="0" cy="0"/>
+        </a:xfrm>
+      </p:grpSpPr>
+      <p:pic>
+        <p:nvPicPr>
+          <p:cNvPr id="3" name="图片 2">
+            <a:extLst>
+              <a:ext uri="{FF2B5EF4-FFF2-40B4-BE49-F238E27FC236}">
+                <a16:creationId xmlns:a16="http://schemas.microsoft.com/office/drawing/2014/main" id="{96FCD5EC-2E06-4CAD-9B82-92A4F3F56CE8}"/>
+              </a:ext>
+            </a:extLst>
+          </p:cNvPr>
+          <p:cNvPicPr>
+            <a:picLocks noChangeAspect="1"/>
+          </p:cNvPicPr>
+          <p:nvPr/>
+        </p:nvPicPr>
+        <p:blipFill>
+          <a:blip r:embed="rId2">
+            <a:extLst>
+              <a:ext uri="{28A0092B-C50C-407E-A947-70E740481C1C}">
+                <a14:useLocalDpi xmlns:a14="http://schemas.microsoft.com/office/drawing/2010/main" val="0"/>
+              </a:ext>
+            </a:extLst>
+          </a:blip>
+          <a:stretch>
+            <a:fillRect/>
+          </a:stretch>
+        </p:blipFill>
+        <p:spPr>
+          <a:xfrm>
+            <a:off x="1653540" y="468630"/>
+            <a:ext cx="8884920" cy="5920740"/>
+          </a:xfrm>
+          <a:prstGeom prst="rect">
+            <a:avLst/>
+          </a:prstGeom>
+        </p:spPr>
+      </p:pic>
+      <p:sp>
+        <p:nvSpPr>
+          <p:cNvPr id="5" name="文本框 4"/>
+          <p:cNvSpPr txBox="1"/>
+          <p:nvPr/>
+        </p:nvSpPr>
+        <p:spPr>
+          <a:xfrm>
+            <a:off x="230415" y="156661"/>
+            <a:ext cx="2242922" cy="707886"/>
+          </a:xfrm>
+          <a:prstGeom prst="rect">
+            <a:avLst/>
+          </a:prstGeom>
+          <a:noFill/>
+        </p:spPr>
+        <p:txBody>
+          <a:bodyPr wrap="none" rtlCol="0">
+            <a:spAutoFit/>
+          </a:bodyPr>
+          <a:lstStyle/>
+          <a:p>
+            <a:r>
+              <a:rPr lang="zh-CN" altLang="en-US" sz="4000" b="1" dirty="0">
+                <a:solidFill>
+                  <a:schemeClr val="tx1">
+                    <a:lumMod val="50000"/>
+                    <a:lumOff val="50000"/>
+                  </a:schemeClr>
+                </a:solidFill>
+                <a:latin typeface="幼圆" panose="02010509060101010101" pitchFamily="49" charset="-122"/>
+                <a:ea typeface="幼圆" panose="02010509060101010101" pitchFamily="49" charset="-122"/>
+              </a:rPr>
+              <a:t>会议记录</a:t>
+            </a:r>
+          </a:p>
+        </p:txBody>
+      </p:sp>
+    </p:spTree>
+    <p:extLst>
+      <p:ext uri="{BB962C8B-B14F-4D97-AF65-F5344CB8AC3E}">
+        <p14:creationId xmlns:p14="http://schemas.microsoft.com/office/powerpoint/2010/main" val="861135018"/>
+      </p:ext>
+    </p:extLst>
+  </p:cSld>
+  <p:clrMapOvr>
+    <a:masterClrMapping/>
+  </p:clrMapOvr>
+  <mc:AlternateContent xmlns:mc="http://schemas.openxmlformats.org/markup-compatibility/2006" xmlns:p15="http://schemas.microsoft.com/office/powerpoint/2012/main">
+    <mc:Choice Requires="p15">
+      <p:transition xmlns:p14="http://schemas.microsoft.com/office/powerpoint/2010/main" spd="slow" p14:dur="2000" advTm="0">
+        <p15:prstTrans prst="drape"/>
+      </p:transition>
+    </mc:Choice>
+    <mc:Fallback xmlns="">
+      <p:transition spd="slow" advTm="0">
+        <p:fade/>
+      </p:transition>
+    </mc:Fallback>
+  </mc:AlternateContent>
+  <p:timing>
+    <p:tnLst>
+      <p:par>
+        <p:cTn id="1" dur="indefinite" restart="never" nodeType="tmRoot">
+          <p:childTnLst>
+            <p:seq concurrent="1" nextAc="seek">
+              <p:cTn id="2" dur="indefinite" nodeType="mainSeq">
+                <p:childTnLst>
                   <p:par>
-                    <p:cTn id="8" fill="hold">
+                    <p:cTn id="3" fill="hold">
                       <p:stCondLst>
                         <p:cond delay="indefinite"/>
                       </p:stCondLst>
                       <p:childTnLst>
                         <p:par>
-                          <p:cTn id="9" fill="hold">
+                          <p:cTn id="4" fill="hold">
                             <p:stCondLst>
                               <p:cond delay="0"/>
                             </p:stCondLst>
                             <p:childTnLst>
                               <p:par>
-                                <p:cTn id="10" presetID="2" presetClass="entr" presetSubtype="4" fill="hold" nodeType="clickEffect">
+                                <p:cTn id="5" presetID="16" presetClass="entr" presetSubtype="21" fill="hold" grpId="0" nodeType="clickEffect">
                                   <p:stCondLst>
                                     <p:cond delay="0"/>
                                   </p:stCondLst>
                                   <p:childTnLst>
                                     <p:set>
                                       <p:cBhvr>
-                                        <p:cTn id="11" dur="1" fill="hold">
+                                        <p:cTn id="6" dur="1" fill="hold">
                                           <p:stCondLst>
                                             <p:cond delay="0"/>
                                           </p:stCondLst>
                                         </p:cTn>
                                         <p:tgtEl>
-                                          <p:spTgt spid="3"/>
+                                          <p:spTgt spid="5"/>
                                         </p:tgtEl>
                                         <p:attrNameLst>
                                           <p:attrName>style.visibility</p:attrName>
@@ -15463,151 +16005,14 @@
                                         <p:strVal val="visible"/>
                                       </p:to>
                                     </p:set>
-                                    <p:anim calcmode="lin" valueType="num">
-                                      <p:cBhvr additive="base">
-                                        <p:cTn id="12" dur="500" fill="hold"/>
+                                    <p:animEffect transition="in" filter="barn(inVertical)">
+                                      <p:cBhvr>
+                                        <p:cTn id="7" dur="500"/>
                                         <p:tgtEl>
-                                          <p:spTgt spid="3"/>
-                                        </p:tgtEl>
-                                        <p:attrNameLst>
-                                          <p:attrName>ppt_x</p:attrName>
-                                        </p:attrNameLst>
-                                      </p:cBhvr>
-                                      <p:tavLst>
-                                        <p:tav tm="0">
-                                          <p:val>
-                                            <p:strVal val="#ppt_x"/>
-                                          </p:val>
-                                        </p:tav>
-                                        <p:tav tm="100000">
-                                          <p:val>
-                                            <p:strVal val="#ppt_x"/>
-                                          </p:val>
-                                        </p:tav>
-                                      </p:tavLst>
-                                    </p:anim>
-                                    <p:anim calcmode="lin" valueType="num">
-                                      <p:cBhvr additive="base">
-                                        <p:cTn id="13" dur="500" fill="hold"/>
-                                        <p:tgtEl>
-                                          <p:spTgt spid="3"/>
-                                        </p:tgtEl>
-                                        <p:attrNameLst>
-                                          <p:attrName>ppt_y</p:attrName>
-                                        </p:attrNameLst>
-                                      </p:cBhvr>
-                                      <p:tavLst>
-                                        <p:tav tm="0">
-                                          <p:val>
-                                            <p:strVal val="1+#ppt_h/2"/>
-                                          </p:val>
-                                        </p:tav>
-                                        <p:tav tm="100000">
-                                          <p:val>
-                                            <p:strVal val="#ppt_y"/>
-                                          </p:val>
-                                        </p:tav>
-                                      </p:tavLst>
-                                    </p:anim>
-                                  </p:childTnLst>
-                                </p:cTn>
-                              </p:par>
-                            </p:childTnLst>
-                          </p:cTn>
-                        </p:par>
-                      </p:childTnLst>
-                    </p:cTn>
-                  </p:par>
-                  <p:par>
-                    <p:cTn id="14" fill="hold">
-                      <p:stCondLst>
-                        <p:cond delay="indefinite"/>
-                      </p:stCondLst>
-                      <p:childTnLst>
-                        <p:par>
-                          <p:cTn id="15" fill="hold">
-                            <p:stCondLst>
-                              <p:cond delay="0"/>
-                            </p:stCondLst>
-                            <p:childTnLst>
-                              <p:par>
-                                <p:cTn id="16" presetID="42" presetClass="entr" presetSubtype="0" fill="hold" nodeType="clickEffect">
-                                  <p:stCondLst>
-                                    <p:cond delay="0"/>
-                                  </p:stCondLst>
-                                  <p:childTnLst>
-                                    <p:set>
-                                      <p:cBhvr>
-                                        <p:cTn id="17" dur="1" fill="hold">
-                                          <p:stCondLst>
-                                            <p:cond delay="0"/>
-                                          </p:stCondLst>
-                                        </p:cTn>
-                                        <p:tgtEl>
-                                          <p:spTgt spid="7"/>
-                                        </p:tgtEl>
-                                        <p:attrNameLst>
-                                          <p:attrName>style.visibility</p:attrName>
-                                        </p:attrNameLst>
-                                      </p:cBhvr>
-                                      <p:to>
-                                        <p:strVal val="visible"/>
-                                      </p:to>
-                                    </p:set>
-                                    <p:animEffect transition="in" filter="fade">
-                                      <p:cBhvr>
-                                        <p:cTn id="18" dur="1000"/>
-                                        <p:tgtEl>
-                                          <p:spTgt spid="7"/>
+                                          <p:spTgt spid="5"/>
                                         </p:tgtEl>
                                       </p:cBhvr>
                                     </p:animEffect>
-                                    <p:anim calcmode="lin" valueType="num">
-                                      <p:cBhvr>
-                                        <p:cTn id="19" dur="1000" fill="hold"/>
-                                        <p:tgtEl>
-                                          <p:spTgt spid="7"/>
-                                        </p:tgtEl>
-                                        <p:attrNameLst>
-                                          <p:attrName>ppt_x</p:attrName>
-                                        </p:attrNameLst>
-                                      </p:cBhvr>
-                                      <p:tavLst>
-                                        <p:tav tm="0">
-                                          <p:val>
-                                            <p:strVal val="#ppt_x"/>
-                                          </p:val>
-                                        </p:tav>
-                                        <p:tav tm="100000">
-                                          <p:val>
-                                            <p:strVal val="#ppt_x"/>
-                                          </p:val>
-                                        </p:tav>
-                                      </p:tavLst>
-                                    </p:anim>
-                                    <p:anim calcmode="lin" valueType="num">
-                                      <p:cBhvr>
-                                        <p:cTn id="20" dur="1000" fill="hold"/>
-                                        <p:tgtEl>
-                                          <p:spTgt spid="7"/>
-                                        </p:tgtEl>
-                                        <p:attrNameLst>
-                                          <p:attrName>ppt_y</p:attrName>
-                                        </p:attrNameLst>
-                                      </p:cBhvr>
-                                      <p:tavLst>
-                                        <p:tav tm="0">
-                                          <p:val>
-                                            <p:strVal val="#ppt_y+.1"/>
-                                          </p:val>
-                                        </p:tav>
-                                        <p:tav tm="100000">
-                                          <p:val>
-                                            <p:strVal val="#ppt_y"/>
-                                          </p:val>
-                                        </p:tav>
-                                      </p:tavLst>
-                                    </p:anim>
                                   </p:childTnLst>
                                 </p:cTn>
                               </p:par>
@@ -15645,7 +16050,7 @@
 </p:sld>
 </file>
 
-<file path=ppt/slides/slide31.xml><?xml version="1.0" encoding="utf-8"?>
+<file path=ppt/slides/slide36.xml><?xml version="1.0" encoding="utf-8"?>
 <p:sld xmlns:a="http://schemas.openxmlformats.org/drawingml/2006/main" xmlns:r="http://schemas.openxmlformats.org/officeDocument/2006/relationships" xmlns:p="http://schemas.openxmlformats.org/presentationml/2006/main">
   <p:cSld>
     <p:spTree>
@@ -15702,10 +16107,10 @@
       </p:sp>
       <p:pic>
         <p:nvPicPr>
-          <p:cNvPr id="4" name="图片 3">
+          <p:cNvPr id="3" name="图片 2">
             <a:extLst>
               <a:ext uri="{FF2B5EF4-FFF2-40B4-BE49-F238E27FC236}">
-                <a16:creationId xmlns:a16="http://schemas.microsoft.com/office/drawing/2014/main" id="{42E6BA15-835A-4FCE-920B-FB36A077C25B}"/>
+                <a16:creationId xmlns:a16="http://schemas.microsoft.com/office/drawing/2014/main" id="{4E229B8B-0C85-40A8-AF74-2E05166FE06B}"/>
               </a:ext>
             </a:extLst>
           </p:cNvPr>
@@ -15728,8 +16133,8 @@
         </p:blipFill>
         <p:spPr>
           <a:xfrm>
-            <a:off x="0" y="1725706"/>
-            <a:ext cx="12192000" cy="3406588"/>
+            <a:off x="0" y="1072648"/>
+            <a:ext cx="12192000" cy="4712703"/>
           </a:xfrm>
           <a:prstGeom prst="rect">
             <a:avLst/>
@@ -15761,7 +16166,7 @@
 </p:sld>
 </file>
 
-<file path=ppt/slides/slide32.xml><?xml version="1.0" encoding="utf-8"?>
+<file path=ppt/slides/slide37.xml><?xml version="1.0" encoding="utf-8"?>
 <p:sld xmlns:a="http://schemas.openxmlformats.org/drawingml/2006/main" xmlns:r="http://schemas.openxmlformats.org/officeDocument/2006/relationships" xmlns:p="http://schemas.openxmlformats.org/presentationml/2006/main">
   <p:cSld>
     <p:spTree>
@@ -16140,7 +16545,7 @@
 </p:sld>
 </file>
 
-<file path=ppt/slides/slide33.xml><?xml version="1.0" encoding="utf-8"?>
+<file path=ppt/slides/slide38.xml><?xml version="1.0" encoding="utf-8"?>
 <p:sld xmlns:a="http://schemas.openxmlformats.org/drawingml/2006/main" xmlns:r="http://schemas.openxmlformats.org/officeDocument/2006/relationships" xmlns:p="http://schemas.openxmlformats.org/presentationml/2006/main">
   <p:cSld>
     <p:bg>

--- a/代码实现.pptx
+++ b/代码实现.pptx
@@ -3892,7 +3892,7 @@
         <p:spPr>
           <a:xfrm>
             <a:off x="8958035" y="2819054"/>
-            <a:ext cx="1415772" cy="830997"/>
+            <a:ext cx="2954655" cy="830997"/>
           </a:xfrm>
           <a:prstGeom prst="rect">
             <a:avLst/>
@@ -3917,6 +3917,32 @@
                 <a:ea typeface="幼圆" panose="02010509060101010101" pitchFamily="49" charset="-122"/>
               </a:rPr>
               <a:t>实现</a:t>
+            </a:r>
+            <a:r>
+              <a:rPr lang="en-US" altLang="zh-CN" sz="4800" dirty="0">
+                <a:solidFill>
+                  <a:schemeClr val="tx1">
+                    <a:lumMod val="50000"/>
+                    <a:lumOff val="50000"/>
+                  </a:schemeClr>
+                </a:solidFill>
+                <a:latin typeface="幼圆" panose="02010509060101010101" pitchFamily="49" charset="-122"/>
+                <a:ea typeface="幼圆" panose="02010509060101010101" pitchFamily="49" charset="-122"/>
+              </a:rPr>
+              <a:t>+</a:t>
+            </a:r>
+            <a:r>
+              <a:rPr lang="zh-CN" altLang="en-US" sz="4800" dirty="0">
+                <a:solidFill>
+                  <a:schemeClr val="tx1">
+                    <a:lumMod val="50000"/>
+                    <a:lumOff val="50000"/>
+                  </a:schemeClr>
+                </a:solidFill>
+                <a:latin typeface="幼圆" panose="02010509060101010101" pitchFamily="49" charset="-122"/>
+                <a:ea typeface="幼圆" panose="02010509060101010101" pitchFamily="49" charset="-122"/>
+              </a:rPr>
+              <a:t>测试</a:t>
             </a:r>
           </a:p>
         </p:txBody>
@@ -16236,14 +16262,14 @@
           <p:nvPr>
             <p:extLst>
               <p:ext uri="{D42A27DB-BD31-4B8C-83A1-F6EECF244321}">
-                <p14:modId xmlns:p14="http://schemas.microsoft.com/office/powerpoint/2010/main" val="1320045443"/>
+                <p14:modId xmlns:p14="http://schemas.microsoft.com/office/powerpoint/2010/main" val="15574743"/>
               </p:ext>
             </p:extLst>
           </p:nvPr>
         </p:nvGraphicFramePr>
         <p:xfrm>
           <a:off x="1267900" y="2048277"/>
-          <a:ext cx="9508957" cy="3232852"/>
+          <a:ext cx="9508957" cy="3339039"/>
         </p:xfrm>
         <a:graphic>
           <a:graphicData uri="http://schemas.openxmlformats.org/drawingml/2006/table">
@@ -16370,6 +16396,17 @@
                         <a:rPr lang="zh-CN" altLang="en-US" dirty="0"/>
                         <a:t>会议记录</a:t>
                       </a:r>
+                      <a:endParaRPr lang="en-US" altLang="zh-CN" dirty="0"/>
+                    </a:p>
+                    <a:p>
+                      <a:r>
+                        <a:rPr lang="en-US" altLang="zh-CN" dirty="0"/>
+                        <a:t>90</a:t>
+                      </a:r>
+                      <a:r>
+                        <a:rPr lang="zh-CN" altLang="en-US" dirty="0"/>
+                        <a:t>分</a:t>
+                      </a:r>
                     </a:p>
                   </a:txBody>
                   <a:tcPr/>
@@ -16383,6 +16420,17 @@
                         <a:rPr lang="zh-CN" altLang="en-US" dirty="0"/>
                         <a:t>管理员模块代码实现</a:t>
                       </a:r>
+                      <a:endParaRPr lang="en-US" altLang="zh-CN" dirty="0"/>
+                    </a:p>
+                    <a:p>
+                      <a:r>
+                        <a:rPr lang="en-US" altLang="zh-CN" dirty="0"/>
+                        <a:t>86</a:t>
+                      </a:r>
+                      <a:r>
+                        <a:rPr lang="zh-CN" altLang="en-US" dirty="0"/>
+                        <a:t>分</a:t>
+                      </a:r>
                     </a:p>
                   </a:txBody>
                   <a:tcPr/>
@@ -16392,7 +16440,14 @@
                     <a:bodyPr/>
                     <a:lstStyle/>
                     <a:p>
-                      <a:endParaRPr lang="zh-CN" altLang="en-US" dirty="0"/>
+                      <a:r>
+                        <a:rPr lang="en-US" altLang="zh-CN" dirty="0"/>
+                        <a:t>88</a:t>
+                      </a:r>
+                      <a:r>
+                        <a:rPr lang="zh-CN" altLang="en-US" dirty="0"/>
+                        <a:t>分</a:t>
+                      </a:r>
                     </a:p>
                   </a:txBody>
                   <a:tcPr/>
@@ -16426,7 +16481,16 @@
                         <a:rPr lang="en-US" altLang="zh-CN" dirty="0"/>
                         <a:t>PPT</a:t>
                       </a:r>
-                      <a:endParaRPr lang="zh-CN" altLang="en-US" dirty="0"/>
+                    </a:p>
+                    <a:p>
+                      <a:r>
+                        <a:rPr lang="en-US" altLang="zh-CN" dirty="0"/>
+                        <a:t>80</a:t>
+                      </a:r>
+                      <a:r>
+                        <a:rPr lang="zh-CN" altLang="en-US" dirty="0"/>
+                        <a:t>分</a:t>
+                      </a:r>
                     </a:p>
                   </a:txBody>
                   <a:tcPr/>
@@ -16440,6 +16504,17 @@
                         <a:rPr lang="zh-CN" altLang="en-US" dirty="0"/>
                         <a:t>登录注册个人中心模块代码实现</a:t>
                       </a:r>
+                      <a:endParaRPr lang="en-US" altLang="zh-CN" dirty="0"/>
+                    </a:p>
+                    <a:p>
+                      <a:r>
+                        <a:rPr lang="en-US" altLang="zh-CN" dirty="0"/>
+                        <a:t>80</a:t>
+                      </a:r>
+                      <a:r>
+                        <a:rPr lang="zh-CN" altLang="en-US" dirty="0"/>
+                        <a:t>分</a:t>
+                      </a:r>
                     </a:p>
                   </a:txBody>
                   <a:tcPr/>
@@ -16449,7 +16524,14 @@
                     <a:bodyPr/>
                     <a:lstStyle/>
                     <a:p>
-                      <a:endParaRPr lang="zh-CN" altLang="en-US"/>
+                      <a:r>
+                        <a:rPr lang="en-US" altLang="zh-CN" dirty="0"/>
+                        <a:t>80</a:t>
+                      </a:r>
+                      <a:r>
+                        <a:rPr lang="zh-CN" altLang="en-US" dirty="0"/>
+                        <a:t>分</a:t>
+                      </a:r>
                     </a:p>
                   </a:txBody>
                   <a:tcPr/>
@@ -16483,6 +16565,17 @@
                         <a:rPr lang="zh-CN" altLang="en-US" dirty="0"/>
                         <a:t>测试报告</a:t>
                       </a:r>
+                      <a:endParaRPr lang="en-US" altLang="zh-CN" dirty="0"/>
+                    </a:p>
+                    <a:p>
+                      <a:r>
+                        <a:rPr lang="en-US" altLang="zh-CN" dirty="0"/>
+                        <a:t>85</a:t>
+                      </a:r>
+                      <a:r>
+                        <a:rPr lang="zh-CN" altLang="en-US" dirty="0"/>
+                        <a:t>分</a:t>
+                      </a:r>
                     </a:p>
                   </a:txBody>
                   <a:tcPr/>
@@ -16496,6 +16589,21 @@
                         <a:rPr lang="zh-CN" altLang="en-US" dirty="0"/>
                         <a:t>用户浏览发布模块代码实现</a:t>
                       </a:r>
+                      <a:endParaRPr lang="en-US" altLang="zh-CN" dirty="0"/>
+                    </a:p>
+                    <a:p>
+                      <a:r>
+                        <a:rPr lang="en-US" altLang="zh-CN" dirty="0"/>
+                        <a:t>83</a:t>
+                      </a:r>
+                      <a:r>
+                        <a:rPr lang="zh-CN" altLang="en-US"/>
+                        <a:t>分</a:t>
+                      </a:r>
+                      <a:endParaRPr lang="en-US" altLang="zh-CN" dirty="0"/>
+                    </a:p>
+                    <a:p>
+                      <a:endParaRPr lang="zh-CN" altLang="en-US" dirty="0"/>
                     </a:p>
                   </a:txBody>
                   <a:tcPr/>
@@ -16505,7 +16613,14 @@
                     <a:bodyPr/>
                     <a:lstStyle/>
                     <a:p>
-                      <a:endParaRPr lang="zh-CN" altLang="en-US" dirty="0"/>
+                      <a:r>
+                        <a:rPr lang="en-US" altLang="zh-CN" dirty="0"/>
+                        <a:t>84</a:t>
+                      </a:r>
+                      <a:r>
+                        <a:rPr lang="zh-CN" altLang="en-US" dirty="0"/>
+                        <a:t>分</a:t>
+                      </a:r>
                     </a:p>
                   </a:txBody>
                   <a:tcPr/>

--- a/代码实现.pptx
+++ b/代码实现.pptx
@@ -10780,10 +10780,10 @@
       </p:sp>
       <p:pic>
         <p:nvPicPr>
-          <p:cNvPr id="3" name="图片 2">
+          <p:cNvPr id="4" name="图片 3">
             <a:extLst>
               <a:ext uri="{FF2B5EF4-FFF2-40B4-BE49-F238E27FC236}">
-                <a16:creationId xmlns:a16="http://schemas.microsoft.com/office/drawing/2014/main" id="{4E229B8B-0C85-40A8-AF74-2E05166FE06B}"/>
+                <a16:creationId xmlns:a16="http://schemas.microsoft.com/office/drawing/2014/main" id="{AAFA4364-BE98-4F3B-9621-F0C8EFAF4E4E}"/>
               </a:ext>
             </a:extLst>
           </p:cNvPr>
@@ -10793,21 +10793,15 @@
           <p:nvPr/>
         </p:nvPicPr>
         <p:blipFill>
-          <a:blip r:embed="rId2">
-            <a:extLst>
-              <a:ext uri="{28A0092B-C50C-407E-A947-70E740481C1C}">
-                <a14:useLocalDpi xmlns:a14="http://schemas.microsoft.com/office/drawing/2010/main" val="0"/>
-              </a:ext>
-            </a:extLst>
-          </a:blip>
+          <a:blip r:embed="rId2"/>
           <a:stretch>
             <a:fillRect/>
           </a:stretch>
         </p:blipFill>
         <p:spPr>
           <a:xfrm>
-            <a:off x="0" y="1072648"/>
-            <a:ext cx="12192000" cy="4712703"/>
+            <a:off x="0" y="969856"/>
+            <a:ext cx="12192000" cy="4918287"/>
           </a:xfrm>
           <a:prstGeom prst="rect">
             <a:avLst/>

--- a/代码实现.pptx
+++ b/代码实现.pptx
@@ -5,7 +5,7 @@
     <p:sldMasterId id="2147483648" r:id="rId1"/>
   </p:sldMasterIdLst>
   <p:notesMasterIdLst>
-    <p:notesMasterId r:id="rId37"/>
+    <p:notesMasterId r:id="rId38"/>
   </p:notesMasterIdLst>
   <p:sldIdLst>
     <p:sldId id="256" r:id="rId2"/>
@@ -41,8 +41,9 @@
     <p:sldId id="340" r:id="rId32"/>
     <p:sldId id="352" r:id="rId33"/>
     <p:sldId id="341" r:id="rId34"/>
-    <p:sldId id="342" r:id="rId35"/>
-    <p:sldId id="283" r:id="rId36"/>
+    <p:sldId id="366" r:id="rId35"/>
+    <p:sldId id="342" r:id="rId36"/>
+    <p:sldId id="283" r:id="rId37"/>
   </p:sldIdLst>
   <p:sldSz cx="12192000" cy="6858000"/>
   <p:notesSz cx="6858000" cy="9144000"/>
@@ -10834,6 +10835,577 @@
 </file>
 
 <file path=ppt/slides/slide34.xml><?xml version="1.0" encoding="utf-8"?>
+<p:sld xmlns:a="http://schemas.openxmlformats.org/drawingml/2006/main" xmlns:r="http://schemas.openxmlformats.org/officeDocument/2006/relationships" xmlns:p="http://schemas.openxmlformats.org/presentationml/2006/main">
+  <p:cSld>
+    <p:spTree>
+      <p:nvGrpSpPr>
+        <p:cNvPr id="1" name=""/>
+        <p:cNvGrpSpPr/>
+        <p:nvPr/>
+      </p:nvGrpSpPr>
+      <p:grpSpPr>
+        <a:xfrm>
+          <a:off x="0" y="0"/>
+          <a:ext cx="0" cy="0"/>
+          <a:chOff x="0" y="0"/>
+          <a:chExt cx="0" cy="0"/>
+        </a:xfrm>
+      </p:grpSpPr>
+      <p:sp>
+        <p:nvSpPr>
+          <p:cNvPr id="5" name="文本框 4"/>
+          <p:cNvSpPr txBox="1"/>
+          <p:nvPr/>
+        </p:nvSpPr>
+        <p:spPr>
+          <a:xfrm>
+            <a:off x="146439" y="91347"/>
+            <a:ext cx="2246128" cy="707886"/>
+          </a:xfrm>
+          <a:prstGeom prst="rect">
+            <a:avLst/>
+          </a:prstGeom>
+          <a:noFill/>
+        </p:spPr>
+        <p:txBody>
+          <a:bodyPr wrap="none" rtlCol="0">
+            <a:spAutoFit/>
+          </a:bodyPr>
+          <a:lstStyle/>
+          <a:p>
+            <a:r>
+              <a:rPr lang="zh-CN" altLang="en-US" sz="4000" b="1" dirty="0">
+                <a:solidFill>
+                  <a:schemeClr val="tx1">
+                    <a:lumMod val="50000"/>
+                    <a:lumOff val="50000"/>
+                  </a:schemeClr>
+                </a:solidFill>
+                <a:latin typeface="幼圆" panose="02010509060101010101" pitchFamily="49" charset="-122"/>
+                <a:ea typeface="幼圆" panose="02010509060101010101" pitchFamily="49" charset="-122"/>
+              </a:rPr>
+              <a:t>参考资料</a:t>
+            </a:r>
+          </a:p>
+        </p:txBody>
+      </p:sp>
+      <p:sp>
+        <p:nvSpPr>
+          <p:cNvPr id="2" name="文本框 1">
+            <a:extLst>
+              <a:ext uri="{FF2B5EF4-FFF2-40B4-BE49-F238E27FC236}">
+                <a16:creationId xmlns:a16="http://schemas.microsoft.com/office/drawing/2014/main" id="{63438315-2921-45F1-9C30-7B33CB02DD37}"/>
+              </a:ext>
+            </a:extLst>
+          </p:cNvPr>
+          <p:cNvSpPr txBox="1"/>
+          <p:nvPr/>
+        </p:nvSpPr>
+        <p:spPr>
+          <a:xfrm>
+            <a:off x="700088" y="1828800"/>
+            <a:ext cx="10844212" cy="1938992"/>
+          </a:xfrm>
+          <a:prstGeom prst="rect">
+            <a:avLst/>
+          </a:prstGeom>
+          <a:noFill/>
+        </p:spPr>
+        <p:txBody>
+          <a:bodyPr wrap="square" rtlCol="0">
+            <a:spAutoFit/>
+          </a:bodyPr>
+          <a:lstStyle/>
+          <a:p>
+            <a:pPr marL="0" marR="0" lvl="0" indent="0" algn="l" defTabSz="914400" rtl="0" eaLnBrk="1" fontAlgn="auto" latinLnBrk="0" hangingPunct="1">
+              <a:lnSpc>
+                <a:spcPct val="100000"/>
+              </a:lnSpc>
+              <a:spcBef>
+                <a:spcPts val="0"/>
+              </a:spcBef>
+              <a:spcAft>
+                <a:spcPts val="0"/>
+              </a:spcAft>
+              <a:buClrTx/>
+              <a:buSzTx/>
+              <a:buFontTx/>
+              <a:buNone/>
+              <a:tabLst/>
+              <a:defRPr/>
+            </a:pPr>
+            <a:r>
+              <a:rPr kumimoji="0" lang="en-US" altLang="zh-CN" sz="2400" b="0" i="0" u="none" strike="noStrike" kern="1200" cap="none" spc="0" normalizeH="0" baseline="0" noProof="0" dirty="0">
+                <a:ln>
+                  <a:noFill/>
+                </a:ln>
+                <a:solidFill>
+                  <a:prstClr val="black"/>
+                </a:solidFill>
+                <a:effectLst/>
+                <a:uLnTx/>
+                <a:uFillTx/>
+                <a:latin typeface="等线" panose="020F0502020204030204"/>
+                <a:ea typeface="等线" panose="02010600030101010101" pitchFamily="2" charset="-122"/>
+                <a:cs typeface="+mn-cs"/>
+              </a:rPr>
+              <a:t>1.《</a:t>
+            </a:r>
+            <a:r>
+              <a:rPr kumimoji="0" lang="zh-CN" altLang="en-US" sz="2400" b="0" i="0" u="none" strike="noStrike" kern="1200" cap="none" spc="0" normalizeH="0" baseline="0" noProof="0" dirty="0">
+                <a:ln>
+                  <a:noFill/>
+                </a:ln>
+                <a:solidFill>
+                  <a:prstClr val="black"/>
+                </a:solidFill>
+                <a:effectLst/>
+                <a:uLnTx/>
+                <a:uFillTx/>
+                <a:latin typeface="等线" panose="020F0502020204030204"/>
+                <a:ea typeface="等线" panose="02010600030101010101" pitchFamily="2" charset="-122"/>
+                <a:cs typeface="+mn-cs"/>
+              </a:rPr>
+              <a:t>计算机软件需求规格说明规范</a:t>
+            </a:r>
+            <a:r>
+              <a:rPr kumimoji="0" lang="en-US" altLang="zh-CN" sz="2400" b="0" i="0" u="none" strike="noStrike" kern="1200" cap="none" spc="0" normalizeH="0" baseline="0" noProof="0" dirty="0">
+                <a:ln>
+                  <a:noFill/>
+                </a:ln>
+                <a:solidFill>
+                  <a:prstClr val="black"/>
+                </a:solidFill>
+                <a:effectLst/>
+                <a:uLnTx/>
+                <a:uFillTx/>
+                <a:latin typeface="等线" panose="020F0502020204030204"/>
+                <a:ea typeface="等线" panose="02010600030101010101" pitchFamily="2" charset="-122"/>
+                <a:cs typeface="+mn-cs"/>
+              </a:rPr>
+              <a:t>》</a:t>
+            </a:r>
+            <a:r>
+              <a:rPr kumimoji="0" lang="zh-CN" altLang="en-US" sz="2400" b="0" i="0" u="none" strike="noStrike" kern="1200" cap="none" spc="0" normalizeH="0" baseline="0" noProof="0" dirty="0">
+                <a:ln>
+                  <a:noFill/>
+                </a:ln>
+                <a:solidFill>
+                  <a:prstClr val="black"/>
+                </a:solidFill>
+                <a:effectLst/>
+                <a:uLnTx/>
+                <a:uFillTx/>
+                <a:latin typeface="等线" panose="020F0502020204030204"/>
+                <a:ea typeface="等线" panose="02010600030101010101" pitchFamily="2" charset="-122"/>
+                <a:cs typeface="+mn-cs"/>
+              </a:rPr>
+              <a:t>（</a:t>
+            </a:r>
+            <a:r>
+              <a:rPr kumimoji="0" lang="en-US" altLang="zh-CN" sz="2400" b="0" i="0" u="none" strike="noStrike" kern="1200" cap="none" spc="0" normalizeH="0" baseline="0" noProof="0" dirty="0">
+                <a:ln>
+                  <a:noFill/>
+                </a:ln>
+                <a:solidFill>
+                  <a:prstClr val="black"/>
+                </a:solidFill>
+                <a:effectLst/>
+                <a:uLnTx/>
+                <a:uFillTx/>
+                <a:latin typeface="等线" panose="020F0502020204030204"/>
+                <a:ea typeface="等线" panose="02010600030101010101" pitchFamily="2" charset="-122"/>
+                <a:cs typeface="+mn-cs"/>
+              </a:rPr>
+              <a:t>GB/T9385-2008</a:t>
+            </a:r>
+            <a:r>
+              <a:rPr kumimoji="0" lang="zh-CN" altLang="en-US" sz="2400" b="0" i="0" u="none" strike="noStrike" kern="1200" cap="none" spc="0" normalizeH="0" baseline="0" noProof="0" dirty="0">
+                <a:ln>
+                  <a:noFill/>
+                </a:ln>
+                <a:solidFill>
+                  <a:prstClr val="black"/>
+                </a:solidFill>
+                <a:effectLst/>
+                <a:uLnTx/>
+                <a:uFillTx/>
+                <a:latin typeface="等线" panose="020F0502020204030204"/>
+                <a:ea typeface="等线" panose="02010600030101010101" pitchFamily="2" charset="-122"/>
+                <a:cs typeface="+mn-cs"/>
+              </a:rPr>
+              <a:t>）</a:t>
+            </a:r>
+          </a:p>
+          <a:p>
+            <a:pPr marL="0" marR="0" lvl="0" indent="0" algn="l" defTabSz="914400" rtl="0" eaLnBrk="1" fontAlgn="auto" latinLnBrk="0" hangingPunct="1">
+              <a:lnSpc>
+                <a:spcPct val="100000"/>
+              </a:lnSpc>
+              <a:spcBef>
+                <a:spcPts val="0"/>
+              </a:spcBef>
+              <a:spcAft>
+                <a:spcPts val="0"/>
+              </a:spcAft>
+              <a:buClrTx/>
+              <a:buSzTx/>
+              <a:buFontTx/>
+              <a:buNone/>
+              <a:tabLst/>
+              <a:defRPr/>
+            </a:pPr>
+            <a:r>
+              <a:rPr kumimoji="0" lang="en-US" altLang="zh-CN" sz="2400" b="0" i="0" u="none" strike="noStrike" kern="1200" cap="none" spc="0" normalizeH="0" baseline="0" noProof="0" dirty="0">
+                <a:ln>
+                  <a:noFill/>
+                </a:ln>
+                <a:solidFill>
+                  <a:prstClr val="black"/>
+                </a:solidFill>
+                <a:effectLst/>
+                <a:uLnTx/>
+                <a:uFillTx/>
+                <a:latin typeface="等线" panose="020F0502020204030204"/>
+                <a:ea typeface="等线" panose="02010600030101010101" pitchFamily="2" charset="-122"/>
+                <a:cs typeface="+mn-cs"/>
+              </a:rPr>
+              <a:t>2.《</a:t>
+            </a:r>
+            <a:r>
+              <a:rPr kumimoji="0" lang="zh-CN" altLang="en-US" sz="2400" b="0" i="0" u="none" strike="noStrike" kern="1200" cap="none" spc="0" normalizeH="0" baseline="0" noProof="0" dirty="0">
+                <a:ln>
+                  <a:noFill/>
+                </a:ln>
+                <a:solidFill>
+                  <a:prstClr val="black"/>
+                </a:solidFill>
+                <a:effectLst/>
+                <a:uLnTx/>
+                <a:uFillTx/>
+                <a:latin typeface="等线" panose="020F0502020204030204"/>
+                <a:ea typeface="等线" panose="02010600030101010101" pitchFamily="2" charset="-122"/>
+                <a:cs typeface="+mn-cs"/>
+              </a:rPr>
+              <a:t>表白墙网站项目开发计划</a:t>
+            </a:r>
+            <a:r>
+              <a:rPr kumimoji="0" lang="en-US" altLang="zh-CN" sz="2400" b="0" i="0" u="none" strike="noStrike" kern="1200" cap="none" spc="0" normalizeH="0" baseline="0" noProof="0" dirty="0">
+                <a:ln>
+                  <a:noFill/>
+                </a:ln>
+                <a:solidFill>
+                  <a:prstClr val="black"/>
+                </a:solidFill>
+                <a:effectLst/>
+                <a:uLnTx/>
+                <a:uFillTx/>
+                <a:latin typeface="等线" panose="020F0502020204030204"/>
+                <a:ea typeface="等线" panose="02010600030101010101" pitchFamily="2" charset="-122"/>
+                <a:cs typeface="+mn-cs"/>
+              </a:rPr>
+              <a:t>》</a:t>
+            </a:r>
+          </a:p>
+          <a:p>
+            <a:pPr marL="0" marR="0" lvl="0" indent="0" algn="l" defTabSz="914400" rtl="0" eaLnBrk="1" fontAlgn="auto" latinLnBrk="0" hangingPunct="1">
+              <a:lnSpc>
+                <a:spcPct val="100000"/>
+              </a:lnSpc>
+              <a:spcBef>
+                <a:spcPts val="0"/>
+              </a:spcBef>
+              <a:spcAft>
+                <a:spcPts val="0"/>
+              </a:spcAft>
+              <a:buClrTx/>
+              <a:buSzTx/>
+              <a:buFontTx/>
+              <a:buNone/>
+              <a:tabLst/>
+              <a:defRPr/>
+            </a:pPr>
+            <a:r>
+              <a:rPr lang="en-US" altLang="zh-CN" sz="2400" dirty="0">
+                <a:solidFill>
+                  <a:prstClr val="black"/>
+                </a:solidFill>
+                <a:latin typeface="等线" panose="020F0502020204030204"/>
+                <a:ea typeface="等线" panose="02010600030101010101" pitchFamily="2" charset="-122"/>
+              </a:rPr>
+              <a:t>3</a:t>
+            </a:r>
+            <a:r>
+              <a:rPr kumimoji="0" lang="en-US" altLang="zh-CN" sz="2400" b="0" i="0" u="none" strike="noStrike" kern="1200" cap="none" spc="0" normalizeH="0" baseline="0" noProof="0" dirty="0">
+                <a:ln>
+                  <a:noFill/>
+                </a:ln>
+                <a:solidFill>
+                  <a:prstClr val="black"/>
+                </a:solidFill>
+                <a:effectLst/>
+                <a:uLnTx/>
+                <a:uFillTx/>
+                <a:latin typeface="等线" panose="020F0502020204030204"/>
+                <a:ea typeface="等线" panose="02010600030101010101" pitchFamily="2" charset="-122"/>
+                <a:cs typeface="+mn-cs"/>
+              </a:rPr>
+              <a:t>.《</a:t>
+            </a:r>
+            <a:r>
+              <a:rPr kumimoji="0" lang="zh-CN" altLang="en-US" sz="2400" b="0" i="0" u="none" strike="noStrike" kern="1200" cap="none" spc="0" normalizeH="0" baseline="0" noProof="0" dirty="0">
+                <a:ln>
+                  <a:noFill/>
+                </a:ln>
+                <a:solidFill>
+                  <a:prstClr val="black"/>
+                </a:solidFill>
+                <a:effectLst/>
+                <a:uLnTx/>
+                <a:uFillTx/>
+                <a:latin typeface="等线" panose="020F0502020204030204"/>
+                <a:ea typeface="等线" panose="02010600030101010101" pitchFamily="2" charset="-122"/>
+                <a:cs typeface="+mn-cs"/>
+              </a:rPr>
+              <a:t>软件工程导论</a:t>
+            </a:r>
+            <a:r>
+              <a:rPr kumimoji="0" lang="en-US" altLang="zh-CN" sz="2400" b="0" i="0" u="none" strike="noStrike" kern="1200" cap="none" spc="0" normalizeH="0" baseline="0" noProof="0" dirty="0">
+                <a:ln>
+                  <a:noFill/>
+                </a:ln>
+                <a:solidFill>
+                  <a:prstClr val="black"/>
+                </a:solidFill>
+                <a:effectLst/>
+                <a:uLnTx/>
+                <a:uFillTx/>
+                <a:latin typeface="等线" panose="020F0502020204030204"/>
+                <a:ea typeface="等线" panose="02010600030101010101" pitchFamily="2" charset="-122"/>
+                <a:cs typeface="+mn-cs"/>
+              </a:rPr>
+              <a:t>》</a:t>
+            </a:r>
+            <a:r>
+              <a:rPr kumimoji="0" lang="zh-CN" altLang="en-US" sz="2400" b="0" i="0" u="none" strike="noStrike" kern="1200" cap="none" spc="0" normalizeH="0" baseline="0" noProof="0" dirty="0">
+                <a:ln>
+                  <a:noFill/>
+                </a:ln>
+                <a:solidFill>
+                  <a:prstClr val="black"/>
+                </a:solidFill>
+                <a:effectLst/>
+                <a:uLnTx/>
+                <a:uFillTx/>
+                <a:latin typeface="等线" panose="020F0502020204030204"/>
+                <a:ea typeface="等线" panose="02010600030101010101" pitchFamily="2" charset="-122"/>
+                <a:cs typeface="+mn-cs"/>
+              </a:rPr>
+              <a:t>（张海藩、牟永敏编著第六版）</a:t>
+            </a:r>
+          </a:p>
+          <a:p>
+            <a:pPr marL="0" marR="0" lvl="0" indent="0" algn="l" defTabSz="914400" rtl="0" eaLnBrk="1" fontAlgn="auto" latinLnBrk="0" hangingPunct="1">
+              <a:lnSpc>
+                <a:spcPct val="100000"/>
+              </a:lnSpc>
+              <a:spcBef>
+                <a:spcPts val="0"/>
+              </a:spcBef>
+              <a:spcAft>
+                <a:spcPts val="0"/>
+              </a:spcAft>
+              <a:buClrTx/>
+              <a:buSzTx/>
+              <a:buFontTx/>
+              <a:buNone/>
+              <a:tabLst/>
+              <a:defRPr/>
+            </a:pPr>
+            <a:r>
+              <a:rPr lang="en-US" altLang="zh-CN" sz="2400" dirty="0">
+                <a:solidFill>
+                  <a:prstClr val="black"/>
+                </a:solidFill>
+                <a:latin typeface="等线" panose="020F0502020204030204"/>
+                <a:ea typeface="等线" panose="02010600030101010101" pitchFamily="2" charset="-122"/>
+              </a:rPr>
+              <a:t>4</a:t>
+            </a:r>
+            <a:r>
+              <a:rPr kumimoji="0" lang="en-US" altLang="zh-CN" sz="2400" b="0" i="0" u="none" strike="noStrike" kern="1200" cap="none" spc="0" normalizeH="0" baseline="0" noProof="0" dirty="0">
+                <a:ln>
+                  <a:noFill/>
+                </a:ln>
+                <a:solidFill>
+                  <a:prstClr val="black"/>
+                </a:solidFill>
+                <a:effectLst/>
+                <a:uLnTx/>
+                <a:uFillTx/>
+                <a:latin typeface="等线" panose="020F0502020204030204"/>
+                <a:ea typeface="等线" panose="02010600030101010101" pitchFamily="2" charset="-122"/>
+                <a:cs typeface="+mn-cs"/>
+              </a:rPr>
+              <a:t>.《</a:t>
+            </a:r>
+            <a:r>
+              <a:rPr kumimoji="0" lang="zh-CN" altLang="en-US" sz="2400" b="0" i="0" u="none" strike="noStrike" kern="1200" cap="none" spc="0" normalizeH="0" baseline="0" noProof="0" dirty="0">
+                <a:ln>
+                  <a:noFill/>
+                </a:ln>
+                <a:solidFill>
+                  <a:prstClr val="black"/>
+                </a:solidFill>
+                <a:effectLst/>
+                <a:uLnTx/>
+                <a:uFillTx/>
+                <a:latin typeface="等线" panose="020F0502020204030204"/>
+                <a:ea typeface="等线" panose="02010600030101010101" pitchFamily="2" charset="-122"/>
+                <a:cs typeface="+mn-cs"/>
+              </a:rPr>
+              <a:t>计算机软件产品开发文件编制指南</a:t>
+            </a:r>
+            <a:r>
+              <a:rPr kumimoji="0" lang="en-US" altLang="zh-CN" sz="2400" b="0" i="0" u="none" strike="noStrike" kern="1200" cap="none" spc="0" normalizeH="0" baseline="0" noProof="0" dirty="0">
+                <a:ln>
+                  <a:noFill/>
+                </a:ln>
+                <a:solidFill>
+                  <a:prstClr val="black"/>
+                </a:solidFill>
+                <a:effectLst/>
+                <a:uLnTx/>
+                <a:uFillTx/>
+                <a:latin typeface="等线" panose="020F0502020204030204"/>
+                <a:ea typeface="等线" panose="02010600030101010101" pitchFamily="2" charset="-122"/>
+                <a:cs typeface="+mn-cs"/>
+              </a:rPr>
+              <a:t>》(GB8567—88</a:t>
+            </a:r>
+            <a:r>
+              <a:rPr kumimoji="0" lang="zh-CN" altLang="en-US" sz="2400" b="0" i="0" u="none" strike="noStrike" kern="1200" cap="none" spc="0" normalizeH="0" baseline="0" noProof="0" dirty="0">
+                <a:ln>
+                  <a:noFill/>
+                </a:ln>
+                <a:solidFill>
+                  <a:prstClr val="black"/>
+                </a:solidFill>
+                <a:effectLst/>
+                <a:uLnTx/>
+                <a:uFillTx/>
+                <a:latin typeface="等线" panose="020F0502020204030204"/>
+                <a:ea typeface="等线" panose="02010600030101010101" pitchFamily="2" charset="-122"/>
+                <a:cs typeface="+mn-cs"/>
+              </a:rPr>
+              <a:t>）</a:t>
+            </a:r>
+            <a:endParaRPr kumimoji="0" lang="en-US" altLang="zh-CN" sz="2400" b="0" i="0" u="none" strike="noStrike" kern="1200" cap="none" spc="0" normalizeH="0" baseline="0" noProof="0" dirty="0">
+              <a:ln>
+                <a:noFill/>
+              </a:ln>
+              <a:solidFill>
+                <a:prstClr val="black"/>
+              </a:solidFill>
+              <a:effectLst/>
+              <a:uLnTx/>
+              <a:uFillTx/>
+              <a:latin typeface="等线" panose="020F0502020204030204"/>
+              <a:ea typeface="等线" panose="02010600030101010101" pitchFamily="2" charset="-122"/>
+              <a:cs typeface="+mn-cs"/>
+            </a:endParaRPr>
+          </a:p>
+          <a:p>
+            <a:pPr marL="0" marR="0" lvl="0" indent="0" algn="l" defTabSz="914400" rtl="0" eaLnBrk="1" fontAlgn="auto" latinLnBrk="0" hangingPunct="1">
+              <a:lnSpc>
+                <a:spcPct val="100000"/>
+              </a:lnSpc>
+              <a:spcBef>
+                <a:spcPts val="0"/>
+              </a:spcBef>
+              <a:spcAft>
+                <a:spcPts val="0"/>
+              </a:spcAft>
+              <a:buClrTx/>
+              <a:buSzTx/>
+              <a:buFontTx/>
+              <a:buNone/>
+              <a:tabLst/>
+              <a:defRPr/>
+            </a:pPr>
+            <a:r>
+              <a:rPr lang="en-US" altLang="zh-CN" sz="2400" dirty="0">
+                <a:solidFill>
+                  <a:prstClr val="black"/>
+                </a:solidFill>
+                <a:latin typeface="等线" panose="020F0502020204030204"/>
+                <a:ea typeface="等线" panose="02010600030101010101" pitchFamily="2" charset="-122"/>
+              </a:rPr>
+              <a:t>5.《</a:t>
+            </a:r>
+            <a:r>
+              <a:rPr lang="zh-CN" altLang="en-US" sz="2400">
+                <a:solidFill>
+                  <a:prstClr val="black"/>
+                </a:solidFill>
+                <a:latin typeface="等线" panose="020F0502020204030204"/>
+                <a:ea typeface="等线" panose="02010600030101010101" pitchFamily="2" charset="-122"/>
+              </a:rPr>
+              <a:t>校园表白墙软件用户手册</a:t>
+            </a:r>
+            <a:r>
+              <a:rPr lang="en-US" altLang="zh-CN" sz="2400">
+                <a:solidFill>
+                  <a:prstClr val="black"/>
+                </a:solidFill>
+                <a:latin typeface="等线" panose="020F0502020204030204"/>
+                <a:ea typeface="等线" panose="02010600030101010101" pitchFamily="2" charset="-122"/>
+              </a:rPr>
+              <a:t>》</a:t>
+            </a:r>
+            <a:endParaRPr kumimoji="0" lang="en-US" altLang="zh-CN" sz="2400" b="0" i="0" u="none" strike="noStrike" kern="1200" cap="none" spc="0" normalizeH="0" baseline="0" noProof="0" dirty="0">
+              <a:ln>
+                <a:noFill/>
+              </a:ln>
+              <a:solidFill>
+                <a:prstClr val="black"/>
+              </a:solidFill>
+              <a:effectLst/>
+              <a:uLnTx/>
+              <a:uFillTx/>
+              <a:latin typeface="等线" panose="020F0502020204030204"/>
+              <a:ea typeface="等线" panose="02010600030101010101" pitchFamily="2" charset="-122"/>
+              <a:cs typeface="+mn-cs"/>
+            </a:endParaRPr>
+          </a:p>
+        </p:txBody>
+      </p:sp>
+    </p:spTree>
+    <p:extLst>
+      <p:ext uri="{BB962C8B-B14F-4D97-AF65-F5344CB8AC3E}">
+        <p14:creationId xmlns:p14="http://schemas.microsoft.com/office/powerpoint/2010/main" val="2935235600"/>
+      </p:ext>
+    </p:extLst>
+  </p:cSld>
+  <p:clrMapOvr>
+    <a:masterClrMapping/>
+  </p:clrMapOvr>
+  <mc:AlternateContent xmlns:mc="http://schemas.openxmlformats.org/markup-compatibility/2006">
+    <mc:Choice xmlns:p15="http://schemas.microsoft.com/office/powerpoint/2012/main" Requires="p15">
+      <p:transition xmlns:p14="http://schemas.microsoft.com/office/powerpoint/2010/main" spd="slow" p14:dur="2000" advTm="0">
+        <p15:prstTrans prst="drape"/>
+      </p:transition>
+    </mc:Choice>
+    <mc:Fallback>
+      <p:transition spd="slow" advTm="0">
+        <p:fade/>
+      </p:transition>
+    </mc:Fallback>
+  </mc:AlternateContent>
+</p:sld>
+</file>
+
+<file path=ppt/slides/slide35.xml><?xml version="1.0" encoding="utf-8"?>
 <p:sld xmlns:a="http://schemas.openxmlformats.org/drawingml/2006/main" xmlns:r="http://schemas.openxmlformats.org/officeDocument/2006/relationships" xmlns:p="http://schemas.openxmlformats.org/presentationml/2006/main">
   <p:cSld>
     <p:spTree>
@@ -11504,7 +12076,7 @@
 </p:sld>
 </file>
 
-<file path=ppt/slides/slide35.xml><?xml version="1.0" encoding="utf-8"?>
+<file path=ppt/slides/slide36.xml><?xml version="1.0" encoding="utf-8"?>
 <p:sld xmlns:a="http://schemas.openxmlformats.org/drawingml/2006/main" xmlns:r="http://schemas.openxmlformats.org/officeDocument/2006/relationships" xmlns:p="http://schemas.openxmlformats.org/presentationml/2006/main">
   <p:cSld>
     <p:bg>

--- a/代码实现.pptx
+++ b/代码实现.pptx
@@ -5,7 +5,7 @@
     <p:sldMasterId id="2147483648" r:id="rId1"/>
   </p:sldMasterIdLst>
   <p:notesMasterIdLst>
-    <p:notesMasterId r:id="rId38"/>
+    <p:notesMasterId r:id="rId42"/>
   </p:notesMasterIdLst>
   <p:sldIdLst>
     <p:sldId id="256" r:id="rId2"/>
@@ -26,24 +26,28 @@
     <p:sldId id="337" r:id="rId17"/>
     <p:sldId id="338" r:id="rId18"/>
     <p:sldId id="343" r:id="rId19"/>
-    <p:sldId id="347" r:id="rId20"/>
-    <p:sldId id="344" r:id="rId21"/>
-    <p:sldId id="351" r:id="rId22"/>
-    <p:sldId id="349" r:id="rId23"/>
-    <p:sldId id="359" r:id="rId24"/>
-    <p:sldId id="360" r:id="rId25"/>
-    <p:sldId id="361" r:id="rId26"/>
-    <p:sldId id="362" r:id="rId27"/>
-    <p:sldId id="363" r:id="rId28"/>
-    <p:sldId id="365" r:id="rId29"/>
-    <p:sldId id="364" r:id="rId30"/>
-    <p:sldId id="339" r:id="rId31"/>
-    <p:sldId id="340" r:id="rId32"/>
-    <p:sldId id="352" r:id="rId33"/>
-    <p:sldId id="341" r:id="rId34"/>
-    <p:sldId id="366" r:id="rId35"/>
-    <p:sldId id="342" r:id="rId36"/>
-    <p:sldId id="283" r:id="rId37"/>
+    <p:sldId id="367" r:id="rId20"/>
+    <p:sldId id="347" r:id="rId21"/>
+    <p:sldId id="344" r:id="rId22"/>
+    <p:sldId id="351" r:id="rId23"/>
+    <p:sldId id="349" r:id="rId24"/>
+    <p:sldId id="359" r:id="rId25"/>
+    <p:sldId id="360" r:id="rId26"/>
+    <p:sldId id="361" r:id="rId27"/>
+    <p:sldId id="362" r:id="rId28"/>
+    <p:sldId id="363" r:id="rId29"/>
+    <p:sldId id="365" r:id="rId30"/>
+    <p:sldId id="364" r:id="rId31"/>
+    <p:sldId id="368" r:id="rId32"/>
+    <p:sldId id="369" r:id="rId33"/>
+    <p:sldId id="339" r:id="rId34"/>
+    <p:sldId id="370" r:id="rId35"/>
+    <p:sldId id="340" r:id="rId36"/>
+    <p:sldId id="352" r:id="rId37"/>
+    <p:sldId id="341" r:id="rId38"/>
+    <p:sldId id="366" r:id="rId39"/>
+    <p:sldId id="342" r:id="rId40"/>
+    <p:sldId id="283" r:id="rId41"/>
   </p:sldIdLst>
   <p:sldSz cx="12192000" cy="6858000"/>
   <p:notesSz cx="6858000" cy="9144000"/>
@@ -243,7 +247,7 @@
           <a:p>
             <a:fld id="{6AE3C7FC-3CC8-4214-AAB7-B272A27C17B9}" type="datetimeFigureOut">
               <a:rPr lang="zh-CN" altLang="en-US" smtClean="0"/>
-              <a:t>2021/12/15</a:t>
+              <a:t>2021/12/17</a:t>
             </a:fld>
             <a:endParaRPr lang="zh-CN" altLang="en-US"/>
           </a:p>
@@ -639,7 +643,7 @@
           <a:p>
             <a:fld id="{787439C1-9380-4261-8626-06D21037FD93}" type="datetimeFigureOut">
               <a:rPr lang="zh-CN" altLang="en-US" smtClean="0"/>
-              <a:t>2021/12/15</a:t>
+              <a:t>2021/12/17</a:t>
             </a:fld>
             <a:endParaRPr lang="zh-CN" altLang="en-US"/>
           </a:p>
@@ -815,7 +819,7 @@
           <a:p>
             <a:fld id="{787439C1-9380-4261-8626-06D21037FD93}" type="datetimeFigureOut">
               <a:rPr lang="zh-CN" altLang="en-US" smtClean="0"/>
-              <a:t>2021/12/15</a:t>
+              <a:t>2021/12/17</a:t>
             </a:fld>
             <a:endParaRPr lang="zh-CN" altLang="en-US"/>
           </a:p>
@@ -1001,7 +1005,7 @@
           <a:p>
             <a:fld id="{787439C1-9380-4261-8626-06D21037FD93}" type="datetimeFigureOut">
               <a:rPr lang="zh-CN" altLang="en-US" smtClean="0"/>
-              <a:t>2021/12/15</a:t>
+              <a:t>2021/12/17</a:t>
             </a:fld>
             <a:endParaRPr lang="zh-CN" altLang="en-US"/>
           </a:p>
@@ -1177,7 +1181,7 @@
           <a:p>
             <a:fld id="{787439C1-9380-4261-8626-06D21037FD93}" type="datetimeFigureOut">
               <a:rPr lang="zh-CN" altLang="en-US" smtClean="0"/>
-              <a:t>2021/12/15</a:t>
+              <a:t>2021/12/17</a:t>
             </a:fld>
             <a:endParaRPr lang="zh-CN" altLang="en-US"/>
           </a:p>
@@ -1430,7 +1434,7 @@
           <a:p>
             <a:fld id="{787439C1-9380-4261-8626-06D21037FD93}" type="datetimeFigureOut">
               <a:rPr lang="zh-CN" altLang="en-US" smtClean="0"/>
-              <a:t>2021/12/15</a:t>
+              <a:t>2021/12/17</a:t>
             </a:fld>
             <a:endParaRPr lang="zh-CN" altLang="en-US"/>
           </a:p>
@@ -1667,7 +1671,7 @@
           <a:p>
             <a:fld id="{787439C1-9380-4261-8626-06D21037FD93}" type="datetimeFigureOut">
               <a:rPr lang="zh-CN" altLang="en-US" smtClean="0"/>
-              <a:t>2021/12/15</a:t>
+              <a:t>2021/12/17</a:t>
             </a:fld>
             <a:endParaRPr lang="zh-CN" altLang="en-US"/>
           </a:p>
@@ -2039,7 +2043,7 @@
           <a:p>
             <a:fld id="{787439C1-9380-4261-8626-06D21037FD93}" type="datetimeFigureOut">
               <a:rPr lang="zh-CN" altLang="en-US" smtClean="0"/>
-              <a:t>2021/12/15</a:t>
+              <a:t>2021/12/17</a:t>
             </a:fld>
             <a:endParaRPr lang="zh-CN" altLang="en-US"/>
           </a:p>
@@ -2164,7 +2168,7 @@
           <a:p>
             <a:fld id="{787439C1-9380-4261-8626-06D21037FD93}" type="datetimeFigureOut">
               <a:rPr lang="zh-CN" altLang="en-US" smtClean="0"/>
-              <a:t>2021/12/15</a:t>
+              <a:t>2021/12/17</a:t>
             </a:fld>
             <a:endParaRPr lang="zh-CN" altLang="en-US"/>
           </a:p>
@@ -2267,7 +2271,7 @@
           <a:p>
             <a:fld id="{787439C1-9380-4261-8626-06D21037FD93}" type="datetimeFigureOut">
               <a:rPr lang="zh-CN" altLang="en-US" smtClean="0"/>
-              <a:t>2021/12/15</a:t>
+              <a:t>2021/12/17</a:t>
             </a:fld>
             <a:endParaRPr lang="zh-CN" altLang="en-US"/>
           </a:p>
@@ -2550,7 +2554,7 @@
           <a:p>
             <a:fld id="{787439C1-9380-4261-8626-06D21037FD93}" type="datetimeFigureOut">
               <a:rPr lang="zh-CN" altLang="en-US" smtClean="0"/>
-              <a:t>2021/12/15</a:t>
+              <a:t>2021/12/17</a:t>
             </a:fld>
             <a:endParaRPr lang="zh-CN" altLang="en-US"/>
           </a:p>
@@ -2810,7 +2814,7 @@
           <a:p>
             <a:fld id="{787439C1-9380-4261-8626-06D21037FD93}" type="datetimeFigureOut">
               <a:rPr lang="zh-CN" altLang="en-US" smtClean="0"/>
-              <a:t>2021/12/15</a:t>
+              <a:t>2021/12/17</a:t>
             </a:fld>
             <a:endParaRPr lang="zh-CN" altLang="en-US"/>
           </a:p>
@@ -3029,7 +3033,7 @@
           <a:p>
             <a:fld id="{787439C1-9380-4261-8626-06D21037FD93}" type="datetimeFigureOut">
               <a:rPr lang="zh-CN" altLang="en-US" smtClean="0"/>
-              <a:t>2021/12/15</a:t>
+              <a:t>2021/12/17</a:t>
             </a:fld>
             <a:endParaRPr lang="zh-CN" altLang="en-US"/>
           </a:p>
@@ -8366,10 +8370,10 @@
       </p:grpSpPr>
       <p:pic>
         <p:nvPicPr>
-          <p:cNvPr id="2" name="图片 1">
+          <p:cNvPr id="3" name="图片 2">
             <a:extLst>
               <a:ext uri="{FF2B5EF4-FFF2-40B4-BE49-F238E27FC236}">
-                <a16:creationId xmlns:a16="http://schemas.microsoft.com/office/drawing/2014/main" id="{C2C5AD56-2D54-4EE3-9F4A-0ECAEF1F28F1}"/>
+                <a16:creationId xmlns:a16="http://schemas.microsoft.com/office/drawing/2014/main" id="{D7574D8A-BF71-4568-8D14-43C766D154C1}"/>
               </a:ext>
             </a:extLst>
           </p:cNvPr>
@@ -8386,22 +8390,92 @@
         </p:blipFill>
         <p:spPr>
           <a:xfrm>
-            <a:off x="1754155" y="467992"/>
-            <a:ext cx="8129211" cy="5922015"/>
+            <a:off x="2425960" y="1100982"/>
+            <a:ext cx="6061070" cy="5224419"/>
+          </a:xfrm>
+          <a:prstGeom prst="rect">
+            <a:avLst/>
+          </a:prstGeom>
+        </p:spPr>
+      </p:pic>
+      <p:sp>
+        <p:nvSpPr>
+          <p:cNvPr id="4" name="文本框 3">
+            <a:extLst>
+              <a:ext uri="{FF2B5EF4-FFF2-40B4-BE49-F238E27FC236}">
+                <a16:creationId xmlns:a16="http://schemas.microsoft.com/office/drawing/2014/main" id="{C5961D7E-4912-418D-AF60-0080FA044849}"/>
+              </a:ext>
+            </a:extLst>
+          </p:cNvPr>
+          <p:cNvSpPr txBox="1"/>
+          <p:nvPr/>
+        </p:nvSpPr>
+        <p:spPr>
+          <a:xfrm>
+            <a:off x="357422" y="2562096"/>
+            <a:ext cx="677108" cy="1733808"/>
           </a:xfrm>
           <a:prstGeom prst="rect">
             <a:avLst/>
           </a:prstGeom>
           <a:noFill/>
-          <a:ln>
-            <a:noFill/>
-          </a:ln>
+        </p:spPr>
+        <p:txBody>
+          <a:bodyPr vert="eaVert" wrap="none" rtlCol="0">
+            <a:spAutoFit/>
+          </a:bodyPr>
+          <a:lstStyle/>
+          <a:p>
+            <a:r>
+              <a:rPr lang="zh-CN" altLang="en-US" sz="3200" dirty="0">
+                <a:solidFill>
+                  <a:schemeClr val="tx1">
+                    <a:lumMod val="50000"/>
+                    <a:lumOff val="50000"/>
+                  </a:schemeClr>
+                </a:solidFill>
+                <a:latin typeface="幼圆" panose="02010509060101010101" pitchFamily="49" charset="-122"/>
+                <a:ea typeface="幼圆" panose="02010509060101010101" pitchFamily="49" charset="-122"/>
+              </a:rPr>
+              <a:t>代码走查</a:t>
+            </a:r>
+          </a:p>
+        </p:txBody>
+      </p:sp>
+      <p:pic>
+        <p:nvPicPr>
+          <p:cNvPr id="6" name="图片 5">
+            <a:extLst>
+              <a:ext uri="{FF2B5EF4-FFF2-40B4-BE49-F238E27FC236}">
+                <a16:creationId xmlns:a16="http://schemas.microsoft.com/office/drawing/2014/main" id="{6967391D-DF0E-48E2-BF05-35168C108B3B}"/>
+              </a:ext>
+            </a:extLst>
+          </p:cNvPr>
+          <p:cNvPicPr>
+            <a:picLocks noChangeAspect="1"/>
+          </p:cNvPicPr>
+          <p:nvPr/>
+        </p:nvPicPr>
+        <p:blipFill>
+          <a:blip r:embed="rId3"/>
+          <a:stretch>
+            <a:fillRect/>
+          </a:stretch>
+        </p:blipFill>
+        <p:spPr>
+          <a:xfrm>
+            <a:off x="5456494" y="1100981"/>
+            <a:ext cx="5922871" cy="5224419"/>
+          </a:xfrm>
+          <a:prstGeom prst="rect">
+            <a:avLst/>
+          </a:prstGeom>
         </p:spPr>
       </p:pic>
     </p:spTree>
     <p:extLst>
       <p:ext uri="{BB962C8B-B14F-4D97-AF65-F5344CB8AC3E}">
-        <p14:creationId xmlns:p14="http://schemas.microsoft.com/office/powerpoint/2010/main" val="602112675"/>
+        <p14:creationId xmlns:p14="http://schemas.microsoft.com/office/powerpoint/2010/main" val="3766487149"/>
       </p:ext>
     </p:extLst>
   </p:cSld>
@@ -8416,6 +8490,234 @@
       <p:transition spd="slow" advTm="0"/>
     </mc:Fallback>
   </mc:AlternateContent>
+  <p:timing>
+    <p:tnLst>
+      <p:par>
+        <p:cTn id="1" dur="indefinite" restart="never" nodeType="tmRoot">
+          <p:childTnLst>
+            <p:seq concurrent="1" nextAc="seek">
+              <p:cTn id="2" dur="indefinite" nodeType="mainSeq">
+                <p:childTnLst>
+                  <p:par>
+                    <p:cTn id="3" fill="hold">
+                      <p:stCondLst>
+                        <p:cond delay="indefinite"/>
+                      </p:stCondLst>
+                      <p:childTnLst>
+                        <p:par>
+                          <p:cTn id="4" fill="hold">
+                            <p:stCondLst>
+                              <p:cond delay="0"/>
+                            </p:stCondLst>
+                            <p:childTnLst>
+                              <p:par>
+                                <p:cTn id="5" presetID="42" presetClass="entr" presetSubtype="0" fill="hold" nodeType="clickEffect">
+                                  <p:stCondLst>
+                                    <p:cond delay="0"/>
+                                  </p:stCondLst>
+                                  <p:childTnLst>
+                                    <p:set>
+                                      <p:cBhvr>
+                                        <p:cTn id="6" dur="1" fill="hold">
+                                          <p:stCondLst>
+                                            <p:cond delay="0"/>
+                                          </p:stCondLst>
+                                        </p:cTn>
+                                        <p:tgtEl>
+                                          <p:spTgt spid="3"/>
+                                        </p:tgtEl>
+                                        <p:attrNameLst>
+                                          <p:attrName>style.visibility</p:attrName>
+                                        </p:attrNameLst>
+                                      </p:cBhvr>
+                                      <p:to>
+                                        <p:strVal val="visible"/>
+                                      </p:to>
+                                    </p:set>
+                                    <p:animEffect transition="in" filter="fade">
+                                      <p:cBhvr>
+                                        <p:cTn id="7" dur="1000"/>
+                                        <p:tgtEl>
+                                          <p:spTgt spid="3"/>
+                                        </p:tgtEl>
+                                      </p:cBhvr>
+                                    </p:animEffect>
+                                    <p:anim calcmode="lin" valueType="num">
+                                      <p:cBhvr>
+                                        <p:cTn id="8" dur="1000" fill="hold"/>
+                                        <p:tgtEl>
+                                          <p:spTgt spid="3"/>
+                                        </p:tgtEl>
+                                        <p:attrNameLst>
+                                          <p:attrName>ppt_x</p:attrName>
+                                        </p:attrNameLst>
+                                      </p:cBhvr>
+                                      <p:tavLst>
+                                        <p:tav tm="0">
+                                          <p:val>
+                                            <p:strVal val="#ppt_x"/>
+                                          </p:val>
+                                        </p:tav>
+                                        <p:tav tm="100000">
+                                          <p:val>
+                                            <p:strVal val="#ppt_x"/>
+                                          </p:val>
+                                        </p:tav>
+                                      </p:tavLst>
+                                    </p:anim>
+                                    <p:anim calcmode="lin" valueType="num">
+                                      <p:cBhvr>
+                                        <p:cTn id="9" dur="1000" fill="hold"/>
+                                        <p:tgtEl>
+                                          <p:spTgt spid="3"/>
+                                        </p:tgtEl>
+                                        <p:attrNameLst>
+                                          <p:attrName>ppt_y</p:attrName>
+                                        </p:attrNameLst>
+                                      </p:cBhvr>
+                                      <p:tavLst>
+                                        <p:tav tm="0">
+                                          <p:val>
+                                            <p:strVal val="#ppt_y+.1"/>
+                                          </p:val>
+                                        </p:tav>
+                                        <p:tav tm="100000">
+                                          <p:val>
+                                            <p:strVal val="#ppt_y"/>
+                                          </p:val>
+                                        </p:tav>
+                                      </p:tavLst>
+                                    </p:anim>
+                                  </p:childTnLst>
+                                </p:cTn>
+                              </p:par>
+                            </p:childTnLst>
+                          </p:cTn>
+                        </p:par>
+                      </p:childTnLst>
+                    </p:cTn>
+                  </p:par>
+                  <p:par>
+                    <p:cTn id="10" fill="hold">
+                      <p:stCondLst>
+                        <p:cond delay="indefinite"/>
+                      </p:stCondLst>
+                      <p:childTnLst>
+                        <p:par>
+                          <p:cTn id="11" fill="hold">
+                            <p:stCondLst>
+                              <p:cond delay="0"/>
+                            </p:stCondLst>
+                            <p:childTnLst>
+                              <p:par>
+                                <p:cTn id="12" presetID="42" presetClass="entr" presetSubtype="0" fill="hold" nodeType="clickEffect">
+                                  <p:stCondLst>
+                                    <p:cond delay="0"/>
+                                  </p:stCondLst>
+                                  <p:childTnLst>
+                                    <p:set>
+                                      <p:cBhvr>
+                                        <p:cTn id="13" dur="1" fill="hold">
+                                          <p:stCondLst>
+                                            <p:cond delay="0"/>
+                                          </p:stCondLst>
+                                        </p:cTn>
+                                        <p:tgtEl>
+                                          <p:spTgt spid="6"/>
+                                        </p:tgtEl>
+                                        <p:attrNameLst>
+                                          <p:attrName>style.visibility</p:attrName>
+                                        </p:attrNameLst>
+                                      </p:cBhvr>
+                                      <p:to>
+                                        <p:strVal val="visible"/>
+                                      </p:to>
+                                    </p:set>
+                                    <p:animEffect transition="in" filter="fade">
+                                      <p:cBhvr>
+                                        <p:cTn id="14" dur="1000"/>
+                                        <p:tgtEl>
+                                          <p:spTgt spid="6"/>
+                                        </p:tgtEl>
+                                      </p:cBhvr>
+                                    </p:animEffect>
+                                    <p:anim calcmode="lin" valueType="num">
+                                      <p:cBhvr>
+                                        <p:cTn id="15" dur="1000" fill="hold"/>
+                                        <p:tgtEl>
+                                          <p:spTgt spid="6"/>
+                                        </p:tgtEl>
+                                        <p:attrNameLst>
+                                          <p:attrName>ppt_x</p:attrName>
+                                        </p:attrNameLst>
+                                      </p:cBhvr>
+                                      <p:tavLst>
+                                        <p:tav tm="0">
+                                          <p:val>
+                                            <p:strVal val="#ppt_x"/>
+                                          </p:val>
+                                        </p:tav>
+                                        <p:tav tm="100000">
+                                          <p:val>
+                                            <p:strVal val="#ppt_x"/>
+                                          </p:val>
+                                        </p:tav>
+                                      </p:tavLst>
+                                    </p:anim>
+                                    <p:anim calcmode="lin" valueType="num">
+                                      <p:cBhvr>
+                                        <p:cTn id="16" dur="1000" fill="hold"/>
+                                        <p:tgtEl>
+                                          <p:spTgt spid="6"/>
+                                        </p:tgtEl>
+                                        <p:attrNameLst>
+                                          <p:attrName>ppt_y</p:attrName>
+                                        </p:attrNameLst>
+                                      </p:cBhvr>
+                                      <p:tavLst>
+                                        <p:tav tm="0">
+                                          <p:val>
+                                            <p:strVal val="#ppt_y+.1"/>
+                                          </p:val>
+                                        </p:tav>
+                                        <p:tav tm="100000">
+                                          <p:val>
+                                            <p:strVal val="#ppt_y"/>
+                                          </p:val>
+                                        </p:tav>
+                                      </p:tavLst>
+                                    </p:anim>
+                                  </p:childTnLst>
+                                </p:cTn>
+                              </p:par>
+                            </p:childTnLst>
+                          </p:cTn>
+                        </p:par>
+                      </p:childTnLst>
+                    </p:cTn>
+                  </p:par>
+                </p:childTnLst>
+              </p:cTn>
+              <p:prevCondLst>
+                <p:cond evt="onPrev" delay="0">
+                  <p:tgtEl>
+                    <p:sldTgt/>
+                  </p:tgtEl>
+                </p:cond>
+              </p:prevCondLst>
+              <p:nextCondLst>
+                <p:cond evt="onNext" delay="0">
+                  <p:tgtEl>
+                    <p:sldTgt/>
+                  </p:tgtEl>
+                </p:cond>
+              </p:nextCondLst>
+            </p:seq>
+          </p:childTnLst>
+        </p:cTn>
+      </p:par>
+    </p:tnLst>
+  </p:timing>
 </p:sld>
 </file>
 
@@ -8941,6 +9243,122 @@
           <p:cNvPr id="2" name="图片 1">
             <a:extLst>
               <a:ext uri="{FF2B5EF4-FFF2-40B4-BE49-F238E27FC236}">
+                <a16:creationId xmlns:a16="http://schemas.microsoft.com/office/drawing/2014/main" id="{C2C5AD56-2D54-4EE3-9F4A-0ECAEF1F28F1}"/>
+              </a:ext>
+            </a:extLst>
+          </p:cNvPr>
+          <p:cNvPicPr>
+            <a:picLocks noChangeAspect="1"/>
+          </p:cNvPicPr>
+          <p:nvPr/>
+        </p:nvPicPr>
+        <p:blipFill>
+          <a:blip r:embed="rId2"/>
+          <a:stretch>
+            <a:fillRect/>
+          </a:stretch>
+        </p:blipFill>
+        <p:spPr>
+          <a:xfrm>
+            <a:off x="1754155" y="467992"/>
+            <a:ext cx="8129211" cy="5922015"/>
+          </a:xfrm>
+          <a:prstGeom prst="rect">
+            <a:avLst/>
+          </a:prstGeom>
+          <a:noFill/>
+          <a:ln>
+            <a:noFill/>
+          </a:ln>
+        </p:spPr>
+      </p:pic>
+      <p:sp>
+        <p:nvSpPr>
+          <p:cNvPr id="3" name="文本框 2">
+            <a:extLst>
+              <a:ext uri="{FF2B5EF4-FFF2-40B4-BE49-F238E27FC236}">
+                <a16:creationId xmlns:a16="http://schemas.microsoft.com/office/drawing/2014/main" id="{7E745CF9-502F-4396-8857-7D9AB29EF771}"/>
+              </a:ext>
+            </a:extLst>
+          </p:cNvPr>
+          <p:cNvSpPr txBox="1"/>
+          <p:nvPr/>
+        </p:nvSpPr>
+        <p:spPr>
+          <a:xfrm>
+            <a:off x="357422" y="2562096"/>
+            <a:ext cx="677108" cy="1733808"/>
+          </a:xfrm>
+          <a:prstGeom prst="rect">
+            <a:avLst/>
+          </a:prstGeom>
+          <a:noFill/>
+        </p:spPr>
+        <p:txBody>
+          <a:bodyPr vert="eaVert" wrap="none" rtlCol="0">
+            <a:spAutoFit/>
+          </a:bodyPr>
+          <a:lstStyle/>
+          <a:p>
+            <a:r>
+              <a:rPr lang="zh-CN" altLang="en-US" sz="3200" dirty="0">
+                <a:solidFill>
+                  <a:schemeClr val="tx1">
+                    <a:lumMod val="50000"/>
+                    <a:lumOff val="50000"/>
+                  </a:schemeClr>
+                </a:solidFill>
+                <a:latin typeface="幼圆" panose="02010509060101010101" pitchFamily="49" charset="-122"/>
+                <a:ea typeface="幼圆" panose="02010509060101010101" pitchFamily="49" charset="-122"/>
+              </a:rPr>
+              <a:t>单元测试</a:t>
+            </a:r>
+          </a:p>
+        </p:txBody>
+      </p:sp>
+    </p:spTree>
+    <p:extLst>
+      <p:ext uri="{BB962C8B-B14F-4D97-AF65-F5344CB8AC3E}">
+        <p14:creationId xmlns:p14="http://schemas.microsoft.com/office/powerpoint/2010/main" val="602112675"/>
+      </p:ext>
+    </p:extLst>
+  </p:cSld>
+  <p:clrMapOvr>
+    <a:masterClrMapping/>
+  </p:clrMapOvr>
+  <mc:AlternateContent xmlns:mc="http://schemas.openxmlformats.org/markup-compatibility/2006" xmlns:p14="http://schemas.microsoft.com/office/powerpoint/2010/main">
+    <mc:Choice Requires="p14">
+      <p:transition spd="slow" p14:dur="2000" advTm="0"/>
+    </mc:Choice>
+    <mc:Fallback xmlns="">
+      <p:transition spd="slow" advTm="0"/>
+    </mc:Fallback>
+  </mc:AlternateContent>
+</p:sld>
+</file>
+
+<file path=ppt/slides/slide21.xml><?xml version="1.0" encoding="utf-8"?>
+<p:sld xmlns:a="http://schemas.openxmlformats.org/drawingml/2006/main" xmlns:r="http://schemas.openxmlformats.org/officeDocument/2006/relationships" xmlns:p="http://schemas.openxmlformats.org/presentationml/2006/main">
+  <p:cSld>
+    <p:spTree>
+      <p:nvGrpSpPr>
+        <p:cNvPr id="1" name=""/>
+        <p:cNvGrpSpPr/>
+        <p:nvPr/>
+      </p:nvGrpSpPr>
+      <p:grpSpPr>
+        <a:xfrm>
+          <a:off x="0" y="0"/>
+          <a:ext cx="0" cy="0"/>
+          <a:chOff x="0" y="0"/>
+          <a:chExt cx="0" cy="0"/>
+        </a:xfrm>
+      </p:grpSpPr>
+      <p:pic>
+        <p:nvPicPr>
+          <p:cNvPr id="2" name="图片 1">
+            <a:extLst>
+              <a:ext uri="{FF2B5EF4-FFF2-40B4-BE49-F238E27FC236}">
                 <a16:creationId xmlns:a16="http://schemas.microsoft.com/office/drawing/2014/main" id="{CF70B945-4620-4A6B-B25A-3362FD8A9627}"/>
               </a:ext>
             </a:extLst>
@@ -8970,6 +9388,50 @@
           </a:ln>
         </p:spPr>
       </p:pic>
+      <p:sp>
+        <p:nvSpPr>
+          <p:cNvPr id="3" name="文本框 2">
+            <a:extLst>
+              <a:ext uri="{FF2B5EF4-FFF2-40B4-BE49-F238E27FC236}">
+                <a16:creationId xmlns:a16="http://schemas.microsoft.com/office/drawing/2014/main" id="{7A6794D1-E7D0-4FAE-9B20-727C86C835E2}"/>
+              </a:ext>
+            </a:extLst>
+          </p:cNvPr>
+          <p:cNvSpPr txBox="1"/>
+          <p:nvPr/>
+        </p:nvSpPr>
+        <p:spPr>
+          <a:xfrm>
+            <a:off x="236124" y="537354"/>
+            <a:ext cx="677108" cy="1733808"/>
+          </a:xfrm>
+          <a:prstGeom prst="rect">
+            <a:avLst/>
+          </a:prstGeom>
+          <a:noFill/>
+        </p:spPr>
+        <p:txBody>
+          <a:bodyPr vert="eaVert" wrap="none" rtlCol="0">
+            <a:spAutoFit/>
+          </a:bodyPr>
+          <a:lstStyle/>
+          <a:p>
+            <a:r>
+              <a:rPr lang="zh-CN" altLang="en-US" sz="3200" dirty="0">
+                <a:solidFill>
+                  <a:schemeClr val="tx1">
+                    <a:lumMod val="50000"/>
+                    <a:lumOff val="50000"/>
+                  </a:schemeClr>
+                </a:solidFill>
+                <a:latin typeface="幼圆" panose="02010509060101010101" pitchFamily="49" charset="-122"/>
+                <a:ea typeface="幼圆" panose="02010509060101010101" pitchFamily="49" charset="-122"/>
+              </a:rPr>
+              <a:t>单元测试</a:t>
+            </a:r>
+          </a:p>
+        </p:txBody>
+      </p:sp>
     </p:spTree>
     <p:extLst>
       <p:ext uri="{BB962C8B-B14F-4D97-AF65-F5344CB8AC3E}">
@@ -8991,7 +9453,7 @@
 </p:sld>
 </file>
 
-<file path=ppt/slides/slide21.xml><?xml version="1.0" encoding="utf-8"?>
+<file path=ppt/slides/slide22.xml><?xml version="1.0" encoding="utf-8"?>
 <p:sld xmlns:a="http://schemas.openxmlformats.org/drawingml/2006/main" xmlns:r="http://schemas.openxmlformats.org/officeDocument/2006/relationships" xmlns:p="http://schemas.openxmlformats.org/presentationml/2006/main">
   <p:cSld>
     <p:spTree>
@@ -9042,6 +9504,50 @@
           </a:ln>
         </p:spPr>
       </p:pic>
+      <p:sp>
+        <p:nvSpPr>
+          <p:cNvPr id="3" name="文本框 2">
+            <a:extLst>
+              <a:ext uri="{FF2B5EF4-FFF2-40B4-BE49-F238E27FC236}">
+                <a16:creationId xmlns:a16="http://schemas.microsoft.com/office/drawing/2014/main" id="{939BC97A-9A02-43C9-B09E-77FE05852A5F}"/>
+              </a:ext>
+            </a:extLst>
+          </p:cNvPr>
+          <p:cNvSpPr txBox="1"/>
+          <p:nvPr/>
+        </p:nvSpPr>
+        <p:spPr>
+          <a:xfrm>
+            <a:off x="357422" y="2562096"/>
+            <a:ext cx="677108" cy="1733808"/>
+          </a:xfrm>
+          <a:prstGeom prst="rect">
+            <a:avLst/>
+          </a:prstGeom>
+          <a:noFill/>
+        </p:spPr>
+        <p:txBody>
+          <a:bodyPr vert="eaVert" wrap="none" rtlCol="0">
+            <a:spAutoFit/>
+          </a:bodyPr>
+          <a:lstStyle/>
+          <a:p>
+            <a:r>
+              <a:rPr lang="zh-CN" altLang="en-US" sz="3200" dirty="0">
+                <a:solidFill>
+                  <a:schemeClr val="tx1">
+                    <a:lumMod val="50000"/>
+                    <a:lumOff val="50000"/>
+                  </a:schemeClr>
+                </a:solidFill>
+                <a:latin typeface="幼圆" panose="02010509060101010101" pitchFamily="49" charset="-122"/>
+                <a:ea typeface="幼圆" panose="02010509060101010101" pitchFamily="49" charset="-122"/>
+              </a:rPr>
+              <a:t>单元测试</a:t>
+            </a:r>
+          </a:p>
+        </p:txBody>
+      </p:sp>
     </p:spTree>
     <p:extLst>
       <p:ext uri="{BB962C8B-B14F-4D97-AF65-F5344CB8AC3E}">
@@ -9063,7 +9569,7 @@
 </p:sld>
 </file>
 
-<file path=ppt/slides/slide22.xml><?xml version="1.0" encoding="utf-8"?>
+<file path=ppt/slides/slide23.xml><?xml version="1.0" encoding="utf-8"?>
 <p:sld xmlns:a="http://schemas.openxmlformats.org/drawingml/2006/main" xmlns:r="http://schemas.openxmlformats.org/officeDocument/2006/relationships" xmlns:p="http://schemas.openxmlformats.org/presentationml/2006/main">
   <p:cSld>
     <p:spTree>
@@ -9102,7 +9608,7 @@
         </p:blipFill>
         <p:spPr>
           <a:xfrm>
-            <a:off x="677353" y="2056700"/>
+            <a:off x="1210311" y="1980072"/>
             <a:ext cx="10624267" cy="2897855"/>
           </a:xfrm>
           <a:prstGeom prst="rect">
@@ -9114,6 +9620,50 @@
           </a:ln>
         </p:spPr>
       </p:pic>
+      <p:sp>
+        <p:nvSpPr>
+          <p:cNvPr id="3" name="文本框 2">
+            <a:extLst>
+              <a:ext uri="{FF2B5EF4-FFF2-40B4-BE49-F238E27FC236}">
+                <a16:creationId xmlns:a16="http://schemas.microsoft.com/office/drawing/2014/main" id="{089F0C26-CEEB-4A77-A03F-84CCA5BA6B71}"/>
+              </a:ext>
+            </a:extLst>
+          </p:cNvPr>
+          <p:cNvSpPr txBox="1"/>
+          <p:nvPr/>
+        </p:nvSpPr>
+        <p:spPr>
+          <a:xfrm>
+            <a:off x="357422" y="2562096"/>
+            <a:ext cx="677108" cy="1733808"/>
+          </a:xfrm>
+          <a:prstGeom prst="rect">
+            <a:avLst/>
+          </a:prstGeom>
+          <a:noFill/>
+        </p:spPr>
+        <p:txBody>
+          <a:bodyPr vert="eaVert" wrap="none" rtlCol="0">
+            <a:spAutoFit/>
+          </a:bodyPr>
+          <a:lstStyle/>
+          <a:p>
+            <a:r>
+              <a:rPr lang="zh-CN" altLang="en-US" sz="3200" dirty="0">
+                <a:solidFill>
+                  <a:schemeClr val="tx1">
+                    <a:lumMod val="50000"/>
+                    <a:lumOff val="50000"/>
+                  </a:schemeClr>
+                </a:solidFill>
+                <a:latin typeface="幼圆" panose="02010509060101010101" pitchFamily="49" charset="-122"/>
+                <a:ea typeface="幼圆" panose="02010509060101010101" pitchFamily="49" charset="-122"/>
+              </a:rPr>
+              <a:t>单元测试</a:t>
+            </a:r>
+          </a:p>
+        </p:txBody>
+      </p:sp>
     </p:spTree>
     <p:extLst>
       <p:ext uri="{BB962C8B-B14F-4D97-AF65-F5344CB8AC3E}">
@@ -9135,7 +9685,7 @@
 </p:sld>
 </file>
 
-<file path=ppt/slides/slide23.xml><?xml version="1.0" encoding="utf-8"?>
+<file path=ppt/slides/slide24.xml><?xml version="1.0" encoding="utf-8"?>
 <p:sld xmlns:a="http://schemas.openxmlformats.org/drawingml/2006/main" xmlns:r="http://schemas.openxmlformats.org/officeDocument/2006/relationships" xmlns:p="http://schemas.openxmlformats.org/presentationml/2006/main">
   <p:cSld>
     <p:spTree>
@@ -9233,54 +9783,12 @@
           </a:p>
         </p:txBody>
       </p:sp>
-    </p:spTree>
-    <p:extLst>
-      <p:ext uri="{BB962C8B-B14F-4D97-AF65-F5344CB8AC3E}">
-        <p14:creationId xmlns:p14="http://schemas.microsoft.com/office/powerpoint/2010/main" val="902267073"/>
-      </p:ext>
-    </p:extLst>
-  </p:cSld>
-  <p:clrMapOvr>
-    <a:masterClrMapping/>
-  </p:clrMapOvr>
-  <mc:AlternateContent xmlns:mc="http://schemas.openxmlformats.org/markup-compatibility/2006" xmlns:p15="http://schemas.microsoft.com/office/powerpoint/2012/main">
-    <mc:Choice Requires="p15">
-      <p:transition xmlns:p14="http://schemas.microsoft.com/office/powerpoint/2010/main" spd="slow" p14:dur="2000" advTm="0">
-        <p15:prstTrans prst="drape"/>
-      </p:transition>
-    </mc:Choice>
-    <mc:Fallback xmlns="">
-      <p:transition spd="slow" advTm="0">
-        <p:fade/>
-      </p:transition>
-    </mc:Fallback>
-  </mc:AlternateContent>
-</p:sld>
-</file>
-
-<file path=ppt/slides/slide24.xml><?xml version="1.0" encoding="utf-8"?>
-<p:sld xmlns:a="http://schemas.openxmlformats.org/drawingml/2006/main" xmlns:r="http://schemas.openxmlformats.org/officeDocument/2006/relationships" xmlns:p="http://schemas.openxmlformats.org/presentationml/2006/main">
-  <p:cSld>
-    <p:spTree>
-      <p:nvGrpSpPr>
-        <p:cNvPr id="1" name=""/>
-        <p:cNvGrpSpPr/>
-        <p:nvPr/>
-      </p:nvGrpSpPr>
-      <p:grpSpPr>
-        <a:xfrm>
-          <a:off x="0" y="0"/>
-          <a:ext cx="0" cy="0"/>
-          <a:chOff x="0" y="0"/>
-          <a:chExt cx="0" cy="0"/>
-        </a:xfrm>
-      </p:grpSpPr>
       <p:sp>
         <p:nvSpPr>
-          <p:cNvPr id="7" name="文本框 6">
+          <p:cNvPr id="4" name="文本框 3">
             <a:extLst>
               <a:ext uri="{FF2B5EF4-FFF2-40B4-BE49-F238E27FC236}">
-                <a16:creationId xmlns:a16="http://schemas.microsoft.com/office/drawing/2014/main" id="{E57F6AE6-104F-416D-AA49-68C9A7B9B136}"/>
+                <a16:creationId xmlns:a16="http://schemas.microsoft.com/office/drawing/2014/main" id="{CBF99765-4065-4241-AF90-493CD8BF0BB1}"/>
               </a:ext>
             </a:extLst>
           </p:cNvPr>
@@ -9289,8 +9797,8 @@
         </p:nvSpPr>
         <p:spPr>
           <a:xfrm>
-            <a:off x="4746949" y="557118"/>
-            <a:ext cx="6097554" cy="369332"/>
+            <a:off x="357422" y="2562096"/>
+            <a:ext cx="677108" cy="1733808"/>
           </a:xfrm>
           <a:prstGeom prst="rect">
             <a:avLst/>
@@ -9298,68 +9806,31 @@
           <a:noFill/>
         </p:spPr>
         <p:txBody>
-          <a:bodyPr wrap="square">
+          <a:bodyPr vert="eaVert" wrap="none" rtlCol="0">
             <a:spAutoFit/>
           </a:bodyPr>
           <a:lstStyle/>
           <a:p>
             <a:r>
-              <a:rPr lang="zh-CN" altLang="zh-CN" sz="1800" dirty="0">
-                <a:effectLst/>
-                <a:ea typeface="黑体" panose="02010609060101010101" pitchFamily="49" charset="-122"/>
-                <a:cs typeface="Times New Roman" panose="02020603050405020304" pitchFamily="18" charset="0"/>
-              </a:rPr>
-              <a:t>登录单元测试</a:t>
-            </a:r>
-            <a:endParaRPr lang="zh-CN" altLang="en-US" dirty="0"/>
+              <a:rPr lang="zh-CN" altLang="en-US" sz="3200" dirty="0">
+                <a:solidFill>
+                  <a:schemeClr val="tx1">
+                    <a:lumMod val="50000"/>
+                    <a:lumOff val="50000"/>
+                  </a:schemeClr>
+                </a:solidFill>
+                <a:latin typeface="幼圆" panose="02010509060101010101" pitchFamily="49" charset="-122"/>
+                <a:ea typeface="幼圆" panose="02010509060101010101" pitchFamily="49" charset="-122"/>
+              </a:rPr>
+              <a:t>单元测试</a:t>
+            </a:r>
           </a:p>
         </p:txBody>
       </p:sp>
-      <p:pic>
-        <p:nvPicPr>
-          <p:cNvPr id="4" name="图片 3">
-            <a:extLst>
-              <a:ext uri="{FF2B5EF4-FFF2-40B4-BE49-F238E27FC236}">
-                <a16:creationId xmlns:a16="http://schemas.microsoft.com/office/drawing/2014/main" id="{CFD2ED87-62A6-4EBD-9E28-8BB7C6255A88}"/>
-              </a:ext>
-            </a:extLst>
-          </p:cNvPr>
-          <p:cNvPicPr>
-            <a:picLocks noChangeAspect="1"/>
-          </p:cNvPicPr>
-          <p:nvPr/>
-        </p:nvPicPr>
-        <p:blipFill>
-          <a:blip r:embed="rId2">
-            <a:extLst>
-              <a:ext uri="{28A0092B-C50C-407E-A947-70E740481C1C}">
-                <a14:useLocalDpi xmlns:a14="http://schemas.microsoft.com/office/drawing/2010/main" val="0"/>
-              </a:ext>
-            </a:extLst>
-          </a:blip>
-          <a:srcRect/>
-          <a:stretch>
-            <a:fillRect/>
-          </a:stretch>
-        </p:blipFill>
-        <p:spPr bwMode="auto">
-          <a:xfrm>
-            <a:off x="1162733" y="1037432"/>
-            <a:ext cx="9681770" cy="5263450"/>
-          </a:xfrm>
-          <a:prstGeom prst="rect">
-            <a:avLst/>
-          </a:prstGeom>
-          <a:noFill/>
-          <a:ln>
-            <a:noFill/>
-          </a:ln>
-        </p:spPr>
-      </p:pic>
     </p:spTree>
     <p:extLst>
       <p:ext uri="{BB962C8B-B14F-4D97-AF65-F5344CB8AC3E}">
-        <p14:creationId xmlns:p14="http://schemas.microsoft.com/office/powerpoint/2010/main" val="560133619"/>
+        <p14:creationId xmlns:p14="http://schemas.microsoft.com/office/powerpoint/2010/main" val="902267073"/>
       </p:ext>
     </p:extLst>
   </p:cSld>
@@ -9432,7 +9903,7 @@
                 <a:ea typeface="黑体" panose="02010609060101010101" pitchFamily="49" charset="-122"/>
                 <a:cs typeface="Times New Roman" panose="02020603050405020304" pitchFamily="18" charset="0"/>
               </a:rPr>
-              <a:t>注册单元测试</a:t>
+              <a:t>登录单元测试</a:t>
             </a:r>
             <a:endParaRPr lang="zh-CN" altLang="en-US" dirty="0"/>
           </a:p>
@@ -9443,7 +9914,7 @@
           <p:cNvPr id="4" name="图片 3">
             <a:extLst>
               <a:ext uri="{FF2B5EF4-FFF2-40B4-BE49-F238E27FC236}">
-                <a16:creationId xmlns:a16="http://schemas.microsoft.com/office/drawing/2014/main" id="{9BF75C35-8818-4DBA-8675-4E1C2D7DA8D2}"/>
+                <a16:creationId xmlns:a16="http://schemas.microsoft.com/office/drawing/2014/main" id="{CFD2ED87-62A6-4EBD-9E28-8BB7C6255A88}"/>
               </a:ext>
             </a:extLst>
           </p:cNvPr>
@@ -9467,8 +9938,8 @@
         </p:blipFill>
         <p:spPr bwMode="auto">
           <a:xfrm>
-            <a:off x="1018372" y="1083152"/>
-            <a:ext cx="9893997" cy="5217730"/>
+            <a:off x="1162733" y="1037432"/>
+            <a:ext cx="9681770" cy="5263450"/>
           </a:xfrm>
           <a:prstGeom prst="rect">
             <a:avLst/>
@@ -9479,10 +9950,54 @@
           </a:ln>
         </p:spPr>
       </p:pic>
+      <p:sp>
+        <p:nvSpPr>
+          <p:cNvPr id="5" name="文本框 4">
+            <a:extLst>
+              <a:ext uri="{FF2B5EF4-FFF2-40B4-BE49-F238E27FC236}">
+                <a16:creationId xmlns:a16="http://schemas.microsoft.com/office/drawing/2014/main" id="{F28F283D-E6FE-44AC-A940-5F224F584976}"/>
+              </a:ext>
+            </a:extLst>
+          </p:cNvPr>
+          <p:cNvSpPr txBox="1"/>
+          <p:nvPr/>
+        </p:nvSpPr>
+        <p:spPr>
+          <a:xfrm>
+            <a:off x="357422" y="2562096"/>
+            <a:ext cx="677108" cy="1733808"/>
+          </a:xfrm>
+          <a:prstGeom prst="rect">
+            <a:avLst/>
+          </a:prstGeom>
+          <a:noFill/>
+        </p:spPr>
+        <p:txBody>
+          <a:bodyPr vert="eaVert" wrap="none" rtlCol="0">
+            <a:spAutoFit/>
+          </a:bodyPr>
+          <a:lstStyle/>
+          <a:p>
+            <a:r>
+              <a:rPr lang="zh-CN" altLang="en-US" sz="3200" dirty="0">
+                <a:solidFill>
+                  <a:schemeClr val="tx1">
+                    <a:lumMod val="50000"/>
+                    <a:lumOff val="50000"/>
+                  </a:schemeClr>
+                </a:solidFill>
+                <a:latin typeface="幼圆" panose="02010509060101010101" pitchFamily="49" charset="-122"/>
+                <a:ea typeface="幼圆" panose="02010509060101010101" pitchFamily="49" charset="-122"/>
+              </a:rPr>
+              <a:t>单元测试</a:t>
+            </a:r>
+          </a:p>
+        </p:txBody>
+      </p:sp>
     </p:spTree>
     <p:extLst>
       <p:ext uri="{BB962C8B-B14F-4D97-AF65-F5344CB8AC3E}">
-        <p14:creationId xmlns:p14="http://schemas.microsoft.com/office/powerpoint/2010/main" val="3254062217"/>
+        <p14:creationId xmlns:p14="http://schemas.microsoft.com/office/powerpoint/2010/main" val="560133619"/>
       </p:ext>
     </p:extLst>
   </p:cSld>
@@ -9555,7 +10070,7 @@
                 <a:ea typeface="黑体" panose="02010609060101010101" pitchFamily="49" charset="-122"/>
                 <a:cs typeface="Times New Roman" panose="02020603050405020304" pitchFamily="18" charset="0"/>
               </a:rPr>
-              <a:t>获取特定用户评论单元测试</a:t>
+              <a:t>注册单元测试</a:t>
             </a:r>
             <a:endParaRPr lang="zh-CN" altLang="en-US" dirty="0"/>
           </a:p>
@@ -9566,7 +10081,7 @@
           <p:cNvPr id="4" name="图片 3">
             <a:extLst>
               <a:ext uri="{FF2B5EF4-FFF2-40B4-BE49-F238E27FC236}">
-                <a16:creationId xmlns:a16="http://schemas.microsoft.com/office/drawing/2014/main" id="{85D28195-D19B-47AF-967E-61DE6EE749AA}"/>
+                <a16:creationId xmlns:a16="http://schemas.microsoft.com/office/drawing/2014/main" id="{9BF75C35-8818-4DBA-8675-4E1C2D7DA8D2}"/>
               </a:ext>
             </a:extLst>
           </p:cNvPr>
@@ -9590,8 +10105,8 @@
         </p:blipFill>
         <p:spPr bwMode="auto">
           <a:xfrm>
-            <a:off x="1847227" y="1428883"/>
-            <a:ext cx="8997276" cy="4871999"/>
+            <a:off x="1018372" y="1083152"/>
+            <a:ext cx="9893997" cy="5217730"/>
           </a:xfrm>
           <a:prstGeom prst="rect">
             <a:avLst/>
@@ -9602,10 +10117,54 @@
           </a:ln>
         </p:spPr>
       </p:pic>
+      <p:sp>
+        <p:nvSpPr>
+          <p:cNvPr id="5" name="文本框 4">
+            <a:extLst>
+              <a:ext uri="{FF2B5EF4-FFF2-40B4-BE49-F238E27FC236}">
+                <a16:creationId xmlns:a16="http://schemas.microsoft.com/office/drawing/2014/main" id="{FCDA0F98-E679-47FF-B841-32EF9A3694E1}"/>
+              </a:ext>
+            </a:extLst>
+          </p:cNvPr>
+          <p:cNvSpPr txBox="1"/>
+          <p:nvPr/>
+        </p:nvSpPr>
+        <p:spPr>
+          <a:xfrm>
+            <a:off x="357422" y="2562096"/>
+            <a:ext cx="677108" cy="1733808"/>
+          </a:xfrm>
+          <a:prstGeom prst="rect">
+            <a:avLst/>
+          </a:prstGeom>
+          <a:noFill/>
+        </p:spPr>
+        <p:txBody>
+          <a:bodyPr vert="eaVert" wrap="none" rtlCol="0">
+            <a:spAutoFit/>
+          </a:bodyPr>
+          <a:lstStyle/>
+          <a:p>
+            <a:r>
+              <a:rPr lang="zh-CN" altLang="en-US" sz="3200" dirty="0">
+                <a:solidFill>
+                  <a:schemeClr val="tx1">
+                    <a:lumMod val="50000"/>
+                    <a:lumOff val="50000"/>
+                  </a:schemeClr>
+                </a:solidFill>
+                <a:latin typeface="幼圆" panose="02010509060101010101" pitchFamily="49" charset="-122"/>
+                <a:ea typeface="幼圆" panose="02010509060101010101" pitchFamily="49" charset="-122"/>
+              </a:rPr>
+              <a:t>单元测试</a:t>
+            </a:r>
+          </a:p>
+        </p:txBody>
+      </p:sp>
     </p:spTree>
     <p:extLst>
       <p:ext uri="{BB962C8B-B14F-4D97-AF65-F5344CB8AC3E}">
-        <p14:creationId xmlns:p14="http://schemas.microsoft.com/office/powerpoint/2010/main" val="2631854202"/>
+        <p14:creationId xmlns:p14="http://schemas.microsoft.com/office/powerpoint/2010/main" val="3254062217"/>
       </p:ext>
     </p:extLst>
   </p:cSld>
@@ -9678,7 +10237,7 @@
                 <a:ea typeface="黑体" panose="02010609060101010101" pitchFamily="49" charset="-122"/>
                 <a:cs typeface="Times New Roman" panose="02020603050405020304" pitchFamily="18" charset="0"/>
               </a:rPr>
-              <a:t>修改密码</a:t>
+              <a:t>获取特定用户评论单元测试</a:t>
             </a:r>
             <a:endParaRPr lang="zh-CN" altLang="en-US" dirty="0"/>
           </a:p>
@@ -9689,7 +10248,7 @@
           <p:cNvPr id="4" name="图片 3">
             <a:extLst>
               <a:ext uri="{FF2B5EF4-FFF2-40B4-BE49-F238E27FC236}">
-                <a16:creationId xmlns:a16="http://schemas.microsoft.com/office/drawing/2014/main" id="{38E03F96-34AB-4C19-B940-2C010C823957}"/>
+                <a16:creationId xmlns:a16="http://schemas.microsoft.com/office/drawing/2014/main" id="{85D28195-D19B-47AF-967E-61DE6EE749AA}"/>
               </a:ext>
             </a:extLst>
           </p:cNvPr>
@@ -9713,8 +10272,8 @@
         </p:blipFill>
         <p:spPr bwMode="auto">
           <a:xfrm>
-            <a:off x="307902" y="1600297"/>
-            <a:ext cx="11106002" cy="4501924"/>
+            <a:off x="1847227" y="1428883"/>
+            <a:ext cx="8997276" cy="4871999"/>
           </a:xfrm>
           <a:prstGeom prst="rect">
             <a:avLst/>
@@ -9725,10 +10284,54 @@
           </a:ln>
         </p:spPr>
       </p:pic>
+      <p:sp>
+        <p:nvSpPr>
+          <p:cNvPr id="5" name="文本框 4">
+            <a:extLst>
+              <a:ext uri="{FF2B5EF4-FFF2-40B4-BE49-F238E27FC236}">
+                <a16:creationId xmlns:a16="http://schemas.microsoft.com/office/drawing/2014/main" id="{92591110-D5BB-42C2-A802-9C2290DF4580}"/>
+              </a:ext>
+            </a:extLst>
+          </p:cNvPr>
+          <p:cNvSpPr txBox="1"/>
+          <p:nvPr/>
+        </p:nvSpPr>
+        <p:spPr>
+          <a:xfrm>
+            <a:off x="357422" y="2562096"/>
+            <a:ext cx="677108" cy="1733808"/>
+          </a:xfrm>
+          <a:prstGeom prst="rect">
+            <a:avLst/>
+          </a:prstGeom>
+          <a:noFill/>
+        </p:spPr>
+        <p:txBody>
+          <a:bodyPr vert="eaVert" wrap="none" rtlCol="0">
+            <a:spAutoFit/>
+          </a:bodyPr>
+          <a:lstStyle/>
+          <a:p>
+            <a:r>
+              <a:rPr lang="zh-CN" altLang="en-US" sz="3200" dirty="0">
+                <a:solidFill>
+                  <a:schemeClr val="tx1">
+                    <a:lumMod val="50000"/>
+                    <a:lumOff val="50000"/>
+                  </a:schemeClr>
+                </a:solidFill>
+                <a:latin typeface="幼圆" panose="02010509060101010101" pitchFamily="49" charset="-122"/>
+                <a:ea typeface="幼圆" panose="02010509060101010101" pitchFamily="49" charset="-122"/>
+              </a:rPr>
+              <a:t>单元测试</a:t>
+            </a:r>
+          </a:p>
+        </p:txBody>
+      </p:sp>
     </p:spTree>
     <p:extLst>
       <p:ext uri="{BB962C8B-B14F-4D97-AF65-F5344CB8AC3E}">
-        <p14:creationId xmlns:p14="http://schemas.microsoft.com/office/powerpoint/2010/main" val="711851981"/>
+        <p14:creationId xmlns:p14="http://schemas.microsoft.com/office/powerpoint/2010/main" val="2631854202"/>
       </p:ext>
     </p:extLst>
   </p:cSld>
@@ -9781,7 +10384,7 @@
         </p:nvSpPr>
         <p:spPr>
           <a:xfrm>
-            <a:off x="4457700" y="571851"/>
+            <a:off x="4746949" y="557118"/>
             <a:ext cx="6097554" cy="369332"/>
           </a:xfrm>
           <a:prstGeom prst="rect">
@@ -9801,7 +10404,7 @@
                 <a:ea typeface="黑体" panose="02010609060101010101" pitchFamily="49" charset="-122"/>
                 <a:cs typeface="Times New Roman" panose="02020603050405020304" pitchFamily="18" charset="0"/>
               </a:rPr>
-              <a:t>邮箱验证码单元测试</a:t>
+              <a:t>修改密码</a:t>
             </a:r>
             <a:endParaRPr lang="zh-CN" altLang="en-US" dirty="0"/>
           </a:p>
@@ -9809,10 +10412,10 @@
       </p:sp>
       <p:pic>
         <p:nvPicPr>
-          <p:cNvPr id="5" name="图片 4">
+          <p:cNvPr id="4" name="图片 3">
             <a:extLst>
               <a:ext uri="{FF2B5EF4-FFF2-40B4-BE49-F238E27FC236}">
-                <a16:creationId xmlns:a16="http://schemas.microsoft.com/office/drawing/2014/main" id="{AF05E3D5-258E-4874-8D7D-00D3E9976ABD}"/>
+                <a16:creationId xmlns:a16="http://schemas.microsoft.com/office/drawing/2014/main" id="{38E03F96-34AB-4C19-B940-2C010C823957}"/>
               </a:ext>
             </a:extLst>
           </p:cNvPr>
@@ -9836,8 +10439,8 @@
         </p:blipFill>
         <p:spPr bwMode="auto">
           <a:xfrm>
-            <a:off x="1492898" y="1251623"/>
-            <a:ext cx="8903970" cy="5158745"/>
+            <a:off x="307902" y="1600297"/>
+            <a:ext cx="11106002" cy="4501924"/>
           </a:xfrm>
           <a:prstGeom prst="rect">
             <a:avLst/>
@@ -9851,7 +10454,7 @@
     </p:spTree>
     <p:extLst>
       <p:ext uri="{BB962C8B-B14F-4D97-AF65-F5344CB8AC3E}">
-        <p14:creationId xmlns:p14="http://schemas.microsoft.com/office/powerpoint/2010/main" val="1935880438"/>
+        <p14:creationId xmlns:p14="http://schemas.microsoft.com/office/powerpoint/2010/main" val="711851981"/>
       </p:ext>
     </p:extLst>
   </p:cSld>
@@ -9904,7 +10507,7 @@
         </p:nvSpPr>
         <p:spPr>
           <a:xfrm>
-            <a:off x="4746949" y="557118"/>
+            <a:off x="4457700" y="571851"/>
             <a:ext cx="6097554" cy="369332"/>
           </a:xfrm>
           <a:prstGeom prst="rect">
@@ -9924,7 +10527,7 @@
                 <a:ea typeface="黑体" panose="02010609060101010101" pitchFamily="49" charset="-122"/>
                 <a:cs typeface="Times New Roman" panose="02020603050405020304" pitchFamily="18" charset="0"/>
               </a:rPr>
-              <a:t>修改个性签名</a:t>
+              <a:t>邮箱验证码单元测试</a:t>
             </a:r>
             <a:endParaRPr lang="zh-CN" altLang="en-US" dirty="0"/>
           </a:p>
@@ -9932,10 +10535,10 @@
       </p:sp>
       <p:pic>
         <p:nvPicPr>
-          <p:cNvPr id="4" name="图片 3">
+          <p:cNvPr id="5" name="图片 4">
             <a:extLst>
               <a:ext uri="{FF2B5EF4-FFF2-40B4-BE49-F238E27FC236}">
-                <a16:creationId xmlns:a16="http://schemas.microsoft.com/office/drawing/2014/main" id="{1C8426BC-FD65-4A8A-A566-FC202500BAEE}"/>
+                <a16:creationId xmlns:a16="http://schemas.microsoft.com/office/drawing/2014/main" id="{AF05E3D5-258E-4874-8D7D-00D3E9976ABD}"/>
               </a:ext>
             </a:extLst>
           </p:cNvPr>
@@ -9959,8 +10562,8 @@
         </p:blipFill>
         <p:spPr bwMode="auto">
           <a:xfrm>
-            <a:off x="1446245" y="1439052"/>
-            <a:ext cx="8754680" cy="4662431"/>
+            <a:off x="1492898" y="1251623"/>
+            <a:ext cx="8903970" cy="5158745"/>
           </a:xfrm>
           <a:prstGeom prst="rect">
             <a:avLst/>
@@ -9971,10 +10574,54 @@
           </a:ln>
         </p:spPr>
       </p:pic>
+      <p:sp>
+        <p:nvSpPr>
+          <p:cNvPr id="4" name="文本框 3">
+            <a:extLst>
+              <a:ext uri="{FF2B5EF4-FFF2-40B4-BE49-F238E27FC236}">
+                <a16:creationId xmlns:a16="http://schemas.microsoft.com/office/drawing/2014/main" id="{C8DA43E2-8B5D-43D6-831C-8E811CFA8D75}"/>
+              </a:ext>
+            </a:extLst>
+          </p:cNvPr>
+          <p:cNvSpPr txBox="1"/>
+          <p:nvPr/>
+        </p:nvSpPr>
+        <p:spPr>
+          <a:xfrm>
+            <a:off x="357422" y="2562096"/>
+            <a:ext cx="677108" cy="1733808"/>
+          </a:xfrm>
+          <a:prstGeom prst="rect">
+            <a:avLst/>
+          </a:prstGeom>
+          <a:noFill/>
+        </p:spPr>
+        <p:txBody>
+          <a:bodyPr vert="eaVert" wrap="none" rtlCol="0">
+            <a:spAutoFit/>
+          </a:bodyPr>
+          <a:lstStyle/>
+          <a:p>
+            <a:r>
+              <a:rPr lang="zh-CN" altLang="en-US" sz="3200" dirty="0">
+                <a:solidFill>
+                  <a:schemeClr val="tx1">
+                    <a:lumMod val="50000"/>
+                    <a:lumOff val="50000"/>
+                  </a:schemeClr>
+                </a:solidFill>
+                <a:latin typeface="幼圆" panose="02010509060101010101" pitchFamily="49" charset="-122"/>
+                <a:ea typeface="幼圆" panose="02010509060101010101" pitchFamily="49" charset="-122"/>
+              </a:rPr>
+              <a:t>单元测试</a:t>
+            </a:r>
+          </a:p>
+        </p:txBody>
+      </p:sp>
     </p:spTree>
     <p:extLst>
       <p:ext uri="{BB962C8B-B14F-4D97-AF65-F5344CB8AC3E}">
-        <p14:creationId xmlns:p14="http://schemas.microsoft.com/office/powerpoint/2010/main" val="1028544777"/>
+        <p14:creationId xmlns:p14="http://schemas.microsoft.com/office/powerpoint/2010/main" val="1935880438"/>
       </p:ext>
     </p:extLst>
   </p:cSld>
@@ -10180,6 +10827,655 @@
           <a:chExt cx="0" cy="0"/>
         </a:xfrm>
       </p:grpSpPr>
+      <p:sp>
+        <p:nvSpPr>
+          <p:cNvPr id="7" name="文本框 6">
+            <a:extLst>
+              <a:ext uri="{FF2B5EF4-FFF2-40B4-BE49-F238E27FC236}">
+                <a16:creationId xmlns:a16="http://schemas.microsoft.com/office/drawing/2014/main" id="{E57F6AE6-104F-416D-AA49-68C9A7B9B136}"/>
+              </a:ext>
+            </a:extLst>
+          </p:cNvPr>
+          <p:cNvSpPr txBox="1"/>
+          <p:nvPr/>
+        </p:nvSpPr>
+        <p:spPr>
+          <a:xfrm>
+            <a:off x="4746949" y="557118"/>
+            <a:ext cx="6097554" cy="369332"/>
+          </a:xfrm>
+          <a:prstGeom prst="rect">
+            <a:avLst/>
+          </a:prstGeom>
+          <a:noFill/>
+        </p:spPr>
+        <p:txBody>
+          <a:bodyPr wrap="square">
+            <a:spAutoFit/>
+          </a:bodyPr>
+          <a:lstStyle/>
+          <a:p>
+            <a:r>
+              <a:rPr lang="zh-CN" altLang="zh-CN" sz="1800" dirty="0">
+                <a:effectLst/>
+                <a:ea typeface="黑体" panose="02010609060101010101" pitchFamily="49" charset="-122"/>
+                <a:cs typeface="Times New Roman" panose="02020603050405020304" pitchFamily="18" charset="0"/>
+              </a:rPr>
+              <a:t>修改个性签名</a:t>
+            </a:r>
+            <a:endParaRPr lang="zh-CN" altLang="en-US" dirty="0"/>
+          </a:p>
+        </p:txBody>
+      </p:sp>
+      <p:pic>
+        <p:nvPicPr>
+          <p:cNvPr id="4" name="图片 3">
+            <a:extLst>
+              <a:ext uri="{FF2B5EF4-FFF2-40B4-BE49-F238E27FC236}">
+                <a16:creationId xmlns:a16="http://schemas.microsoft.com/office/drawing/2014/main" id="{1C8426BC-FD65-4A8A-A566-FC202500BAEE}"/>
+              </a:ext>
+            </a:extLst>
+          </p:cNvPr>
+          <p:cNvPicPr>
+            <a:picLocks noChangeAspect="1"/>
+          </p:cNvPicPr>
+          <p:nvPr/>
+        </p:nvPicPr>
+        <p:blipFill>
+          <a:blip r:embed="rId2">
+            <a:extLst>
+              <a:ext uri="{28A0092B-C50C-407E-A947-70E740481C1C}">
+                <a14:useLocalDpi xmlns:a14="http://schemas.microsoft.com/office/drawing/2010/main" val="0"/>
+              </a:ext>
+            </a:extLst>
+          </a:blip>
+          <a:srcRect/>
+          <a:stretch>
+            <a:fillRect/>
+          </a:stretch>
+        </p:blipFill>
+        <p:spPr bwMode="auto">
+          <a:xfrm>
+            <a:off x="1446245" y="1439052"/>
+            <a:ext cx="8754680" cy="4662431"/>
+          </a:xfrm>
+          <a:prstGeom prst="rect">
+            <a:avLst/>
+          </a:prstGeom>
+          <a:noFill/>
+          <a:ln>
+            <a:noFill/>
+          </a:ln>
+        </p:spPr>
+      </p:pic>
+      <p:sp>
+        <p:nvSpPr>
+          <p:cNvPr id="5" name="文本框 4">
+            <a:extLst>
+              <a:ext uri="{FF2B5EF4-FFF2-40B4-BE49-F238E27FC236}">
+                <a16:creationId xmlns:a16="http://schemas.microsoft.com/office/drawing/2014/main" id="{7EE6B418-9DEF-41FE-A8EB-B35C698E4904}"/>
+              </a:ext>
+            </a:extLst>
+          </p:cNvPr>
+          <p:cNvSpPr txBox="1"/>
+          <p:nvPr/>
+        </p:nvSpPr>
+        <p:spPr>
+          <a:xfrm>
+            <a:off x="357422" y="2562096"/>
+            <a:ext cx="677108" cy="1733808"/>
+          </a:xfrm>
+          <a:prstGeom prst="rect">
+            <a:avLst/>
+          </a:prstGeom>
+          <a:noFill/>
+        </p:spPr>
+        <p:txBody>
+          <a:bodyPr vert="eaVert" wrap="none" rtlCol="0">
+            <a:spAutoFit/>
+          </a:bodyPr>
+          <a:lstStyle/>
+          <a:p>
+            <a:r>
+              <a:rPr lang="zh-CN" altLang="en-US" sz="3200" dirty="0">
+                <a:solidFill>
+                  <a:schemeClr val="tx1">
+                    <a:lumMod val="50000"/>
+                    <a:lumOff val="50000"/>
+                  </a:schemeClr>
+                </a:solidFill>
+                <a:latin typeface="幼圆" panose="02010509060101010101" pitchFamily="49" charset="-122"/>
+                <a:ea typeface="幼圆" panose="02010509060101010101" pitchFamily="49" charset="-122"/>
+              </a:rPr>
+              <a:t>单元测试</a:t>
+            </a:r>
+          </a:p>
+        </p:txBody>
+      </p:sp>
+    </p:spTree>
+    <p:extLst>
+      <p:ext uri="{BB962C8B-B14F-4D97-AF65-F5344CB8AC3E}">
+        <p14:creationId xmlns:p14="http://schemas.microsoft.com/office/powerpoint/2010/main" val="1028544777"/>
+      </p:ext>
+    </p:extLst>
+  </p:cSld>
+  <p:clrMapOvr>
+    <a:masterClrMapping/>
+  </p:clrMapOvr>
+  <mc:AlternateContent xmlns:mc="http://schemas.openxmlformats.org/markup-compatibility/2006" xmlns:p15="http://schemas.microsoft.com/office/powerpoint/2012/main">
+    <mc:Choice Requires="p15">
+      <p:transition xmlns:p14="http://schemas.microsoft.com/office/powerpoint/2010/main" spd="slow" p14:dur="2000" advTm="0">
+        <p15:prstTrans prst="drape"/>
+      </p:transition>
+    </mc:Choice>
+    <mc:Fallback xmlns="">
+      <p:transition spd="slow" advTm="0">
+        <p:fade/>
+      </p:transition>
+    </mc:Fallback>
+  </mc:AlternateContent>
+</p:sld>
+</file>
+
+<file path=ppt/slides/slide31.xml><?xml version="1.0" encoding="utf-8"?>
+<p:sld xmlns:a="http://schemas.openxmlformats.org/drawingml/2006/main" xmlns:r="http://schemas.openxmlformats.org/officeDocument/2006/relationships" xmlns:p="http://schemas.openxmlformats.org/presentationml/2006/main">
+  <p:cSld>
+    <p:spTree>
+      <p:nvGrpSpPr>
+        <p:cNvPr id="1" name=""/>
+        <p:cNvGrpSpPr/>
+        <p:nvPr/>
+      </p:nvGrpSpPr>
+      <p:grpSpPr>
+        <a:xfrm>
+          <a:off x="0" y="0"/>
+          <a:ext cx="0" cy="0"/>
+          <a:chOff x="0" y="0"/>
+          <a:chExt cx="0" cy="0"/>
+        </a:xfrm>
+      </p:grpSpPr>
+      <p:sp>
+        <p:nvSpPr>
+          <p:cNvPr id="4" name="文本框 3">
+            <a:extLst>
+              <a:ext uri="{FF2B5EF4-FFF2-40B4-BE49-F238E27FC236}">
+                <a16:creationId xmlns:a16="http://schemas.microsoft.com/office/drawing/2014/main" id="{C5961D7E-4912-418D-AF60-0080FA044849}"/>
+              </a:ext>
+            </a:extLst>
+          </p:cNvPr>
+          <p:cNvSpPr txBox="1"/>
+          <p:nvPr/>
+        </p:nvSpPr>
+        <p:spPr>
+          <a:xfrm>
+            <a:off x="357422" y="2562096"/>
+            <a:ext cx="677108" cy="1733808"/>
+          </a:xfrm>
+          <a:prstGeom prst="rect">
+            <a:avLst/>
+          </a:prstGeom>
+          <a:noFill/>
+        </p:spPr>
+        <p:txBody>
+          <a:bodyPr vert="eaVert" wrap="none" rtlCol="0">
+            <a:spAutoFit/>
+          </a:bodyPr>
+          <a:lstStyle/>
+          <a:p>
+            <a:r>
+              <a:rPr lang="zh-CN" altLang="en-US" sz="3200" dirty="0">
+                <a:solidFill>
+                  <a:schemeClr val="tx1">
+                    <a:lumMod val="50000"/>
+                    <a:lumOff val="50000"/>
+                  </a:schemeClr>
+                </a:solidFill>
+                <a:latin typeface="幼圆" panose="02010509060101010101" pitchFamily="49" charset="-122"/>
+                <a:ea typeface="幼圆" panose="02010509060101010101" pitchFamily="49" charset="-122"/>
+              </a:rPr>
+              <a:t>集成测试</a:t>
+            </a:r>
+          </a:p>
+        </p:txBody>
+      </p:sp>
+      <p:pic>
+        <p:nvPicPr>
+          <p:cNvPr id="2" name="图片 1">
+            <a:extLst>
+              <a:ext uri="{FF2B5EF4-FFF2-40B4-BE49-F238E27FC236}">
+                <a16:creationId xmlns:a16="http://schemas.microsoft.com/office/drawing/2014/main" id="{D3F38FEA-A1E2-4A0D-A628-25C3F6B79C0A}"/>
+              </a:ext>
+            </a:extLst>
+          </p:cNvPr>
+          <p:cNvPicPr>
+            <a:picLocks noChangeAspect="1"/>
+          </p:cNvPicPr>
+          <p:nvPr/>
+        </p:nvPicPr>
+        <p:blipFill>
+          <a:blip r:embed="rId2"/>
+          <a:stretch>
+            <a:fillRect/>
+          </a:stretch>
+        </p:blipFill>
+        <p:spPr>
+          <a:xfrm>
+            <a:off x="1688538" y="0"/>
+            <a:ext cx="6986124" cy="6858000"/>
+          </a:xfrm>
+          <a:prstGeom prst="rect">
+            <a:avLst/>
+          </a:prstGeom>
+        </p:spPr>
+      </p:pic>
+      <p:pic>
+        <p:nvPicPr>
+          <p:cNvPr id="5" name="图片 4">
+            <a:extLst>
+              <a:ext uri="{FF2B5EF4-FFF2-40B4-BE49-F238E27FC236}">
+                <a16:creationId xmlns:a16="http://schemas.microsoft.com/office/drawing/2014/main" id="{17C71D17-17BD-440B-BC90-79E2EC8E5FE8}"/>
+              </a:ext>
+            </a:extLst>
+          </p:cNvPr>
+          <p:cNvPicPr>
+            <a:picLocks noChangeAspect="1"/>
+          </p:cNvPicPr>
+          <p:nvPr/>
+        </p:nvPicPr>
+        <p:blipFill>
+          <a:blip r:embed="rId3"/>
+          <a:stretch>
+            <a:fillRect/>
+          </a:stretch>
+        </p:blipFill>
+        <p:spPr>
+          <a:xfrm>
+            <a:off x="3658273" y="0"/>
+            <a:ext cx="8383766" cy="6858000"/>
+          </a:xfrm>
+          <a:prstGeom prst="rect">
+            <a:avLst/>
+          </a:prstGeom>
+        </p:spPr>
+      </p:pic>
+    </p:spTree>
+    <p:extLst>
+      <p:ext uri="{BB962C8B-B14F-4D97-AF65-F5344CB8AC3E}">
+        <p14:creationId xmlns:p14="http://schemas.microsoft.com/office/powerpoint/2010/main" val="2521489204"/>
+      </p:ext>
+    </p:extLst>
+  </p:cSld>
+  <p:clrMapOvr>
+    <a:masterClrMapping/>
+  </p:clrMapOvr>
+  <mc:AlternateContent xmlns:mc="http://schemas.openxmlformats.org/markup-compatibility/2006" xmlns:p14="http://schemas.microsoft.com/office/powerpoint/2010/main">
+    <mc:Choice Requires="p14">
+      <p:transition spd="slow" p14:dur="2000" advTm="0"/>
+    </mc:Choice>
+    <mc:Fallback xmlns="">
+      <p:transition spd="slow" advTm="0"/>
+    </mc:Fallback>
+  </mc:AlternateContent>
+  <p:timing>
+    <p:tnLst>
+      <p:par>
+        <p:cTn id="1" dur="indefinite" restart="never" nodeType="tmRoot">
+          <p:childTnLst>
+            <p:seq concurrent="1" nextAc="seek">
+              <p:cTn id="2" dur="indefinite" nodeType="mainSeq">
+                <p:childTnLst>
+                  <p:par>
+                    <p:cTn id="3" fill="hold">
+                      <p:stCondLst>
+                        <p:cond delay="indefinite"/>
+                      </p:stCondLst>
+                      <p:childTnLst>
+                        <p:par>
+                          <p:cTn id="4" fill="hold">
+                            <p:stCondLst>
+                              <p:cond delay="0"/>
+                            </p:stCondLst>
+                            <p:childTnLst>
+                              <p:par>
+                                <p:cTn id="5" presetID="42" presetClass="entr" presetSubtype="0" fill="hold" nodeType="clickEffect">
+                                  <p:stCondLst>
+                                    <p:cond delay="0"/>
+                                  </p:stCondLst>
+                                  <p:childTnLst>
+                                    <p:set>
+                                      <p:cBhvr>
+                                        <p:cTn id="6" dur="1" fill="hold">
+                                          <p:stCondLst>
+                                            <p:cond delay="0"/>
+                                          </p:stCondLst>
+                                        </p:cTn>
+                                        <p:tgtEl>
+                                          <p:spTgt spid="2"/>
+                                        </p:tgtEl>
+                                        <p:attrNameLst>
+                                          <p:attrName>style.visibility</p:attrName>
+                                        </p:attrNameLst>
+                                      </p:cBhvr>
+                                      <p:to>
+                                        <p:strVal val="visible"/>
+                                      </p:to>
+                                    </p:set>
+                                    <p:animEffect transition="in" filter="fade">
+                                      <p:cBhvr>
+                                        <p:cTn id="7" dur="1000"/>
+                                        <p:tgtEl>
+                                          <p:spTgt spid="2"/>
+                                        </p:tgtEl>
+                                      </p:cBhvr>
+                                    </p:animEffect>
+                                    <p:anim calcmode="lin" valueType="num">
+                                      <p:cBhvr>
+                                        <p:cTn id="8" dur="1000" fill="hold"/>
+                                        <p:tgtEl>
+                                          <p:spTgt spid="2"/>
+                                        </p:tgtEl>
+                                        <p:attrNameLst>
+                                          <p:attrName>ppt_x</p:attrName>
+                                        </p:attrNameLst>
+                                      </p:cBhvr>
+                                      <p:tavLst>
+                                        <p:tav tm="0">
+                                          <p:val>
+                                            <p:strVal val="#ppt_x"/>
+                                          </p:val>
+                                        </p:tav>
+                                        <p:tav tm="100000">
+                                          <p:val>
+                                            <p:strVal val="#ppt_x"/>
+                                          </p:val>
+                                        </p:tav>
+                                      </p:tavLst>
+                                    </p:anim>
+                                    <p:anim calcmode="lin" valueType="num">
+                                      <p:cBhvr>
+                                        <p:cTn id="9" dur="1000" fill="hold"/>
+                                        <p:tgtEl>
+                                          <p:spTgt spid="2"/>
+                                        </p:tgtEl>
+                                        <p:attrNameLst>
+                                          <p:attrName>ppt_y</p:attrName>
+                                        </p:attrNameLst>
+                                      </p:cBhvr>
+                                      <p:tavLst>
+                                        <p:tav tm="0">
+                                          <p:val>
+                                            <p:strVal val="#ppt_y+.1"/>
+                                          </p:val>
+                                        </p:tav>
+                                        <p:tav tm="100000">
+                                          <p:val>
+                                            <p:strVal val="#ppt_y"/>
+                                          </p:val>
+                                        </p:tav>
+                                      </p:tavLst>
+                                    </p:anim>
+                                  </p:childTnLst>
+                                </p:cTn>
+                              </p:par>
+                            </p:childTnLst>
+                          </p:cTn>
+                        </p:par>
+                      </p:childTnLst>
+                    </p:cTn>
+                  </p:par>
+                  <p:par>
+                    <p:cTn id="10" fill="hold">
+                      <p:stCondLst>
+                        <p:cond delay="indefinite"/>
+                      </p:stCondLst>
+                      <p:childTnLst>
+                        <p:par>
+                          <p:cTn id="11" fill="hold">
+                            <p:stCondLst>
+                              <p:cond delay="0"/>
+                            </p:stCondLst>
+                            <p:childTnLst>
+                              <p:par>
+                                <p:cTn id="12" presetID="42" presetClass="entr" presetSubtype="0" fill="hold" nodeType="clickEffect">
+                                  <p:stCondLst>
+                                    <p:cond delay="0"/>
+                                  </p:stCondLst>
+                                  <p:childTnLst>
+                                    <p:set>
+                                      <p:cBhvr>
+                                        <p:cTn id="13" dur="1" fill="hold">
+                                          <p:stCondLst>
+                                            <p:cond delay="0"/>
+                                          </p:stCondLst>
+                                        </p:cTn>
+                                        <p:tgtEl>
+                                          <p:spTgt spid="5"/>
+                                        </p:tgtEl>
+                                        <p:attrNameLst>
+                                          <p:attrName>style.visibility</p:attrName>
+                                        </p:attrNameLst>
+                                      </p:cBhvr>
+                                      <p:to>
+                                        <p:strVal val="visible"/>
+                                      </p:to>
+                                    </p:set>
+                                    <p:animEffect transition="in" filter="fade">
+                                      <p:cBhvr>
+                                        <p:cTn id="14" dur="1000"/>
+                                        <p:tgtEl>
+                                          <p:spTgt spid="5"/>
+                                        </p:tgtEl>
+                                      </p:cBhvr>
+                                    </p:animEffect>
+                                    <p:anim calcmode="lin" valueType="num">
+                                      <p:cBhvr>
+                                        <p:cTn id="15" dur="1000" fill="hold"/>
+                                        <p:tgtEl>
+                                          <p:spTgt spid="5"/>
+                                        </p:tgtEl>
+                                        <p:attrNameLst>
+                                          <p:attrName>ppt_x</p:attrName>
+                                        </p:attrNameLst>
+                                      </p:cBhvr>
+                                      <p:tavLst>
+                                        <p:tav tm="0">
+                                          <p:val>
+                                            <p:strVal val="#ppt_x"/>
+                                          </p:val>
+                                        </p:tav>
+                                        <p:tav tm="100000">
+                                          <p:val>
+                                            <p:strVal val="#ppt_x"/>
+                                          </p:val>
+                                        </p:tav>
+                                      </p:tavLst>
+                                    </p:anim>
+                                    <p:anim calcmode="lin" valueType="num">
+                                      <p:cBhvr>
+                                        <p:cTn id="16" dur="1000" fill="hold"/>
+                                        <p:tgtEl>
+                                          <p:spTgt spid="5"/>
+                                        </p:tgtEl>
+                                        <p:attrNameLst>
+                                          <p:attrName>ppt_y</p:attrName>
+                                        </p:attrNameLst>
+                                      </p:cBhvr>
+                                      <p:tavLst>
+                                        <p:tav tm="0">
+                                          <p:val>
+                                            <p:strVal val="#ppt_y+.1"/>
+                                          </p:val>
+                                        </p:tav>
+                                        <p:tav tm="100000">
+                                          <p:val>
+                                            <p:strVal val="#ppt_y"/>
+                                          </p:val>
+                                        </p:tav>
+                                      </p:tavLst>
+                                    </p:anim>
+                                  </p:childTnLst>
+                                </p:cTn>
+                              </p:par>
+                            </p:childTnLst>
+                          </p:cTn>
+                        </p:par>
+                      </p:childTnLst>
+                    </p:cTn>
+                  </p:par>
+                </p:childTnLst>
+              </p:cTn>
+              <p:prevCondLst>
+                <p:cond evt="onPrev" delay="0">
+                  <p:tgtEl>
+                    <p:sldTgt/>
+                  </p:tgtEl>
+                </p:cond>
+              </p:prevCondLst>
+              <p:nextCondLst>
+                <p:cond evt="onNext" delay="0">
+                  <p:tgtEl>
+                    <p:sldTgt/>
+                  </p:tgtEl>
+                </p:cond>
+              </p:nextCondLst>
+            </p:seq>
+          </p:childTnLst>
+        </p:cTn>
+      </p:par>
+    </p:tnLst>
+  </p:timing>
+</p:sld>
+</file>
+
+<file path=ppt/slides/slide32.xml><?xml version="1.0" encoding="utf-8"?>
+<p:sld xmlns:a="http://schemas.openxmlformats.org/drawingml/2006/main" xmlns:r="http://schemas.openxmlformats.org/officeDocument/2006/relationships" xmlns:p="http://schemas.openxmlformats.org/presentationml/2006/main">
+  <p:cSld>
+    <p:spTree>
+      <p:nvGrpSpPr>
+        <p:cNvPr id="1" name=""/>
+        <p:cNvGrpSpPr/>
+        <p:nvPr/>
+      </p:nvGrpSpPr>
+      <p:grpSpPr>
+        <a:xfrm>
+          <a:off x="0" y="0"/>
+          <a:ext cx="0" cy="0"/>
+          <a:chOff x="0" y="0"/>
+          <a:chExt cx="0" cy="0"/>
+        </a:xfrm>
+      </p:grpSpPr>
+      <p:sp>
+        <p:nvSpPr>
+          <p:cNvPr id="4" name="文本框 3">
+            <a:extLst>
+              <a:ext uri="{FF2B5EF4-FFF2-40B4-BE49-F238E27FC236}">
+                <a16:creationId xmlns:a16="http://schemas.microsoft.com/office/drawing/2014/main" id="{C5961D7E-4912-418D-AF60-0080FA044849}"/>
+              </a:ext>
+            </a:extLst>
+          </p:cNvPr>
+          <p:cNvSpPr txBox="1"/>
+          <p:nvPr/>
+        </p:nvSpPr>
+        <p:spPr>
+          <a:xfrm>
+            <a:off x="357422" y="2562096"/>
+            <a:ext cx="677108" cy="1733808"/>
+          </a:xfrm>
+          <a:prstGeom prst="rect">
+            <a:avLst/>
+          </a:prstGeom>
+          <a:noFill/>
+        </p:spPr>
+        <p:txBody>
+          <a:bodyPr vert="eaVert" wrap="none" rtlCol="0">
+            <a:spAutoFit/>
+          </a:bodyPr>
+          <a:lstStyle/>
+          <a:p>
+            <a:r>
+              <a:rPr lang="zh-CN" altLang="en-US" sz="3200" dirty="0">
+                <a:solidFill>
+                  <a:schemeClr val="tx1">
+                    <a:lumMod val="50000"/>
+                    <a:lumOff val="50000"/>
+                  </a:schemeClr>
+                </a:solidFill>
+                <a:latin typeface="幼圆" panose="02010509060101010101" pitchFamily="49" charset="-122"/>
+                <a:ea typeface="幼圆" panose="02010509060101010101" pitchFamily="49" charset="-122"/>
+              </a:rPr>
+              <a:t>系统测试</a:t>
+            </a:r>
+          </a:p>
+        </p:txBody>
+      </p:sp>
+      <p:pic>
+        <p:nvPicPr>
+          <p:cNvPr id="3" name="图片 2">
+            <a:extLst>
+              <a:ext uri="{FF2B5EF4-FFF2-40B4-BE49-F238E27FC236}">
+                <a16:creationId xmlns:a16="http://schemas.microsoft.com/office/drawing/2014/main" id="{F5E433B0-3CA3-46B2-A932-54CF9BFBED4A}"/>
+              </a:ext>
+            </a:extLst>
+          </p:cNvPr>
+          <p:cNvPicPr>
+            <a:picLocks noChangeAspect="1"/>
+          </p:cNvPicPr>
+          <p:nvPr/>
+        </p:nvPicPr>
+        <p:blipFill>
+          <a:blip r:embed="rId2"/>
+          <a:stretch>
+            <a:fillRect/>
+          </a:stretch>
+        </p:blipFill>
+        <p:spPr>
+          <a:xfrm>
+            <a:off x="1757351" y="0"/>
+            <a:ext cx="8677298" cy="6858000"/>
+          </a:xfrm>
+          <a:prstGeom prst="rect">
+            <a:avLst/>
+          </a:prstGeom>
+        </p:spPr>
+      </p:pic>
+    </p:spTree>
+    <p:extLst>
+      <p:ext uri="{BB962C8B-B14F-4D97-AF65-F5344CB8AC3E}">
+        <p14:creationId xmlns:p14="http://schemas.microsoft.com/office/powerpoint/2010/main" val="3692794720"/>
+      </p:ext>
+    </p:extLst>
+  </p:cSld>
+  <p:clrMapOvr>
+    <a:masterClrMapping/>
+  </p:clrMapOvr>
+  <mc:AlternateContent xmlns:mc="http://schemas.openxmlformats.org/markup-compatibility/2006" xmlns:p14="http://schemas.microsoft.com/office/powerpoint/2010/main">
+    <mc:Choice Requires="p14">
+      <p:transition spd="slow" p14:dur="2000" advTm="0"/>
+    </mc:Choice>
+    <mc:Fallback xmlns="">
+      <p:transition spd="slow" advTm="0"/>
+    </mc:Fallback>
+  </mc:AlternateContent>
+</p:sld>
+</file>
+
+<file path=ppt/slides/slide33.xml><?xml version="1.0" encoding="utf-8"?>
+<p:sld xmlns:a="http://schemas.openxmlformats.org/drawingml/2006/main" xmlns:r="http://schemas.openxmlformats.org/officeDocument/2006/relationships" xmlns:p="http://schemas.openxmlformats.org/presentationml/2006/main">
+  <p:cSld>
+    <p:spTree>
+      <p:nvGrpSpPr>
+        <p:cNvPr id="1" name=""/>
+        <p:cNvGrpSpPr/>
+        <p:nvPr/>
+      </p:nvGrpSpPr>
+      <p:grpSpPr>
+        <a:xfrm>
+          <a:off x="0" y="0"/>
+          <a:ext cx="0" cy="0"/>
+          <a:chOff x="0" y="0"/>
+          <a:chExt cx="0" cy="0"/>
+        </a:xfrm>
+      </p:grpSpPr>
       <p:pic>
         <p:nvPicPr>
           <p:cNvPr id="8" name="图片 7"/>
@@ -10320,7 +11616,285 @@
 </p:sld>
 </file>
 
-<file path=ppt/slides/slide31.xml><?xml version="1.0" encoding="utf-8"?>
+<file path=ppt/slides/slide34.xml><?xml version="1.0" encoding="utf-8"?>
+<p:sld xmlns:a="http://schemas.openxmlformats.org/drawingml/2006/main" xmlns:r="http://schemas.openxmlformats.org/officeDocument/2006/relationships" xmlns:p="http://schemas.openxmlformats.org/presentationml/2006/main">
+  <p:cSld>
+    <p:spTree>
+      <p:nvGrpSpPr>
+        <p:cNvPr id="1" name=""/>
+        <p:cNvGrpSpPr/>
+        <p:nvPr/>
+      </p:nvGrpSpPr>
+      <p:grpSpPr>
+        <a:xfrm>
+          <a:off x="0" y="0"/>
+          <a:ext cx="0" cy="0"/>
+          <a:chOff x="0" y="0"/>
+          <a:chExt cx="0" cy="0"/>
+        </a:xfrm>
+      </p:grpSpPr>
+      <p:pic>
+        <p:nvPicPr>
+          <p:cNvPr id="2" name="图片 1">
+            <a:extLst>
+              <a:ext uri="{FF2B5EF4-FFF2-40B4-BE49-F238E27FC236}">
+                <a16:creationId xmlns:a16="http://schemas.microsoft.com/office/drawing/2014/main" id="{23D7AEC4-5835-4F4E-9855-F729A63C94E0}"/>
+              </a:ext>
+            </a:extLst>
+          </p:cNvPr>
+          <p:cNvPicPr>
+            <a:picLocks noChangeAspect="1"/>
+          </p:cNvPicPr>
+          <p:nvPr/>
+        </p:nvPicPr>
+        <p:blipFill>
+          <a:blip r:embed="rId2"/>
+          <a:stretch>
+            <a:fillRect/>
+          </a:stretch>
+        </p:blipFill>
+        <p:spPr>
+          <a:xfrm>
+            <a:off x="1454096" y="935329"/>
+            <a:ext cx="6400800" cy="5238750"/>
+          </a:xfrm>
+          <a:prstGeom prst="rect">
+            <a:avLst/>
+          </a:prstGeom>
+        </p:spPr>
+      </p:pic>
+      <p:pic>
+        <p:nvPicPr>
+          <p:cNvPr id="3" name="图片 2">
+            <a:extLst>
+              <a:ext uri="{FF2B5EF4-FFF2-40B4-BE49-F238E27FC236}">
+                <a16:creationId xmlns:a16="http://schemas.microsoft.com/office/drawing/2014/main" id="{DA07D343-79EC-4A06-8BAB-7535EC60561C}"/>
+              </a:ext>
+            </a:extLst>
+          </p:cNvPr>
+          <p:cNvPicPr>
+            <a:picLocks noChangeAspect="1"/>
+          </p:cNvPicPr>
+          <p:nvPr/>
+        </p:nvPicPr>
+        <p:blipFill>
+          <a:blip r:embed="rId3"/>
+          <a:stretch>
+            <a:fillRect/>
+          </a:stretch>
+        </p:blipFill>
+        <p:spPr>
+          <a:xfrm>
+            <a:off x="5922925" y="935330"/>
+            <a:ext cx="6269075" cy="4987341"/>
+          </a:xfrm>
+          <a:prstGeom prst="rect">
+            <a:avLst/>
+          </a:prstGeom>
+        </p:spPr>
+      </p:pic>
+      <p:sp>
+        <p:nvSpPr>
+          <p:cNvPr id="4" name="文本框 3">
+            <a:extLst>
+              <a:ext uri="{FF2B5EF4-FFF2-40B4-BE49-F238E27FC236}">
+                <a16:creationId xmlns:a16="http://schemas.microsoft.com/office/drawing/2014/main" id="{C9438FFE-C50A-4FBD-9642-B52963253BB4}"/>
+              </a:ext>
+            </a:extLst>
+          </p:cNvPr>
+          <p:cNvSpPr txBox="1"/>
+          <p:nvPr/>
+        </p:nvSpPr>
+        <p:spPr>
+          <a:xfrm>
+            <a:off x="357422" y="2562096"/>
+            <a:ext cx="677108" cy="1733808"/>
+          </a:xfrm>
+          <a:prstGeom prst="rect">
+            <a:avLst/>
+          </a:prstGeom>
+          <a:noFill/>
+        </p:spPr>
+        <p:txBody>
+          <a:bodyPr vert="eaVert" wrap="none" rtlCol="0">
+            <a:spAutoFit/>
+          </a:bodyPr>
+          <a:lstStyle/>
+          <a:p>
+            <a:r>
+              <a:rPr lang="zh-CN" altLang="en-US" sz="3200" dirty="0">
+                <a:solidFill>
+                  <a:schemeClr val="tx1">
+                    <a:lumMod val="50000"/>
+                    <a:lumOff val="50000"/>
+                  </a:schemeClr>
+                </a:solidFill>
+                <a:latin typeface="幼圆" panose="02010509060101010101" pitchFamily="49" charset="-122"/>
+                <a:ea typeface="幼圆" panose="02010509060101010101" pitchFamily="49" charset="-122"/>
+              </a:rPr>
+              <a:t>用户反馈</a:t>
+            </a:r>
+          </a:p>
+        </p:txBody>
+      </p:sp>
+    </p:spTree>
+    <p:extLst>
+      <p:ext uri="{BB962C8B-B14F-4D97-AF65-F5344CB8AC3E}">
+        <p14:creationId xmlns:p14="http://schemas.microsoft.com/office/powerpoint/2010/main" val="2920959705"/>
+      </p:ext>
+    </p:extLst>
+  </p:cSld>
+  <p:clrMapOvr>
+    <a:masterClrMapping/>
+  </p:clrMapOvr>
+  <mc:AlternateContent xmlns:mc="http://schemas.openxmlformats.org/markup-compatibility/2006" xmlns:p14="http://schemas.microsoft.com/office/powerpoint/2010/main">
+    <mc:Choice Requires="p14">
+      <p:transition spd="slow" p14:dur="2000" advTm="0"/>
+    </mc:Choice>
+    <mc:Fallback xmlns="">
+      <p:transition spd="slow" advTm="0"/>
+    </mc:Fallback>
+  </mc:AlternateContent>
+  <p:timing>
+    <p:tnLst>
+      <p:par>
+        <p:cTn id="1" dur="indefinite" restart="never" nodeType="tmRoot">
+          <p:childTnLst>
+            <p:seq concurrent="1" nextAc="seek">
+              <p:cTn id="2" dur="indefinite" nodeType="mainSeq">
+                <p:childTnLst>
+                  <p:par>
+                    <p:cTn id="3" fill="hold">
+                      <p:stCondLst>
+                        <p:cond delay="indefinite"/>
+                      </p:stCondLst>
+                      <p:childTnLst>
+                        <p:par>
+                          <p:cTn id="4" fill="hold">
+                            <p:stCondLst>
+                              <p:cond delay="0"/>
+                            </p:stCondLst>
+                            <p:childTnLst>
+                              <p:par>
+                                <p:cTn id="5" presetID="10" presetClass="entr" presetSubtype="0" fill="hold" nodeType="clickEffect">
+                                  <p:stCondLst>
+                                    <p:cond delay="0"/>
+                                  </p:stCondLst>
+                                  <p:childTnLst>
+                                    <p:set>
+                                      <p:cBhvr>
+                                        <p:cTn id="6" dur="1" fill="hold">
+                                          <p:stCondLst>
+                                            <p:cond delay="0"/>
+                                          </p:stCondLst>
+                                        </p:cTn>
+                                        <p:tgtEl>
+                                          <p:spTgt spid="2"/>
+                                        </p:tgtEl>
+                                        <p:attrNameLst>
+                                          <p:attrName>style.visibility</p:attrName>
+                                        </p:attrNameLst>
+                                      </p:cBhvr>
+                                      <p:to>
+                                        <p:strVal val="visible"/>
+                                      </p:to>
+                                    </p:set>
+                                    <p:animEffect transition="in" filter="fade">
+                                      <p:cBhvr>
+                                        <p:cTn id="7" dur="500"/>
+                                        <p:tgtEl>
+                                          <p:spTgt spid="2"/>
+                                        </p:tgtEl>
+                                      </p:cBhvr>
+                                    </p:animEffect>
+                                  </p:childTnLst>
+                                </p:cTn>
+                              </p:par>
+                            </p:childTnLst>
+                          </p:cTn>
+                        </p:par>
+                      </p:childTnLst>
+                    </p:cTn>
+                  </p:par>
+                  <p:par>
+                    <p:cTn id="8" fill="hold">
+                      <p:stCondLst>
+                        <p:cond delay="indefinite"/>
+                      </p:stCondLst>
+                      <p:childTnLst>
+                        <p:par>
+                          <p:cTn id="9" fill="hold">
+                            <p:stCondLst>
+                              <p:cond delay="0"/>
+                            </p:stCondLst>
+                            <p:childTnLst>
+                              <p:par>
+                                <p:cTn id="10" presetID="10" presetClass="entr" presetSubtype="0" fill="hold" nodeType="clickEffect">
+                                  <p:stCondLst>
+                                    <p:cond delay="0"/>
+                                  </p:stCondLst>
+                                  <p:childTnLst>
+                                    <p:set>
+                                      <p:cBhvr>
+                                        <p:cTn id="11" dur="1" fill="hold">
+                                          <p:stCondLst>
+                                            <p:cond delay="0"/>
+                                          </p:stCondLst>
+                                        </p:cTn>
+                                        <p:tgtEl>
+                                          <p:spTgt spid="3"/>
+                                        </p:tgtEl>
+                                        <p:attrNameLst>
+                                          <p:attrName>style.visibility</p:attrName>
+                                        </p:attrNameLst>
+                                      </p:cBhvr>
+                                      <p:to>
+                                        <p:strVal val="visible"/>
+                                      </p:to>
+                                    </p:set>
+                                    <p:animEffect transition="in" filter="fade">
+                                      <p:cBhvr>
+                                        <p:cTn id="12" dur="500"/>
+                                        <p:tgtEl>
+                                          <p:spTgt spid="3"/>
+                                        </p:tgtEl>
+                                      </p:cBhvr>
+                                    </p:animEffect>
+                                  </p:childTnLst>
+                                </p:cTn>
+                              </p:par>
+                            </p:childTnLst>
+                          </p:cTn>
+                        </p:par>
+                      </p:childTnLst>
+                    </p:cTn>
+                  </p:par>
+                </p:childTnLst>
+              </p:cTn>
+              <p:prevCondLst>
+                <p:cond evt="onPrev" delay="0">
+                  <p:tgtEl>
+                    <p:sldTgt/>
+                  </p:tgtEl>
+                </p:cond>
+              </p:prevCondLst>
+              <p:nextCondLst>
+                <p:cond evt="onNext" delay="0">
+                  <p:tgtEl>
+                    <p:sldTgt/>
+                  </p:tgtEl>
+                </p:cond>
+              </p:nextCondLst>
+            </p:seq>
+          </p:childTnLst>
+        </p:cTn>
+      </p:par>
+    </p:tnLst>
+  </p:timing>
+</p:sld>
+</file>
+
+<file path=ppt/slides/slide35.xml><?xml version="1.0" encoding="utf-8"?>
 <p:sld xmlns:a="http://schemas.openxmlformats.org/drawingml/2006/main" xmlns:r="http://schemas.openxmlformats.org/officeDocument/2006/relationships" xmlns:p="http://schemas.openxmlformats.org/presentationml/2006/main">
   <p:cSld>
     <p:spTree>
@@ -10522,7 +12096,7 @@
 </p:sld>
 </file>
 
-<file path=ppt/slides/slide32.xml><?xml version="1.0" encoding="utf-8"?>
+<file path=ppt/slides/slide36.xml><?xml version="1.0" encoding="utf-8"?>
 <p:sld xmlns:a="http://schemas.openxmlformats.org/drawingml/2006/main" xmlns:r="http://schemas.openxmlformats.org/officeDocument/2006/relationships" xmlns:p="http://schemas.openxmlformats.org/presentationml/2006/main">
   <p:cSld>
     <p:spTree>
@@ -10724,7 +12298,7 @@
 </p:sld>
 </file>
 
-<file path=ppt/slides/slide33.xml><?xml version="1.0" encoding="utf-8"?>
+<file path=ppt/slides/slide37.xml><?xml version="1.0" encoding="utf-8"?>
 <p:sld xmlns:a="http://schemas.openxmlformats.org/drawingml/2006/main" xmlns:r="http://schemas.openxmlformats.org/officeDocument/2006/relationships" xmlns:p="http://schemas.openxmlformats.org/presentationml/2006/main">
   <p:cSld>
     <p:spTree>
@@ -10834,7 +12408,7 @@
 </p:sld>
 </file>
 
-<file path=ppt/slides/slide34.xml><?xml version="1.0" encoding="utf-8"?>
+<file path=ppt/slides/slide38.xml><?xml version="1.0" encoding="utf-8"?>
 <p:sld xmlns:a="http://schemas.openxmlformats.org/drawingml/2006/main" xmlns:r="http://schemas.openxmlformats.org/officeDocument/2006/relationships" xmlns:p="http://schemas.openxmlformats.org/presentationml/2006/main">
   <p:cSld>
     <p:spTree>
@@ -11390,13 +12964,13 @@
   <p:clrMapOvr>
     <a:masterClrMapping/>
   </p:clrMapOvr>
-  <mc:AlternateContent xmlns:mc="http://schemas.openxmlformats.org/markup-compatibility/2006">
-    <mc:Choice xmlns:p15="http://schemas.microsoft.com/office/powerpoint/2012/main" Requires="p15">
+  <mc:AlternateContent xmlns:mc="http://schemas.openxmlformats.org/markup-compatibility/2006" xmlns:p15="http://schemas.microsoft.com/office/powerpoint/2012/main">
+    <mc:Choice Requires="p15">
       <p:transition xmlns:p14="http://schemas.microsoft.com/office/powerpoint/2010/main" spd="slow" p14:dur="2000" advTm="0">
         <p15:prstTrans prst="drape"/>
       </p:transition>
     </mc:Choice>
-    <mc:Fallback>
+    <mc:Fallback xmlns="">
       <p:transition spd="slow" advTm="0">
         <p:fade/>
       </p:transition>
@@ -11405,7 +12979,7 @@
 </p:sld>
 </file>
 
-<file path=ppt/slides/slide35.xml><?xml version="1.0" encoding="utf-8"?>
+<file path=ppt/slides/slide39.xml><?xml version="1.0" encoding="utf-8"?>
 <p:sld xmlns:a="http://schemas.openxmlformats.org/drawingml/2006/main" xmlns:r="http://schemas.openxmlformats.org/officeDocument/2006/relationships" xmlns:p="http://schemas.openxmlformats.org/presentationml/2006/main">
   <p:cSld>
     <p:spTree>
@@ -12076,7 +13650,191 @@
 </p:sld>
 </file>
 
-<file path=ppt/slides/slide36.xml><?xml version="1.0" encoding="utf-8"?>
+<file path=ppt/slides/slide4.xml><?xml version="1.0" encoding="utf-8"?>
+<p:sld xmlns:a="http://schemas.openxmlformats.org/drawingml/2006/main" xmlns:r="http://schemas.openxmlformats.org/officeDocument/2006/relationships" xmlns:p="http://schemas.openxmlformats.org/presentationml/2006/main">
+  <p:cSld>
+    <p:spTree>
+      <p:nvGrpSpPr>
+        <p:cNvPr id="1" name=""/>
+        <p:cNvGrpSpPr/>
+        <p:nvPr/>
+      </p:nvGrpSpPr>
+      <p:grpSpPr>
+        <a:xfrm>
+          <a:off x="0" y="0"/>
+          <a:ext cx="0" cy="0"/>
+          <a:chOff x="0" y="0"/>
+          <a:chExt cx="0" cy="0"/>
+        </a:xfrm>
+      </p:grpSpPr>
+      <p:sp>
+        <p:nvSpPr>
+          <p:cNvPr id="11" name="文本框 10"/>
+          <p:cNvSpPr txBox="1"/>
+          <p:nvPr/>
+        </p:nvSpPr>
+        <p:spPr>
+          <a:xfrm>
+            <a:off x="282342" y="2172083"/>
+            <a:ext cx="677108" cy="1733808"/>
+          </a:xfrm>
+          <a:prstGeom prst="rect">
+            <a:avLst/>
+          </a:prstGeom>
+          <a:noFill/>
+        </p:spPr>
+        <p:txBody>
+          <a:bodyPr vert="eaVert" wrap="none" rtlCol="0">
+            <a:spAutoFit/>
+          </a:bodyPr>
+          <a:lstStyle/>
+          <a:p>
+            <a:r>
+              <a:rPr lang="zh-CN" altLang="en-US" sz="3200" dirty="0">
+                <a:solidFill>
+                  <a:schemeClr val="tx1">
+                    <a:lumMod val="50000"/>
+                    <a:lumOff val="50000"/>
+                  </a:schemeClr>
+                </a:solidFill>
+                <a:latin typeface="幼圆" panose="02010509060101010101" pitchFamily="49" charset="-122"/>
+                <a:ea typeface="幼圆" panose="02010509060101010101" pitchFamily="49" charset="-122"/>
+              </a:rPr>
+              <a:t>程序清单</a:t>
+            </a:r>
+          </a:p>
+        </p:txBody>
+      </p:sp>
+      <p:cxnSp>
+        <p:nvCxnSpPr>
+          <p:cNvPr id="12" name="直接连接符 11"/>
+          <p:cNvCxnSpPr>
+            <a:cxnSpLocks/>
+          </p:cNvCxnSpPr>
+          <p:nvPr/>
+        </p:nvCxnSpPr>
+        <p:spPr>
+          <a:xfrm>
+            <a:off x="1621000" y="494522"/>
+            <a:ext cx="0" cy="5966910"/>
+          </a:xfrm>
+          <a:prstGeom prst="line">
+            <a:avLst/>
+          </a:prstGeom>
+          <a:ln w="12700">
+            <a:solidFill>
+              <a:srgbClr val="B3946B"/>
+            </a:solidFill>
+          </a:ln>
+        </p:spPr>
+        <p:style>
+          <a:lnRef idx="1">
+            <a:schemeClr val="accent1"/>
+          </a:lnRef>
+          <a:fillRef idx="0">
+            <a:schemeClr val="accent1"/>
+          </a:fillRef>
+          <a:effectRef idx="0">
+            <a:schemeClr val="accent1"/>
+          </a:effectRef>
+          <a:fontRef idx="minor">
+            <a:schemeClr val="tx1"/>
+          </a:fontRef>
+        </p:style>
+      </p:cxnSp>
+      <p:sp>
+        <p:nvSpPr>
+          <p:cNvPr id="15" name="矩形 14"/>
+          <p:cNvSpPr/>
+          <p:nvPr/>
+        </p:nvSpPr>
+        <p:spPr>
+          <a:xfrm rot="5400000">
+            <a:off x="-72959" y="3132305"/>
+            <a:ext cx="369652" cy="223735"/>
+          </a:xfrm>
+          <a:prstGeom prst="rect">
+            <a:avLst/>
+          </a:prstGeom>
+          <a:solidFill>
+            <a:srgbClr val="B3946B"/>
+          </a:solidFill>
+          <a:ln>
+            <a:noFill/>
+          </a:ln>
+        </p:spPr>
+        <p:style>
+          <a:lnRef idx="2">
+            <a:schemeClr val="accent1">
+              <a:shade val="50000"/>
+            </a:schemeClr>
+          </a:lnRef>
+          <a:fillRef idx="1">
+            <a:schemeClr val="accent1"/>
+          </a:fillRef>
+          <a:effectRef idx="0">
+            <a:schemeClr val="accent1"/>
+          </a:effectRef>
+          <a:fontRef idx="minor">
+            <a:schemeClr val="lt1"/>
+          </a:fontRef>
+        </p:style>
+        <p:txBody>
+          <a:bodyPr rtlCol="0" anchor="ctr"/>
+          <a:lstStyle/>
+          <a:p>
+            <a:pPr algn="ctr"/>
+            <a:endParaRPr lang="zh-CN" altLang="en-US"/>
+          </a:p>
+        </p:txBody>
+      </p:sp>
+      <p:pic>
+        <p:nvPicPr>
+          <p:cNvPr id="3" name="图片 2">
+            <a:extLst>
+              <a:ext uri="{FF2B5EF4-FFF2-40B4-BE49-F238E27FC236}">
+                <a16:creationId xmlns:a16="http://schemas.microsoft.com/office/drawing/2014/main" id="{0BBFFD70-701A-45B9-83EB-6BCD9F12CCD9}"/>
+              </a:ext>
+            </a:extLst>
+          </p:cNvPr>
+          <p:cNvPicPr>
+            <a:picLocks noChangeAspect="1"/>
+          </p:cNvPicPr>
+          <p:nvPr/>
+        </p:nvPicPr>
+        <p:blipFill>
+          <a:blip r:embed="rId2"/>
+          <a:stretch>
+            <a:fillRect/>
+          </a:stretch>
+        </p:blipFill>
+        <p:spPr>
+          <a:xfrm>
+            <a:off x="0" y="476448"/>
+            <a:ext cx="12192000" cy="5905103"/>
+          </a:xfrm>
+          <a:prstGeom prst="rect">
+            <a:avLst/>
+          </a:prstGeom>
+        </p:spPr>
+      </p:pic>
+    </p:spTree>
+    <p:extLst>
+      <p:ext uri="{BB962C8B-B14F-4D97-AF65-F5344CB8AC3E}">
+        <p14:creationId xmlns:p14="http://schemas.microsoft.com/office/powerpoint/2010/main" val="876055422"/>
+      </p:ext>
+    </p:extLst>
+  </p:cSld>
+  <p:clrMapOvr>
+    <a:masterClrMapping/>
+  </p:clrMapOvr>
+  <p:transition spd="slow" advTm="0">
+    <p:cover dir="u"/>
+  </p:transition>
+</p:sld>
+</file>
+
+<file path=ppt/slides/slide40.xml><?xml version="1.0" encoding="utf-8"?>
 <p:sld xmlns:a="http://schemas.openxmlformats.org/drawingml/2006/main" xmlns:r="http://schemas.openxmlformats.org/officeDocument/2006/relationships" xmlns:p="http://schemas.openxmlformats.org/presentationml/2006/main">
   <p:cSld>
     <p:bg>
@@ -12710,190 +14468,6 @@
       </p:transition>
     </mc:Fallback>
   </mc:AlternateContent>
-</p:sld>
-</file>
-
-<file path=ppt/slides/slide4.xml><?xml version="1.0" encoding="utf-8"?>
-<p:sld xmlns:a="http://schemas.openxmlformats.org/drawingml/2006/main" xmlns:r="http://schemas.openxmlformats.org/officeDocument/2006/relationships" xmlns:p="http://schemas.openxmlformats.org/presentationml/2006/main">
-  <p:cSld>
-    <p:spTree>
-      <p:nvGrpSpPr>
-        <p:cNvPr id="1" name=""/>
-        <p:cNvGrpSpPr/>
-        <p:nvPr/>
-      </p:nvGrpSpPr>
-      <p:grpSpPr>
-        <a:xfrm>
-          <a:off x="0" y="0"/>
-          <a:ext cx="0" cy="0"/>
-          <a:chOff x="0" y="0"/>
-          <a:chExt cx="0" cy="0"/>
-        </a:xfrm>
-      </p:grpSpPr>
-      <p:sp>
-        <p:nvSpPr>
-          <p:cNvPr id="11" name="文本框 10"/>
-          <p:cNvSpPr txBox="1"/>
-          <p:nvPr/>
-        </p:nvSpPr>
-        <p:spPr>
-          <a:xfrm>
-            <a:off x="282342" y="2172083"/>
-            <a:ext cx="677108" cy="1733808"/>
-          </a:xfrm>
-          <a:prstGeom prst="rect">
-            <a:avLst/>
-          </a:prstGeom>
-          <a:noFill/>
-        </p:spPr>
-        <p:txBody>
-          <a:bodyPr vert="eaVert" wrap="none" rtlCol="0">
-            <a:spAutoFit/>
-          </a:bodyPr>
-          <a:lstStyle/>
-          <a:p>
-            <a:r>
-              <a:rPr lang="zh-CN" altLang="en-US" sz="3200" dirty="0">
-                <a:solidFill>
-                  <a:schemeClr val="tx1">
-                    <a:lumMod val="50000"/>
-                    <a:lumOff val="50000"/>
-                  </a:schemeClr>
-                </a:solidFill>
-                <a:latin typeface="幼圆" panose="02010509060101010101" pitchFamily="49" charset="-122"/>
-                <a:ea typeface="幼圆" panose="02010509060101010101" pitchFamily="49" charset="-122"/>
-              </a:rPr>
-              <a:t>程序清单</a:t>
-            </a:r>
-          </a:p>
-        </p:txBody>
-      </p:sp>
-      <p:cxnSp>
-        <p:nvCxnSpPr>
-          <p:cNvPr id="12" name="直接连接符 11"/>
-          <p:cNvCxnSpPr>
-            <a:cxnSpLocks/>
-          </p:cNvCxnSpPr>
-          <p:nvPr/>
-        </p:nvCxnSpPr>
-        <p:spPr>
-          <a:xfrm>
-            <a:off x="1621000" y="494522"/>
-            <a:ext cx="0" cy="5966910"/>
-          </a:xfrm>
-          <a:prstGeom prst="line">
-            <a:avLst/>
-          </a:prstGeom>
-          <a:ln w="12700">
-            <a:solidFill>
-              <a:srgbClr val="B3946B"/>
-            </a:solidFill>
-          </a:ln>
-        </p:spPr>
-        <p:style>
-          <a:lnRef idx="1">
-            <a:schemeClr val="accent1"/>
-          </a:lnRef>
-          <a:fillRef idx="0">
-            <a:schemeClr val="accent1"/>
-          </a:fillRef>
-          <a:effectRef idx="0">
-            <a:schemeClr val="accent1"/>
-          </a:effectRef>
-          <a:fontRef idx="minor">
-            <a:schemeClr val="tx1"/>
-          </a:fontRef>
-        </p:style>
-      </p:cxnSp>
-      <p:sp>
-        <p:nvSpPr>
-          <p:cNvPr id="15" name="矩形 14"/>
-          <p:cNvSpPr/>
-          <p:nvPr/>
-        </p:nvSpPr>
-        <p:spPr>
-          <a:xfrm rot="5400000">
-            <a:off x="-72959" y="3132305"/>
-            <a:ext cx="369652" cy="223735"/>
-          </a:xfrm>
-          <a:prstGeom prst="rect">
-            <a:avLst/>
-          </a:prstGeom>
-          <a:solidFill>
-            <a:srgbClr val="B3946B"/>
-          </a:solidFill>
-          <a:ln>
-            <a:noFill/>
-          </a:ln>
-        </p:spPr>
-        <p:style>
-          <a:lnRef idx="2">
-            <a:schemeClr val="accent1">
-              <a:shade val="50000"/>
-            </a:schemeClr>
-          </a:lnRef>
-          <a:fillRef idx="1">
-            <a:schemeClr val="accent1"/>
-          </a:fillRef>
-          <a:effectRef idx="0">
-            <a:schemeClr val="accent1"/>
-          </a:effectRef>
-          <a:fontRef idx="minor">
-            <a:schemeClr val="lt1"/>
-          </a:fontRef>
-        </p:style>
-        <p:txBody>
-          <a:bodyPr rtlCol="0" anchor="ctr"/>
-          <a:lstStyle/>
-          <a:p>
-            <a:pPr algn="ctr"/>
-            <a:endParaRPr lang="zh-CN" altLang="en-US"/>
-          </a:p>
-        </p:txBody>
-      </p:sp>
-      <p:pic>
-        <p:nvPicPr>
-          <p:cNvPr id="3" name="图片 2">
-            <a:extLst>
-              <a:ext uri="{FF2B5EF4-FFF2-40B4-BE49-F238E27FC236}">
-                <a16:creationId xmlns:a16="http://schemas.microsoft.com/office/drawing/2014/main" id="{0BBFFD70-701A-45B9-83EB-6BCD9F12CCD9}"/>
-              </a:ext>
-            </a:extLst>
-          </p:cNvPr>
-          <p:cNvPicPr>
-            <a:picLocks noChangeAspect="1"/>
-          </p:cNvPicPr>
-          <p:nvPr/>
-        </p:nvPicPr>
-        <p:blipFill>
-          <a:blip r:embed="rId2"/>
-          <a:stretch>
-            <a:fillRect/>
-          </a:stretch>
-        </p:blipFill>
-        <p:spPr>
-          <a:xfrm>
-            <a:off x="0" y="476448"/>
-            <a:ext cx="12192000" cy="5905103"/>
-          </a:xfrm>
-          <a:prstGeom prst="rect">
-            <a:avLst/>
-          </a:prstGeom>
-        </p:spPr>
-      </p:pic>
-    </p:spTree>
-    <p:extLst>
-      <p:ext uri="{BB962C8B-B14F-4D97-AF65-F5344CB8AC3E}">
-        <p14:creationId xmlns:p14="http://schemas.microsoft.com/office/powerpoint/2010/main" val="876055422"/>
-      </p:ext>
-    </p:extLst>
-  </p:cSld>
-  <p:clrMapOvr>
-    <a:masterClrMapping/>
-  </p:clrMapOvr>
-  <p:transition spd="slow" advTm="0">
-    <p:cover dir="u"/>
-  </p:transition>
 </p:sld>
 </file>
 

--- a/代码实现.pptx
+++ b/代码实现.pptx
@@ -5,7 +5,7 @@
     <p:sldMasterId id="2147483648" r:id="rId1"/>
   </p:sldMasterIdLst>
   <p:notesMasterIdLst>
-    <p:notesMasterId r:id="rId42"/>
+    <p:notesMasterId r:id="rId43"/>
   </p:notesMasterIdLst>
   <p:sldIdLst>
     <p:sldId id="256" r:id="rId2"/>
@@ -45,9 +45,10 @@
     <p:sldId id="340" r:id="rId36"/>
     <p:sldId id="352" r:id="rId37"/>
     <p:sldId id="341" r:id="rId38"/>
-    <p:sldId id="366" r:id="rId39"/>
-    <p:sldId id="342" r:id="rId40"/>
-    <p:sldId id="283" r:id="rId41"/>
+    <p:sldId id="371" r:id="rId39"/>
+    <p:sldId id="366" r:id="rId40"/>
+    <p:sldId id="342" r:id="rId41"/>
+    <p:sldId id="283" r:id="rId42"/>
   </p:sldIdLst>
   <p:sldSz cx="12192000" cy="6858000"/>
   <p:notesSz cx="6858000" cy="9144000"/>
@@ -12427,6 +12428,281 @@
       </p:grpSpPr>
       <p:sp>
         <p:nvSpPr>
+          <p:cNvPr id="2" name="文本框 1">
+            <a:extLst>
+              <a:ext uri="{FF2B5EF4-FFF2-40B4-BE49-F238E27FC236}">
+                <a16:creationId xmlns:a16="http://schemas.microsoft.com/office/drawing/2014/main" id="{F3DA6267-1232-430E-85F2-0600C18D1A7F}"/>
+              </a:ext>
+            </a:extLst>
+          </p:cNvPr>
+          <p:cNvSpPr txBox="1"/>
+          <p:nvPr/>
+        </p:nvSpPr>
+        <p:spPr>
+          <a:xfrm>
+            <a:off x="146439" y="91347"/>
+            <a:ext cx="2242922" cy="707886"/>
+          </a:xfrm>
+          <a:prstGeom prst="rect">
+            <a:avLst/>
+          </a:prstGeom>
+          <a:noFill/>
+        </p:spPr>
+        <p:txBody>
+          <a:bodyPr wrap="none" rtlCol="0">
+            <a:spAutoFit/>
+          </a:bodyPr>
+          <a:lstStyle/>
+          <a:p>
+            <a:r>
+              <a:rPr lang="zh-CN" altLang="en-US" sz="4000" b="1" dirty="0">
+                <a:solidFill>
+                  <a:schemeClr val="tx1">
+                    <a:lumMod val="50000"/>
+                    <a:lumOff val="50000"/>
+                  </a:schemeClr>
+                </a:solidFill>
+                <a:latin typeface="幼圆" panose="02010509060101010101" pitchFamily="49" charset="-122"/>
+                <a:ea typeface="幼圆" panose="02010509060101010101" pitchFamily="49" charset="-122"/>
+              </a:rPr>
+              <a:t>项目总结</a:t>
+            </a:r>
+          </a:p>
+        </p:txBody>
+      </p:sp>
+      <p:sp>
+        <p:nvSpPr>
+          <p:cNvPr id="4" name="文本框 3">
+            <a:extLst>
+              <a:ext uri="{FF2B5EF4-FFF2-40B4-BE49-F238E27FC236}">
+                <a16:creationId xmlns:a16="http://schemas.microsoft.com/office/drawing/2014/main" id="{2C721027-886F-4AC2-86D4-E57207299607}"/>
+              </a:ext>
+            </a:extLst>
+          </p:cNvPr>
+          <p:cNvSpPr txBox="1"/>
+          <p:nvPr/>
+        </p:nvSpPr>
+        <p:spPr>
+          <a:xfrm>
+            <a:off x="1772817" y="2320031"/>
+            <a:ext cx="8213270" cy="2954655"/>
+          </a:xfrm>
+          <a:prstGeom prst="rect">
+            <a:avLst/>
+          </a:prstGeom>
+          <a:noFill/>
+        </p:spPr>
+        <p:txBody>
+          <a:bodyPr wrap="square">
+            <a:spAutoFit/>
+          </a:bodyPr>
+          <a:lstStyle/>
+          <a:p>
+            <a:pPr algn="just"/>
+            <a:r>
+              <a:rPr lang="en-US" altLang="zh-CN" sz="2400" kern="100" dirty="0">
+                <a:solidFill>
+                  <a:schemeClr val="tx2">
+                    <a:lumMod val="75000"/>
+                  </a:schemeClr>
+                </a:solidFill>
+                <a:latin typeface="黑体" panose="02010609060101010101" pitchFamily="49" charset="-122"/>
+                <a:ea typeface="黑体" panose="02010609060101010101" pitchFamily="49" charset="-122"/>
+                <a:cs typeface="Times New Roman" panose="02020603050405020304" pitchFamily="18" charset="0"/>
+              </a:rPr>
+              <a:t>    </a:t>
+            </a:r>
+            <a:r>
+              <a:rPr lang="zh-CN" altLang="zh-CN" sz="2400" kern="100" dirty="0">
+                <a:solidFill>
+                  <a:schemeClr val="tx2">
+                    <a:lumMod val="75000"/>
+                  </a:schemeClr>
+                </a:solidFill>
+                <a:effectLst/>
+                <a:latin typeface="黑体" panose="02010609060101010101" pitchFamily="49" charset="-122"/>
+                <a:ea typeface="黑体" panose="02010609060101010101" pitchFamily="49" charset="-122"/>
+                <a:cs typeface="Times New Roman" panose="02020603050405020304" pitchFamily="18" charset="0"/>
+              </a:rPr>
+              <a:t>本表白墙项目历时一个</a:t>
+            </a:r>
+            <a:r>
+              <a:rPr lang="zh-CN" altLang="en-US" sz="2400" kern="100" dirty="0">
+                <a:solidFill>
+                  <a:schemeClr val="tx2">
+                    <a:lumMod val="75000"/>
+                  </a:schemeClr>
+                </a:solidFill>
+                <a:effectLst/>
+                <a:latin typeface="黑体" panose="02010609060101010101" pitchFamily="49" charset="-122"/>
+                <a:ea typeface="黑体" panose="02010609060101010101" pitchFamily="49" charset="-122"/>
+                <a:cs typeface="Times New Roman" panose="02020603050405020304" pitchFamily="18" charset="0"/>
+              </a:rPr>
+              <a:t>学期</a:t>
+            </a:r>
+            <a:r>
+              <a:rPr lang="zh-CN" altLang="zh-CN" sz="2400" kern="100" dirty="0">
+                <a:solidFill>
+                  <a:schemeClr val="tx2">
+                    <a:lumMod val="75000"/>
+                  </a:schemeClr>
+                </a:solidFill>
+                <a:effectLst/>
+                <a:latin typeface="黑体" panose="02010609060101010101" pitchFamily="49" charset="-122"/>
+                <a:ea typeface="黑体" panose="02010609060101010101" pitchFamily="49" charset="-122"/>
+                <a:cs typeface="Times New Roman" panose="02020603050405020304" pitchFamily="18" charset="0"/>
+              </a:rPr>
+              <a:t>，</a:t>
+            </a:r>
+            <a:r>
+              <a:rPr lang="zh-CN" altLang="en-US" sz="2400" kern="100" dirty="0">
+                <a:solidFill>
+                  <a:schemeClr val="tx2">
+                    <a:lumMod val="75000"/>
+                  </a:schemeClr>
+                </a:solidFill>
+                <a:effectLst/>
+                <a:latin typeface="黑体" panose="02010609060101010101" pitchFamily="49" charset="-122"/>
+                <a:ea typeface="黑体" panose="02010609060101010101" pitchFamily="49" charset="-122"/>
+                <a:cs typeface="Times New Roman" panose="02020603050405020304" pitchFamily="18" charset="0"/>
+              </a:rPr>
+              <a:t>代码实现</a:t>
+            </a:r>
+            <a:r>
+              <a:rPr lang="zh-CN" altLang="zh-CN" sz="2400" kern="100" dirty="0">
+                <a:solidFill>
+                  <a:schemeClr val="tx2">
+                    <a:lumMod val="75000"/>
+                  </a:schemeClr>
+                </a:solidFill>
+                <a:effectLst/>
+                <a:latin typeface="黑体" panose="02010609060101010101" pitchFamily="49" charset="-122"/>
+                <a:ea typeface="黑体" panose="02010609060101010101" pitchFamily="49" charset="-122"/>
+                <a:cs typeface="Times New Roman" panose="02020603050405020304" pitchFamily="18" charset="0"/>
+              </a:rPr>
+              <a:t>由王义博同学负责登录注册模块和个人中心，郑航舰同学负责用户模块，吴联想同学负责管理员模块。虽然最终做出的结果没有尽善尽美，但是我们小组也尽了我们自己的全力，同时也学到了很多东西，例如从头到尾经历了一遍软件的开发，在软件开发的过程中也学到了</a:t>
+            </a:r>
+            <a:r>
+              <a:rPr lang="en-US" altLang="zh-CN" sz="2400" kern="100" dirty="0" err="1">
+                <a:solidFill>
+                  <a:schemeClr val="tx2">
+                    <a:lumMod val="75000"/>
+                  </a:schemeClr>
+                </a:solidFill>
+                <a:effectLst/>
+                <a:latin typeface="黑体" panose="02010609060101010101" pitchFamily="49" charset="-122"/>
+                <a:ea typeface="黑体" panose="02010609060101010101" pitchFamily="49" charset="-122"/>
+                <a:cs typeface="Times New Roman" panose="02020603050405020304" pitchFamily="18" charset="0"/>
+              </a:rPr>
+              <a:t>Springboot</a:t>
+            </a:r>
+            <a:r>
+              <a:rPr lang="zh-CN" altLang="zh-CN" sz="2400" kern="100" dirty="0">
+                <a:solidFill>
+                  <a:schemeClr val="tx2">
+                    <a:lumMod val="75000"/>
+                  </a:schemeClr>
+                </a:solidFill>
+                <a:effectLst/>
+                <a:latin typeface="黑体" panose="02010609060101010101" pitchFamily="49" charset="-122"/>
+                <a:ea typeface="黑体" panose="02010609060101010101" pitchFamily="49" charset="-122"/>
+                <a:cs typeface="Times New Roman" panose="02020603050405020304" pitchFamily="18" charset="0"/>
+              </a:rPr>
+              <a:t>和</a:t>
+            </a:r>
+            <a:r>
+              <a:rPr lang="en-US" altLang="zh-CN" sz="2400" kern="100" dirty="0">
+                <a:solidFill>
+                  <a:schemeClr val="tx2">
+                    <a:lumMod val="75000"/>
+                  </a:schemeClr>
+                </a:solidFill>
+                <a:effectLst/>
+                <a:latin typeface="黑体" panose="02010609060101010101" pitchFamily="49" charset="-122"/>
+                <a:ea typeface="黑体" panose="02010609060101010101" pitchFamily="49" charset="-122"/>
+                <a:cs typeface="Times New Roman" panose="02020603050405020304" pitchFamily="18" charset="0"/>
+              </a:rPr>
+              <a:t>Vue</a:t>
+            </a:r>
+            <a:r>
+              <a:rPr lang="zh-CN" altLang="zh-CN" sz="2400" kern="100" dirty="0">
+                <a:solidFill>
+                  <a:schemeClr val="tx2">
+                    <a:lumMod val="75000"/>
+                  </a:schemeClr>
+                </a:solidFill>
+                <a:effectLst/>
+                <a:latin typeface="黑体" panose="02010609060101010101" pitchFamily="49" charset="-122"/>
+                <a:ea typeface="黑体" panose="02010609060101010101" pitchFamily="49" charset="-122"/>
+                <a:cs typeface="Times New Roman" panose="02020603050405020304" pitchFamily="18" charset="0"/>
+              </a:rPr>
+              <a:t>的相关知识，收获还是很多的。</a:t>
+            </a:r>
+          </a:p>
+          <a:p>
+            <a:pPr algn="just"/>
+            <a:r>
+              <a:rPr lang="en-US" altLang="zh-CN" sz="1800" kern="100" dirty="0">
+                <a:effectLst/>
+                <a:latin typeface="等线" panose="02010600030101010101" pitchFamily="2" charset="-122"/>
+                <a:ea typeface="等线" panose="02010600030101010101" pitchFamily="2" charset="-122"/>
+                <a:cs typeface="Times New Roman" panose="02020603050405020304" pitchFamily="18" charset="0"/>
+              </a:rPr>
+              <a:t> </a:t>
+            </a:r>
+            <a:endParaRPr lang="zh-CN" altLang="zh-CN" sz="1800" kern="100" dirty="0">
+              <a:effectLst/>
+              <a:latin typeface="等线" panose="02010600030101010101" pitchFamily="2" charset="-122"/>
+              <a:ea typeface="等线" panose="02010600030101010101" pitchFamily="2" charset="-122"/>
+              <a:cs typeface="Times New Roman" panose="02020603050405020304" pitchFamily="18" charset="0"/>
+            </a:endParaRPr>
+          </a:p>
+        </p:txBody>
+      </p:sp>
+    </p:spTree>
+    <p:extLst>
+      <p:ext uri="{BB962C8B-B14F-4D97-AF65-F5344CB8AC3E}">
+        <p14:creationId xmlns:p14="http://schemas.microsoft.com/office/powerpoint/2010/main" val="2120013021"/>
+      </p:ext>
+    </p:extLst>
+  </p:cSld>
+  <p:clrMapOvr>
+    <a:masterClrMapping/>
+  </p:clrMapOvr>
+  <mc:AlternateContent xmlns:mc="http://schemas.openxmlformats.org/markup-compatibility/2006">
+    <mc:Choice xmlns:p159="http://schemas.microsoft.com/office/powerpoint/2015/09/main" Requires="p159">
+      <p:transition xmlns:p14="http://schemas.microsoft.com/office/powerpoint/2010/main" spd="slow" p14:dur="2000" advTm="0">
+        <p159:morph option="byObject"/>
+      </p:transition>
+    </mc:Choice>
+    <mc:Fallback>
+      <p:transition spd="slow" advTm="0">
+        <p:fade/>
+      </p:transition>
+    </mc:Fallback>
+  </mc:AlternateContent>
+</p:sld>
+</file>
+
+<file path=ppt/slides/slide39.xml><?xml version="1.0" encoding="utf-8"?>
+<p:sld xmlns:a="http://schemas.openxmlformats.org/drawingml/2006/main" xmlns:r="http://schemas.openxmlformats.org/officeDocument/2006/relationships" xmlns:p="http://schemas.openxmlformats.org/presentationml/2006/main">
+  <p:cSld>
+    <p:spTree>
+      <p:nvGrpSpPr>
+        <p:cNvPr id="1" name=""/>
+        <p:cNvGrpSpPr/>
+        <p:nvPr/>
+      </p:nvGrpSpPr>
+      <p:grpSpPr>
+        <a:xfrm>
+          <a:off x="0" y="0"/>
+          <a:ext cx="0" cy="0"/>
+          <a:chOff x="0" y="0"/>
+          <a:chExt cx="0" cy="0"/>
+        </a:xfrm>
+      </p:grpSpPr>
+      <p:sp>
+        <p:nvSpPr>
           <p:cNvPr id="5" name="文本框 4"/>
           <p:cNvSpPr txBox="1"/>
           <p:nvPr/>
@@ -12979,7 +13255,191 @@
 </p:sld>
 </file>
 
-<file path=ppt/slides/slide39.xml><?xml version="1.0" encoding="utf-8"?>
+<file path=ppt/slides/slide4.xml><?xml version="1.0" encoding="utf-8"?>
+<p:sld xmlns:a="http://schemas.openxmlformats.org/drawingml/2006/main" xmlns:r="http://schemas.openxmlformats.org/officeDocument/2006/relationships" xmlns:p="http://schemas.openxmlformats.org/presentationml/2006/main">
+  <p:cSld>
+    <p:spTree>
+      <p:nvGrpSpPr>
+        <p:cNvPr id="1" name=""/>
+        <p:cNvGrpSpPr/>
+        <p:nvPr/>
+      </p:nvGrpSpPr>
+      <p:grpSpPr>
+        <a:xfrm>
+          <a:off x="0" y="0"/>
+          <a:ext cx="0" cy="0"/>
+          <a:chOff x="0" y="0"/>
+          <a:chExt cx="0" cy="0"/>
+        </a:xfrm>
+      </p:grpSpPr>
+      <p:sp>
+        <p:nvSpPr>
+          <p:cNvPr id="11" name="文本框 10"/>
+          <p:cNvSpPr txBox="1"/>
+          <p:nvPr/>
+        </p:nvSpPr>
+        <p:spPr>
+          <a:xfrm>
+            <a:off x="282342" y="2172083"/>
+            <a:ext cx="677108" cy="1733808"/>
+          </a:xfrm>
+          <a:prstGeom prst="rect">
+            <a:avLst/>
+          </a:prstGeom>
+          <a:noFill/>
+        </p:spPr>
+        <p:txBody>
+          <a:bodyPr vert="eaVert" wrap="none" rtlCol="0">
+            <a:spAutoFit/>
+          </a:bodyPr>
+          <a:lstStyle/>
+          <a:p>
+            <a:r>
+              <a:rPr lang="zh-CN" altLang="en-US" sz="3200" dirty="0">
+                <a:solidFill>
+                  <a:schemeClr val="tx1">
+                    <a:lumMod val="50000"/>
+                    <a:lumOff val="50000"/>
+                  </a:schemeClr>
+                </a:solidFill>
+                <a:latin typeface="幼圆" panose="02010509060101010101" pitchFamily="49" charset="-122"/>
+                <a:ea typeface="幼圆" panose="02010509060101010101" pitchFamily="49" charset="-122"/>
+              </a:rPr>
+              <a:t>程序清单</a:t>
+            </a:r>
+          </a:p>
+        </p:txBody>
+      </p:sp>
+      <p:cxnSp>
+        <p:nvCxnSpPr>
+          <p:cNvPr id="12" name="直接连接符 11"/>
+          <p:cNvCxnSpPr>
+            <a:cxnSpLocks/>
+          </p:cNvCxnSpPr>
+          <p:nvPr/>
+        </p:nvCxnSpPr>
+        <p:spPr>
+          <a:xfrm>
+            <a:off x="1621000" y="494522"/>
+            <a:ext cx="0" cy="5966910"/>
+          </a:xfrm>
+          <a:prstGeom prst="line">
+            <a:avLst/>
+          </a:prstGeom>
+          <a:ln w="12700">
+            <a:solidFill>
+              <a:srgbClr val="B3946B"/>
+            </a:solidFill>
+          </a:ln>
+        </p:spPr>
+        <p:style>
+          <a:lnRef idx="1">
+            <a:schemeClr val="accent1"/>
+          </a:lnRef>
+          <a:fillRef idx="0">
+            <a:schemeClr val="accent1"/>
+          </a:fillRef>
+          <a:effectRef idx="0">
+            <a:schemeClr val="accent1"/>
+          </a:effectRef>
+          <a:fontRef idx="minor">
+            <a:schemeClr val="tx1"/>
+          </a:fontRef>
+        </p:style>
+      </p:cxnSp>
+      <p:sp>
+        <p:nvSpPr>
+          <p:cNvPr id="15" name="矩形 14"/>
+          <p:cNvSpPr/>
+          <p:nvPr/>
+        </p:nvSpPr>
+        <p:spPr>
+          <a:xfrm rot="5400000">
+            <a:off x="-72959" y="3132305"/>
+            <a:ext cx="369652" cy="223735"/>
+          </a:xfrm>
+          <a:prstGeom prst="rect">
+            <a:avLst/>
+          </a:prstGeom>
+          <a:solidFill>
+            <a:srgbClr val="B3946B"/>
+          </a:solidFill>
+          <a:ln>
+            <a:noFill/>
+          </a:ln>
+        </p:spPr>
+        <p:style>
+          <a:lnRef idx="2">
+            <a:schemeClr val="accent1">
+              <a:shade val="50000"/>
+            </a:schemeClr>
+          </a:lnRef>
+          <a:fillRef idx="1">
+            <a:schemeClr val="accent1"/>
+          </a:fillRef>
+          <a:effectRef idx="0">
+            <a:schemeClr val="accent1"/>
+          </a:effectRef>
+          <a:fontRef idx="minor">
+            <a:schemeClr val="lt1"/>
+          </a:fontRef>
+        </p:style>
+        <p:txBody>
+          <a:bodyPr rtlCol="0" anchor="ctr"/>
+          <a:lstStyle/>
+          <a:p>
+            <a:pPr algn="ctr"/>
+            <a:endParaRPr lang="zh-CN" altLang="en-US"/>
+          </a:p>
+        </p:txBody>
+      </p:sp>
+      <p:pic>
+        <p:nvPicPr>
+          <p:cNvPr id="3" name="图片 2">
+            <a:extLst>
+              <a:ext uri="{FF2B5EF4-FFF2-40B4-BE49-F238E27FC236}">
+                <a16:creationId xmlns:a16="http://schemas.microsoft.com/office/drawing/2014/main" id="{0BBFFD70-701A-45B9-83EB-6BCD9F12CCD9}"/>
+              </a:ext>
+            </a:extLst>
+          </p:cNvPr>
+          <p:cNvPicPr>
+            <a:picLocks noChangeAspect="1"/>
+          </p:cNvPicPr>
+          <p:nvPr/>
+        </p:nvPicPr>
+        <p:blipFill>
+          <a:blip r:embed="rId2"/>
+          <a:stretch>
+            <a:fillRect/>
+          </a:stretch>
+        </p:blipFill>
+        <p:spPr>
+          <a:xfrm>
+            <a:off x="0" y="476448"/>
+            <a:ext cx="12192000" cy="5905103"/>
+          </a:xfrm>
+          <a:prstGeom prst="rect">
+            <a:avLst/>
+          </a:prstGeom>
+        </p:spPr>
+      </p:pic>
+    </p:spTree>
+    <p:extLst>
+      <p:ext uri="{BB962C8B-B14F-4D97-AF65-F5344CB8AC3E}">
+        <p14:creationId xmlns:p14="http://schemas.microsoft.com/office/powerpoint/2010/main" val="876055422"/>
+      </p:ext>
+    </p:extLst>
+  </p:cSld>
+  <p:clrMapOvr>
+    <a:masterClrMapping/>
+  </p:clrMapOvr>
+  <p:transition spd="slow" advTm="0">
+    <p:cover dir="u"/>
+  </p:transition>
+</p:sld>
+</file>
+
+<file path=ppt/slides/slide40.xml><?xml version="1.0" encoding="utf-8"?>
 <p:sld xmlns:a="http://schemas.openxmlformats.org/drawingml/2006/main" xmlns:r="http://schemas.openxmlformats.org/officeDocument/2006/relationships" xmlns:p="http://schemas.openxmlformats.org/presentationml/2006/main">
   <p:cSld>
     <p:spTree>
@@ -13650,191 +14110,7 @@
 </p:sld>
 </file>
 
-<file path=ppt/slides/slide4.xml><?xml version="1.0" encoding="utf-8"?>
-<p:sld xmlns:a="http://schemas.openxmlformats.org/drawingml/2006/main" xmlns:r="http://schemas.openxmlformats.org/officeDocument/2006/relationships" xmlns:p="http://schemas.openxmlformats.org/presentationml/2006/main">
-  <p:cSld>
-    <p:spTree>
-      <p:nvGrpSpPr>
-        <p:cNvPr id="1" name=""/>
-        <p:cNvGrpSpPr/>
-        <p:nvPr/>
-      </p:nvGrpSpPr>
-      <p:grpSpPr>
-        <a:xfrm>
-          <a:off x="0" y="0"/>
-          <a:ext cx="0" cy="0"/>
-          <a:chOff x="0" y="0"/>
-          <a:chExt cx="0" cy="0"/>
-        </a:xfrm>
-      </p:grpSpPr>
-      <p:sp>
-        <p:nvSpPr>
-          <p:cNvPr id="11" name="文本框 10"/>
-          <p:cNvSpPr txBox="1"/>
-          <p:nvPr/>
-        </p:nvSpPr>
-        <p:spPr>
-          <a:xfrm>
-            <a:off x="282342" y="2172083"/>
-            <a:ext cx="677108" cy="1733808"/>
-          </a:xfrm>
-          <a:prstGeom prst="rect">
-            <a:avLst/>
-          </a:prstGeom>
-          <a:noFill/>
-        </p:spPr>
-        <p:txBody>
-          <a:bodyPr vert="eaVert" wrap="none" rtlCol="0">
-            <a:spAutoFit/>
-          </a:bodyPr>
-          <a:lstStyle/>
-          <a:p>
-            <a:r>
-              <a:rPr lang="zh-CN" altLang="en-US" sz="3200" dirty="0">
-                <a:solidFill>
-                  <a:schemeClr val="tx1">
-                    <a:lumMod val="50000"/>
-                    <a:lumOff val="50000"/>
-                  </a:schemeClr>
-                </a:solidFill>
-                <a:latin typeface="幼圆" panose="02010509060101010101" pitchFamily="49" charset="-122"/>
-                <a:ea typeface="幼圆" panose="02010509060101010101" pitchFamily="49" charset="-122"/>
-              </a:rPr>
-              <a:t>程序清单</a:t>
-            </a:r>
-          </a:p>
-        </p:txBody>
-      </p:sp>
-      <p:cxnSp>
-        <p:nvCxnSpPr>
-          <p:cNvPr id="12" name="直接连接符 11"/>
-          <p:cNvCxnSpPr>
-            <a:cxnSpLocks/>
-          </p:cNvCxnSpPr>
-          <p:nvPr/>
-        </p:nvCxnSpPr>
-        <p:spPr>
-          <a:xfrm>
-            <a:off x="1621000" y="494522"/>
-            <a:ext cx="0" cy="5966910"/>
-          </a:xfrm>
-          <a:prstGeom prst="line">
-            <a:avLst/>
-          </a:prstGeom>
-          <a:ln w="12700">
-            <a:solidFill>
-              <a:srgbClr val="B3946B"/>
-            </a:solidFill>
-          </a:ln>
-        </p:spPr>
-        <p:style>
-          <a:lnRef idx="1">
-            <a:schemeClr val="accent1"/>
-          </a:lnRef>
-          <a:fillRef idx="0">
-            <a:schemeClr val="accent1"/>
-          </a:fillRef>
-          <a:effectRef idx="0">
-            <a:schemeClr val="accent1"/>
-          </a:effectRef>
-          <a:fontRef idx="minor">
-            <a:schemeClr val="tx1"/>
-          </a:fontRef>
-        </p:style>
-      </p:cxnSp>
-      <p:sp>
-        <p:nvSpPr>
-          <p:cNvPr id="15" name="矩形 14"/>
-          <p:cNvSpPr/>
-          <p:nvPr/>
-        </p:nvSpPr>
-        <p:spPr>
-          <a:xfrm rot="5400000">
-            <a:off x="-72959" y="3132305"/>
-            <a:ext cx="369652" cy="223735"/>
-          </a:xfrm>
-          <a:prstGeom prst="rect">
-            <a:avLst/>
-          </a:prstGeom>
-          <a:solidFill>
-            <a:srgbClr val="B3946B"/>
-          </a:solidFill>
-          <a:ln>
-            <a:noFill/>
-          </a:ln>
-        </p:spPr>
-        <p:style>
-          <a:lnRef idx="2">
-            <a:schemeClr val="accent1">
-              <a:shade val="50000"/>
-            </a:schemeClr>
-          </a:lnRef>
-          <a:fillRef idx="1">
-            <a:schemeClr val="accent1"/>
-          </a:fillRef>
-          <a:effectRef idx="0">
-            <a:schemeClr val="accent1"/>
-          </a:effectRef>
-          <a:fontRef idx="minor">
-            <a:schemeClr val="lt1"/>
-          </a:fontRef>
-        </p:style>
-        <p:txBody>
-          <a:bodyPr rtlCol="0" anchor="ctr"/>
-          <a:lstStyle/>
-          <a:p>
-            <a:pPr algn="ctr"/>
-            <a:endParaRPr lang="zh-CN" altLang="en-US"/>
-          </a:p>
-        </p:txBody>
-      </p:sp>
-      <p:pic>
-        <p:nvPicPr>
-          <p:cNvPr id="3" name="图片 2">
-            <a:extLst>
-              <a:ext uri="{FF2B5EF4-FFF2-40B4-BE49-F238E27FC236}">
-                <a16:creationId xmlns:a16="http://schemas.microsoft.com/office/drawing/2014/main" id="{0BBFFD70-701A-45B9-83EB-6BCD9F12CCD9}"/>
-              </a:ext>
-            </a:extLst>
-          </p:cNvPr>
-          <p:cNvPicPr>
-            <a:picLocks noChangeAspect="1"/>
-          </p:cNvPicPr>
-          <p:nvPr/>
-        </p:nvPicPr>
-        <p:blipFill>
-          <a:blip r:embed="rId2"/>
-          <a:stretch>
-            <a:fillRect/>
-          </a:stretch>
-        </p:blipFill>
-        <p:spPr>
-          <a:xfrm>
-            <a:off x="0" y="476448"/>
-            <a:ext cx="12192000" cy="5905103"/>
-          </a:xfrm>
-          <a:prstGeom prst="rect">
-            <a:avLst/>
-          </a:prstGeom>
-        </p:spPr>
-      </p:pic>
-    </p:spTree>
-    <p:extLst>
-      <p:ext uri="{BB962C8B-B14F-4D97-AF65-F5344CB8AC3E}">
-        <p14:creationId xmlns:p14="http://schemas.microsoft.com/office/powerpoint/2010/main" val="876055422"/>
-      </p:ext>
-    </p:extLst>
-  </p:cSld>
-  <p:clrMapOvr>
-    <a:masterClrMapping/>
-  </p:clrMapOvr>
-  <p:transition spd="slow" advTm="0">
-    <p:cover dir="u"/>
-  </p:transition>
-</p:sld>
-</file>
-
-<file path=ppt/slides/slide40.xml><?xml version="1.0" encoding="utf-8"?>
+<file path=ppt/slides/slide41.xml><?xml version="1.0" encoding="utf-8"?>
 <p:sld xmlns:a="http://schemas.openxmlformats.org/drawingml/2006/main" xmlns:r="http://schemas.openxmlformats.org/officeDocument/2006/relationships" xmlns:p="http://schemas.openxmlformats.org/presentationml/2006/main">
   <p:cSld>
     <p:bg>

--- a/代码实现.pptx
+++ b/代码实现.pptx
@@ -5,7 +5,7 @@
     <p:sldMasterId id="2147483648" r:id="rId1"/>
   </p:sldMasterIdLst>
   <p:notesMasterIdLst>
-    <p:notesMasterId r:id="rId43"/>
+    <p:notesMasterId r:id="rId41"/>
   </p:notesMasterIdLst>
   <p:sldIdLst>
     <p:sldId id="256" r:id="rId2"/>
@@ -18,37 +18,35 @@
     <p:sldId id="357" r:id="rId9"/>
     <p:sldId id="358" r:id="rId10"/>
     <p:sldId id="321" r:id="rId11"/>
-    <p:sldId id="272" r:id="rId12"/>
-    <p:sldId id="333" r:id="rId13"/>
-    <p:sldId id="334" r:id="rId14"/>
-    <p:sldId id="335" r:id="rId15"/>
-    <p:sldId id="336" r:id="rId16"/>
-    <p:sldId id="337" r:id="rId17"/>
-    <p:sldId id="338" r:id="rId18"/>
-    <p:sldId id="343" r:id="rId19"/>
-    <p:sldId id="367" r:id="rId20"/>
-    <p:sldId id="347" r:id="rId21"/>
-    <p:sldId id="344" r:id="rId22"/>
-    <p:sldId id="351" r:id="rId23"/>
-    <p:sldId id="349" r:id="rId24"/>
-    <p:sldId id="359" r:id="rId25"/>
-    <p:sldId id="360" r:id="rId26"/>
-    <p:sldId id="361" r:id="rId27"/>
-    <p:sldId id="362" r:id="rId28"/>
-    <p:sldId id="363" r:id="rId29"/>
-    <p:sldId id="365" r:id="rId30"/>
-    <p:sldId id="364" r:id="rId31"/>
-    <p:sldId id="368" r:id="rId32"/>
-    <p:sldId id="369" r:id="rId33"/>
-    <p:sldId id="339" r:id="rId34"/>
-    <p:sldId id="370" r:id="rId35"/>
-    <p:sldId id="340" r:id="rId36"/>
-    <p:sldId id="352" r:id="rId37"/>
-    <p:sldId id="341" r:id="rId38"/>
-    <p:sldId id="371" r:id="rId39"/>
-    <p:sldId id="366" r:id="rId40"/>
-    <p:sldId id="342" r:id="rId41"/>
-    <p:sldId id="283" r:id="rId42"/>
+    <p:sldId id="372" r:id="rId12"/>
+    <p:sldId id="373" r:id="rId13"/>
+    <p:sldId id="374" r:id="rId14"/>
+    <p:sldId id="375" r:id="rId15"/>
+    <p:sldId id="272" r:id="rId16"/>
+    <p:sldId id="343" r:id="rId17"/>
+    <p:sldId id="367" r:id="rId18"/>
+    <p:sldId id="347" r:id="rId19"/>
+    <p:sldId id="344" r:id="rId20"/>
+    <p:sldId id="351" r:id="rId21"/>
+    <p:sldId id="349" r:id="rId22"/>
+    <p:sldId id="359" r:id="rId23"/>
+    <p:sldId id="360" r:id="rId24"/>
+    <p:sldId id="361" r:id="rId25"/>
+    <p:sldId id="362" r:id="rId26"/>
+    <p:sldId id="363" r:id="rId27"/>
+    <p:sldId id="365" r:id="rId28"/>
+    <p:sldId id="364" r:id="rId29"/>
+    <p:sldId id="368" r:id="rId30"/>
+    <p:sldId id="369" r:id="rId31"/>
+    <p:sldId id="339" r:id="rId32"/>
+    <p:sldId id="370" r:id="rId33"/>
+    <p:sldId id="340" r:id="rId34"/>
+    <p:sldId id="352" r:id="rId35"/>
+    <p:sldId id="341" r:id="rId36"/>
+    <p:sldId id="371" r:id="rId37"/>
+    <p:sldId id="366" r:id="rId38"/>
+    <p:sldId id="342" r:id="rId39"/>
+    <p:sldId id="283" r:id="rId40"/>
   </p:sldIdLst>
   <p:sldSz cx="12192000" cy="6858000"/>
   <p:notesSz cx="6858000" cy="9144000"/>
@@ -248,7 +246,7 @@
           <a:p>
             <a:fld id="{6AE3C7FC-3CC8-4214-AAB7-B272A27C17B9}" type="datetimeFigureOut">
               <a:rPr lang="zh-CN" altLang="en-US" smtClean="0"/>
-              <a:t>2021/12/17</a:t>
+              <a:t>2021/12/22</a:t>
             </a:fld>
             <a:endParaRPr lang="zh-CN" altLang="en-US"/>
           </a:p>
@@ -644,7 +642,7 @@
           <a:p>
             <a:fld id="{787439C1-9380-4261-8626-06D21037FD93}" type="datetimeFigureOut">
               <a:rPr lang="zh-CN" altLang="en-US" smtClean="0"/>
-              <a:t>2021/12/17</a:t>
+              <a:t>2021/12/22</a:t>
             </a:fld>
             <a:endParaRPr lang="zh-CN" altLang="en-US"/>
           </a:p>
@@ -820,7 +818,7 @@
           <a:p>
             <a:fld id="{787439C1-9380-4261-8626-06D21037FD93}" type="datetimeFigureOut">
               <a:rPr lang="zh-CN" altLang="en-US" smtClean="0"/>
-              <a:t>2021/12/17</a:t>
+              <a:t>2021/12/22</a:t>
             </a:fld>
             <a:endParaRPr lang="zh-CN" altLang="en-US"/>
           </a:p>
@@ -1006,7 +1004,7 @@
           <a:p>
             <a:fld id="{787439C1-9380-4261-8626-06D21037FD93}" type="datetimeFigureOut">
               <a:rPr lang="zh-CN" altLang="en-US" smtClean="0"/>
-              <a:t>2021/12/17</a:t>
+              <a:t>2021/12/22</a:t>
             </a:fld>
             <a:endParaRPr lang="zh-CN" altLang="en-US"/>
           </a:p>
@@ -1182,7 +1180,7 @@
           <a:p>
             <a:fld id="{787439C1-9380-4261-8626-06D21037FD93}" type="datetimeFigureOut">
               <a:rPr lang="zh-CN" altLang="en-US" smtClean="0"/>
-              <a:t>2021/12/17</a:t>
+              <a:t>2021/12/22</a:t>
             </a:fld>
             <a:endParaRPr lang="zh-CN" altLang="en-US"/>
           </a:p>
@@ -1435,7 +1433,7 @@
           <a:p>
             <a:fld id="{787439C1-9380-4261-8626-06D21037FD93}" type="datetimeFigureOut">
               <a:rPr lang="zh-CN" altLang="en-US" smtClean="0"/>
-              <a:t>2021/12/17</a:t>
+              <a:t>2021/12/22</a:t>
             </a:fld>
             <a:endParaRPr lang="zh-CN" altLang="en-US"/>
           </a:p>
@@ -1672,7 +1670,7 @@
           <a:p>
             <a:fld id="{787439C1-9380-4261-8626-06D21037FD93}" type="datetimeFigureOut">
               <a:rPr lang="zh-CN" altLang="en-US" smtClean="0"/>
-              <a:t>2021/12/17</a:t>
+              <a:t>2021/12/22</a:t>
             </a:fld>
             <a:endParaRPr lang="zh-CN" altLang="en-US"/>
           </a:p>
@@ -2044,7 +2042,7 @@
           <a:p>
             <a:fld id="{787439C1-9380-4261-8626-06D21037FD93}" type="datetimeFigureOut">
               <a:rPr lang="zh-CN" altLang="en-US" smtClean="0"/>
-              <a:t>2021/12/17</a:t>
+              <a:t>2021/12/22</a:t>
             </a:fld>
             <a:endParaRPr lang="zh-CN" altLang="en-US"/>
           </a:p>
@@ -2169,7 +2167,7 @@
           <a:p>
             <a:fld id="{787439C1-9380-4261-8626-06D21037FD93}" type="datetimeFigureOut">
               <a:rPr lang="zh-CN" altLang="en-US" smtClean="0"/>
-              <a:t>2021/12/17</a:t>
+              <a:t>2021/12/22</a:t>
             </a:fld>
             <a:endParaRPr lang="zh-CN" altLang="en-US"/>
           </a:p>
@@ -2272,7 +2270,7 @@
           <a:p>
             <a:fld id="{787439C1-9380-4261-8626-06D21037FD93}" type="datetimeFigureOut">
               <a:rPr lang="zh-CN" altLang="en-US" smtClean="0"/>
-              <a:t>2021/12/17</a:t>
+              <a:t>2021/12/22</a:t>
             </a:fld>
             <a:endParaRPr lang="zh-CN" altLang="en-US"/>
           </a:p>
@@ -2555,7 +2553,7 @@
           <a:p>
             <a:fld id="{787439C1-9380-4261-8626-06D21037FD93}" type="datetimeFigureOut">
               <a:rPr lang="zh-CN" altLang="en-US" smtClean="0"/>
-              <a:t>2021/12/17</a:t>
+              <a:t>2021/12/22</a:t>
             </a:fld>
             <a:endParaRPr lang="zh-CN" altLang="en-US"/>
           </a:p>
@@ -2815,7 +2813,7 @@
           <a:p>
             <a:fld id="{787439C1-9380-4261-8626-06D21037FD93}" type="datetimeFigureOut">
               <a:rPr lang="zh-CN" altLang="en-US" smtClean="0"/>
-              <a:t>2021/12/17</a:t>
+              <a:t>2021/12/22</a:t>
             </a:fld>
             <a:endParaRPr lang="zh-CN" altLang="en-US"/>
           </a:p>
@@ -3034,7 +3032,7 @@
           <a:p>
             <a:fld id="{787439C1-9380-4261-8626-06D21037FD93}" type="datetimeFigureOut">
               <a:rPr lang="zh-CN" altLang="en-US" smtClean="0"/>
-              <a:t>2021/12/17</a:t>
+              <a:t>2021/12/22</a:t>
             </a:fld>
             <a:endParaRPr lang="zh-CN" altLang="en-US"/>
           </a:p>
@@ -4131,16 +4129,6 @@
 <file path=ppt/slides/slide11.xml><?xml version="1.0" encoding="utf-8"?>
 <p:sld xmlns:a="http://schemas.openxmlformats.org/drawingml/2006/main" xmlns:r="http://schemas.openxmlformats.org/officeDocument/2006/relationships" xmlns:p="http://schemas.openxmlformats.org/presentationml/2006/main">
   <p:cSld>
-    <p:bg>
-      <p:bgPr>
-        <a:solidFill>
-          <a:schemeClr val="bg1">
-            <a:lumMod val="95000"/>
-          </a:schemeClr>
-        </a:solidFill>
-        <a:effectLst/>
-      </p:bgPr>
-    </p:bg>
     <p:spTree>
       <p:nvGrpSpPr>
         <p:cNvPr id="1" name=""/>
@@ -4155,968 +4143,6 @@
           <a:chExt cx="0" cy="0"/>
         </a:xfrm>
       </p:grpSpPr>
-      <p:sp>
-        <p:nvSpPr>
-          <p:cNvPr id="11" name="文本框 10"/>
-          <p:cNvSpPr txBox="1"/>
-          <p:nvPr/>
-        </p:nvSpPr>
-        <p:spPr>
-          <a:xfrm>
-            <a:off x="282342" y="2172083"/>
-            <a:ext cx="677108" cy="2144177"/>
-          </a:xfrm>
-          <a:prstGeom prst="rect">
-            <a:avLst/>
-          </a:prstGeom>
-          <a:noFill/>
-        </p:spPr>
-        <p:txBody>
-          <a:bodyPr vert="eaVert" wrap="none" rtlCol="0">
-            <a:spAutoFit/>
-          </a:bodyPr>
-          <a:lstStyle/>
-          <a:p>
-            <a:r>
-              <a:rPr lang="zh-CN" altLang="en-US" sz="3200" dirty="0">
-                <a:solidFill>
-                  <a:schemeClr val="tx1">
-                    <a:lumMod val="50000"/>
-                    <a:lumOff val="50000"/>
-                  </a:schemeClr>
-                </a:solidFill>
-                <a:latin typeface="幼圆" panose="02010509060101010101" pitchFamily="49" charset="-122"/>
-                <a:ea typeface="幼圆" panose="02010509060101010101" pitchFamily="49" charset="-122"/>
-              </a:rPr>
-              <a:t>标识符规约</a:t>
-            </a:r>
-          </a:p>
-        </p:txBody>
-      </p:sp>
-      <p:cxnSp>
-        <p:nvCxnSpPr>
-          <p:cNvPr id="12" name="直接连接符 11"/>
-          <p:cNvCxnSpPr>
-            <a:cxnSpLocks/>
-          </p:cNvCxnSpPr>
-          <p:nvPr/>
-        </p:nvCxnSpPr>
-        <p:spPr>
-          <a:xfrm>
-            <a:off x="1621000" y="494522"/>
-            <a:ext cx="0" cy="5966910"/>
-          </a:xfrm>
-          <a:prstGeom prst="line">
-            <a:avLst/>
-          </a:prstGeom>
-          <a:ln w="12700">
-            <a:solidFill>
-              <a:srgbClr val="B3946B"/>
-            </a:solidFill>
-          </a:ln>
-        </p:spPr>
-        <p:style>
-          <a:lnRef idx="1">
-            <a:schemeClr val="accent1"/>
-          </a:lnRef>
-          <a:fillRef idx="0">
-            <a:schemeClr val="accent1"/>
-          </a:fillRef>
-          <a:effectRef idx="0">
-            <a:schemeClr val="accent1"/>
-          </a:effectRef>
-          <a:fontRef idx="minor">
-            <a:schemeClr val="tx1"/>
-          </a:fontRef>
-        </p:style>
-      </p:cxnSp>
-      <p:sp>
-        <p:nvSpPr>
-          <p:cNvPr id="14" name="矩形 13"/>
-          <p:cNvSpPr/>
-          <p:nvPr/>
-        </p:nvSpPr>
-        <p:spPr>
-          <a:xfrm>
-            <a:off x="1792010" y="396567"/>
-            <a:ext cx="10319124" cy="5633978"/>
-          </a:xfrm>
-          <a:prstGeom prst="rect">
-            <a:avLst/>
-          </a:prstGeom>
-        </p:spPr>
-        <p:txBody>
-          <a:bodyPr wrap="square">
-            <a:spAutoFit/>
-          </a:bodyPr>
-          <a:lstStyle/>
-          <a:p>
-            <a:pPr>
-              <a:lnSpc>
-                <a:spcPct val="200000"/>
-              </a:lnSpc>
-            </a:pPr>
-            <a:r>
-              <a:rPr lang="en-US" altLang="zh-CN" sz="1400" dirty="0">
-                <a:solidFill>
-                  <a:schemeClr val="bg1">
-                    <a:lumMod val="65000"/>
-                  </a:schemeClr>
-                </a:solidFill>
-                <a:latin typeface="PingFang SC"/>
-              </a:rPr>
-              <a:t>【</a:t>
-            </a:r>
-            <a:r>
-              <a:rPr lang="zh-CN" altLang="en-US" sz="1400" dirty="0">
-                <a:solidFill>
-                  <a:schemeClr val="bg1">
-                    <a:lumMod val="65000"/>
-                  </a:schemeClr>
-                </a:solidFill>
-                <a:latin typeface="PingFang SC"/>
-              </a:rPr>
-              <a:t>规范</a:t>
-            </a:r>
-            <a:r>
-              <a:rPr lang="en-US" altLang="zh-CN" sz="1400" dirty="0">
-                <a:solidFill>
-                  <a:schemeClr val="bg1">
-                    <a:lumMod val="65000"/>
-                  </a:schemeClr>
-                </a:solidFill>
-                <a:latin typeface="PingFang SC"/>
-              </a:rPr>
-              <a:t>】</a:t>
-            </a:r>
-            <a:r>
-              <a:rPr lang="zh-CN" altLang="en-US" sz="1400" dirty="0">
-                <a:solidFill>
-                  <a:schemeClr val="bg1">
-                    <a:lumMod val="65000"/>
-                  </a:schemeClr>
-                </a:solidFill>
-                <a:latin typeface="PingFang SC"/>
-              </a:rPr>
-              <a:t>类名使用</a:t>
-            </a:r>
-            <a:r>
-              <a:rPr lang="en-US" altLang="zh-CN" sz="1400" dirty="0" err="1">
-                <a:solidFill>
-                  <a:schemeClr val="bg1">
-                    <a:lumMod val="65000"/>
-                  </a:schemeClr>
-                </a:solidFill>
-                <a:latin typeface="PingFang SC"/>
-              </a:rPr>
-              <a:t>UpperCamelCase</a:t>
-            </a:r>
-            <a:r>
-              <a:rPr lang="en-US" altLang="zh-CN" sz="1400" dirty="0">
-                <a:solidFill>
-                  <a:schemeClr val="bg1">
-                    <a:lumMod val="65000"/>
-                  </a:schemeClr>
-                </a:solidFill>
-                <a:latin typeface="PingFang SC"/>
-              </a:rPr>
-              <a:t> </a:t>
-            </a:r>
-            <a:r>
-              <a:rPr lang="zh-CN" altLang="en-US" sz="1400" dirty="0">
-                <a:solidFill>
-                  <a:schemeClr val="bg1">
-                    <a:lumMod val="65000"/>
-                  </a:schemeClr>
-                </a:solidFill>
-                <a:latin typeface="PingFang SC"/>
-              </a:rPr>
-              <a:t>风格，必须遵从驼峰形式</a:t>
-            </a:r>
-          </a:p>
-          <a:p>
-            <a:pPr>
-              <a:lnSpc>
-                <a:spcPct val="200000"/>
-              </a:lnSpc>
-            </a:pPr>
-            <a:r>
-              <a:rPr lang="en-US" altLang="zh-CN" sz="1400" dirty="0">
-                <a:solidFill>
-                  <a:schemeClr val="bg1">
-                    <a:lumMod val="65000"/>
-                  </a:schemeClr>
-                </a:solidFill>
-                <a:latin typeface="PingFang SC"/>
-              </a:rPr>
-              <a:t>【</a:t>
-            </a:r>
-            <a:r>
-              <a:rPr lang="zh-CN" altLang="en-US" sz="1400" dirty="0">
-                <a:solidFill>
-                  <a:schemeClr val="bg1">
-                    <a:lumMod val="65000"/>
-                  </a:schemeClr>
-                </a:solidFill>
-                <a:latin typeface="PingFang SC"/>
-              </a:rPr>
-              <a:t>规范</a:t>
-            </a:r>
-            <a:r>
-              <a:rPr lang="en-US" altLang="zh-CN" sz="1400" dirty="0">
-                <a:solidFill>
-                  <a:schemeClr val="bg1">
-                    <a:lumMod val="65000"/>
-                  </a:schemeClr>
-                </a:solidFill>
-                <a:latin typeface="PingFang SC"/>
-              </a:rPr>
-              <a:t>】</a:t>
-            </a:r>
-            <a:r>
-              <a:rPr lang="zh-CN" altLang="en-US" sz="1400" dirty="0">
-                <a:solidFill>
-                  <a:schemeClr val="bg1">
-                    <a:lumMod val="65000"/>
-                  </a:schemeClr>
-                </a:solidFill>
-                <a:latin typeface="PingFang SC"/>
-              </a:rPr>
-              <a:t>方法名、参数名、成员变量、局部变量都统一使用</a:t>
-            </a:r>
-            <a:r>
-              <a:rPr lang="en-US" altLang="zh-CN" sz="1400" dirty="0" err="1">
-                <a:solidFill>
-                  <a:schemeClr val="bg1">
-                    <a:lumMod val="65000"/>
-                  </a:schemeClr>
-                </a:solidFill>
-                <a:latin typeface="PingFang SC"/>
-              </a:rPr>
-              <a:t>lowerCamelCase</a:t>
-            </a:r>
-            <a:r>
-              <a:rPr lang="en-US" altLang="zh-CN" sz="1400" dirty="0">
-                <a:solidFill>
-                  <a:schemeClr val="bg1">
-                    <a:lumMod val="65000"/>
-                  </a:schemeClr>
-                </a:solidFill>
-                <a:latin typeface="PingFang SC"/>
-              </a:rPr>
-              <a:t> </a:t>
-            </a:r>
-            <a:r>
-              <a:rPr lang="zh-CN" altLang="en-US" sz="1400" dirty="0">
-                <a:solidFill>
-                  <a:schemeClr val="bg1">
-                    <a:lumMod val="65000"/>
-                  </a:schemeClr>
-                </a:solidFill>
-                <a:latin typeface="PingFang SC"/>
-              </a:rPr>
-              <a:t>风格，必须遵从驼峰形式。</a:t>
-            </a:r>
-          </a:p>
-          <a:p>
-            <a:pPr>
-              <a:lnSpc>
-                <a:spcPct val="200000"/>
-              </a:lnSpc>
-            </a:pPr>
-            <a:r>
-              <a:rPr lang="en-US" altLang="zh-CN" sz="1400" dirty="0">
-                <a:solidFill>
-                  <a:schemeClr val="bg1">
-                    <a:lumMod val="65000"/>
-                  </a:schemeClr>
-                </a:solidFill>
-                <a:latin typeface="PingFang SC"/>
-              </a:rPr>
-              <a:t>【</a:t>
-            </a:r>
-            <a:r>
-              <a:rPr lang="zh-CN" altLang="en-US" sz="1400" dirty="0">
-                <a:solidFill>
-                  <a:schemeClr val="bg1">
-                    <a:lumMod val="65000"/>
-                  </a:schemeClr>
-                </a:solidFill>
-                <a:latin typeface="PingFang SC"/>
-              </a:rPr>
-              <a:t>规范</a:t>
-            </a:r>
-            <a:r>
-              <a:rPr lang="en-US" altLang="zh-CN" sz="1400" dirty="0">
-                <a:solidFill>
-                  <a:schemeClr val="bg1">
-                    <a:lumMod val="65000"/>
-                  </a:schemeClr>
-                </a:solidFill>
-                <a:latin typeface="PingFang SC"/>
-              </a:rPr>
-              <a:t>】</a:t>
-            </a:r>
-            <a:r>
-              <a:rPr lang="zh-CN" altLang="en-US" sz="1400" dirty="0">
-                <a:solidFill>
-                  <a:schemeClr val="bg1">
-                    <a:lumMod val="65000"/>
-                  </a:schemeClr>
-                </a:solidFill>
-                <a:latin typeface="PingFang SC"/>
-              </a:rPr>
-              <a:t>抽象类命名使用 </a:t>
-            </a:r>
-            <a:r>
-              <a:rPr lang="en-US" altLang="zh-CN" sz="1400" dirty="0">
-                <a:solidFill>
-                  <a:schemeClr val="bg1">
-                    <a:lumMod val="65000"/>
-                  </a:schemeClr>
-                </a:solidFill>
-                <a:latin typeface="PingFang SC"/>
-              </a:rPr>
-              <a:t>Abstract </a:t>
-            </a:r>
-            <a:r>
-              <a:rPr lang="zh-CN" altLang="en-US" sz="1400" dirty="0">
-                <a:solidFill>
-                  <a:schemeClr val="bg1">
-                    <a:lumMod val="65000"/>
-                  </a:schemeClr>
-                </a:solidFill>
-                <a:latin typeface="PingFang SC"/>
-              </a:rPr>
-              <a:t>或 </a:t>
-            </a:r>
-            <a:r>
-              <a:rPr lang="en-US" altLang="zh-CN" sz="1400" dirty="0">
-                <a:solidFill>
-                  <a:schemeClr val="bg1">
-                    <a:lumMod val="65000"/>
-                  </a:schemeClr>
-                </a:solidFill>
-                <a:latin typeface="PingFang SC"/>
-              </a:rPr>
-              <a:t>Base </a:t>
-            </a:r>
-            <a:r>
-              <a:rPr lang="zh-CN" altLang="en-US" sz="1400" dirty="0">
-                <a:solidFill>
-                  <a:schemeClr val="bg1">
-                    <a:lumMod val="65000"/>
-                  </a:schemeClr>
-                </a:solidFill>
-                <a:latin typeface="PingFang SC"/>
-              </a:rPr>
-              <a:t>开头 ； 异常类命名使用 </a:t>
-            </a:r>
-            <a:r>
-              <a:rPr lang="en-US" altLang="zh-CN" sz="1400" dirty="0">
-                <a:solidFill>
-                  <a:schemeClr val="bg1">
-                    <a:lumMod val="65000"/>
-                  </a:schemeClr>
-                </a:solidFill>
-                <a:latin typeface="PingFang SC"/>
-              </a:rPr>
-              <a:t>Exception </a:t>
-            </a:r>
-            <a:r>
-              <a:rPr lang="zh-CN" altLang="en-US" sz="1400" dirty="0">
-                <a:solidFill>
-                  <a:schemeClr val="bg1">
-                    <a:lumMod val="65000"/>
-                  </a:schemeClr>
-                </a:solidFill>
-                <a:latin typeface="PingFang SC"/>
-              </a:rPr>
-              <a:t>结尾 ； 测试类命名以它要测试的类的名称开始，以 </a:t>
-            </a:r>
-            <a:r>
-              <a:rPr lang="en-US" altLang="zh-CN" sz="1400" dirty="0">
-                <a:solidFill>
-                  <a:schemeClr val="bg1">
-                    <a:lumMod val="65000"/>
-                  </a:schemeClr>
-                </a:solidFill>
-                <a:latin typeface="PingFang SC"/>
-              </a:rPr>
-              <a:t>Test </a:t>
-            </a:r>
-            <a:r>
-              <a:rPr lang="zh-CN" altLang="en-US" sz="1400" dirty="0">
-                <a:solidFill>
-                  <a:schemeClr val="bg1">
-                    <a:lumMod val="65000"/>
-                  </a:schemeClr>
-                </a:solidFill>
-                <a:latin typeface="PingFang SC"/>
-              </a:rPr>
-              <a:t>结尾。</a:t>
-            </a:r>
-          </a:p>
-          <a:p>
-            <a:pPr>
-              <a:lnSpc>
-                <a:spcPct val="200000"/>
-              </a:lnSpc>
-            </a:pPr>
-            <a:r>
-              <a:rPr lang="en-US" altLang="zh-CN" sz="1400" dirty="0">
-                <a:solidFill>
-                  <a:schemeClr val="bg1">
-                    <a:lumMod val="65000"/>
-                  </a:schemeClr>
-                </a:solidFill>
-                <a:latin typeface="PingFang SC"/>
-              </a:rPr>
-              <a:t>【</a:t>
-            </a:r>
-            <a:r>
-              <a:rPr lang="zh-CN" altLang="en-US" sz="1400" dirty="0">
-                <a:solidFill>
-                  <a:schemeClr val="bg1">
-                    <a:lumMod val="65000"/>
-                  </a:schemeClr>
-                </a:solidFill>
-                <a:latin typeface="PingFang SC"/>
-              </a:rPr>
-              <a:t>规范</a:t>
-            </a:r>
-            <a:r>
-              <a:rPr lang="en-US" altLang="zh-CN" sz="1400" dirty="0">
-                <a:solidFill>
-                  <a:schemeClr val="bg1">
-                    <a:lumMod val="65000"/>
-                  </a:schemeClr>
-                </a:solidFill>
-                <a:latin typeface="PingFang SC"/>
-              </a:rPr>
-              <a:t>】</a:t>
-            </a:r>
-            <a:r>
-              <a:rPr lang="zh-CN" altLang="en-US" sz="1400" dirty="0">
-                <a:solidFill>
-                  <a:schemeClr val="bg1">
-                    <a:lumMod val="65000"/>
-                  </a:schemeClr>
-                </a:solidFill>
-                <a:latin typeface="PingFang SC"/>
-              </a:rPr>
-              <a:t>不允许任何魔法值（ 即未经定义的常量 ） 直接出现在代码中。</a:t>
-            </a:r>
-          </a:p>
-          <a:p>
-            <a:pPr>
-              <a:lnSpc>
-                <a:spcPct val="200000"/>
-              </a:lnSpc>
-            </a:pPr>
-            <a:r>
-              <a:rPr lang="en-US" altLang="zh-CN" sz="1400" dirty="0">
-                <a:solidFill>
-                  <a:schemeClr val="bg1">
-                    <a:lumMod val="65000"/>
-                  </a:schemeClr>
-                </a:solidFill>
-                <a:latin typeface="PingFang SC"/>
-              </a:rPr>
-              <a:t>【</a:t>
-            </a:r>
-            <a:r>
-              <a:rPr lang="zh-CN" altLang="en-US" sz="1400" dirty="0">
-                <a:solidFill>
-                  <a:schemeClr val="bg1">
-                    <a:lumMod val="65000"/>
-                  </a:schemeClr>
-                </a:solidFill>
-                <a:latin typeface="PingFang SC"/>
-              </a:rPr>
-              <a:t>规范</a:t>
-            </a:r>
-            <a:r>
-              <a:rPr lang="en-US" altLang="zh-CN" sz="1400" dirty="0">
-                <a:solidFill>
-                  <a:schemeClr val="bg1">
-                    <a:lumMod val="65000"/>
-                  </a:schemeClr>
-                </a:solidFill>
-                <a:latin typeface="PingFang SC"/>
-              </a:rPr>
-              <a:t>】</a:t>
-            </a:r>
-            <a:r>
-              <a:rPr lang="zh-CN" altLang="en-US" sz="1400" dirty="0">
-                <a:solidFill>
-                  <a:schemeClr val="bg1">
-                    <a:lumMod val="65000"/>
-                  </a:schemeClr>
-                </a:solidFill>
-                <a:latin typeface="PingFang SC"/>
-              </a:rPr>
-              <a:t>各层命名规约：</a:t>
-            </a:r>
-          </a:p>
-          <a:p>
-            <a:pPr>
-              <a:lnSpc>
-                <a:spcPct val="200000"/>
-              </a:lnSpc>
-            </a:pPr>
-            <a:r>
-              <a:rPr lang="zh-CN" altLang="en-US" sz="1400" dirty="0">
-                <a:solidFill>
-                  <a:schemeClr val="bg1">
-                    <a:lumMod val="65000"/>
-                  </a:schemeClr>
-                </a:solidFill>
-                <a:latin typeface="PingFang SC"/>
-              </a:rPr>
-              <a:t> </a:t>
-            </a:r>
-            <a:r>
-              <a:rPr lang="en-US" altLang="zh-CN" sz="1400" dirty="0">
-                <a:solidFill>
-                  <a:schemeClr val="bg1">
-                    <a:lumMod val="65000"/>
-                  </a:schemeClr>
-                </a:solidFill>
-                <a:latin typeface="PingFang SC"/>
-              </a:rPr>
-              <a:t>Service / DAO </a:t>
-            </a:r>
-            <a:r>
-              <a:rPr lang="zh-CN" altLang="en-US" sz="1400" dirty="0">
-                <a:solidFill>
-                  <a:schemeClr val="bg1">
-                    <a:lumMod val="65000"/>
-                  </a:schemeClr>
-                </a:solidFill>
-                <a:latin typeface="PingFang SC"/>
-              </a:rPr>
-              <a:t>层方法命名规约</a:t>
-            </a:r>
-          </a:p>
-          <a:p>
-            <a:pPr>
-              <a:lnSpc>
-                <a:spcPct val="200000"/>
-              </a:lnSpc>
-            </a:pPr>
-            <a:r>
-              <a:rPr lang="en-US" altLang="zh-CN" sz="1400" dirty="0">
-                <a:solidFill>
-                  <a:schemeClr val="bg1">
-                    <a:lumMod val="65000"/>
-                  </a:schemeClr>
-                </a:solidFill>
-                <a:latin typeface="PingFang SC"/>
-              </a:rPr>
-              <a:t>1 </a:t>
-            </a:r>
-            <a:r>
-              <a:rPr lang="zh-CN" altLang="en-US" sz="1400" dirty="0">
-                <a:solidFill>
-                  <a:schemeClr val="bg1">
-                    <a:lumMod val="65000"/>
-                  </a:schemeClr>
-                </a:solidFill>
-                <a:latin typeface="PingFang SC"/>
-              </a:rPr>
-              <a:t>） 获取单个对象的方法用 </a:t>
-            </a:r>
-            <a:r>
-              <a:rPr lang="en-US" altLang="zh-CN" sz="1400" dirty="0">
-                <a:solidFill>
-                  <a:schemeClr val="bg1">
-                    <a:lumMod val="65000"/>
-                  </a:schemeClr>
-                </a:solidFill>
-                <a:latin typeface="PingFang SC"/>
-              </a:rPr>
-              <a:t>get </a:t>
-            </a:r>
-            <a:r>
-              <a:rPr lang="zh-CN" altLang="en-US" sz="1400" dirty="0">
-                <a:solidFill>
-                  <a:schemeClr val="bg1">
-                    <a:lumMod val="65000"/>
-                  </a:schemeClr>
-                </a:solidFill>
-                <a:latin typeface="PingFang SC"/>
-              </a:rPr>
-              <a:t>做前缀。</a:t>
-            </a:r>
-          </a:p>
-          <a:p>
-            <a:pPr>
-              <a:lnSpc>
-                <a:spcPct val="200000"/>
-              </a:lnSpc>
-            </a:pPr>
-            <a:r>
-              <a:rPr lang="en-US" altLang="zh-CN" sz="1400" dirty="0">
-                <a:solidFill>
-                  <a:schemeClr val="bg1">
-                    <a:lumMod val="65000"/>
-                  </a:schemeClr>
-                </a:solidFill>
-                <a:latin typeface="PingFang SC"/>
-              </a:rPr>
-              <a:t>2 </a:t>
-            </a:r>
-            <a:r>
-              <a:rPr lang="zh-CN" altLang="en-US" sz="1400" dirty="0">
-                <a:solidFill>
-                  <a:schemeClr val="bg1">
-                    <a:lumMod val="65000"/>
-                  </a:schemeClr>
-                </a:solidFill>
-                <a:latin typeface="PingFang SC"/>
-              </a:rPr>
-              <a:t>） 获取多个对象的方法用 </a:t>
-            </a:r>
-            <a:r>
-              <a:rPr lang="en-US" altLang="zh-CN" sz="1400" dirty="0">
-                <a:solidFill>
-                  <a:schemeClr val="bg1">
-                    <a:lumMod val="65000"/>
-                  </a:schemeClr>
-                </a:solidFill>
-                <a:latin typeface="PingFang SC"/>
-              </a:rPr>
-              <a:t>list </a:t>
-            </a:r>
-            <a:r>
-              <a:rPr lang="zh-CN" altLang="en-US" sz="1400" dirty="0">
-                <a:solidFill>
-                  <a:schemeClr val="bg1">
-                    <a:lumMod val="65000"/>
-                  </a:schemeClr>
-                </a:solidFill>
-                <a:latin typeface="PingFang SC"/>
-              </a:rPr>
-              <a:t>做前缀（习惯：</a:t>
-            </a:r>
-            <a:r>
-              <a:rPr lang="en-US" altLang="zh-CN" sz="1400" dirty="0" err="1">
-                <a:solidFill>
-                  <a:schemeClr val="bg1">
-                    <a:lumMod val="65000"/>
-                  </a:schemeClr>
-                </a:solidFill>
-                <a:latin typeface="PingFang SC"/>
-              </a:rPr>
-              <a:t>getXXXList</a:t>
-            </a:r>
-            <a:r>
-              <a:rPr lang="zh-CN" altLang="en-US" sz="1400" dirty="0">
-                <a:solidFill>
-                  <a:schemeClr val="bg1">
-                    <a:lumMod val="65000"/>
-                  </a:schemeClr>
-                </a:solidFill>
-                <a:latin typeface="PingFang SC"/>
-              </a:rPr>
-              <a:t>）。</a:t>
-            </a:r>
-          </a:p>
-          <a:p>
-            <a:pPr>
-              <a:lnSpc>
-                <a:spcPct val="200000"/>
-              </a:lnSpc>
-            </a:pPr>
-            <a:r>
-              <a:rPr lang="en-US" altLang="zh-CN" sz="1400" dirty="0">
-                <a:solidFill>
-                  <a:schemeClr val="bg1">
-                    <a:lumMod val="65000"/>
-                  </a:schemeClr>
-                </a:solidFill>
-                <a:latin typeface="PingFang SC"/>
-              </a:rPr>
-              <a:t>3 </a:t>
-            </a:r>
-            <a:r>
-              <a:rPr lang="zh-CN" altLang="en-US" sz="1400" dirty="0">
-                <a:solidFill>
-                  <a:schemeClr val="bg1">
-                    <a:lumMod val="65000"/>
-                  </a:schemeClr>
-                </a:solidFill>
-                <a:latin typeface="PingFang SC"/>
-              </a:rPr>
-              <a:t>） 获取统计值的方法用 </a:t>
-            </a:r>
-            <a:r>
-              <a:rPr lang="en-US" altLang="zh-CN" sz="1400" dirty="0">
-                <a:solidFill>
-                  <a:schemeClr val="bg1">
-                    <a:lumMod val="65000"/>
-                  </a:schemeClr>
-                </a:solidFill>
-                <a:latin typeface="PingFang SC"/>
-              </a:rPr>
-              <a:t>count </a:t>
-            </a:r>
-            <a:r>
-              <a:rPr lang="zh-CN" altLang="en-US" sz="1400" dirty="0">
-                <a:solidFill>
-                  <a:schemeClr val="bg1">
-                    <a:lumMod val="65000"/>
-                  </a:schemeClr>
-                </a:solidFill>
-                <a:latin typeface="PingFang SC"/>
-              </a:rPr>
-              <a:t>做前缀。</a:t>
-            </a:r>
-          </a:p>
-          <a:p>
-            <a:pPr>
-              <a:lnSpc>
-                <a:spcPct val="200000"/>
-              </a:lnSpc>
-            </a:pPr>
-            <a:r>
-              <a:rPr lang="en-US" altLang="zh-CN" sz="1400" dirty="0">
-                <a:solidFill>
-                  <a:schemeClr val="bg1">
-                    <a:lumMod val="65000"/>
-                  </a:schemeClr>
-                </a:solidFill>
-                <a:latin typeface="PingFang SC"/>
-              </a:rPr>
-              <a:t>4 </a:t>
-            </a:r>
-            <a:r>
-              <a:rPr lang="zh-CN" altLang="en-US" sz="1400" dirty="0">
-                <a:solidFill>
-                  <a:schemeClr val="bg1">
-                    <a:lumMod val="65000"/>
-                  </a:schemeClr>
-                </a:solidFill>
-                <a:latin typeface="PingFang SC"/>
-              </a:rPr>
-              <a:t>） 插入的方法用 </a:t>
-            </a:r>
-            <a:r>
-              <a:rPr lang="en-US" altLang="zh-CN" sz="1400" dirty="0">
-                <a:solidFill>
-                  <a:schemeClr val="bg1">
-                    <a:lumMod val="65000"/>
-                  </a:schemeClr>
-                </a:solidFill>
-                <a:latin typeface="PingFang SC"/>
-              </a:rPr>
-              <a:t>save</a:t>
-            </a:r>
-            <a:r>
-              <a:rPr lang="zh-CN" altLang="en-US" sz="1400" dirty="0">
-                <a:solidFill>
-                  <a:schemeClr val="bg1">
-                    <a:lumMod val="65000"/>
-                  </a:schemeClr>
-                </a:solidFill>
-                <a:latin typeface="PingFang SC"/>
-              </a:rPr>
-              <a:t>（ 推荐 ） 或 </a:t>
-            </a:r>
-            <a:r>
-              <a:rPr lang="en-US" altLang="zh-CN" sz="1400" dirty="0">
-                <a:solidFill>
-                  <a:schemeClr val="bg1">
-                    <a:lumMod val="65000"/>
-                  </a:schemeClr>
-                </a:solidFill>
-                <a:latin typeface="PingFang SC"/>
-              </a:rPr>
-              <a:t>insert </a:t>
-            </a:r>
-            <a:r>
-              <a:rPr lang="zh-CN" altLang="en-US" sz="1400" dirty="0">
-                <a:solidFill>
-                  <a:schemeClr val="bg1">
-                    <a:lumMod val="65000"/>
-                  </a:schemeClr>
-                </a:solidFill>
-                <a:latin typeface="PingFang SC"/>
-              </a:rPr>
-              <a:t>做前缀。</a:t>
-            </a:r>
-          </a:p>
-          <a:p>
-            <a:pPr>
-              <a:lnSpc>
-                <a:spcPct val="200000"/>
-              </a:lnSpc>
-            </a:pPr>
-            <a:r>
-              <a:rPr lang="en-US" altLang="zh-CN" sz="1400" dirty="0">
-                <a:solidFill>
-                  <a:schemeClr val="bg1">
-                    <a:lumMod val="65000"/>
-                  </a:schemeClr>
-                </a:solidFill>
-                <a:latin typeface="PingFang SC"/>
-              </a:rPr>
-              <a:t>5 </a:t>
-            </a:r>
-            <a:r>
-              <a:rPr lang="zh-CN" altLang="en-US" sz="1400" dirty="0">
-                <a:solidFill>
-                  <a:schemeClr val="bg1">
-                    <a:lumMod val="65000"/>
-                  </a:schemeClr>
-                </a:solidFill>
-                <a:latin typeface="PingFang SC"/>
-              </a:rPr>
-              <a:t>） 删除的方法用 </a:t>
-            </a:r>
-            <a:r>
-              <a:rPr lang="en-US" altLang="zh-CN" sz="1400" dirty="0">
-                <a:solidFill>
-                  <a:schemeClr val="bg1">
-                    <a:lumMod val="65000"/>
-                  </a:schemeClr>
-                </a:solidFill>
-                <a:latin typeface="PingFang SC"/>
-              </a:rPr>
-              <a:t>remove</a:t>
-            </a:r>
-            <a:r>
-              <a:rPr lang="zh-CN" altLang="en-US" sz="1400" dirty="0">
-                <a:solidFill>
-                  <a:schemeClr val="bg1">
-                    <a:lumMod val="65000"/>
-                  </a:schemeClr>
-                </a:solidFill>
-                <a:latin typeface="PingFang SC"/>
-              </a:rPr>
-              <a:t>（ 推荐 ） 或 </a:t>
-            </a:r>
-            <a:r>
-              <a:rPr lang="en-US" altLang="zh-CN" sz="1400" dirty="0">
-                <a:solidFill>
-                  <a:schemeClr val="bg1">
-                    <a:lumMod val="65000"/>
-                  </a:schemeClr>
-                </a:solidFill>
-                <a:latin typeface="PingFang SC"/>
-              </a:rPr>
-              <a:t>delete </a:t>
-            </a:r>
-            <a:r>
-              <a:rPr lang="zh-CN" altLang="en-US" sz="1400" dirty="0">
-                <a:solidFill>
-                  <a:schemeClr val="bg1">
-                    <a:lumMod val="65000"/>
-                  </a:schemeClr>
-                </a:solidFill>
-                <a:latin typeface="PingFang SC"/>
-              </a:rPr>
-              <a:t>做前缀。</a:t>
-            </a:r>
-          </a:p>
-          <a:p>
-            <a:pPr>
-              <a:lnSpc>
-                <a:spcPct val="200000"/>
-              </a:lnSpc>
-            </a:pPr>
-            <a:r>
-              <a:rPr lang="en-US" altLang="zh-CN" sz="1400" dirty="0">
-                <a:solidFill>
-                  <a:schemeClr val="bg1">
-                    <a:lumMod val="65000"/>
-                  </a:schemeClr>
-                </a:solidFill>
-                <a:latin typeface="PingFang SC"/>
-              </a:rPr>
-              <a:t>6 </a:t>
-            </a:r>
-            <a:r>
-              <a:rPr lang="zh-CN" altLang="en-US" sz="1400" dirty="0">
-                <a:solidFill>
-                  <a:schemeClr val="bg1">
-                    <a:lumMod val="65000"/>
-                  </a:schemeClr>
-                </a:solidFill>
-                <a:latin typeface="PingFang SC"/>
-              </a:rPr>
-              <a:t>） 修改的方法用 </a:t>
-            </a:r>
-            <a:r>
-              <a:rPr lang="en-US" altLang="zh-CN" sz="1400" dirty="0">
-                <a:solidFill>
-                  <a:schemeClr val="bg1">
-                    <a:lumMod val="65000"/>
-                  </a:schemeClr>
-                </a:solidFill>
-                <a:latin typeface="PingFang SC"/>
-              </a:rPr>
-              <a:t>update </a:t>
-            </a:r>
-            <a:r>
-              <a:rPr lang="zh-CN" altLang="en-US" sz="1400" dirty="0">
-                <a:solidFill>
-                  <a:schemeClr val="bg1">
-                    <a:lumMod val="65000"/>
-                  </a:schemeClr>
-                </a:solidFill>
-                <a:latin typeface="PingFang SC"/>
-              </a:rPr>
-              <a:t>做前缀</a:t>
-            </a:r>
-            <a:r>
-              <a:rPr lang="en-US" altLang="zh-CN" sz="1400" dirty="0">
-                <a:solidFill>
-                  <a:schemeClr val="bg1">
-                    <a:lumMod val="65000"/>
-                  </a:schemeClr>
-                </a:solidFill>
-                <a:latin typeface="PingFang SC"/>
-              </a:rPr>
-              <a:t>(</a:t>
-            </a:r>
-            <a:r>
-              <a:rPr lang="zh-CN" altLang="en-US" sz="1400" dirty="0">
-                <a:solidFill>
-                  <a:schemeClr val="bg1">
-                    <a:lumMod val="65000"/>
-                  </a:schemeClr>
-                </a:solidFill>
-                <a:latin typeface="PingFang SC"/>
-              </a:rPr>
-              <a:t>或</a:t>
-            </a:r>
-            <a:r>
-              <a:rPr lang="en-US" altLang="zh-CN" sz="1400" dirty="0">
-                <a:solidFill>
-                  <a:schemeClr val="bg1">
-                    <a:lumMod val="65000"/>
-                  </a:schemeClr>
-                </a:solidFill>
-                <a:latin typeface="PingFang SC"/>
-              </a:rPr>
-              <a:t>modify)</a:t>
-            </a:r>
-            <a:r>
-              <a:rPr lang="zh-CN" altLang="en-US" sz="1400" dirty="0">
-                <a:solidFill>
-                  <a:schemeClr val="bg1">
-                    <a:lumMod val="65000"/>
-                  </a:schemeClr>
-                </a:solidFill>
-                <a:latin typeface="PingFang SC"/>
-              </a:rPr>
-              <a:t>。</a:t>
-            </a:r>
-          </a:p>
-        </p:txBody>
-      </p:sp>
       <p:sp>
         <p:nvSpPr>
           <p:cNvPr id="15" name="矩形 14"/>
@@ -5163,10 +4189,40 @@
           </a:p>
         </p:txBody>
       </p:sp>
+      <p:pic>
+        <p:nvPicPr>
+          <p:cNvPr id="3" name="图片 2">
+            <a:extLst>
+              <a:ext uri="{FF2B5EF4-FFF2-40B4-BE49-F238E27FC236}">
+                <a16:creationId xmlns:a16="http://schemas.microsoft.com/office/drawing/2014/main" id="{A73B9CE3-74B0-42A1-B439-58A2AEE897B9}"/>
+              </a:ext>
+            </a:extLst>
+          </p:cNvPr>
+          <p:cNvPicPr>
+            <a:picLocks noChangeAspect="1"/>
+          </p:cNvPicPr>
+          <p:nvPr/>
+        </p:nvPicPr>
+        <p:blipFill>
+          <a:blip r:embed="rId2"/>
+          <a:stretch>
+            <a:fillRect/>
+          </a:stretch>
+        </p:blipFill>
+        <p:spPr>
+          <a:xfrm>
+            <a:off x="0" y="388620"/>
+            <a:ext cx="12192000" cy="6080760"/>
+          </a:xfrm>
+          <a:prstGeom prst="rect">
+            <a:avLst/>
+          </a:prstGeom>
+        </p:spPr>
+      </p:pic>
     </p:spTree>
     <p:extLst>
       <p:ext uri="{BB962C8B-B14F-4D97-AF65-F5344CB8AC3E}">
-        <p14:creationId xmlns:p14="http://schemas.microsoft.com/office/powerpoint/2010/main" val="3598160414"/>
+        <p14:creationId xmlns:p14="http://schemas.microsoft.com/office/powerpoint/2010/main" val="1257679721"/>
       </p:ext>
     </p:extLst>
   </p:cSld>
@@ -5198,647 +4254,6 @@
       </p:grpSpPr>
       <p:sp>
         <p:nvSpPr>
-          <p:cNvPr id="11" name="文本框 10"/>
-          <p:cNvSpPr txBox="1"/>
-          <p:nvPr/>
-        </p:nvSpPr>
-        <p:spPr>
-          <a:xfrm>
-            <a:off x="282342" y="2172083"/>
-            <a:ext cx="677108" cy="1733808"/>
-          </a:xfrm>
-          <a:prstGeom prst="rect">
-            <a:avLst/>
-          </a:prstGeom>
-          <a:noFill/>
-        </p:spPr>
-        <p:txBody>
-          <a:bodyPr vert="eaVert" wrap="none" rtlCol="0">
-            <a:spAutoFit/>
-          </a:bodyPr>
-          <a:lstStyle/>
-          <a:p>
-            <a:r>
-              <a:rPr lang="zh-CN" altLang="en-US" sz="3200" dirty="0">
-                <a:solidFill>
-                  <a:schemeClr val="tx1">
-                    <a:lumMod val="50000"/>
-                    <a:lumOff val="50000"/>
-                  </a:schemeClr>
-                </a:solidFill>
-                <a:latin typeface="幼圆" panose="02010509060101010101" pitchFamily="49" charset="-122"/>
-                <a:ea typeface="幼圆" panose="02010509060101010101" pitchFamily="49" charset="-122"/>
-              </a:rPr>
-              <a:t>注释规约</a:t>
-            </a:r>
-          </a:p>
-        </p:txBody>
-      </p:sp>
-      <p:cxnSp>
-        <p:nvCxnSpPr>
-          <p:cNvPr id="12" name="直接连接符 11"/>
-          <p:cNvCxnSpPr>
-            <a:cxnSpLocks/>
-          </p:cNvCxnSpPr>
-          <p:nvPr/>
-        </p:nvCxnSpPr>
-        <p:spPr>
-          <a:xfrm>
-            <a:off x="1621000" y="494522"/>
-            <a:ext cx="0" cy="5966910"/>
-          </a:xfrm>
-          <a:prstGeom prst="line">
-            <a:avLst/>
-          </a:prstGeom>
-          <a:ln w="12700">
-            <a:solidFill>
-              <a:srgbClr val="B3946B"/>
-            </a:solidFill>
-          </a:ln>
-        </p:spPr>
-        <p:style>
-          <a:lnRef idx="1">
-            <a:schemeClr val="accent1"/>
-          </a:lnRef>
-          <a:fillRef idx="0">
-            <a:schemeClr val="accent1"/>
-          </a:fillRef>
-          <a:effectRef idx="0">
-            <a:schemeClr val="accent1"/>
-          </a:effectRef>
-          <a:fontRef idx="minor">
-            <a:schemeClr val="tx1"/>
-          </a:fontRef>
-        </p:style>
-      </p:cxnSp>
-      <p:sp>
-        <p:nvSpPr>
-          <p:cNvPr id="14" name="矩形 13"/>
-          <p:cNvSpPr/>
-          <p:nvPr/>
-        </p:nvSpPr>
-        <p:spPr>
-          <a:xfrm>
-            <a:off x="2118581" y="708606"/>
-            <a:ext cx="8695597" cy="5440785"/>
-          </a:xfrm>
-          <a:prstGeom prst="rect">
-            <a:avLst/>
-          </a:prstGeom>
-        </p:spPr>
-        <p:txBody>
-          <a:bodyPr wrap="square">
-            <a:spAutoFit/>
-          </a:bodyPr>
-          <a:lstStyle/>
-          <a:p>
-            <a:pPr>
-              <a:lnSpc>
-                <a:spcPct val="200000"/>
-              </a:lnSpc>
-            </a:pPr>
-            <a:r>
-              <a:rPr lang="en-US" altLang="zh-CN" sz="1600" dirty="0">
-                <a:solidFill>
-                  <a:schemeClr val="bg1">
-                    <a:lumMod val="65000"/>
-                  </a:schemeClr>
-                </a:solidFill>
-                <a:latin typeface="PingFang SC"/>
-              </a:rPr>
-              <a:t>【</a:t>
-            </a:r>
-            <a:r>
-              <a:rPr lang="zh-CN" altLang="en-US" sz="1600" dirty="0">
-                <a:solidFill>
-                  <a:schemeClr val="bg1">
-                    <a:lumMod val="65000"/>
-                  </a:schemeClr>
-                </a:solidFill>
-                <a:latin typeface="PingFang SC"/>
-              </a:rPr>
-              <a:t>规范</a:t>
-            </a:r>
-            <a:r>
-              <a:rPr lang="en-US" altLang="zh-CN" sz="1600" dirty="0">
-                <a:solidFill>
-                  <a:schemeClr val="bg1">
-                    <a:lumMod val="65000"/>
-                  </a:schemeClr>
-                </a:solidFill>
-                <a:latin typeface="PingFang SC"/>
-              </a:rPr>
-              <a:t>】</a:t>
-            </a:r>
-            <a:r>
-              <a:rPr lang="zh-CN" altLang="en-US" sz="1600" dirty="0">
-                <a:solidFill>
-                  <a:schemeClr val="bg1">
-                    <a:lumMod val="65000"/>
-                  </a:schemeClr>
-                </a:solidFill>
-                <a:latin typeface="PingFang SC"/>
-              </a:rPr>
-              <a:t>类、类属性、类方法的注释必须使用 </a:t>
-            </a:r>
-            <a:r>
-              <a:rPr lang="en-US" altLang="zh-CN" sz="1600" dirty="0">
-                <a:solidFill>
-                  <a:schemeClr val="bg1">
-                    <a:lumMod val="65000"/>
-                  </a:schemeClr>
-                </a:solidFill>
-                <a:latin typeface="PingFang SC"/>
-              </a:rPr>
-              <a:t>Javadoc </a:t>
-            </a:r>
-            <a:r>
-              <a:rPr lang="zh-CN" altLang="en-US" sz="1600" dirty="0">
-                <a:solidFill>
-                  <a:schemeClr val="bg1">
-                    <a:lumMod val="65000"/>
-                  </a:schemeClr>
-                </a:solidFill>
-                <a:latin typeface="PingFang SC"/>
-              </a:rPr>
-              <a:t>规范，使用</a:t>
-            </a:r>
-            <a:r>
-              <a:rPr lang="en-US" altLang="zh-CN" sz="1600" dirty="0">
-                <a:solidFill>
-                  <a:schemeClr val="bg1">
-                    <a:lumMod val="65000"/>
-                  </a:schemeClr>
-                </a:solidFill>
-                <a:latin typeface="PingFang SC"/>
-              </a:rPr>
-              <a:t>/**</a:t>
-            </a:r>
-            <a:r>
-              <a:rPr lang="zh-CN" altLang="en-US" sz="1600" dirty="0">
-                <a:solidFill>
-                  <a:schemeClr val="bg1">
-                    <a:lumMod val="65000"/>
-                  </a:schemeClr>
-                </a:solidFill>
-                <a:latin typeface="PingFang SC"/>
-              </a:rPr>
-              <a:t>内容*</a:t>
-            </a:r>
-            <a:r>
-              <a:rPr lang="en-US" altLang="zh-CN" sz="1600" dirty="0">
-                <a:solidFill>
-                  <a:schemeClr val="bg1">
-                    <a:lumMod val="65000"/>
-                  </a:schemeClr>
-                </a:solidFill>
-                <a:latin typeface="PingFang SC"/>
-              </a:rPr>
-              <a:t>/</a:t>
-            </a:r>
-            <a:r>
-              <a:rPr lang="zh-CN" altLang="en-US" sz="1600" dirty="0">
-                <a:solidFill>
-                  <a:schemeClr val="bg1">
-                    <a:lumMod val="65000"/>
-                  </a:schemeClr>
-                </a:solidFill>
-                <a:latin typeface="PingFang SC"/>
-              </a:rPr>
-              <a:t>格式，不得使用 </a:t>
-            </a:r>
-            <a:r>
-              <a:rPr lang="en-US" altLang="zh-CN" sz="1600" dirty="0">
-                <a:solidFill>
-                  <a:schemeClr val="bg1">
-                    <a:lumMod val="65000"/>
-                  </a:schemeClr>
-                </a:solidFill>
-                <a:latin typeface="PingFang SC"/>
-              </a:rPr>
-              <a:t>//xxx </a:t>
-            </a:r>
-            <a:r>
-              <a:rPr lang="zh-CN" altLang="en-US" sz="1600" dirty="0">
-                <a:solidFill>
-                  <a:schemeClr val="bg1">
-                    <a:lumMod val="65000"/>
-                  </a:schemeClr>
-                </a:solidFill>
-                <a:latin typeface="PingFang SC"/>
-              </a:rPr>
-              <a:t>方式。</a:t>
-            </a:r>
-          </a:p>
-          <a:p>
-            <a:pPr>
-              <a:lnSpc>
-                <a:spcPct val="200000"/>
-              </a:lnSpc>
-            </a:pPr>
-            <a:r>
-              <a:rPr lang="en-US" altLang="zh-CN" sz="1600" dirty="0">
-                <a:solidFill>
-                  <a:schemeClr val="bg1">
-                    <a:lumMod val="65000"/>
-                  </a:schemeClr>
-                </a:solidFill>
-                <a:latin typeface="PingFang SC"/>
-              </a:rPr>
-              <a:t>【</a:t>
-            </a:r>
-            <a:r>
-              <a:rPr lang="zh-CN" altLang="en-US" sz="1600" dirty="0">
-                <a:solidFill>
-                  <a:schemeClr val="bg1">
-                    <a:lumMod val="65000"/>
-                  </a:schemeClr>
-                </a:solidFill>
-                <a:latin typeface="PingFang SC"/>
-              </a:rPr>
-              <a:t>规范</a:t>
-            </a:r>
-            <a:r>
-              <a:rPr lang="en-US" altLang="zh-CN" sz="1600" dirty="0">
-                <a:solidFill>
-                  <a:schemeClr val="bg1">
-                    <a:lumMod val="65000"/>
-                  </a:schemeClr>
-                </a:solidFill>
-                <a:latin typeface="PingFang SC"/>
-              </a:rPr>
-              <a:t>】</a:t>
-            </a:r>
-            <a:r>
-              <a:rPr lang="zh-CN" altLang="en-US" sz="1600" dirty="0">
-                <a:solidFill>
-                  <a:schemeClr val="bg1">
-                    <a:lumMod val="65000"/>
-                  </a:schemeClr>
-                </a:solidFill>
-                <a:latin typeface="PingFang SC"/>
-              </a:rPr>
-              <a:t>所有的抽象方法</a:t>
-            </a:r>
-            <a:r>
-              <a:rPr lang="en-US" altLang="zh-CN" sz="1600" dirty="0">
-                <a:solidFill>
-                  <a:schemeClr val="bg1">
-                    <a:lumMod val="65000"/>
-                  </a:schemeClr>
-                </a:solidFill>
-                <a:latin typeface="PingFang SC"/>
-              </a:rPr>
-              <a:t>(</a:t>
-            </a:r>
-            <a:r>
-              <a:rPr lang="zh-CN" altLang="en-US" sz="1600" dirty="0">
-                <a:solidFill>
-                  <a:schemeClr val="bg1">
-                    <a:lumMod val="65000"/>
-                  </a:schemeClr>
-                </a:solidFill>
-                <a:latin typeface="PingFang SC"/>
-              </a:rPr>
-              <a:t>包括接口中的方法</a:t>
-            </a:r>
-            <a:r>
-              <a:rPr lang="en-US" altLang="zh-CN" sz="1600" dirty="0">
-                <a:solidFill>
-                  <a:schemeClr val="bg1">
-                    <a:lumMod val="65000"/>
-                  </a:schemeClr>
-                </a:solidFill>
-                <a:latin typeface="PingFang SC"/>
-              </a:rPr>
-              <a:t>)</a:t>
-            </a:r>
-            <a:r>
-              <a:rPr lang="zh-CN" altLang="en-US" sz="1600" dirty="0">
-                <a:solidFill>
-                  <a:schemeClr val="bg1">
-                    <a:lumMod val="65000"/>
-                  </a:schemeClr>
-                </a:solidFill>
-                <a:latin typeface="PingFang SC"/>
-              </a:rPr>
-              <a:t>必须要用 </a:t>
-            </a:r>
-            <a:r>
-              <a:rPr lang="en-US" altLang="zh-CN" sz="1600" dirty="0">
-                <a:solidFill>
-                  <a:schemeClr val="bg1">
-                    <a:lumMod val="65000"/>
-                  </a:schemeClr>
-                </a:solidFill>
-                <a:latin typeface="PingFang SC"/>
-              </a:rPr>
-              <a:t>Javadoc </a:t>
-            </a:r>
-            <a:r>
-              <a:rPr lang="zh-CN" altLang="en-US" sz="1600" dirty="0">
-                <a:solidFill>
-                  <a:schemeClr val="bg1">
-                    <a:lumMod val="65000"/>
-                  </a:schemeClr>
-                </a:solidFill>
-                <a:latin typeface="PingFang SC"/>
-              </a:rPr>
-              <a:t>注释、除了返回值、参数、 异常说明外，还必须指出该方法做什么事情，实现什么功能。</a:t>
-            </a:r>
-          </a:p>
-          <a:p>
-            <a:pPr>
-              <a:lnSpc>
-                <a:spcPct val="200000"/>
-              </a:lnSpc>
-            </a:pPr>
-            <a:r>
-              <a:rPr lang="zh-CN" altLang="en-US" sz="1600" dirty="0">
-                <a:solidFill>
-                  <a:schemeClr val="bg1">
-                    <a:lumMod val="65000"/>
-                  </a:schemeClr>
-                </a:solidFill>
-                <a:latin typeface="PingFang SC"/>
-              </a:rPr>
-              <a:t>说明</a:t>
-            </a:r>
-            <a:r>
-              <a:rPr lang="en-US" altLang="zh-CN" sz="1600" dirty="0">
-                <a:solidFill>
-                  <a:schemeClr val="bg1">
-                    <a:lumMod val="65000"/>
-                  </a:schemeClr>
-                </a:solidFill>
-                <a:latin typeface="PingFang SC"/>
-              </a:rPr>
-              <a:t>:</a:t>
-            </a:r>
-            <a:r>
-              <a:rPr lang="zh-CN" altLang="en-US" sz="1600" dirty="0">
-                <a:solidFill>
-                  <a:schemeClr val="bg1">
-                    <a:lumMod val="65000"/>
-                  </a:schemeClr>
-                </a:solidFill>
-                <a:latin typeface="PingFang SC"/>
-              </a:rPr>
-              <a:t>对子类的实现要求，或者调用注意事项，请一并说明。</a:t>
-            </a:r>
-          </a:p>
-          <a:p>
-            <a:pPr>
-              <a:lnSpc>
-                <a:spcPct val="200000"/>
-              </a:lnSpc>
-            </a:pPr>
-            <a:r>
-              <a:rPr lang="en-US" altLang="zh-CN" sz="1600" dirty="0">
-                <a:solidFill>
-                  <a:schemeClr val="bg1">
-                    <a:lumMod val="65000"/>
-                  </a:schemeClr>
-                </a:solidFill>
-                <a:latin typeface="PingFang SC"/>
-              </a:rPr>
-              <a:t>【</a:t>
-            </a:r>
-            <a:r>
-              <a:rPr lang="zh-CN" altLang="en-US" sz="1600" dirty="0">
-                <a:solidFill>
-                  <a:schemeClr val="bg1">
-                    <a:lumMod val="65000"/>
-                  </a:schemeClr>
-                </a:solidFill>
-                <a:latin typeface="PingFang SC"/>
-              </a:rPr>
-              <a:t>风格</a:t>
-            </a:r>
-            <a:r>
-              <a:rPr lang="en-US" altLang="zh-CN" sz="1600" dirty="0">
-                <a:solidFill>
-                  <a:schemeClr val="bg1">
-                    <a:lumMod val="65000"/>
-                  </a:schemeClr>
-                </a:solidFill>
-                <a:latin typeface="PingFang SC"/>
-              </a:rPr>
-              <a:t>】</a:t>
-            </a:r>
-            <a:r>
-              <a:rPr lang="zh-CN" altLang="en-US" sz="1600" dirty="0">
-                <a:solidFill>
-                  <a:schemeClr val="bg1">
-                    <a:lumMod val="65000"/>
-                  </a:schemeClr>
-                </a:solidFill>
-                <a:latin typeface="PingFang SC"/>
-              </a:rPr>
-              <a:t>方法内部单行注释，在被注释语句上方另起一行，使用</a:t>
-            </a:r>
-            <a:r>
-              <a:rPr lang="en-US" altLang="zh-CN" sz="1600" dirty="0">
-                <a:solidFill>
-                  <a:schemeClr val="bg1">
-                    <a:lumMod val="65000"/>
-                  </a:schemeClr>
-                </a:solidFill>
-                <a:latin typeface="PingFang SC"/>
-              </a:rPr>
-              <a:t>//</a:t>
-            </a:r>
-            <a:r>
-              <a:rPr lang="zh-CN" altLang="en-US" sz="1600" dirty="0">
-                <a:solidFill>
-                  <a:schemeClr val="bg1">
-                    <a:lumMod val="65000"/>
-                  </a:schemeClr>
-                </a:solidFill>
-                <a:latin typeface="PingFang SC"/>
-              </a:rPr>
-              <a:t>注释。方法内部多行注释使用</a:t>
-            </a:r>
-            <a:r>
-              <a:rPr lang="en-US" altLang="zh-CN" sz="1600" dirty="0">
-                <a:solidFill>
-                  <a:schemeClr val="bg1">
-                    <a:lumMod val="65000"/>
-                  </a:schemeClr>
-                </a:solidFill>
-                <a:latin typeface="PingFang SC"/>
-              </a:rPr>
-              <a:t>/* */</a:t>
-            </a:r>
-            <a:r>
-              <a:rPr lang="zh-CN" altLang="en-US" sz="1600" dirty="0">
-                <a:solidFill>
-                  <a:schemeClr val="bg1">
-                    <a:lumMod val="65000"/>
-                  </a:schemeClr>
-                </a:solidFill>
-                <a:latin typeface="PingFang SC"/>
-              </a:rPr>
-              <a:t>注释，注意与代码对齐。</a:t>
-            </a:r>
-          </a:p>
-          <a:p>
-            <a:pPr>
-              <a:lnSpc>
-                <a:spcPct val="200000"/>
-              </a:lnSpc>
-            </a:pPr>
-            <a:r>
-              <a:rPr lang="en-US" altLang="zh-CN" sz="1600" dirty="0">
-                <a:solidFill>
-                  <a:schemeClr val="bg1">
-                    <a:lumMod val="65000"/>
-                  </a:schemeClr>
-                </a:solidFill>
-                <a:latin typeface="PingFang SC"/>
-              </a:rPr>
-              <a:t>【</a:t>
-            </a:r>
-            <a:r>
-              <a:rPr lang="zh-CN" altLang="en-US" sz="1600" dirty="0">
-                <a:solidFill>
-                  <a:schemeClr val="bg1">
-                    <a:lumMod val="65000"/>
-                  </a:schemeClr>
-                </a:solidFill>
-                <a:latin typeface="PingFang SC"/>
-              </a:rPr>
-              <a:t>规范</a:t>
-            </a:r>
-            <a:r>
-              <a:rPr lang="en-US" altLang="zh-CN" sz="1600" dirty="0">
-                <a:solidFill>
-                  <a:schemeClr val="bg1">
-                    <a:lumMod val="65000"/>
-                  </a:schemeClr>
-                </a:solidFill>
-                <a:latin typeface="PingFang SC"/>
-              </a:rPr>
-              <a:t>】</a:t>
-            </a:r>
-            <a:r>
-              <a:rPr lang="zh-CN" altLang="en-US" sz="1600" dirty="0">
-                <a:solidFill>
-                  <a:schemeClr val="bg1">
-                    <a:lumMod val="65000"/>
-                  </a:schemeClr>
-                </a:solidFill>
-                <a:latin typeface="PingFang SC"/>
-              </a:rPr>
-              <a:t>所有的枚举类型字段必须要有注释，说明每个数据项的用途。</a:t>
-            </a:r>
-          </a:p>
-          <a:p>
-            <a:pPr>
-              <a:lnSpc>
-                <a:spcPct val="200000"/>
-              </a:lnSpc>
-            </a:pPr>
-            <a:r>
-              <a:rPr lang="en-US" altLang="zh-CN" sz="1600" dirty="0">
-                <a:solidFill>
-                  <a:schemeClr val="bg1">
-                    <a:lumMod val="65000"/>
-                  </a:schemeClr>
-                </a:solidFill>
-                <a:latin typeface="PingFang SC"/>
-              </a:rPr>
-              <a:t>【</a:t>
-            </a:r>
-            <a:r>
-              <a:rPr lang="zh-CN" altLang="en-US" sz="1600" dirty="0">
-                <a:solidFill>
-                  <a:schemeClr val="bg1">
-                    <a:lumMod val="65000"/>
-                  </a:schemeClr>
-                </a:solidFill>
-                <a:latin typeface="PingFang SC"/>
-              </a:rPr>
-              <a:t>规范</a:t>
-            </a:r>
-            <a:r>
-              <a:rPr lang="en-US" altLang="zh-CN" sz="1600" dirty="0">
-                <a:solidFill>
-                  <a:schemeClr val="bg1">
-                    <a:lumMod val="65000"/>
-                  </a:schemeClr>
-                </a:solidFill>
-                <a:latin typeface="PingFang SC"/>
-              </a:rPr>
-              <a:t>】</a:t>
-            </a:r>
-            <a:r>
-              <a:rPr lang="zh-CN" altLang="en-US" sz="1600" dirty="0">
-                <a:solidFill>
-                  <a:schemeClr val="bg1">
-                    <a:lumMod val="65000"/>
-                  </a:schemeClr>
-                </a:solidFill>
-                <a:latin typeface="PingFang SC"/>
-              </a:rPr>
-              <a:t>代码修改的同时，注释也要进行相应的修改，尤其是参数、返回值、异常、核心逻辑 等的修改。</a:t>
-            </a:r>
-          </a:p>
-          <a:p>
-            <a:pPr>
-              <a:lnSpc>
-                <a:spcPct val="200000"/>
-              </a:lnSpc>
-            </a:pPr>
-            <a:r>
-              <a:rPr lang="en-US" altLang="zh-CN" sz="1600" dirty="0">
-                <a:solidFill>
-                  <a:schemeClr val="bg1">
-                    <a:lumMod val="65000"/>
-                  </a:schemeClr>
-                </a:solidFill>
-                <a:latin typeface="PingFang SC"/>
-              </a:rPr>
-              <a:t>【</a:t>
-            </a:r>
-            <a:r>
-              <a:rPr lang="zh-CN" altLang="en-US" sz="1600" dirty="0">
-                <a:solidFill>
-                  <a:schemeClr val="bg1">
-                    <a:lumMod val="65000"/>
-                  </a:schemeClr>
-                </a:solidFill>
-                <a:latin typeface="PingFang SC"/>
-              </a:rPr>
-              <a:t>规范</a:t>
-            </a:r>
-            <a:r>
-              <a:rPr lang="en-US" altLang="zh-CN" sz="1600" dirty="0">
-                <a:solidFill>
-                  <a:schemeClr val="bg1">
-                    <a:lumMod val="65000"/>
-                  </a:schemeClr>
-                </a:solidFill>
-                <a:latin typeface="PingFang SC"/>
-              </a:rPr>
-              <a:t>】</a:t>
-            </a:r>
-            <a:r>
-              <a:rPr lang="zh-CN" altLang="en-US" sz="1600" dirty="0">
-                <a:solidFill>
-                  <a:schemeClr val="bg1">
-                    <a:lumMod val="65000"/>
-                  </a:schemeClr>
-                </a:solidFill>
-                <a:latin typeface="PingFang SC"/>
-              </a:rPr>
-              <a:t>注释掉的代码尽量要配合说明，而不是简单的注释掉。</a:t>
-            </a:r>
-          </a:p>
-        </p:txBody>
-      </p:sp>
-      <p:sp>
-        <p:nvSpPr>
           <p:cNvPr id="15" name="矩形 14"/>
           <p:cNvSpPr/>
           <p:nvPr/>
@@ -5883,10 +4298,40 @@
           </a:p>
         </p:txBody>
       </p:sp>
+      <p:pic>
+        <p:nvPicPr>
+          <p:cNvPr id="4" name="图片 3">
+            <a:extLst>
+              <a:ext uri="{FF2B5EF4-FFF2-40B4-BE49-F238E27FC236}">
+                <a16:creationId xmlns:a16="http://schemas.microsoft.com/office/drawing/2014/main" id="{78EB287F-8F3A-4394-A5D0-5A9EBAEF1654}"/>
+              </a:ext>
+            </a:extLst>
+          </p:cNvPr>
+          <p:cNvPicPr>
+            <a:picLocks noChangeAspect="1"/>
+          </p:cNvPicPr>
+          <p:nvPr/>
+        </p:nvPicPr>
+        <p:blipFill>
+          <a:blip r:embed="rId2"/>
+          <a:stretch>
+            <a:fillRect/>
+          </a:stretch>
+        </p:blipFill>
+        <p:spPr>
+          <a:xfrm>
+            <a:off x="0" y="415028"/>
+            <a:ext cx="12116850" cy="6027942"/>
+          </a:xfrm>
+          <a:prstGeom prst="rect">
+            <a:avLst/>
+          </a:prstGeom>
+        </p:spPr>
+      </p:pic>
     </p:spTree>
     <p:extLst>
       <p:ext uri="{BB962C8B-B14F-4D97-AF65-F5344CB8AC3E}">
-        <p14:creationId xmlns:p14="http://schemas.microsoft.com/office/powerpoint/2010/main" val="3575974752"/>
+        <p14:creationId xmlns:p14="http://schemas.microsoft.com/office/powerpoint/2010/main" val="3691790612"/>
       </p:ext>
     </p:extLst>
   </p:cSld>
@@ -5918,187 +4363,6 @@
       </p:grpSpPr>
       <p:sp>
         <p:nvSpPr>
-          <p:cNvPr id="11" name="文本框 10"/>
-          <p:cNvSpPr txBox="1"/>
-          <p:nvPr/>
-        </p:nvSpPr>
-        <p:spPr>
-          <a:xfrm>
-            <a:off x="282342" y="2172083"/>
-            <a:ext cx="677108" cy="2964914"/>
-          </a:xfrm>
-          <a:prstGeom prst="rect">
-            <a:avLst/>
-          </a:prstGeom>
-          <a:noFill/>
-        </p:spPr>
-        <p:txBody>
-          <a:bodyPr vert="eaVert" wrap="none" rtlCol="0">
-            <a:spAutoFit/>
-          </a:bodyPr>
-          <a:lstStyle/>
-          <a:p>
-            <a:r>
-              <a:rPr lang="zh-CN" altLang="en-US" sz="3200" dirty="0">
-                <a:solidFill>
-                  <a:schemeClr val="tx1">
-                    <a:lumMod val="50000"/>
-                    <a:lumOff val="50000"/>
-                  </a:schemeClr>
-                </a:solidFill>
-                <a:latin typeface="幼圆" panose="02010509060101010101" pitchFamily="49" charset="-122"/>
-                <a:ea typeface="幼圆" panose="02010509060101010101" pitchFamily="49" charset="-122"/>
-              </a:rPr>
-              <a:t>程序的视觉组织</a:t>
-            </a:r>
-          </a:p>
-        </p:txBody>
-      </p:sp>
-      <p:cxnSp>
-        <p:nvCxnSpPr>
-          <p:cNvPr id="12" name="直接连接符 11"/>
-          <p:cNvCxnSpPr>
-            <a:cxnSpLocks/>
-          </p:cNvCxnSpPr>
-          <p:nvPr/>
-        </p:nvCxnSpPr>
-        <p:spPr>
-          <a:xfrm>
-            <a:off x="1621000" y="494522"/>
-            <a:ext cx="0" cy="5966910"/>
-          </a:xfrm>
-          <a:prstGeom prst="line">
-            <a:avLst/>
-          </a:prstGeom>
-          <a:ln w="12700">
-            <a:solidFill>
-              <a:srgbClr val="B3946B"/>
-            </a:solidFill>
-          </a:ln>
-        </p:spPr>
-        <p:style>
-          <a:lnRef idx="1">
-            <a:schemeClr val="accent1"/>
-          </a:lnRef>
-          <a:fillRef idx="0">
-            <a:schemeClr val="accent1"/>
-          </a:fillRef>
-          <a:effectRef idx="0">
-            <a:schemeClr val="accent1"/>
-          </a:effectRef>
-          <a:fontRef idx="minor">
-            <a:schemeClr val="tx1"/>
-          </a:fontRef>
-        </p:style>
-      </p:cxnSp>
-      <p:sp>
-        <p:nvSpPr>
-          <p:cNvPr id="14" name="矩形 13"/>
-          <p:cNvSpPr/>
-          <p:nvPr/>
-        </p:nvSpPr>
-        <p:spPr>
-          <a:xfrm>
-            <a:off x="2071928" y="2556067"/>
-            <a:ext cx="8695597" cy="1237903"/>
-          </a:xfrm>
-          <a:prstGeom prst="rect">
-            <a:avLst/>
-          </a:prstGeom>
-        </p:spPr>
-        <p:txBody>
-          <a:bodyPr wrap="square">
-            <a:spAutoFit/>
-          </a:bodyPr>
-          <a:lstStyle/>
-          <a:p>
-            <a:pPr>
-              <a:lnSpc>
-                <a:spcPct val="200000"/>
-              </a:lnSpc>
-            </a:pPr>
-            <a:r>
-              <a:rPr lang="zh-CN" altLang="en-US" sz="2000" dirty="0">
-                <a:solidFill>
-                  <a:schemeClr val="bg1">
-                    <a:lumMod val="65000"/>
-                  </a:schemeClr>
-                </a:solidFill>
-                <a:latin typeface="PingFang SC"/>
-              </a:rPr>
-              <a:t>	</a:t>
-            </a:r>
-            <a:r>
-              <a:rPr lang="en-US" altLang="zh-CN" sz="2000" dirty="0">
-                <a:solidFill>
-                  <a:schemeClr val="bg1">
-                    <a:lumMod val="65000"/>
-                  </a:schemeClr>
-                </a:solidFill>
-                <a:latin typeface="PingFang SC"/>
-              </a:rPr>
-              <a:t>【</a:t>
-            </a:r>
-            <a:r>
-              <a:rPr lang="zh-CN" altLang="en-US" sz="2000" dirty="0">
-                <a:solidFill>
-                  <a:schemeClr val="bg1">
-                    <a:lumMod val="65000"/>
-                  </a:schemeClr>
-                </a:solidFill>
-                <a:latin typeface="PingFang SC"/>
-              </a:rPr>
-              <a:t>规范</a:t>
-            </a:r>
-            <a:r>
-              <a:rPr lang="en-US" altLang="zh-CN" sz="2000" dirty="0">
-                <a:solidFill>
-                  <a:schemeClr val="bg1">
-                    <a:lumMod val="65000"/>
-                  </a:schemeClr>
-                </a:solidFill>
-                <a:latin typeface="PingFang SC"/>
-              </a:rPr>
-              <a:t>】</a:t>
-            </a:r>
-            <a:r>
-              <a:rPr lang="zh-CN" altLang="en-US" sz="2000" dirty="0">
-                <a:solidFill>
-                  <a:schemeClr val="bg1">
-                    <a:lumMod val="65000"/>
-                  </a:schemeClr>
-                </a:solidFill>
-                <a:latin typeface="PingFang SC"/>
-              </a:rPr>
-              <a:t>缩进只使用</a:t>
-            </a:r>
-            <a:r>
-              <a:rPr lang="en-US" altLang="zh-CN" sz="2000" dirty="0">
-                <a:solidFill>
-                  <a:schemeClr val="bg1">
-                    <a:lumMod val="65000"/>
-                  </a:schemeClr>
-                </a:solidFill>
-                <a:latin typeface="PingFang SC"/>
-              </a:rPr>
-              <a:t>TAB</a:t>
-            </a:r>
-            <a:r>
-              <a:rPr lang="zh-CN" altLang="en-US" sz="2000" dirty="0">
-                <a:solidFill>
-                  <a:schemeClr val="bg1">
-                    <a:lumMod val="65000"/>
-                  </a:schemeClr>
-                </a:solidFill>
-                <a:latin typeface="PingFang SC"/>
-              </a:rPr>
-              <a:t>键，不能使用空格键；方法体的开始、类的定义数据说明代码都要采用缩进方式</a:t>
-            </a:r>
-          </a:p>
-        </p:txBody>
-      </p:sp>
-      <p:sp>
-        <p:nvSpPr>
           <p:cNvPr id="15" name="矩形 14"/>
           <p:cNvSpPr/>
           <p:nvPr/>
@@ -6143,10 +4407,40 @@
           </a:p>
         </p:txBody>
       </p:sp>
+      <p:pic>
+        <p:nvPicPr>
+          <p:cNvPr id="4" name="图片 3">
+            <a:extLst>
+              <a:ext uri="{FF2B5EF4-FFF2-40B4-BE49-F238E27FC236}">
+                <a16:creationId xmlns:a16="http://schemas.microsoft.com/office/drawing/2014/main" id="{A0991866-79F4-463C-A79A-2B7A8D551A8C}"/>
+              </a:ext>
+            </a:extLst>
+          </p:cNvPr>
+          <p:cNvPicPr>
+            <a:picLocks noChangeAspect="1"/>
+          </p:cNvPicPr>
+          <p:nvPr/>
+        </p:nvPicPr>
+        <p:blipFill>
+          <a:blip r:embed="rId2"/>
+          <a:stretch>
+            <a:fillRect/>
+          </a:stretch>
+        </p:blipFill>
+        <p:spPr>
+          <a:xfrm>
+            <a:off x="-1" y="504524"/>
+            <a:ext cx="11987299" cy="6035563"/>
+          </a:xfrm>
+          <a:prstGeom prst="rect">
+            <a:avLst/>
+          </a:prstGeom>
+        </p:spPr>
+      </p:pic>
     </p:spTree>
     <p:extLst>
       <p:ext uri="{BB962C8B-B14F-4D97-AF65-F5344CB8AC3E}">
-        <p14:creationId xmlns:p14="http://schemas.microsoft.com/office/powerpoint/2010/main" val="2953124773"/>
+        <p14:creationId xmlns:p14="http://schemas.microsoft.com/office/powerpoint/2010/main" val="1128853906"/>
       </p:ext>
     </p:extLst>
   </p:cSld>
@@ -6178,154 +4472,6 @@
       </p:grpSpPr>
       <p:sp>
         <p:nvSpPr>
-          <p:cNvPr id="11" name="文本框 10"/>
-          <p:cNvSpPr txBox="1"/>
-          <p:nvPr/>
-        </p:nvSpPr>
-        <p:spPr>
-          <a:xfrm>
-            <a:off x="223735" y="1415905"/>
-            <a:ext cx="677108" cy="2657138"/>
-          </a:xfrm>
-          <a:prstGeom prst="rect">
-            <a:avLst/>
-          </a:prstGeom>
-          <a:noFill/>
-        </p:spPr>
-        <p:txBody>
-          <a:bodyPr vert="eaVert" wrap="none" rtlCol="0">
-            <a:spAutoFit/>
-          </a:bodyPr>
-          <a:lstStyle/>
-          <a:p>
-            <a:r>
-              <a:rPr lang="zh-CN" altLang="en-US" sz="3200" dirty="0">
-                <a:solidFill>
-                  <a:schemeClr val="tx1">
-                    <a:lumMod val="50000"/>
-                    <a:lumOff val="50000"/>
-                  </a:schemeClr>
-                </a:solidFill>
-                <a:latin typeface="幼圆" panose="02010509060101010101" pitchFamily="49" charset="-122"/>
-                <a:ea typeface="幼圆" panose="02010509060101010101" pitchFamily="49" charset="-122"/>
-              </a:rPr>
-              <a:t>	数据说明</a:t>
-            </a:r>
-          </a:p>
-        </p:txBody>
-      </p:sp>
-      <p:cxnSp>
-        <p:nvCxnSpPr>
-          <p:cNvPr id="12" name="直接连接符 11"/>
-          <p:cNvCxnSpPr>
-            <a:cxnSpLocks/>
-          </p:cNvCxnSpPr>
-          <p:nvPr/>
-        </p:nvCxnSpPr>
-        <p:spPr>
-          <a:xfrm>
-            <a:off x="1621000" y="494522"/>
-            <a:ext cx="0" cy="5966910"/>
-          </a:xfrm>
-          <a:prstGeom prst="line">
-            <a:avLst/>
-          </a:prstGeom>
-          <a:ln w="12700">
-            <a:solidFill>
-              <a:srgbClr val="B3946B"/>
-            </a:solidFill>
-          </a:ln>
-        </p:spPr>
-        <p:style>
-          <a:lnRef idx="1">
-            <a:schemeClr val="accent1"/>
-          </a:lnRef>
-          <a:fillRef idx="0">
-            <a:schemeClr val="accent1"/>
-          </a:fillRef>
-          <a:effectRef idx="0">
-            <a:schemeClr val="accent1"/>
-          </a:effectRef>
-          <a:fontRef idx="minor">
-            <a:schemeClr val="tx1"/>
-          </a:fontRef>
-        </p:style>
-      </p:cxnSp>
-      <p:sp>
-        <p:nvSpPr>
-          <p:cNvPr id="14" name="矩形 13"/>
-          <p:cNvSpPr/>
-          <p:nvPr/>
-        </p:nvSpPr>
-        <p:spPr>
-          <a:xfrm>
-            <a:off x="1736026" y="2744474"/>
-            <a:ext cx="10319124" cy="1467005"/>
-          </a:xfrm>
-          <a:prstGeom prst="rect">
-            <a:avLst/>
-          </a:prstGeom>
-        </p:spPr>
-        <p:txBody>
-          <a:bodyPr wrap="square">
-            <a:spAutoFit/>
-          </a:bodyPr>
-          <a:lstStyle/>
-          <a:p>
-            <a:pPr>
-              <a:lnSpc>
-                <a:spcPct val="200000"/>
-              </a:lnSpc>
-            </a:pPr>
-            <a:r>
-              <a:rPr lang="en-US" altLang="zh-CN" sz="2400" dirty="0">
-                <a:solidFill>
-                  <a:schemeClr val="bg1">
-                    <a:lumMod val="65000"/>
-                  </a:schemeClr>
-                </a:solidFill>
-                <a:latin typeface="PingFang SC"/>
-              </a:rPr>
-              <a:t>【</a:t>
-            </a:r>
-            <a:r>
-              <a:rPr lang="zh-CN" altLang="en-US" sz="2400" dirty="0">
-                <a:solidFill>
-                  <a:schemeClr val="bg1">
-                    <a:lumMod val="65000"/>
-                  </a:schemeClr>
-                </a:solidFill>
-                <a:latin typeface="PingFang SC"/>
-              </a:rPr>
-              <a:t>规范</a:t>
-            </a:r>
-            <a:r>
-              <a:rPr lang="en-US" altLang="zh-CN" sz="2400" dirty="0">
-                <a:solidFill>
-                  <a:schemeClr val="bg1">
-                    <a:lumMod val="65000"/>
-                  </a:schemeClr>
-                </a:solidFill>
-                <a:latin typeface="PingFang SC"/>
-              </a:rPr>
-              <a:t>】</a:t>
-            </a:r>
-            <a:r>
-              <a:rPr lang="zh-CN" altLang="en-US" sz="2400" dirty="0">
-                <a:solidFill>
-                  <a:schemeClr val="bg1">
-                    <a:lumMod val="65000"/>
-                  </a:schemeClr>
-                </a:solidFill>
-                <a:latin typeface="PingFang SC"/>
-              </a:rPr>
-              <a:t>多个变量名在一个语句说明时，按字母顺序排列 这些变量。必要时，对于较复杂的数据结构进行注释说明其实现方法和特点。</a:t>
-            </a:r>
-          </a:p>
-        </p:txBody>
-      </p:sp>
-      <p:sp>
-        <p:nvSpPr>
           <p:cNvPr id="15" name="矩形 14"/>
           <p:cNvSpPr/>
           <p:nvPr/>
@@ -6370,10 +4516,40 @@
           </a:p>
         </p:txBody>
       </p:sp>
+      <p:pic>
+        <p:nvPicPr>
+          <p:cNvPr id="4" name="图片 3">
+            <a:extLst>
+              <a:ext uri="{FF2B5EF4-FFF2-40B4-BE49-F238E27FC236}">
+                <a16:creationId xmlns:a16="http://schemas.microsoft.com/office/drawing/2014/main" id="{813D3607-F240-4E66-A617-8EA21641A199}"/>
+              </a:ext>
+            </a:extLst>
+          </p:cNvPr>
+          <p:cNvPicPr>
+            <a:picLocks noChangeAspect="1"/>
+          </p:cNvPicPr>
+          <p:nvPr/>
+        </p:nvPicPr>
+        <p:blipFill>
+          <a:blip r:embed="rId2"/>
+          <a:stretch>
+            <a:fillRect/>
+          </a:stretch>
+        </p:blipFill>
+        <p:spPr>
+          <a:xfrm>
+            <a:off x="71868" y="373115"/>
+            <a:ext cx="12048264" cy="6111770"/>
+          </a:xfrm>
+          <a:prstGeom prst="rect">
+            <a:avLst/>
+          </a:prstGeom>
+        </p:spPr>
+      </p:pic>
     </p:spTree>
     <p:extLst>
       <p:ext uri="{BB962C8B-B14F-4D97-AF65-F5344CB8AC3E}">
-        <p14:creationId xmlns:p14="http://schemas.microsoft.com/office/powerpoint/2010/main" val="1761606699"/>
+        <p14:creationId xmlns:p14="http://schemas.microsoft.com/office/powerpoint/2010/main" val="1104550410"/>
       </p:ext>
     </p:extLst>
   </p:cSld>
@@ -6389,6 +4565,16 @@
 <file path=ppt/slides/slide15.xml><?xml version="1.0" encoding="utf-8"?>
 <p:sld xmlns:a="http://schemas.openxmlformats.org/drawingml/2006/main" xmlns:r="http://schemas.openxmlformats.org/officeDocument/2006/relationships" xmlns:p="http://schemas.openxmlformats.org/presentationml/2006/main">
   <p:cSld>
+    <p:bg>
+      <p:bgPr>
+        <a:solidFill>
+          <a:schemeClr val="bg1">
+            <a:lumMod val="95000"/>
+          </a:schemeClr>
+        </a:solidFill>
+        <a:effectLst/>
+      </p:bgPr>
+    </p:bg>
     <p:spTree>
       <p:nvGrpSpPr>
         <p:cNvPr id="1" name=""/>
@@ -6403,501 +4589,6 @@
           <a:chExt cx="0" cy="0"/>
         </a:xfrm>
       </p:grpSpPr>
-      <p:sp>
-        <p:nvSpPr>
-          <p:cNvPr id="11" name="文本框 10"/>
-          <p:cNvSpPr txBox="1"/>
-          <p:nvPr/>
-        </p:nvSpPr>
-        <p:spPr>
-          <a:xfrm>
-            <a:off x="329429" y="2377267"/>
-            <a:ext cx="677108" cy="1733808"/>
-          </a:xfrm>
-          <a:prstGeom prst="rect">
-            <a:avLst/>
-          </a:prstGeom>
-          <a:noFill/>
-        </p:spPr>
-        <p:txBody>
-          <a:bodyPr vert="eaVert" wrap="none" rtlCol="0">
-            <a:spAutoFit/>
-          </a:bodyPr>
-          <a:lstStyle/>
-          <a:p>
-            <a:r>
-              <a:rPr lang="zh-CN" altLang="en-US" sz="3200" dirty="0">
-                <a:solidFill>
-                  <a:schemeClr val="tx1">
-                    <a:lumMod val="50000"/>
-                    <a:lumOff val="50000"/>
-                  </a:schemeClr>
-                </a:solidFill>
-                <a:latin typeface="幼圆" panose="02010509060101010101" pitchFamily="49" charset="-122"/>
-                <a:ea typeface="幼圆" panose="02010509060101010101" pitchFamily="49" charset="-122"/>
-              </a:rPr>
-              <a:t>语句构造</a:t>
-            </a:r>
-          </a:p>
-        </p:txBody>
-      </p:sp>
-      <p:cxnSp>
-        <p:nvCxnSpPr>
-          <p:cNvPr id="12" name="直接连接符 11"/>
-          <p:cNvCxnSpPr>
-            <a:cxnSpLocks/>
-          </p:cNvCxnSpPr>
-          <p:nvPr/>
-        </p:nvCxnSpPr>
-        <p:spPr>
-          <a:xfrm>
-            <a:off x="1621000" y="494522"/>
-            <a:ext cx="0" cy="5966910"/>
-          </a:xfrm>
-          <a:prstGeom prst="line">
-            <a:avLst/>
-          </a:prstGeom>
-          <a:ln w="12700">
-            <a:solidFill>
-              <a:srgbClr val="B3946B"/>
-            </a:solidFill>
-          </a:ln>
-        </p:spPr>
-        <p:style>
-          <a:lnRef idx="1">
-            <a:schemeClr val="accent1"/>
-          </a:lnRef>
-          <a:fillRef idx="0">
-            <a:schemeClr val="accent1"/>
-          </a:fillRef>
-          <a:effectRef idx="0">
-            <a:schemeClr val="accent1"/>
-          </a:effectRef>
-          <a:fontRef idx="minor">
-            <a:schemeClr val="tx1"/>
-          </a:fontRef>
-        </p:style>
-      </p:cxnSp>
-      <p:sp>
-        <p:nvSpPr>
-          <p:cNvPr id="14" name="矩形 13"/>
-          <p:cNvSpPr/>
-          <p:nvPr/>
-        </p:nvSpPr>
-        <p:spPr>
-          <a:xfrm>
-            <a:off x="1726695" y="1086337"/>
-            <a:ext cx="10319124" cy="4315669"/>
-          </a:xfrm>
-          <a:prstGeom prst="rect">
-            <a:avLst/>
-          </a:prstGeom>
-        </p:spPr>
-        <p:txBody>
-          <a:bodyPr wrap="square">
-            <a:spAutoFit/>
-          </a:bodyPr>
-          <a:lstStyle/>
-          <a:p>
-            <a:pPr>
-              <a:lnSpc>
-                <a:spcPct val="200000"/>
-              </a:lnSpc>
-            </a:pPr>
-            <a:r>
-              <a:rPr lang="en-US" altLang="zh-CN" sz="2000" dirty="0">
-                <a:solidFill>
-                  <a:schemeClr val="bg1">
-                    <a:lumMod val="65000"/>
-                  </a:schemeClr>
-                </a:solidFill>
-                <a:latin typeface="PingFang SC"/>
-              </a:rPr>
-              <a:t>【</a:t>
-            </a:r>
-            <a:r>
-              <a:rPr lang="zh-CN" altLang="en-US" sz="2000" dirty="0">
-                <a:solidFill>
-                  <a:schemeClr val="bg1">
-                    <a:lumMod val="65000"/>
-                  </a:schemeClr>
-                </a:solidFill>
-                <a:latin typeface="PingFang SC"/>
-              </a:rPr>
-              <a:t>规范</a:t>
-            </a:r>
-            <a:r>
-              <a:rPr lang="en-US" altLang="zh-CN" sz="2000" dirty="0">
-                <a:solidFill>
-                  <a:schemeClr val="bg1">
-                    <a:lumMod val="65000"/>
-                  </a:schemeClr>
-                </a:solidFill>
-                <a:latin typeface="PingFang SC"/>
-              </a:rPr>
-              <a:t>】</a:t>
-            </a:r>
-            <a:r>
-              <a:rPr lang="zh-CN" altLang="en-US" sz="2000" dirty="0">
-                <a:solidFill>
-                  <a:schemeClr val="bg1">
-                    <a:lumMod val="65000"/>
-                  </a:schemeClr>
-                </a:solidFill>
-                <a:latin typeface="PingFang SC"/>
-              </a:rPr>
-              <a:t>当一个类有多个构造方法，或者多个同名方法，这些方法应该按顺序放置在一起，便于阅读。</a:t>
-            </a:r>
-          </a:p>
-          <a:p>
-            <a:pPr>
-              <a:lnSpc>
-                <a:spcPct val="200000"/>
-              </a:lnSpc>
-            </a:pPr>
-            <a:r>
-              <a:rPr lang="en-US" altLang="zh-CN" sz="2000" dirty="0">
-                <a:solidFill>
-                  <a:schemeClr val="bg1">
-                    <a:lumMod val="65000"/>
-                  </a:schemeClr>
-                </a:solidFill>
-                <a:latin typeface="PingFang SC"/>
-              </a:rPr>
-              <a:t>【</a:t>
-            </a:r>
-            <a:r>
-              <a:rPr lang="zh-CN" altLang="en-US" sz="2000" dirty="0">
-                <a:solidFill>
-                  <a:schemeClr val="bg1">
-                    <a:lumMod val="65000"/>
-                  </a:schemeClr>
-                </a:solidFill>
-                <a:latin typeface="PingFang SC"/>
-              </a:rPr>
-              <a:t>风格</a:t>
-            </a:r>
-            <a:r>
-              <a:rPr lang="en-US" altLang="zh-CN" sz="2000" dirty="0">
-                <a:solidFill>
-                  <a:schemeClr val="bg1">
-                    <a:lumMod val="65000"/>
-                  </a:schemeClr>
-                </a:solidFill>
-                <a:latin typeface="PingFang SC"/>
-              </a:rPr>
-              <a:t>】</a:t>
-            </a:r>
-            <a:r>
-              <a:rPr lang="zh-CN" altLang="en-US" sz="2000" dirty="0">
-                <a:solidFill>
-                  <a:schemeClr val="bg1">
-                    <a:lumMod val="65000"/>
-                  </a:schemeClr>
-                </a:solidFill>
-                <a:latin typeface="PingFang SC"/>
-              </a:rPr>
-              <a:t>类内方法定义顺序依次是：公有方法或保护方法 </a:t>
-            </a:r>
-            <a:r>
-              <a:rPr lang="en-US" altLang="zh-CN" sz="2000" dirty="0">
-                <a:solidFill>
-                  <a:schemeClr val="bg1">
-                    <a:lumMod val="65000"/>
-                  </a:schemeClr>
-                </a:solidFill>
-                <a:latin typeface="PingFang SC"/>
-              </a:rPr>
-              <a:t>&gt; </a:t>
-            </a:r>
-            <a:r>
-              <a:rPr lang="zh-CN" altLang="en-US" sz="2000" dirty="0">
-                <a:solidFill>
-                  <a:schemeClr val="bg1">
-                    <a:lumMod val="65000"/>
-                  </a:schemeClr>
-                </a:solidFill>
-                <a:latin typeface="PingFang SC"/>
-              </a:rPr>
-              <a:t>私有方法 </a:t>
-            </a:r>
-            <a:r>
-              <a:rPr lang="en-US" altLang="zh-CN" sz="2000" dirty="0">
-                <a:solidFill>
-                  <a:schemeClr val="bg1">
-                    <a:lumMod val="65000"/>
-                  </a:schemeClr>
-                </a:solidFill>
-                <a:latin typeface="PingFang SC"/>
-              </a:rPr>
-              <a:t>&gt; getter / setter</a:t>
-            </a:r>
-            <a:r>
-              <a:rPr lang="zh-CN" altLang="en-US" sz="2000" dirty="0">
-                <a:solidFill>
-                  <a:schemeClr val="bg1">
-                    <a:lumMod val="65000"/>
-                  </a:schemeClr>
-                </a:solidFill>
-                <a:latin typeface="PingFang SC"/>
-              </a:rPr>
-              <a:t>方法。</a:t>
-            </a:r>
-          </a:p>
-          <a:p>
-            <a:pPr>
-              <a:lnSpc>
-                <a:spcPct val="200000"/>
-              </a:lnSpc>
-            </a:pPr>
-            <a:r>
-              <a:rPr lang="en-US" altLang="zh-CN" sz="2000" dirty="0">
-                <a:solidFill>
-                  <a:schemeClr val="bg1">
-                    <a:lumMod val="65000"/>
-                  </a:schemeClr>
-                </a:solidFill>
-                <a:latin typeface="PingFang SC"/>
-              </a:rPr>
-              <a:t>【</a:t>
-            </a:r>
-            <a:r>
-              <a:rPr lang="zh-CN" altLang="en-US" sz="2000" dirty="0">
-                <a:solidFill>
-                  <a:schemeClr val="bg1">
-                    <a:lumMod val="65000"/>
-                  </a:schemeClr>
-                </a:solidFill>
-                <a:latin typeface="PingFang SC"/>
-              </a:rPr>
-              <a:t>规范</a:t>
-            </a:r>
-            <a:r>
-              <a:rPr lang="en-US" altLang="zh-CN" sz="2000" dirty="0">
-                <a:solidFill>
-                  <a:schemeClr val="bg1">
-                    <a:lumMod val="65000"/>
-                  </a:schemeClr>
-                </a:solidFill>
-                <a:latin typeface="PingFang SC"/>
-              </a:rPr>
-              <a:t>】</a:t>
-            </a:r>
-            <a:r>
-              <a:rPr lang="zh-CN" altLang="en-US" sz="2000" dirty="0">
-                <a:solidFill>
-                  <a:schemeClr val="bg1">
-                    <a:lumMod val="65000"/>
-                  </a:schemeClr>
-                </a:solidFill>
-                <a:latin typeface="PingFang SC"/>
-              </a:rPr>
-              <a:t>不要为了节省空间而把多个语句写在同一行</a:t>
-            </a:r>
-          </a:p>
-          <a:p>
-            <a:pPr>
-              <a:lnSpc>
-                <a:spcPct val="200000"/>
-              </a:lnSpc>
-            </a:pPr>
-            <a:r>
-              <a:rPr lang="en-US" altLang="zh-CN" sz="2000" dirty="0">
-                <a:solidFill>
-                  <a:schemeClr val="bg1">
-                    <a:lumMod val="65000"/>
-                  </a:schemeClr>
-                </a:solidFill>
-                <a:latin typeface="PingFang SC"/>
-              </a:rPr>
-              <a:t>【</a:t>
-            </a:r>
-            <a:r>
-              <a:rPr lang="zh-CN" altLang="en-US" sz="2000" dirty="0">
-                <a:solidFill>
-                  <a:schemeClr val="bg1">
-                    <a:lumMod val="65000"/>
-                  </a:schemeClr>
-                </a:solidFill>
-                <a:latin typeface="PingFang SC"/>
-              </a:rPr>
-              <a:t>规范</a:t>
-            </a:r>
-            <a:r>
-              <a:rPr lang="en-US" altLang="zh-CN" sz="2000" dirty="0">
-                <a:solidFill>
-                  <a:schemeClr val="bg1">
-                    <a:lumMod val="65000"/>
-                  </a:schemeClr>
-                </a:solidFill>
-                <a:latin typeface="PingFang SC"/>
-              </a:rPr>
-              <a:t>】</a:t>
-            </a:r>
-            <a:r>
-              <a:rPr lang="zh-CN" altLang="en-US" sz="2000" dirty="0">
-                <a:solidFill>
-                  <a:schemeClr val="bg1">
-                    <a:lumMod val="65000"/>
-                  </a:schemeClr>
-                </a:solidFill>
-                <a:latin typeface="PingFang SC"/>
-              </a:rPr>
-              <a:t>在 </a:t>
-            </a:r>
-            <a:r>
-              <a:rPr lang="en-US" altLang="zh-CN" sz="2000" dirty="0">
-                <a:solidFill>
-                  <a:schemeClr val="bg1">
-                    <a:lumMod val="65000"/>
-                  </a:schemeClr>
-                </a:solidFill>
-                <a:latin typeface="PingFang SC"/>
-              </a:rPr>
-              <a:t>if/else/for/while/do </a:t>
-            </a:r>
-            <a:r>
-              <a:rPr lang="zh-CN" altLang="en-US" sz="2000" dirty="0">
-                <a:solidFill>
-                  <a:schemeClr val="bg1">
-                    <a:lumMod val="65000"/>
-                  </a:schemeClr>
-                </a:solidFill>
-                <a:latin typeface="PingFang SC"/>
-              </a:rPr>
-              <a:t>语句中必须使用大括号，即使只有一行代码</a:t>
-            </a:r>
-          </a:p>
-          <a:p>
-            <a:pPr>
-              <a:lnSpc>
-                <a:spcPct val="200000"/>
-              </a:lnSpc>
-            </a:pPr>
-            <a:r>
-              <a:rPr lang="en-US" altLang="zh-CN" sz="2000" dirty="0">
-                <a:solidFill>
-                  <a:schemeClr val="bg1">
-                    <a:lumMod val="65000"/>
-                  </a:schemeClr>
-                </a:solidFill>
-                <a:latin typeface="PingFang SC"/>
-              </a:rPr>
-              <a:t>【</a:t>
-            </a:r>
-            <a:r>
-              <a:rPr lang="zh-CN" altLang="en-US" sz="2000" dirty="0">
-                <a:solidFill>
-                  <a:schemeClr val="bg1">
-                    <a:lumMod val="65000"/>
-                  </a:schemeClr>
-                </a:solidFill>
-                <a:latin typeface="PingFang SC"/>
-              </a:rPr>
-              <a:t>规范</a:t>
-            </a:r>
-            <a:r>
-              <a:rPr lang="en-US" altLang="zh-CN" sz="2000" dirty="0">
-                <a:solidFill>
-                  <a:schemeClr val="bg1">
-                    <a:lumMod val="65000"/>
-                  </a:schemeClr>
-                </a:solidFill>
-                <a:latin typeface="PingFang SC"/>
-              </a:rPr>
-              <a:t>】</a:t>
-            </a:r>
-            <a:r>
-              <a:rPr lang="zh-CN" altLang="en-US" sz="2000" dirty="0">
-                <a:solidFill>
-                  <a:schemeClr val="bg1">
-                    <a:lumMod val="65000"/>
-                  </a:schemeClr>
-                </a:solidFill>
-                <a:latin typeface="PingFang SC"/>
-              </a:rPr>
-              <a:t>除常用方法</a:t>
-            </a:r>
-            <a:r>
-              <a:rPr lang="en-US" altLang="zh-CN" sz="2000" dirty="0">
-                <a:solidFill>
-                  <a:schemeClr val="bg1">
-                    <a:lumMod val="65000"/>
-                  </a:schemeClr>
-                </a:solidFill>
-                <a:latin typeface="PingFang SC"/>
-              </a:rPr>
-              <a:t>(</a:t>
-            </a:r>
-            <a:r>
-              <a:rPr lang="zh-CN" altLang="en-US" sz="2000" dirty="0">
-                <a:solidFill>
-                  <a:schemeClr val="bg1">
-                    <a:lumMod val="65000"/>
-                  </a:schemeClr>
-                </a:solidFill>
-                <a:latin typeface="PingFang SC"/>
-              </a:rPr>
-              <a:t>如 </a:t>
-            </a:r>
-            <a:r>
-              <a:rPr lang="en-US" altLang="zh-CN" sz="2000" dirty="0" err="1">
-                <a:solidFill>
-                  <a:schemeClr val="bg1">
-                    <a:lumMod val="65000"/>
-                  </a:schemeClr>
-                </a:solidFill>
-                <a:latin typeface="PingFang SC"/>
-              </a:rPr>
-              <a:t>getXxx</a:t>
-            </a:r>
-            <a:r>
-              <a:rPr lang="en-US" altLang="zh-CN" sz="2000" dirty="0">
-                <a:solidFill>
-                  <a:schemeClr val="bg1">
-                    <a:lumMod val="65000"/>
-                  </a:schemeClr>
-                </a:solidFill>
-                <a:latin typeface="PingFang SC"/>
-              </a:rPr>
-              <a:t>/</a:t>
-            </a:r>
-            <a:r>
-              <a:rPr lang="en-US" altLang="zh-CN" sz="2000" dirty="0" err="1">
-                <a:solidFill>
-                  <a:schemeClr val="bg1">
-                    <a:lumMod val="65000"/>
-                  </a:schemeClr>
-                </a:solidFill>
-                <a:latin typeface="PingFang SC"/>
-              </a:rPr>
-              <a:t>isXxx</a:t>
-            </a:r>
-            <a:r>
-              <a:rPr lang="en-US" altLang="zh-CN" sz="2000" dirty="0">
-                <a:solidFill>
-                  <a:schemeClr val="bg1">
-                    <a:lumMod val="65000"/>
-                  </a:schemeClr>
-                </a:solidFill>
-                <a:latin typeface="PingFang SC"/>
-              </a:rPr>
-              <a:t>)</a:t>
-            </a:r>
-            <a:r>
-              <a:rPr lang="zh-CN" altLang="en-US" sz="2000" dirty="0">
-                <a:solidFill>
-                  <a:schemeClr val="bg1">
-                    <a:lumMod val="65000"/>
-                  </a:schemeClr>
-                </a:solidFill>
-                <a:latin typeface="PingFang SC"/>
-              </a:rPr>
-              <a:t>等外，不要在条件判断中执行其它复杂的语句，将复杂逻辑判断的结果赋值给一个有意义的布尔变量名，以提高可读性。</a:t>
-            </a:r>
-          </a:p>
-        </p:txBody>
-      </p:sp>
       <p:sp>
         <p:nvSpPr>
           <p:cNvPr id="15" name="矩形 14"/>
@@ -6944,10 +4635,40 @@
           </a:p>
         </p:txBody>
       </p:sp>
+      <p:pic>
+        <p:nvPicPr>
+          <p:cNvPr id="3" name="图片 2">
+            <a:extLst>
+              <a:ext uri="{FF2B5EF4-FFF2-40B4-BE49-F238E27FC236}">
+                <a16:creationId xmlns:a16="http://schemas.microsoft.com/office/drawing/2014/main" id="{22E940E3-DA0A-4718-B75D-54130DDD7CCD}"/>
+              </a:ext>
+            </a:extLst>
+          </p:cNvPr>
+          <p:cNvPicPr>
+            <a:picLocks noChangeAspect="1"/>
+          </p:cNvPicPr>
+          <p:nvPr/>
+        </p:nvPicPr>
+        <p:blipFill>
+          <a:blip r:embed="rId2"/>
+          <a:stretch>
+            <a:fillRect/>
+          </a:stretch>
+        </p:blipFill>
+        <p:spPr>
+          <a:xfrm>
+            <a:off x="3169666" y="354063"/>
+            <a:ext cx="5852667" cy="6149873"/>
+          </a:xfrm>
+          <a:prstGeom prst="rect">
+            <a:avLst/>
+          </a:prstGeom>
+        </p:spPr>
+      </p:pic>
     </p:spTree>
     <p:extLst>
       <p:ext uri="{BB962C8B-B14F-4D97-AF65-F5344CB8AC3E}">
-        <p14:creationId xmlns:p14="http://schemas.microsoft.com/office/powerpoint/2010/main" val="2014399274"/>
+        <p14:creationId xmlns:p14="http://schemas.microsoft.com/office/powerpoint/2010/main" val="3598160414"/>
       </p:ext>
     </p:extLst>
   </p:cSld>
@@ -6961,1241 +4682,6 @@
 </file>
 
 <file path=ppt/slides/slide16.xml><?xml version="1.0" encoding="utf-8"?>
-<p:sld xmlns:a="http://schemas.openxmlformats.org/drawingml/2006/main" xmlns:r="http://schemas.openxmlformats.org/officeDocument/2006/relationships" xmlns:p="http://schemas.openxmlformats.org/presentationml/2006/main">
-  <p:cSld>
-    <p:spTree>
-      <p:nvGrpSpPr>
-        <p:cNvPr id="1" name=""/>
-        <p:cNvGrpSpPr/>
-        <p:nvPr/>
-      </p:nvGrpSpPr>
-      <p:grpSpPr>
-        <a:xfrm>
-          <a:off x="0" y="0"/>
-          <a:ext cx="0" cy="0"/>
-          <a:chOff x="0" y="0"/>
-          <a:chExt cx="0" cy="0"/>
-        </a:xfrm>
-      </p:grpSpPr>
-      <p:sp>
-        <p:nvSpPr>
-          <p:cNvPr id="11" name="文本框 10"/>
-          <p:cNvSpPr txBox="1"/>
-          <p:nvPr/>
-        </p:nvSpPr>
-        <p:spPr>
-          <a:xfrm>
-            <a:off x="329429" y="2377267"/>
-            <a:ext cx="677108" cy="1733808"/>
-          </a:xfrm>
-          <a:prstGeom prst="rect">
-            <a:avLst/>
-          </a:prstGeom>
-          <a:noFill/>
-        </p:spPr>
-        <p:txBody>
-          <a:bodyPr vert="eaVert" wrap="none" rtlCol="0">
-            <a:spAutoFit/>
-          </a:bodyPr>
-          <a:lstStyle/>
-          <a:p>
-            <a:r>
-              <a:rPr lang="zh-CN" altLang="en-US" sz="3200" dirty="0">
-                <a:solidFill>
-                  <a:schemeClr val="tx1">
-                    <a:lumMod val="50000"/>
-                    <a:lumOff val="50000"/>
-                  </a:schemeClr>
-                </a:solidFill>
-                <a:latin typeface="幼圆" panose="02010509060101010101" pitchFamily="49" charset="-122"/>
-                <a:ea typeface="幼圆" panose="02010509060101010101" pitchFamily="49" charset="-122"/>
-              </a:rPr>
-              <a:t>输入输出</a:t>
-            </a:r>
-          </a:p>
-        </p:txBody>
-      </p:sp>
-      <p:cxnSp>
-        <p:nvCxnSpPr>
-          <p:cNvPr id="12" name="直接连接符 11"/>
-          <p:cNvCxnSpPr>
-            <a:cxnSpLocks/>
-          </p:cNvCxnSpPr>
-          <p:nvPr/>
-        </p:nvCxnSpPr>
-        <p:spPr>
-          <a:xfrm>
-            <a:off x="1621000" y="494522"/>
-            <a:ext cx="0" cy="5966910"/>
-          </a:xfrm>
-          <a:prstGeom prst="line">
-            <a:avLst/>
-          </a:prstGeom>
-          <a:ln w="12700">
-            <a:solidFill>
-              <a:srgbClr val="B3946B"/>
-            </a:solidFill>
-          </a:ln>
-        </p:spPr>
-        <p:style>
-          <a:lnRef idx="1">
-            <a:schemeClr val="accent1"/>
-          </a:lnRef>
-          <a:fillRef idx="0">
-            <a:schemeClr val="accent1"/>
-          </a:fillRef>
-          <a:effectRef idx="0">
-            <a:schemeClr val="accent1"/>
-          </a:effectRef>
-          <a:fontRef idx="minor">
-            <a:schemeClr val="tx1"/>
-          </a:fontRef>
-        </p:style>
-      </p:cxnSp>
-      <p:sp>
-        <p:nvSpPr>
-          <p:cNvPr id="14" name="矩形 13"/>
-          <p:cNvSpPr/>
-          <p:nvPr/>
-        </p:nvSpPr>
-        <p:spPr>
-          <a:xfrm>
-            <a:off x="1726695" y="655611"/>
-            <a:ext cx="10319124" cy="5546775"/>
-          </a:xfrm>
-          <a:prstGeom prst="rect">
-            <a:avLst/>
-          </a:prstGeom>
-        </p:spPr>
-        <p:txBody>
-          <a:bodyPr wrap="square">
-            <a:spAutoFit/>
-          </a:bodyPr>
-          <a:lstStyle/>
-          <a:p>
-            <a:pPr>
-              <a:lnSpc>
-                <a:spcPct val="200000"/>
-              </a:lnSpc>
-            </a:pPr>
-            <a:r>
-              <a:rPr lang="en-US" altLang="zh-CN" sz="2000" dirty="0">
-                <a:solidFill>
-                  <a:schemeClr val="bg1">
-                    <a:lumMod val="65000"/>
-                  </a:schemeClr>
-                </a:solidFill>
-                <a:latin typeface="PingFang SC"/>
-              </a:rPr>
-              <a:t>【</a:t>
-            </a:r>
-            <a:r>
-              <a:rPr lang="zh-CN" altLang="en-US" sz="2000" dirty="0">
-                <a:solidFill>
-                  <a:schemeClr val="bg1">
-                    <a:lumMod val="65000"/>
-                  </a:schemeClr>
-                </a:solidFill>
-                <a:latin typeface="PingFang SC"/>
-              </a:rPr>
-              <a:t>规范</a:t>
-            </a:r>
-            <a:r>
-              <a:rPr lang="en-US" altLang="zh-CN" sz="2000" dirty="0">
-                <a:solidFill>
-                  <a:schemeClr val="bg1">
-                    <a:lumMod val="65000"/>
-                  </a:schemeClr>
-                </a:solidFill>
-                <a:latin typeface="PingFang SC"/>
-              </a:rPr>
-              <a:t>】</a:t>
-            </a:r>
-            <a:r>
-              <a:rPr lang="zh-CN" altLang="en-US" sz="2000" dirty="0">
-                <a:solidFill>
-                  <a:schemeClr val="bg1">
-                    <a:lumMod val="65000"/>
-                  </a:schemeClr>
-                </a:solidFill>
-                <a:latin typeface="PingFang SC"/>
-              </a:rPr>
-              <a:t>保持输入格式简单</a:t>
-            </a:r>
-          </a:p>
-          <a:p>
-            <a:pPr>
-              <a:lnSpc>
-                <a:spcPct val="200000"/>
-              </a:lnSpc>
-            </a:pPr>
-            <a:r>
-              <a:rPr lang="en-US" altLang="zh-CN" sz="2000" dirty="0">
-                <a:solidFill>
-                  <a:schemeClr val="bg1">
-                    <a:lumMod val="65000"/>
-                  </a:schemeClr>
-                </a:solidFill>
-                <a:latin typeface="PingFang SC"/>
-              </a:rPr>
-              <a:t>【</a:t>
-            </a:r>
-            <a:r>
-              <a:rPr lang="zh-CN" altLang="en-US" sz="2000" dirty="0">
-                <a:solidFill>
-                  <a:schemeClr val="bg1">
-                    <a:lumMod val="65000"/>
-                  </a:schemeClr>
-                </a:solidFill>
-                <a:latin typeface="PingFang SC"/>
-              </a:rPr>
-              <a:t>规范</a:t>
-            </a:r>
-            <a:r>
-              <a:rPr lang="en-US" altLang="zh-CN" sz="2000" dirty="0">
-                <a:solidFill>
-                  <a:schemeClr val="bg1">
-                    <a:lumMod val="65000"/>
-                  </a:schemeClr>
-                </a:solidFill>
-                <a:latin typeface="PingFang SC"/>
-              </a:rPr>
-              <a:t>】</a:t>
-            </a:r>
-            <a:r>
-              <a:rPr lang="zh-CN" altLang="en-US" sz="2000" dirty="0">
-                <a:solidFill>
-                  <a:schemeClr val="bg1">
-                    <a:lumMod val="65000"/>
-                  </a:schemeClr>
-                </a:solidFill>
-                <a:latin typeface="PingFang SC"/>
-              </a:rPr>
-              <a:t>对以下场景中的方法进行参数校验</a:t>
-            </a:r>
-            <a:r>
-              <a:rPr lang="en-US" altLang="zh-CN" sz="2000" dirty="0">
-                <a:solidFill>
-                  <a:schemeClr val="bg1">
-                    <a:lumMod val="65000"/>
-                  </a:schemeClr>
-                </a:solidFill>
-                <a:latin typeface="PingFang SC"/>
-              </a:rPr>
-              <a:t>:</a:t>
-            </a:r>
-          </a:p>
-          <a:p>
-            <a:pPr>
-              <a:lnSpc>
-                <a:spcPct val="200000"/>
-              </a:lnSpc>
-            </a:pPr>
-            <a:r>
-              <a:rPr lang="en-US" altLang="zh-CN" sz="2000" dirty="0">
-                <a:solidFill>
-                  <a:schemeClr val="bg1">
-                    <a:lumMod val="65000"/>
-                  </a:schemeClr>
-                </a:solidFill>
-                <a:latin typeface="PingFang SC"/>
-              </a:rPr>
-              <a:t>1) </a:t>
-            </a:r>
-            <a:r>
-              <a:rPr lang="zh-CN" altLang="en-US" sz="2000" dirty="0">
-                <a:solidFill>
-                  <a:schemeClr val="bg1">
-                    <a:lumMod val="65000"/>
-                  </a:schemeClr>
-                </a:solidFill>
-                <a:latin typeface="PingFang SC"/>
-              </a:rPr>
-              <a:t>调用频次低的方法。</a:t>
-            </a:r>
-          </a:p>
-          <a:p>
-            <a:pPr>
-              <a:lnSpc>
-                <a:spcPct val="200000"/>
-              </a:lnSpc>
-            </a:pPr>
-            <a:r>
-              <a:rPr lang="en-US" altLang="zh-CN" sz="2000" dirty="0">
-                <a:solidFill>
-                  <a:schemeClr val="bg1">
-                    <a:lumMod val="65000"/>
-                  </a:schemeClr>
-                </a:solidFill>
-                <a:latin typeface="PingFang SC"/>
-              </a:rPr>
-              <a:t>2) </a:t>
-            </a:r>
-            <a:r>
-              <a:rPr lang="zh-CN" altLang="en-US" sz="2000" dirty="0">
-                <a:solidFill>
-                  <a:schemeClr val="bg1">
-                    <a:lumMod val="65000"/>
-                  </a:schemeClr>
-                </a:solidFill>
-                <a:latin typeface="PingFang SC"/>
-              </a:rPr>
-              <a:t>执行时间开销很大的方法，参数校验时间几乎可以忽略不计，但如果因为参数错误导致中间执行回退，或者错误，那得不偿失。</a:t>
-            </a:r>
-          </a:p>
-          <a:p>
-            <a:pPr>
-              <a:lnSpc>
-                <a:spcPct val="200000"/>
-              </a:lnSpc>
-            </a:pPr>
-            <a:r>
-              <a:rPr lang="en-US" altLang="zh-CN" sz="2000" dirty="0">
-                <a:solidFill>
-                  <a:schemeClr val="bg1">
-                    <a:lumMod val="65000"/>
-                  </a:schemeClr>
-                </a:solidFill>
-                <a:latin typeface="PingFang SC"/>
-              </a:rPr>
-              <a:t>3) </a:t>
-            </a:r>
-            <a:r>
-              <a:rPr lang="zh-CN" altLang="en-US" sz="2000" dirty="0">
-                <a:solidFill>
-                  <a:schemeClr val="bg1">
-                    <a:lumMod val="65000"/>
-                  </a:schemeClr>
-                </a:solidFill>
-                <a:latin typeface="PingFang SC"/>
-              </a:rPr>
-              <a:t>需要极高稳定性和可用性的方法。</a:t>
-            </a:r>
-          </a:p>
-          <a:p>
-            <a:pPr>
-              <a:lnSpc>
-                <a:spcPct val="200000"/>
-              </a:lnSpc>
-            </a:pPr>
-            <a:r>
-              <a:rPr lang="en-US" altLang="zh-CN" sz="2000" dirty="0">
-                <a:solidFill>
-                  <a:schemeClr val="bg1">
-                    <a:lumMod val="65000"/>
-                  </a:schemeClr>
-                </a:solidFill>
-                <a:latin typeface="PingFang SC"/>
-              </a:rPr>
-              <a:t>4) </a:t>
-            </a:r>
-            <a:r>
-              <a:rPr lang="zh-CN" altLang="en-US" sz="2000" dirty="0">
-                <a:solidFill>
-                  <a:schemeClr val="bg1">
-                    <a:lumMod val="65000"/>
-                  </a:schemeClr>
-                </a:solidFill>
-                <a:latin typeface="PingFang SC"/>
-              </a:rPr>
-              <a:t>对外提供的开放接口，不管是</a:t>
-            </a:r>
-            <a:r>
-              <a:rPr lang="en-US" altLang="zh-CN" sz="2000" dirty="0">
-                <a:solidFill>
-                  <a:schemeClr val="bg1">
-                    <a:lumMod val="65000"/>
-                  </a:schemeClr>
-                </a:solidFill>
-                <a:latin typeface="PingFang SC"/>
-              </a:rPr>
-              <a:t>RPC/API/HTTP</a:t>
-            </a:r>
-            <a:r>
-              <a:rPr lang="zh-CN" altLang="en-US" sz="2000" dirty="0">
-                <a:solidFill>
-                  <a:schemeClr val="bg1">
-                    <a:lumMod val="65000"/>
-                  </a:schemeClr>
-                </a:solidFill>
-                <a:latin typeface="PingFang SC"/>
-              </a:rPr>
-              <a:t>接口。</a:t>
-            </a:r>
-          </a:p>
-          <a:p>
-            <a:pPr>
-              <a:lnSpc>
-                <a:spcPct val="200000"/>
-              </a:lnSpc>
-            </a:pPr>
-            <a:r>
-              <a:rPr lang="en-US" altLang="zh-CN" sz="2000" dirty="0">
-                <a:solidFill>
-                  <a:schemeClr val="bg1">
-                    <a:lumMod val="65000"/>
-                  </a:schemeClr>
-                </a:solidFill>
-                <a:latin typeface="PingFang SC"/>
-              </a:rPr>
-              <a:t>5) </a:t>
-            </a:r>
-            <a:r>
-              <a:rPr lang="zh-CN" altLang="en-US" sz="2000" dirty="0">
-                <a:solidFill>
-                  <a:schemeClr val="bg1">
-                    <a:lumMod val="65000"/>
-                  </a:schemeClr>
-                </a:solidFill>
-                <a:latin typeface="PingFang SC"/>
-              </a:rPr>
-              <a:t>敏感权限入口。</a:t>
-            </a:r>
-          </a:p>
-          <a:p>
-            <a:pPr>
-              <a:lnSpc>
-                <a:spcPct val="200000"/>
-              </a:lnSpc>
-            </a:pPr>
-            <a:r>
-              <a:rPr lang="en-US" altLang="zh-CN" sz="2000" dirty="0">
-                <a:solidFill>
-                  <a:schemeClr val="bg1">
-                    <a:lumMod val="65000"/>
-                  </a:schemeClr>
-                </a:solidFill>
-                <a:latin typeface="PingFang SC"/>
-              </a:rPr>
-              <a:t>【</a:t>
-            </a:r>
-            <a:r>
-              <a:rPr lang="zh-CN" altLang="en-US" sz="2000" dirty="0">
-                <a:solidFill>
-                  <a:schemeClr val="bg1">
-                    <a:lumMod val="65000"/>
-                  </a:schemeClr>
-                </a:solidFill>
-                <a:latin typeface="PingFang SC"/>
-              </a:rPr>
-              <a:t>规范</a:t>
-            </a:r>
-            <a:r>
-              <a:rPr lang="en-US" altLang="zh-CN" sz="2000" dirty="0">
-                <a:solidFill>
-                  <a:schemeClr val="bg1">
-                    <a:lumMod val="65000"/>
-                  </a:schemeClr>
-                </a:solidFill>
-                <a:latin typeface="PingFang SC"/>
-              </a:rPr>
-              <a:t>】</a:t>
-            </a:r>
-            <a:r>
-              <a:rPr lang="zh-CN" altLang="en-US" sz="2000" dirty="0">
-                <a:solidFill>
-                  <a:schemeClr val="bg1">
-                    <a:lumMod val="65000"/>
-                  </a:schemeClr>
-                </a:solidFill>
-                <a:latin typeface="PingFang SC"/>
-              </a:rPr>
-              <a:t>明确提示交互式输入的请求，详细说明可用的选择或边界数值。（输入数据规范）</a:t>
-            </a:r>
-          </a:p>
-        </p:txBody>
-      </p:sp>
-      <p:sp>
-        <p:nvSpPr>
-          <p:cNvPr id="15" name="矩形 14"/>
-          <p:cNvSpPr/>
-          <p:nvPr/>
-        </p:nvSpPr>
-        <p:spPr>
-          <a:xfrm rot="5400000">
-            <a:off x="-72959" y="3132305"/>
-            <a:ext cx="369652" cy="223735"/>
-          </a:xfrm>
-          <a:prstGeom prst="rect">
-            <a:avLst/>
-          </a:prstGeom>
-          <a:solidFill>
-            <a:srgbClr val="B3946B"/>
-          </a:solidFill>
-          <a:ln>
-            <a:noFill/>
-          </a:ln>
-        </p:spPr>
-        <p:style>
-          <a:lnRef idx="2">
-            <a:schemeClr val="accent1">
-              <a:shade val="50000"/>
-            </a:schemeClr>
-          </a:lnRef>
-          <a:fillRef idx="1">
-            <a:schemeClr val="accent1"/>
-          </a:fillRef>
-          <a:effectRef idx="0">
-            <a:schemeClr val="accent1"/>
-          </a:effectRef>
-          <a:fontRef idx="minor">
-            <a:schemeClr val="lt1"/>
-          </a:fontRef>
-        </p:style>
-        <p:txBody>
-          <a:bodyPr rtlCol="0" anchor="ctr"/>
-          <a:lstStyle/>
-          <a:p>
-            <a:pPr algn="ctr"/>
-            <a:endParaRPr lang="zh-CN" altLang="en-US"/>
-          </a:p>
-        </p:txBody>
-      </p:sp>
-    </p:spTree>
-    <p:extLst>
-      <p:ext uri="{BB962C8B-B14F-4D97-AF65-F5344CB8AC3E}">
-        <p14:creationId xmlns:p14="http://schemas.microsoft.com/office/powerpoint/2010/main" val="1425582746"/>
-      </p:ext>
-    </p:extLst>
-  </p:cSld>
-  <p:clrMapOvr>
-    <a:masterClrMapping/>
-  </p:clrMapOvr>
-  <p:transition spd="slow" advTm="0">
-    <p:cover dir="u"/>
-  </p:transition>
-</p:sld>
-</file>
-
-<file path=ppt/slides/slide17.xml><?xml version="1.0" encoding="utf-8"?>
-<p:sld xmlns:a="http://schemas.openxmlformats.org/drawingml/2006/main" xmlns:r="http://schemas.openxmlformats.org/officeDocument/2006/relationships" xmlns:p="http://schemas.openxmlformats.org/presentationml/2006/main">
-  <p:cSld>
-    <p:spTree>
-      <p:nvGrpSpPr>
-        <p:cNvPr id="1" name=""/>
-        <p:cNvGrpSpPr/>
-        <p:nvPr/>
-      </p:nvGrpSpPr>
-      <p:grpSpPr>
-        <a:xfrm>
-          <a:off x="0" y="0"/>
-          <a:ext cx="0" cy="0"/>
-          <a:chOff x="0" y="0"/>
-          <a:chExt cx="0" cy="0"/>
-        </a:xfrm>
-      </p:grpSpPr>
-      <p:sp>
-        <p:nvSpPr>
-          <p:cNvPr id="11" name="文本框 10"/>
-          <p:cNvSpPr txBox="1"/>
-          <p:nvPr/>
-        </p:nvSpPr>
-        <p:spPr>
-          <a:xfrm>
-            <a:off x="329430" y="2746920"/>
-            <a:ext cx="677108" cy="913070"/>
-          </a:xfrm>
-          <a:prstGeom prst="rect">
-            <a:avLst/>
-          </a:prstGeom>
-          <a:noFill/>
-        </p:spPr>
-        <p:txBody>
-          <a:bodyPr vert="eaVert" wrap="none" rtlCol="0">
-            <a:spAutoFit/>
-          </a:bodyPr>
-          <a:lstStyle/>
-          <a:p>
-            <a:r>
-              <a:rPr lang="zh-CN" altLang="en-US" sz="3200" dirty="0">
-                <a:solidFill>
-                  <a:schemeClr val="tx1">
-                    <a:lumMod val="50000"/>
-                    <a:lumOff val="50000"/>
-                  </a:schemeClr>
-                </a:solidFill>
-                <a:latin typeface="幼圆" panose="02010509060101010101" pitchFamily="49" charset="-122"/>
-                <a:ea typeface="幼圆" panose="02010509060101010101" pitchFamily="49" charset="-122"/>
-              </a:rPr>
-              <a:t>效率</a:t>
-            </a:r>
-          </a:p>
-        </p:txBody>
-      </p:sp>
-      <p:cxnSp>
-        <p:nvCxnSpPr>
-          <p:cNvPr id="12" name="直接连接符 11"/>
-          <p:cNvCxnSpPr>
-            <a:cxnSpLocks/>
-          </p:cNvCxnSpPr>
-          <p:nvPr/>
-        </p:nvCxnSpPr>
-        <p:spPr>
-          <a:xfrm>
-            <a:off x="1621000" y="494522"/>
-            <a:ext cx="0" cy="5966910"/>
-          </a:xfrm>
-          <a:prstGeom prst="line">
-            <a:avLst/>
-          </a:prstGeom>
-          <a:ln w="12700">
-            <a:solidFill>
-              <a:srgbClr val="B3946B"/>
-            </a:solidFill>
-          </a:ln>
-        </p:spPr>
-        <p:style>
-          <a:lnRef idx="1">
-            <a:schemeClr val="accent1"/>
-          </a:lnRef>
-          <a:fillRef idx="0">
-            <a:schemeClr val="accent1"/>
-          </a:fillRef>
-          <a:effectRef idx="0">
-            <a:schemeClr val="accent1"/>
-          </a:effectRef>
-          <a:fontRef idx="minor">
-            <a:schemeClr val="tx1"/>
-          </a:fontRef>
-        </p:style>
-      </p:cxnSp>
-      <p:sp>
-        <p:nvSpPr>
-          <p:cNvPr id="14" name="矩形 13"/>
-          <p:cNvSpPr/>
-          <p:nvPr/>
-        </p:nvSpPr>
-        <p:spPr>
-          <a:xfrm>
-            <a:off x="1872876" y="230100"/>
-            <a:ext cx="5964837" cy="7217297"/>
-          </a:xfrm>
-          <a:prstGeom prst="rect">
-            <a:avLst/>
-          </a:prstGeom>
-        </p:spPr>
-        <p:txBody>
-          <a:bodyPr wrap="square">
-            <a:spAutoFit/>
-          </a:bodyPr>
-          <a:lstStyle/>
-          <a:p>
-            <a:pPr>
-              <a:lnSpc>
-                <a:spcPct val="200000"/>
-              </a:lnSpc>
-            </a:pPr>
-            <a:r>
-              <a:rPr lang="zh-CN" altLang="en-US" dirty="0">
-                <a:solidFill>
-                  <a:schemeClr val="bg1">
-                    <a:lumMod val="65000"/>
-                  </a:schemeClr>
-                </a:solidFill>
-                <a:latin typeface="PingFang SC"/>
-              </a:rPr>
-              <a:t>（</a:t>
-            </a:r>
-            <a:r>
-              <a:rPr lang="en-US" altLang="zh-CN" dirty="0">
-                <a:solidFill>
-                  <a:schemeClr val="bg1">
-                    <a:lumMod val="65000"/>
-                  </a:schemeClr>
-                </a:solidFill>
-                <a:latin typeface="PingFang SC"/>
-              </a:rPr>
-              <a:t>1</a:t>
-            </a:r>
-            <a:r>
-              <a:rPr lang="zh-CN" altLang="en-US" dirty="0">
-                <a:solidFill>
-                  <a:schemeClr val="bg1">
-                    <a:lumMod val="65000"/>
-                  </a:schemeClr>
-                </a:solidFill>
-                <a:latin typeface="PingFang SC"/>
-              </a:rPr>
-              <a:t>）程序运行时间</a:t>
-            </a:r>
-          </a:p>
-          <a:p>
-            <a:pPr>
-              <a:lnSpc>
-                <a:spcPct val="200000"/>
-              </a:lnSpc>
-            </a:pPr>
-            <a:r>
-              <a:rPr lang="en-US" altLang="zh-CN" dirty="0">
-                <a:solidFill>
-                  <a:schemeClr val="bg1">
-                    <a:lumMod val="65000"/>
-                  </a:schemeClr>
-                </a:solidFill>
-                <a:latin typeface="PingFang SC"/>
-              </a:rPr>
-              <a:t>·</a:t>
-            </a:r>
-            <a:r>
-              <a:rPr lang="zh-CN" altLang="en-US" dirty="0">
-                <a:solidFill>
-                  <a:schemeClr val="bg1">
-                    <a:lumMod val="65000"/>
-                  </a:schemeClr>
-                </a:solidFill>
-                <a:latin typeface="PingFang SC"/>
-              </a:rPr>
-              <a:t>写程序之前先简化算术的和逻辑的表达式。</a:t>
-            </a:r>
-          </a:p>
-          <a:p>
-            <a:pPr>
-              <a:lnSpc>
-                <a:spcPct val="200000"/>
-              </a:lnSpc>
-            </a:pPr>
-            <a:r>
-              <a:rPr lang="en-US" altLang="zh-CN" dirty="0">
-                <a:solidFill>
-                  <a:schemeClr val="bg1">
-                    <a:lumMod val="65000"/>
-                  </a:schemeClr>
-                </a:solidFill>
-                <a:latin typeface="PingFang SC"/>
-              </a:rPr>
-              <a:t>·</a:t>
-            </a:r>
-            <a:r>
-              <a:rPr lang="zh-CN" altLang="en-US" dirty="0">
-                <a:solidFill>
-                  <a:schemeClr val="bg1">
-                    <a:lumMod val="65000"/>
-                  </a:schemeClr>
-                </a:solidFill>
-                <a:latin typeface="PingFang SC"/>
-              </a:rPr>
-              <a:t>仔细研究嵌套的循环</a:t>
-            </a:r>
-            <a:r>
-              <a:rPr lang="en-US" altLang="zh-CN" dirty="0">
-                <a:solidFill>
-                  <a:schemeClr val="bg1">
-                    <a:lumMod val="65000"/>
-                  </a:schemeClr>
-                </a:solidFill>
-                <a:latin typeface="PingFang SC"/>
-              </a:rPr>
-              <a:t>,</a:t>
-            </a:r>
-            <a:r>
-              <a:rPr lang="zh-CN" altLang="en-US" dirty="0">
-                <a:solidFill>
-                  <a:schemeClr val="bg1">
-                    <a:lumMod val="65000"/>
-                  </a:schemeClr>
-                </a:solidFill>
-                <a:latin typeface="PingFang SC"/>
-              </a:rPr>
-              <a:t>以确定是否有语句可以从内层往外移。</a:t>
-            </a:r>
-          </a:p>
-          <a:p>
-            <a:pPr>
-              <a:lnSpc>
-                <a:spcPct val="200000"/>
-              </a:lnSpc>
-            </a:pPr>
-            <a:r>
-              <a:rPr lang="en-US" altLang="zh-CN" dirty="0">
-                <a:solidFill>
-                  <a:schemeClr val="bg1">
-                    <a:lumMod val="65000"/>
-                  </a:schemeClr>
-                </a:solidFill>
-                <a:latin typeface="PingFang SC"/>
-              </a:rPr>
-              <a:t>·</a:t>
-            </a:r>
-            <a:r>
-              <a:rPr lang="zh-CN" altLang="en-US" dirty="0">
-                <a:solidFill>
-                  <a:schemeClr val="bg1">
-                    <a:lumMod val="65000"/>
-                  </a:schemeClr>
-                </a:solidFill>
-                <a:latin typeface="PingFang SC"/>
-              </a:rPr>
-              <a:t>尽量避免使用多维数组。</a:t>
-            </a:r>
-          </a:p>
-          <a:p>
-            <a:pPr>
-              <a:lnSpc>
-                <a:spcPct val="200000"/>
-              </a:lnSpc>
-            </a:pPr>
-            <a:r>
-              <a:rPr lang="en-US" altLang="zh-CN" dirty="0">
-                <a:solidFill>
-                  <a:schemeClr val="bg1">
-                    <a:lumMod val="65000"/>
-                  </a:schemeClr>
-                </a:solidFill>
-                <a:latin typeface="PingFang SC"/>
-              </a:rPr>
-              <a:t>·</a:t>
-            </a:r>
-            <a:r>
-              <a:rPr lang="zh-CN" altLang="en-US" dirty="0">
-                <a:solidFill>
-                  <a:schemeClr val="bg1">
-                    <a:lumMod val="65000"/>
-                  </a:schemeClr>
-                </a:solidFill>
-                <a:latin typeface="PingFang SC"/>
-              </a:rPr>
-              <a:t>尽量避免使用指针和复杂的表。</a:t>
-            </a:r>
-          </a:p>
-          <a:p>
-            <a:pPr>
-              <a:lnSpc>
-                <a:spcPct val="200000"/>
-              </a:lnSpc>
-            </a:pPr>
-            <a:r>
-              <a:rPr lang="en-US" altLang="zh-CN" dirty="0">
-                <a:solidFill>
-                  <a:schemeClr val="bg1">
-                    <a:lumMod val="65000"/>
-                  </a:schemeClr>
-                </a:solidFill>
-                <a:latin typeface="PingFang SC"/>
-              </a:rPr>
-              <a:t>·</a:t>
-            </a:r>
-            <a:r>
-              <a:rPr lang="zh-CN" altLang="en-US" dirty="0">
-                <a:solidFill>
-                  <a:schemeClr val="bg1">
-                    <a:lumMod val="65000"/>
-                  </a:schemeClr>
-                </a:solidFill>
-                <a:latin typeface="PingFang SC"/>
-              </a:rPr>
-              <a:t>使用执行时间短的算术运算。不要混合使用不同的数据类型。</a:t>
-            </a:r>
-          </a:p>
-          <a:p>
-            <a:pPr>
-              <a:lnSpc>
-                <a:spcPct val="200000"/>
-              </a:lnSpc>
-            </a:pPr>
-            <a:r>
-              <a:rPr lang="en-US" altLang="zh-CN" dirty="0">
-                <a:solidFill>
-                  <a:schemeClr val="bg1">
-                    <a:lumMod val="65000"/>
-                  </a:schemeClr>
-                </a:solidFill>
-                <a:latin typeface="PingFang SC"/>
-              </a:rPr>
-              <a:t>·</a:t>
-            </a:r>
-            <a:r>
-              <a:rPr lang="zh-CN" altLang="en-US" dirty="0">
-                <a:solidFill>
-                  <a:schemeClr val="bg1">
-                    <a:lumMod val="65000"/>
-                  </a:schemeClr>
-                </a:solidFill>
-                <a:latin typeface="PingFang SC"/>
-              </a:rPr>
-              <a:t>尽量使用整数运算和布尔表达式。</a:t>
-            </a:r>
-          </a:p>
-          <a:p>
-            <a:pPr>
-              <a:lnSpc>
-                <a:spcPct val="200000"/>
-              </a:lnSpc>
-            </a:pPr>
-            <a:r>
-              <a:rPr lang="zh-CN" altLang="en-US" dirty="0">
-                <a:solidFill>
-                  <a:schemeClr val="bg1">
-                    <a:lumMod val="65000"/>
-                  </a:schemeClr>
-                </a:solidFill>
-                <a:latin typeface="PingFang SC"/>
-              </a:rPr>
-              <a:t>（</a:t>
-            </a:r>
-            <a:r>
-              <a:rPr lang="en-US" altLang="zh-CN" dirty="0">
-                <a:solidFill>
-                  <a:schemeClr val="bg1">
-                    <a:lumMod val="65000"/>
-                  </a:schemeClr>
-                </a:solidFill>
-                <a:latin typeface="PingFang SC"/>
-              </a:rPr>
-              <a:t>2</a:t>
-            </a:r>
-            <a:r>
-              <a:rPr lang="zh-CN" altLang="en-US" dirty="0">
-                <a:solidFill>
-                  <a:schemeClr val="bg1">
-                    <a:lumMod val="65000"/>
-                  </a:schemeClr>
-                </a:solidFill>
-                <a:latin typeface="PingFang SC"/>
-              </a:rPr>
-              <a:t>）存储器效率</a:t>
-            </a:r>
-          </a:p>
-          <a:p>
-            <a:pPr>
-              <a:lnSpc>
-                <a:spcPct val="200000"/>
-              </a:lnSpc>
-            </a:pPr>
-            <a:r>
-              <a:rPr lang="zh-CN" altLang="en-US" dirty="0">
-                <a:solidFill>
-                  <a:schemeClr val="bg1">
-                    <a:lumMod val="65000"/>
-                  </a:schemeClr>
-                </a:solidFill>
-                <a:latin typeface="PingFang SC"/>
-              </a:rPr>
-              <a:t>使用能保持功能域的结构化控制结构。</a:t>
-            </a:r>
-          </a:p>
-          <a:p>
-            <a:pPr>
-              <a:lnSpc>
-                <a:spcPct val="200000"/>
-              </a:lnSpc>
-            </a:pPr>
-            <a:r>
-              <a:rPr lang="zh-CN" altLang="en-US" dirty="0">
-                <a:solidFill>
-                  <a:schemeClr val="bg1">
-                    <a:lumMod val="65000"/>
-                  </a:schemeClr>
-                </a:solidFill>
-                <a:latin typeface="PingFang SC"/>
-              </a:rPr>
-              <a:t>提高执行效率的技术。</a:t>
-            </a:r>
-          </a:p>
-          <a:p>
-            <a:pPr>
-              <a:lnSpc>
-                <a:spcPct val="200000"/>
-              </a:lnSpc>
-            </a:pPr>
-            <a:r>
-              <a:rPr lang="zh-CN" altLang="en-US" dirty="0">
-                <a:solidFill>
-                  <a:schemeClr val="bg1">
-                    <a:lumMod val="65000"/>
-                  </a:schemeClr>
-                </a:solidFill>
-                <a:latin typeface="PingFang SC"/>
-              </a:rPr>
-              <a:t>提高存储器效率的关键是“简单”。</a:t>
-            </a:r>
-          </a:p>
-        </p:txBody>
-      </p:sp>
-      <p:sp>
-        <p:nvSpPr>
-          <p:cNvPr id="15" name="矩形 14"/>
-          <p:cNvSpPr/>
-          <p:nvPr/>
-        </p:nvSpPr>
-        <p:spPr>
-          <a:xfrm rot="5400000">
-            <a:off x="-72959" y="3132305"/>
-            <a:ext cx="369652" cy="223735"/>
-          </a:xfrm>
-          <a:prstGeom prst="rect">
-            <a:avLst/>
-          </a:prstGeom>
-          <a:solidFill>
-            <a:srgbClr val="B3946B"/>
-          </a:solidFill>
-          <a:ln>
-            <a:noFill/>
-          </a:ln>
-        </p:spPr>
-        <p:style>
-          <a:lnRef idx="2">
-            <a:schemeClr val="accent1">
-              <a:shade val="50000"/>
-            </a:schemeClr>
-          </a:lnRef>
-          <a:fillRef idx="1">
-            <a:schemeClr val="accent1"/>
-          </a:fillRef>
-          <a:effectRef idx="0">
-            <a:schemeClr val="accent1"/>
-          </a:effectRef>
-          <a:fontRef idx="minor">
-            <a:schemeClr val="lt1"/>
-          </a:fontRef>
-        </p:style>
-        <p:txBody>
-          <a:bodyPr rtlCol="0" anchor="ctr"/>
-          <a:lstStyle/>
-          <a:p>
-            <a:pPr algn="ctr"/>
-            <a:endParaRPr lang="zh-CN" altLang="en-US"/>
-          </a:p>
-        </p:txBody>
-      </p:sp>
-      <p:sp>
-        <p:nvSpPr>
-          <p:cNvPr id="7" name="文本框 6">
-            <a:extLst>
-              <a:ext uri="{FF2B5EF4-FFF2-40B4-BE49-F238E27FC236}">
-                <a16:creationId xmlns:a16="http://schemas.microsoft.com/office/drawing/2014/main" id="{29CF9F8C-0C8E-4164-9FAA-5BC1F994583B}"/>
-              </a:ext>
-            </a:extLst>
-          </p:cNvPr>
-          <p:cNvSpPr txBox="1"/>
-          <p:nvPr/>
-        </p:nvSpPr>
-        <p:spPr>
-          <a:xfrm>
-            <a:off x="7903027" y="230100"/>
-            <a:ext cx="4105471" cy="3893310"/>
-          </a:xfrm>
-          <a:prstGeom prst="rect">
-            <a:avLst/>
-          </a:prstGeom>
-          <a:noFill/>
-        </p:spPr>
-        <p:txBody>
-          <a:bodyPr wrap="square">
-            <a:spAutoFit/>
-          </a:bodyPr>
-          <a:lstStyle/>
-          <a:p>
-            <a:pPr>
-              <a:lnSpc>
-                <a:spcPct val="200000"/>
-              </a:lnSpc>
-            </a:pPr>
-            <a:r>
-              <a:rPr lang="zh-CN" altLang="en-US" sz="1800" dirty="0">
-                <a:solidFill>
-                  <a:schemeClr val="bg1">
-                    <a:lumMod val="65000"/>
-                  </a:schemeClr>
-                </a:solidFill>
-                <a:latin typeface="PingFang SC"/>
-              </a:rPr>
-              <a:t>（</a:t>
-            </a:r>
-            <a:r>
-              <a:rPr lang="en-US" altLang="zh-CN" sz="1800" dirty="0">
-                <a:solidFill>
-                  <a:schemeClr val="bg1">
-                    <a:lumMod val="65000"/>
-                  </a:schemeClr>
-                </a:solidFill>
-                <a:latin typeface="PingFang SC"/>
-              </a:rPr>
-              <a:t>3</a:t>
-            </a:r>
-            <a:r>
-              <a:rPr lang="zh-CN" altLang="en-US" sz="1800" dirty="0">
-                <a:solidFill>
-                  <a:schemeClr val="bg1">
-                    <a:lumMod val="65000"/>
-                  </a:schemeClr>
-                </a:solidFill>
-                <a:latin typeface="PingFang SC"/>
-              </a:rPr>
-              <a:t>）输入输出的效率</a:t>
-            </a:r>
-          </a:p>
-          <a:p>
-            <a:pPr>
-              <a:lnSpc>
-                <a:spcPct val="200000"/>
-              </a:lnSpc>
-            </a:pPr>
-            <a:r>
-              <a:rPr lang="en-US" altLang="zh-CN" sz="1800" dirty="0">
-                <a:solidFill>
-                  <a:schemeClr val="bg1">
-                    <a:lumMod val="65000"/>
-                  </a:schemeClr>
-                </a:solidFill>
-                <a:latin typeface="PingFang SC"/>
-              </a:rPr>
-              <a:t>·</a:t>
-            </a:r>
-            <a:r>
-              <a:rPr lang="zh-CN" altLang="en-US" sz="1800" dirty="0">
-                <a:solidFill>
-                  <a:schemeClr val="bg1">
-                    <a:lumMod val="65000"/>
-                  </a:schemeClr>
-                </a:solidFill>
-                <a:latin typeface="PingFang SC"/>
-              </a:rPr>
-              <a:t>所有输入输出都应该有缓冲</a:t>
-            </a:r>
-            <a:r>
-              <a:rPr lang="en-US" altLang="zh-CN" sz="1800" dirty="0">
-                <a:solidFill>
-                  <a:schemeClr val="bg1">
-                    <a:lumMod val="65000"/>
-                  </a:schemeClr>
-                </a:solidFill>
-                <a:latin typeface="PingFang SC"/>
-              </a:rPr>
-              <a:t>,</a:t>
-            </a:r>
-            <a:r>
-              <a:rPr lang="zh-CN" altLang="en-US" sz="1800" dirty="0">
-                <a:solidFill>
-                  <a:schemeClr val="bg1">
-                    <a:lumMod val="65000"/>
-                  </a:schemeClr>
-                </a:solidFill>
-                <a:latin typeface="PingFang SC"/>
-              </a:rPr>
-              <a:t>以减少用于通信的额外开销。</a:t>
-            </a:r>
-          </a:p>
-          <a:p>
-            <a:pPr>
-              <a:lnSpc>
-                <a:spcPct val="200000"/>
-              </a:lnSpc>
-            </a:pPr>
-            <a:r>
-              <a:rPr lang="en-US" altLang="zh-CN" sz="1800" dirty="0">
-                <a:solidFill>
-                  <a:schemeClr val="bg1">
-                    <a:lumMod val="65000"/>
-                  </a:schemeClr>
-                </a:solidFill>
-                <a:latin typeface="PingFang SC"/>
-              </a:rPr>
-              <a:t>·</a:t>
-            </a:r>
-            <a:r>
-              <a:rPr lang="zh-CN" altLang="en-US" sz="1800" dirty="0">
-                <a:solidFill>
-                  <a:schemeClr val="bg1">
-                    <a:lumMod val="65000"/>
-                  </a:schemeClr>
-                </a:solidFill>
-                <a:latin typeface="PingFang SC"/>
-              </a:rPr>
-              <a:t>对二级存储器</a:t>
-            </a:r>
-            <a:r>
-              <a:rPr lang="en-US" altLang="zh-CN" sz="1800" dirty="0">
-                <a:solidFill>
-                  <a:schemeClr val="bg1">
-                    <a:lumMod val="65000"/>
-                  </a:schemeClr>
-                </a:solidFill>
-                <a:latin typeface="PingFang SC"/>
-              </a:rPr>
-              <a:t>(</a:t>
-            </a:r>
-            <a:r>
-              <a:rPr lang="zh-CN" altLang="en-US" sz="1800" dirty="0">
-                <a:solidFill>
-                  <a:schemeClr val="bg1">
-                    <a:lumMod val="65000"/>
-                  </a:schemeClr>
-                </a:solidFill>
-                <a:latin typeface="PingFang SC"/>
-              </a:rPr>
-              <a:t>如磁盘</a:t>
-            </a:r>
-            <a:r>
-              <a:rPr lang="en-US" altLang="zh-CN" sz="1800" dirty="0">
-                <a:solidFill>
-                  <a:schemeClr val="bg1">
-                    <a:lumMod val="65000"/>
-                  </a:schemeClr>
-                </a:solidFill>
-                <a:latin typeface="PingFang SC"/>
-              </a:rPr>
-              <a:t>)</a:t>
-            </a:r>
-            <a:r>
-              <a:rPr lang="zh-CN" altLang="en-US" sz="1800" dirty="0">
-                <a:solidFill>
-                  <a:schemeClr val="bg1">
-                    <a:lumMod val="65000"/>
-                  </a:schemeClr>
-                </a:solidFill>
-                <a:latin typeface="PingFang SC"/>
-              </a:rPr>
-              <a:t>应选用最简单的访问方法。</a:t>
-            </a:r>
-          </a:p>
-          <a:p>
-            <a:pPr>
-              <a:lnSpc>
-                <a:spcPct val="200000"/>
-              </a:lnSpc>
-            </a:pPr>
-            <a:r>
-              <a:rPr lang="en-US" altLang="zh-CN" sz="1800" dirty="0">
-                <a:solidFill>
-                  <a:schemeClr val="bg1">
-                    <a:lumMod val="65000"/>
-                  </a:schemeClr>
-                </a:solidFill>
-                <a:latin typeface="PingFang SC"/>
-              </a:rPr>
-              <a:t>·</a:t>
-            </a:r>
-            <a:r>
-              <a:rPr lang="zh-CN" altLang="en-US" sz="1800" dirty="0">
-                <a:solidFill>
-                  <a:schemeClr val="bg1">
-                    <a:lumMod val="65000"/>
-                  </a:schemeClr>
-                </a:solidFill>
-                <a:latin typeface="PingFang SC"/>
-              </a:rPr>
-              <a:t>二级存储器的输入输出应该以信息组为单位进行。</a:t>
-            </a:r>
-          </a:p>
-        </p:txBody>
-      </p:sp>
-    </p:spTree>
-    <p:extLst>
-      <p:ext uri="{BB962C8B-B14F-4D97-AF65-F5344CB8AC3E}">
-        <p14:creationId xmlns:p14="http://schemas.microsoft.com/office/powerpoint/2010/main" val="1687305415"/>
-      </p:ext>
-    </p:extLst>
-  </p:cSld>
-  <p:clrMapOvr>
-    <a:masterClrMapping/>
-  </p:clrMapOvr>
-  <p:transition spd="slow" advTm="0">
-    <p:cover dir="u"/>
-  </p:transition>
-</p:sld>
-</file>
-
-<file path=ppt/slides/slide18.xml><?xml version="1.0" encoding="utf-8"?>
 <p:sld xmlns:a="http://schemas.openxmlformats.org/drawingml/2006/main" xmlns:r="http://schemas.openxmlformats.org/officeDocument/2006/relationships" xmlns:p="http://schemas.openxmlformats.org/presentationml/2006/main">
   <p:cSld>
     <p:spTree>
@@ -8352,7 +4838,7 @@
 </p:sld>
 </file>
 
-<file path=ppt/slides/slide19.xml><?xml version="1.0" encoding="utf-8"?>
+<file path=ppt/slides/slide17.xml><?xml version="1.0" encoding="utf-8"?>
 <p:sld xmlns:a="http://schemas.openxmlformats.org/drawingml/2006/main" xmlns:r="http://schemas.openxmlformats.org/officeDocument/2006/relationships" xmlns:p="http://schemas.openxmlformats.org/presentationml/2006/main">
   <p:cSld>
     <p:spTree>
@@ -8722,6 +5208,238 @@
 </p:sld>
 </file>
 
+<file path=ppt/slides/slide18.xml><?xml version="1.0" encoding="utf-8"?>
+<p:sld xmlns:a="http://schemas.openxmlformats.org/drawingml/2006/main" xmlns:r="http://schemas.openxmlformats.org/officeDocument/2006/relationships" xmlns:p="http://schemas.openxmlformats.org/presentationml/2006/main">
+  <p:cSld>
+    <p:spTree>
+      <p:nvGrpSpPr>
+        <p:cNvPr id="1" name=""/>
+        <p:cNvGrpSpPr/>
+        <p:nvPr/>
+      </p:nvGrpSpPr>
+      <p:grpSpPr>
+        <a:xfrm>
+          <a:off x="0" y="0"/>
+          <a:ext cx="0" cy="0"/>
+          <a:chOff x="0" y="0"/>
+          <a:chExt cx="0" cy="0"/>
+        </a:xfrm>
+      </p:grpSpPr>
+      <p:pic>
+        <p:nvPicPr>
+          <p:cNvPr id="2" name="图片 1">
+            <a:extLst>
+              <a:ext uri="{FF2B5EF4-FFF2-40B4-BE49-F238E27FC236}">
+                <a16:creationId xmlns:a16="http://schemas.microsoft.com/office/drawing/2014/main" id="{C2C5AD56-2D54-4EE3-9F4A-0ECAEF1F28F1}"/>
+              </a:ext>
+            </a:extLst>
+          </p:cNvPr>
+          <p:cNvPicPr>
+            <a:picLocks noChangeAspect="1"/>
+          </p:cNvPicPr>
+          <p:nvPr/>
+        </p:nvPicPr>
+        <p:blipFill>
+          <a:blip r:embed="rId2"/>
+          <a:stretch>
+            <a:fillRect/>
+          </a:stretch>
+        </p:blipFill>
+        <p:spPr>
+          <a:xfrm>
+            <a:off x="1754155" y="467992"/>
+            <a:ext cx="8129211" cy="5922015"/>
+          </a:xfrm>
+          <a:prstGeom prst="rect">
+            <a:avLst/>
+          </a:prstGeom>
+          <a:noFill/>
+          <a:ln>
+            <a:noFill/>
+          </a:ln>
+        </p:spPr>
+      </p:pic>
+      <p:sp>
+        <p:nvSpPr>
+          <p:cNvPr id="3" name="文本框 2">
+            <a:extLst>
+              <a:ext uri="{FF2B5EF4-FFF2-40B4-BE49-F238E27FC236}">
+                <a16:creationId xmlns:a16="http://schemas.microsoft.com/office/drawing/2014/main" id="{7E745CF9-502F-4396-8857-7D9AB29EF771}"/>
+              </a:ext>
+            </a:extLst>
+          </p:cNvPr>
+          <p:cNvSpPr txBox="1"/>
+          <p:nvPr/>
+        </p:nvSpPr>
+        <p:spPr>
+          <a:xfrm>
+            <a:off x="357422" y="2562096"/>
+            <a:ext cx="677108" cy="1733808"/>
+          </a:xfrm>
+          <a:prstGeom prst="rect">
+            <a:avLst/>
+          </a:prstGeom>
+          <a:noFill/>
+        </p:spPr>
+        <p:txBody>
+          <a:bodyPr vert="eaVert" wrap="none" rtlCol="0">
+            <a:spAutoFit/>
+          </a:bodyPr>
+          <a:lstStyle/>
+          <a:p>
+            <a:r>
+              <a:rPr lang="zh-CN" altLang="en-US" sz="3200" dirty="0">
+                <a:solidFill>
+                  <a:schemeClr val="tx1">
+                    <a:lumMod val="50000"/>
+                    <a:lumOff val="50000"/>
+                  </a:schemeClr>
+                </a:solidFill>
+                <a:latin typeface="幼圆" panose="02010509060101010101" pitchFamily="49" charset="-122"/>
+                <a:ea typeface="幼圆" panose="02010509060101010101" pitchFamily="49" charset="-122"/>
+              </a:rPr>
+              <a:t>单元测试</a:t>
+            </a:r>
+          </a:p>
+        </p:txBody>
+      </p:sp>
+    </p:spTree>
+    <p:extLst>
+      <p:ext uri="{BB962C8B-B14F-4D97-AF65-F5344CB8AC3E}">
+        <p14:creationId xmlns:p14="http://schemas.microsoft.com/office/powerpoint/2010/main" val="602112675"/>
+      </p:ext>
+    </p:extLst>
+  </p:cSld>
+  <p:clrMapOvr>
+    <a:masterClrMapping/>
+  </p:clrMapOvr>
+  <mc:AlternateContent xmlns:mc="http://schemas.openxmlformats.org/markup-compatibility/2006" xmlns:p14="http://schemas.microsoft.com/office/powerpoint/2010/main">
+    <mc:Choice Requires="p14">
+      <p:transition spd="slow" p14:dur="2000" advTm="0"/>
+    </mc:Choice>
+    <mc:Fallback xmlns="">
+      <p:transition spd="slow" advTm="0"/>
+    </mc:Fallback>
+  </mc:AlternateContent>
+</p:sld>
+</file>
+
+<file path=ppt/slides/slide19.xml><?xml version="1.0" encoding="utf-8"?>
+<p:sld xmlns:a="http://schemas.openxmlformats.org/drawingml/2006/main" xmlns:r="http://schemas.openxmlformats.org/officeDocument/2006/relationships" xmlns:p="http://schemas.openxmlformats.org/presentationml/2006/main">
+  <p:cSld>
+    <p:spTree>
+      <p:nvGrpSpPr>
+        <p:cNvPr id="1" name=""/>
+        <p:cNvGrpSpPr/>
+        <p:nvPr/>
+      </p:nvGrpSpPr>
+      <p:grpSpPr>
+        <a:xfrm>
+          <a:off x="0" y="0"/>
+          <a:ext cx="0" cy="0"/>
+          <a:chOff x="0" y="0"/>
+          <a:chExt cx="0" cy="0"/>
+        </a:xfrm>
+      </p:grpSpPr>
+      <p:pic>
+        <p:nvPicPr>
+          <p:cNvPr id="2" name="图片 1">
+            <a:extLst>
+              <a:ext uri="{FF2B5EF4-FFF2-40B4-BE49-F238E27FC236}">
+                <a16:creationId xmlns:a16="http://schemas.microsoft.com/office/drawing/2014/main" id="{CF70B945-4620-4A6B-B25A-3362FD8A9627}"/>
+              </a:ext>
+            </a:extLst>
+          </p:cNvPr>
+          <p:cNvPicPr>
+            <a:picLocks noChangeAspect="1"/>
+          </p:cNvPicPr>
+          <p:nvPr/>
+        </p:nvPicPr>
+        <p:blipFill>
+          <a:blip r:embed="rId2"/>
+          <a:stretch>
+            <a:fillRect/>
+          </a:stretch>
+        </p:blipFill>
+        <p:spPr>
+          <a:xfrm>
+            <a:off x="348744" y="2433607"/>
+            <a:ext cx="11494511" cy="1990786"/>
+          </a:xfrm>
+          <a:prstGeom prst="rect">
+            <a:avLst/>
+          </a:prstGeom>
+          <a:noFill/>
+          <a:ln>
+            <a:noFill/>
+          </a:ln>
+        </p:spPr>
+      </p:pic>
+      <p:sp>
+        <p:nvSpPr>
+          <p:cNvPr id="3" name="文本框 2">
+            <a:extLst>
+              <a:ext uri="{FF2B5EF4-FFF2-40B4-BE49-F238E27FC236}">
+                <a16:creationId xmlns:a16="http://schemas.microsoft.com/office/drawing/2014/main" id="{7A6794D1-E7D0-4FAE-9B20-727C86C835E2}"/>
+              </a:ext>
+            </a:extLst>
+          </p:cNvPr>
+          <p:cNvSpPr txBox="1"/>
+          <p:nvPr/>
+        </p:nvSpPr>
+        <p:spPr>
+          <a:xfrm>
+            <a:off x="236124" y="537354"/>
+            <a:ext cx="677108" cy="1733808"/>
+          </a:xfrm>
+          <a:prstGeom prst="rect">
+            <a:avLst/>
+          </a:prstGeom>
+          <a:noFill/>
+        </p:spPr>
+        <p:txBody>
+          <a:bodyPr vert="eaVert" wrap="none" rtlCol="0">
+            <a:spAutoFit/>
+          </a:bodyPr>
+          <a:lstStyle/>
+          <a:p>
+            <a:r>
+              <a:rPr lang="zh-CN" altLang="en-US" sz="3200" dirty="0">
+                <a:solidFill>
+                  <a:schemeClr val="tx1">
+                    <a:lumMod val="50000"/>
+                    <a:lumOff val="50000"/>
+                  </a:schemeClr>
+                </a:solidFill>
+                <a:latin typeface="幼圆" panose="02010509060101010101" pitchFamily="49" charset="-122"/>
+                <a:ea typeface="幼圆" panose="02010509060101010101" pitchFamily="49" charset="-122"/>
+              </a:rPr>
+              <a:t>单元测试</a:t>
+            </a:r>
+          </a:p>
+        </p:txBody>
+      </p:sp>
+    </p:spTree>
+    <p:extLst>
+      <p:ext uri="{BB962C8B-B14F-4D97-AF65-F5344CB8AC3E}">
+        <p14:creationId xmlns:p14="http://schemas.microsoft.com/office/powerpoint/2010/main" val="1949289830"/>
+      </p:ext>
+    </p:extLst>
+  </p:cSld>
+  <p:clrMapOvr>
+    <a:masterClrMapping/>
+  </p:clrMapOvr>
+  <mc:AlternateContent xmlns:mc="http://schemas.openxmlformats.org/markup-compatibility/2006" xmlns:p14="http://schemas.microsoft.com/office/powerpoint/2010/main">
+    <mc:Choice Requires="p14">
+      <p:transition spd="slow" p14:dur="2000" advTm="0"/>
+    </mc:Choice>
+    <mc:Fallback xmlns="">
+      <p:transition spd="slow" advTm="0"/>
+    </mc:Fallback>
+  </mc:AlternateContent>
+</p:sld>
+</file>
+
 <file path=ppt/slides/slide2.xml><?xml version="1.0" encoding="utf-8"?>
 <p:sld xmlns:a="http://schemas.openxmlformats.org/drawingml/2006/main" xmlns:r="http://schemas.openxmlformats.org/officeDocument/2006/relationships" xmlns:p="http://schemas.openxmlformats.org/presentationml/2006/main">
   <p:cSld>
@@ -9244,7 +5962,7 @@
           <p:cNvPr id="2" name="图片 1">
             <a:extLst>
               <a:ext uri="{FF2B5EF4-FFF2-40B4-BE49-F238E27FC236}">
-                <a16:creationId xmlns:a16="http://schemas.microsoft.com/office/drawing/2014/main" id="{C2C5AD56-2D54-4EE3-9F4A-0ECAEF1F28F1}"/>
+                <a16:creationId xmlns:a16="http://schemas.microsoft.com/office/drawing/2014/main" id="{771D30BE-72FB-4651-929C-85118B8AB03C}"/>
               </a:ext>
             </a:extLst>
           </p:cNvPr>
@@ -9261,8 +5979,8 @@
         </p:blipFill>
         <p:spPr>
           <a:xfrm>
-            <a:off x="1754155" y="467992"/>
-            <a:ext cx="8129211" cy="5922015"/>
+            <a:off x="1399592" y="451523"/>
+            <a:ext cx="8545914" cy="5954953"/>
           </a:xfrm>
           <a:prstGeom prst="rect">
             <a:avLst/>
@@ -9278,7 +5996,7 @@
           <p:cNvPr id="3" name="文本框 2">
             <a:extLst>
               <a:ext uri="{FF2B5EF4-FFF2-40B4-BE49-F238E27FC236}">
-                <a16:creationId xmlns:a16="http://schemas.microsoft.com/office/drawing/2014/main" id="{7E745CF9-502F-4396-8857-7D9AB29EF771}"/>
+                <a16:creationId xmlns:a16="http://schemas.microsoft.com/office/drawing/2014/main" id="{939BC97A-9A02-43C9-B09E-77FE05852A5F}"/>
               </a:ext>
             </a:extLst>
           </p:cNvPr>
@@ -9320,7 +6038,7 @@
     </p:spTree>
     <p:extLst>
       <p:ext uri="{BB962C8B-B14F-4D97-AF65-F5344CB8AC3E}">
-        <p14:creationId xmlns:p14="http://schemas.microsoft.com/office/powerpoint/2010/main" val="602112675"/>
+        <p14:creationId xmlns:p14="http://schemas.microsoft.com/office/powerpoint/2010/main" val="1282302417"/>
       </p:ext>
     </p:extLst>
   </p:cSld>
@@ -9360,238 +6078,6 @@
           <p:cNvPr id="2" name="图片 1">
             <a:extLst>
               <a:ext uri="{FF2B5EF4-FFF2-40B4-BE49-F238E27FC236}">
-                <a16:creationId xmlns:a16="http://schemas.microsoft.com/office/drawing/2014/main" id="{CF70B945-4620-4A6B-B25A-3362FD8A9627}"/>
-              </a:ext>
-            </a:extLst>
-          </p:cNvPr>
-          <p:cNvPicPr>
-            <a:picLocks noChangeAspect="1"/>
-          </p:cNvPicPr>
-          <p:nvPr/>
-        </p:nvPicPr>
-        <p:blipFill>
-          <a:blip r:embed="rId2"/>
-          <a:stretch>
-            <a:fillRect/>
-          </a:stretch>
-        </p:blipFill>
-        <p:spPr>
-          <a:xfrm>
-            <a:off x="348744" y="2433607"/>
-            <a:ext cx="11494511" cy="1990786"/>
-          </a:xfrm>
-          <a:prstGeom prst="rect">
-            <a:avLst/>
-          </a:prstGeom>
-          <a:noFill/>
-          <a:ln>
-            <a:noFill/>
-          </a:ln>
-        </p:spPr>
-      </p:pic>
-      <p:sp>
-        <p:nvSpPr>
-          <p:cNvPr id="3" name="文本框 2">
-            <a:extLst>
-              <a:ext uri="{FF2B5EF4-FFF2-40B4-BE49-F238E27FC236}">
-                <a16:creationId xmlns:a16="http://schemas.microsoft.com/office/drawing/2014/main" id="{7A6794D1-E7D0-4FAE-9B20-727C86C835E2}"/>
-              </a:ext>
-            </a:extLst>
-          </p:cNvPr>
-          <p:cNvSpPr txBox="1"/>
-          <p:nvPr/>
-        </p:nvSpPr>
-        <p:spPr>
-          <a:xfrm>
-            <a:off x="236124" y="537354"/>
-            <a:ext cx="677108" cy="1733808"/>
-          </a:xfrm>
-          <a:prstGeom prst="rect">
-            <a:avLst/>
-          </a:prstGeom>
-          <a:noFill/>
-        </p:spPr>
-        <p:txBody>
-          <a:bodyPr vert="eaVert" wrap="none" rtlCol="0">
-            <a:spAutoFit/>
-          </a:bodyPr>
-          <a:lstStyle/>
-          <a:p>
-            <a:r>
-              <a:rPr lang="zh-CN" altLang="en-US" sz="3200" dirty="0">
-                <a:solidFill>
-                  <a:schemeClr val="tx1">
-                    <a:lumMod val="50000"/>
-                    <a:lumOff val="50000"/>
-                  </a:schemeClr>
-                </a:solidFill>
-                <a:latin typeface="幼圆" panose="02010509060101010101" pitchFamily="49" charset="-122"/>
-                <a:ea typeface="幼圆" panose="02010509060101010101" pitchFamily="49" charset="-122"/>
-              </a:rPr>
-              <a:t>单元测试</a:t>
-            </a:r>
-          </a:p>
-        </p:txBody>
-      </p:sp>
-    </p:spTree>
-    <p:extLst>
-      <p:ext uri="{BB962C8B-B14F-4D97-AF65-F5344CB8AC3E}">
-        <p14:creationId xmlns:p14="http://schemas.microsoft.com/office/powerpoint/2010/main" val="1949289830"/>
-      </p:ext>
-    </p:extLst>
-  </p:cSld>
-  <p:clrMapOvr>
-    <a:masterClrMapping/>
-  </p:clrMapOvr>
-  <mc:AlternateContent xmlns:mc="http://schemas.openxmlformats.org/markup-compatibility/2006" xmlns:p14="http://schemas.microsoft.com/office/powerpoint/2010/main">
-    <mc:Choice Requires="p14">
-      <p:transition spd="slow" p14:dur="2000" advTm="0"/>
-    </mc:Choice>
-    <mc:Fallback xmlns="">
-      <p:transition spd="slow" advTm="0"/>
-    </mc:Fallback>
-  </mc:AlternateContent>
-</p:sld>
-</file>
-
-<file path=ppt/slides/slide22.xml><?xml version="1.0" encoding="utf-8"?>
-<p:sld xmlns:a="http://schemas.openxmlformats.org/drawingml/2006/main" xmlns:r="http://schemas.openxmlformats.org/officeDocument/2006/relationships" xmlns:p="http://schemas.openxmlformats.org/presentationml/2006/main">
-  <p:cSld>
-    <p:spTree>
-      <p:nvGrpSpPr>
-        <p:cNvPr id="1" name=""/>
-        <p:cNvGrpSpPr/>
-        <p:nvPr/>
-      </p:nvGrpSpPr>
-      <p:grpSpPr>
-        <a:xfrm>
-          <a:off x="0" y="0"/>
-          <a:ext cx="0" cy="0"/>
-          <a:chOff x="0" y="0"/>
-          <a:chExt cx="0" cy="0"/>
-        </a:xfrm>
-      </p:grpSpPr>
-      <p:pic>
-        <p:nvPicPr>
-          <p:cNvPr id="2" name="图片 1">
-            <a:extLst>
-              <a:ext uri="{FF2B5EF4-FFF2-40B4-BE49-F238E27FC236}">
-                <a16:creationId xmlns:a16="http://schemas.microsoft.com/office/drawing/2014/main" id="{771D30BE-72FB-4651-929C-85118B8AB03C}"/>
-              </a:ext>
-            </a:extLst>
-          </p:cNvPr>
-          <p:cNvPicPr>
-            <a:picLocks noChangeAspect="1"/>
-          </p:cNvPicPr>
-          <p:nvPr/>
-        </p:nvPicPr>
-        <p:blipFill>
-          <a:blip r:embed="rId2"/>
-          <a:stretch>
-            <a:fillRect/>
-          </a:stretch>
-        </p:blipFill>
-        <p:spPr>
-          <a:xfrm>
-            <a:off x="1399592" y="451523"/>
-            <a:ext cx="8545914" cy="5954953"/>
-          </a:xfrm>
-          <a:prstGeom prst="rect">
-            <a:avLst/>
-          </a:prstGeom>
-          <a:noFill/>
-          <a:ln>
-            <a:noFill/>
-          </a:ln>
-        </p:spPr>
-      </p:pic>
-      <p:sp>
-        <p:nvSpPr>
-          <p:cNvPr id="3" name="文本框 2">
-            <a:extLst>
-              <a:ext uri="{FF2B5EF4-FFF2-40B4-BE49-F238E27FC236}">
-                <a16:creationId xmlns:a16="http://schemas.microsoft.com/office/drawing/2014/main" id="{939BC97A-9A02-43C9-B09E-77FE05852A5F}"/>
-              </a:ext>
-            </a:extLst>
-          </p:cNvPr>
-          <p:cNvSpPr txBox="1"/>
-          <p:nvPr/>
-        </p:nvSpPr>
-        <p:spPr>
-          <a:xfrm>
-            <a:off x="357422" y="2562096"/>
-            <a:ext cx="677108" cy="1733808"/>
-          </a:xfrm>
-          <a:prstGeom prst="rect">
-            <a:avLst/>
-          </a:prstGeom>
-          <a:noFill/>
-        </p:spPr>
-        <p:txBody>
-          <a:bodyPr vert="eaVert" wrap="none" rtlCol="0">
-            <a:spAutoFit/>
-          </a:bodyPr>
-          <a:lstStyle/>
-          <a:p>
-            <a:r>
-              <a:rPr lang="zh-CN" altLang="en-US" sz="3200" dirty="0">
-                <a:solidFill>
-                  <a:schemeClr val="tx1">
-                    <a:lumMod val="50000"/>
-                    <a:lumOff val="50000"/>
-                  </a:schemeClr>
-                </a:solidFill>
-                <a:latin typeface="幼圆" panose="02010509060101010101" pitchFamily="49" charset="-122"/>
-                <a:ea typeface="幼圆" panose="02010509060101010101" pitchFamily="49" charset="-122"/>
-              </a:rPr>
-              <a:t>单元测试</a:t>
-            </a:r>
-          </a:p>
-        </p:txBody>
-      </p:sp>
-    </p:spTree>
-    <p:extLst>
-      <p:ext uri="{BB962C8B-B14F-4D97-AF65-F5344CB8AC3E}">
-        <p14:creationId xmlns:p14="http://schemas.microsoft.com/office/powerpoint/2010/main" val="1282302417"/>
-      </p:ext>
-    </p:extLst>
-  </p:cSld>
-  <p:clrMapOvr>
-    <a:masterClrMapping/>
-  </p:clrMapOvr>
-  <mc:AlternateContent xmlns:mc="http://schemas.openxmlformats.org/markup-compatibility/2006" xmlns:p14="http://schemas.microsoft.com/office/powerpoint/2010/main">
-    <mc:Choice Requires="p14">
-      <p:transition spd="slow" p14:dur="2000" advTm="0"/>
-    </mc:Choice>
-    <mc:Fallback xmlns="">
-      <p:transition spd="slow" advTm="0"/>
-    </mc:Fallback>
-  </mc:AlternateContent>
-</p:sld>
-</file>
-
-<file path=ppt/slides/slide23.xml><?xml version="1.0" encoding="utf-8"?>
-<p:sld xmlns:a="http://schemas.openxmlformats.org/drawingml/2006/main" xmlns:r="http://schemas.openxmlformats.org/officeDocument/2006/relationships" xmlns:p="http://schemas.openxmlformats.org/presentationml/2006/main">
-  <p:cSld>
-    <p:spTree>
-      <p:nvGrpSpPr>
-        <p:cNvPr id="1" name=""/>
-        <p:cNvGrpSpPr/>
-        <p:nvPr/>
-      </p:nvGrpSpPr>
-      <p:grpSpPr>
-        <a:xfrm>
-          <a:off x="0" y="0"/>
-          <a:ext cx="0" cy="0"/>
-          <a:chOff x="0" y="0"/>
-          <a:chExt cx="0" cy="0"/>
-        </a:xfrm>
-      </p:grpSpPr>
-      <p:pic>
-        <p:nvPicPr>
-          <p:cNvPr id="2" name="图片 1">
-            <a:extLst>
-              <a:ext uri="{FF2B5EF4-FFF2-40B4-BE49-F238E27FC236}">
                 <a16:creationId xmlns:a16="http://schemas.microsoft.com/office/drawing/2014/main" id="{67DDD948-CA0F-40B7-AE31-F12609B9CE21}"/>
               </a:ext>
             </a:extLst>
@@ -9686,7 +6172,7 @@
 </p:sld>
 </file>
 
-<file path=ppt/slides/slide24.xml><?xml version="1.0" encoding="utf-8"?>
+<file path=ppt/slides/slide22.xml><?xml version="1.0" encoding="utf-8"?>
 <p:sld xmlns:a="http://schemas.openxmlformats.org/drawingml/2006/main" xmlns:r="http://schemas.openxmlformats.org/officeDocument/2006/relationships" xmlns:p="http://schemas.openxmlformats.org/presentationml/2006/main">
   <p:cSld>
     <p:spTree>
@@ -9853,7 +6339,7 @@
 </p:sld>
 </file>
 
-<file path=ppt/slides/slide25.xml><?xml version="1.0" encoding="utf-8"?>
+<file path=ppt/slides/slide23.xml><?xml version="1.0" encoding="utf-8"?>
 <p:sld xmlns:a="http://schemas.openxmlformats.org/drawingml/2006/main" xmlns:r="http://schemas.openxmlformats.org/officeDocument/2006/relationships" xmlns:p="http://schemas.openxmlformats.org/presentationml/2006/main">
   <p:cSld>
     <p:spTree>
@@ -9999,6 +6485,340 @@
     <p:extLst>
       <p:ext uri="{BB962C8B-B14F-4D97-AF65-F5344CB8AC3E}">
         <p14:creationId xmlns:p14="http://schemas.microsoft.com/office/powerpoint/2010/main" val="560133619"/>
+      </p:ext>
+    </p:extLst>
+  </p:cSld>
+  <p:clrMapOvr>
+    <a:masterClrMapping/>
+  </p:clrMapOvr>
+  <mc:AlternateContent xmlns:mc="http://schemas.openxmlformats.org/markup-compatibility/2006" xmlns:p15="http://schemas.microsoft.com/office/powerpoint/2012/main">
+    <mc:Choice Requires="p15">
+      <p:transition xmlns:p14="http://schemas.microsoft.com/office/powerpoint/2010/main" spd="slow" p14:dur="2000" advTm="0">
+        <p15:prstTrans prst="drape"/>
+      </p:transition>
+    </mc:Choice>
+    <mc:Fallback xmlns="">
+      <p:transition spd="slow" advTm="0">
+        <p:fade/>
+      </p:transition>
+    </mc:Fallback>
+  </mc:AlternateContent>
+</p:sld>
+</file>
+
+<file path=ppt/slides/slide24.xml><?xml version="1.0" encoding="utf-8"?>
+<p:sld xmlns:a="http://schemas.openxmlformats.org/drawingml/2006/main" xmlns:r="http://schemas.openxmlformats.org/officeDocument/2006/relationships" xmlns:p="http://schemas.openxmlformats.org/presentationml/2006/main">
+  <p:cSld>
+    <p:spTree>
+      <p:nvGrpSpPr>
+        <p:cNvPr id="1" name=""/>
+        <p:cNvGrpSpPr/>
+        <p:nvPr/>
+      </p:nvGrpSpPr>
+      <p:grpSpPr>
+        <a:xfrm>
+          <a:off x="0" y="0"/>
+          <a:ext cx="0" cy="0"/>
+          <a:chOff x="0" y="0"/>
+          <a:chExt cx="0" cy="0"/>
+        </a:xfrm>
+      </p:grpSpPr>
+      <p:sp>
+        <p:nvSpPr>
+          <p:cNvPr id="7" name="文本框 6">
+            <a:extLst>
+              <a:ext uri="{FF2B5EF4-FFF2-40B4-BE49-F238E27FC236}">
+                <a16:creationId xmlns:a16="http://schemas.microsoft.com/office/drawing/2014/main" id="{E57F6AE6-104F-416D-AA49-68C9A7B9B136}"/>
+              </a:ext>
+            </a:extLst>
+          </p:cNvPr>
+          <p:cNvSpPr txBox="1"/>
+          <p:nvPr/>
+        </p:nvSpPr>
+        <p:spPr>
+          <a:xfrm>
+            <a:off x="4746949" y="557118"/>
+            <a:ext cx="6097554" cy="369332"/>
+          </a:xfrm>
+          <a:prstGeom prst="rect">
+            <a:avLst/>
+          </a:prstGeom>
+          <a:noFill/>
+        </p:spPr>
+        <p:txBody>
+          <a:bodyPr wrap="square">
+            <a:spAutoFit/>
+          </a:bodyPr>
+          <a:lstStyle/>
+          <a:p>
+            <a:r>
+              <a:rPr lang="zh-CN" altLang="zh-CN" sz="1800" dirty="0">
+                <a:effectLst/>
+                <a:ea typeface="黑体" panose="02010609060101010101" pitchFamily="49" charset="-122"/>
+                <a:cs typeface="Times New Roman" panose="02020603050405020304" pitchFamily="18" charset="0"/>
+              </a:rPr>
+              <a:t>注册单元测试</a:t>
+            </a:r>
+            <a:endParaRPr lang="zh-CN" altLang="en-US" dirty="0"/>
+          </a:p>
+        </p:txBody>
+      </p:sp>
+      <p:pic>
+        <p:nvPicPr>
+          <p:cNvPr id="4" name="图片 3">
+            <a:extLst>
+              <a:ext uri="{FF2B5EF4-FFF2-40B4-BE49-F238E27FC236}">
+                <a16:creationId xmlns:a16="http://schemas.microsoft.com/office/drawing/2014/main" id="{9BF75C35-8818-4DBA-8675-4E1C2D7DA8D2}"/>
+              </a:ext>
+            </a:extLst>
+          </p:cNvPr>
+          <p:cNvPicPr>
+            <a:picLocks noChangeAspect="1"/>
+          </p:cNvPicPr>
+          <p:nvPr/>
+        </p:nvPicPr>
+        <p:blipFill>
+          <a:blip r:embed="rId2">
+            <a:extLst>
+              <a:ext uri="{28A0092B-C50C-407E-A947-70E740481C1C}">
+                <a14:useLocalDpi xmlns:a14="http://schemas.microsoft.com/office/drawing/2010/main" val="0"/>
+              </a:ext>
+            </a:extLst>
+          </a:blip>
+          <a:srcRect/>
+          <a:stretch>
+            <a:fillRect/>
+          </a:stretch>
+        </p:blipFill>
+        <p:spPr bwMode="auto">
+          <a:xfrm>
+            <a:off x="1018372" y="1083152"/>
+            <a:ext cx="9893997" cy="5217730"/>
+          </a:xfrm>
+          <a:prstGeom prst="rect">
+            <a:avLst/>
+          </a:prstGeom>
+          <a:noFill/>
+          <a:ln>
+            <a:noFill/>
+          </a:ln>
+        </p:spPr>
+      </p:pic>
+      <p:sp>
+        <p:nvSpPr>
+          <p:cNvPr id="5" name="文本框 4">
+            <a:extLst>
+              <a:ext uri="{FF2B5EF4-FFF2-40B4-BE49-F238E27FC236}">
+                <a16:creationId xmlns:a16="http://schemas.microsoft.com/office/drawing/2014/main" id="{FCDA0F98-E679-47FF-B841-32EF9A3694E1}"/>
+              </a:ext>
+            </a:extLst>
+          </p:cNvPr>
+          <p:cNvSpPr txBox="1"/>
+          <p:nvPr/>
+        </p:nvSpPr>
+        <p:spPr>
+          <a:xfrm>
+            <a:off x="357422" y="2562096"/>
+            <a:ext cx="677108" cy="1733808"/>
+          </a:xfrm>
+          <a:prstGeom prst="rect">
+            <a:avLst/>
+          </a:prstGeom>
+          <a:noFill/>
+        </p:spPr>
+        <p:txBody>
+          <a:bodyPr vert="eaVert" wrap="none" rtlCol="0">
+            <a:spAutoFit/>
+          </a:bodyPr>
+          <a:lstStyle/>
+          <a:p>
+            <a:r>
+              <a:rPr lang="zh-CN" altLang="en-US" sz="3200" dirty="0">
+                <a:solidFill>
+                  <a:schemeClr val="tx1">
+                    <a:lumMod val="50000"/>
+                    <a:lumOff val="50000"/>
+                  </a:schemeClr>
+                </a:solidFill>
+                <a:latin typeface="幼圆" panose="02010509060101010101" pitchFamily="49" charset="-122"/>
+                <a:ea typeface="幼圆" panose="02010509060101010101" pitchFamily="49" charset="-122"/>
+              </a:rPr>
+              <a:t>单元测试</a:t>
+            </a:r>
+          </a:p>
+        </p:txBody>
+      </p:sp>
+    </p:spTree>
+    <p:extLst>
+      <p:ext uri="{BB962C8B-B14F-4D97-AF65-F5344CB8AC3E}">
+        <p14:creationId xmlns:p14="http://schemas.microsoft.com/office/powerpoint/2010/main" val="3254062217"/>
+      </p:ext>
+    </p:extLst>
+  </p:cSld>
+  <p:clrMapOvr>
+    <a:masterClrMapping/>
+  </p:clrMapOvr>
+  <mc:AlternateContent xmlns:mc="http://schemas.openxmlformats.org/markup-compatibility/2006" xmlns:p15="http://schemas.microsoft.com/office/powerpoint/2012/main">
+    <mc:Choice Requires="p15">
+      <p:transition xmlns:p14="http://schemas.microsoft.com/office/powerpoint/2010/main" spd="slow" p14:dur="2000" advTm="0">
+        <p15:prstTrans prst="drape"/>
+      </p:transition>
+    </mc:Choice>
+    <mc:Fallback xmlns="">
+      <p:transition spd="slow" advTm="0">
+        <p:fade/>
+      </p:transition>
+    </mc:Fallback>
+  </mc:AlternateContent>
+</p:sld>
+</file>
+
+<file path=ppt/slides/slide25.xml><?xml version="1.0" encoding="utf-8"?>
+<p:sld xmlns:a="http://schemas.openxmlformats.org/drawingml/2006/main" xmlns:r="http://schemas.openxmlformats.org/officeDocument/2006/relationships" xmlns:p="http://schemas.openxmlformats.org/presentationml/2006/main">
+  <p:cSld>
+    <p:spTree>
+      <p:nvGrpSpPr>
+        <p:cNvPr id="1" name=""/>
+        <p:cNvGrpSpPr/>
+        <p:nvPr/>
+      </p:nvGrpSpPr>
+      <p:grpSpPr>
+        <a:xfrm>
+          <a:off x="0" y="0"/>
+          <a:ext cx="0" cy="0"/>
+          <a:chOff x="0" y="0"/>
+          <a:chExt cx="0" cy="0"/>
+        </a:xfrm>
+      </p:grpSpPr>
+      <p:sp>
+        <p:nvSpPr>
+          <p:cNvPr id="7" name="文本框 6">
+            <a:extLst>
+              <a:ext uri="{FF2B5EF4-FFF2-40B4-BE49-F238E27FC236}">
+                <a16:creationId xmlns:a16="http://schemas.microsoft.com/office/drawing/2014/main" id="{E57F6AE6-104F-416D-AA49-68C9A7B9B136}"/>
+              </a:ext>
+            </a:extLst>
+          </p:cNvPr>
+          <p:cNvSpPr txBox="1"/>
+          <p:nvPr/>
+        </p:nvSpPr>
+        <p:spPr>
+          <a:xfrm>
+            <a:off x="4746949" y="557118"/>
+            <a:ext cx="6097554" cy="369332"/>
+          </a:xfrm>
+          <a:prstGeom prst="rect">
+            <a:avLst/>
+          </a:prstGeom>
+          <a:noFill/>
+        </p:spPr>
+        <p:txBody>
+          <a:bodyPr wrap="square">
+            <a:spAutoFit/>
+          </a:bodyPr>
+          <a:lstStyle/>
+          <a:p>
+            <a:r>
+              <a:rPr lang="zh-CN" altLang="zh-CN" sz="1800" dirty="0">
+                <a:effectLst/>
+                <a:ea typeface="黑体" panose="02010609060101010101" pitchFamily="49" charset="-122"/>
+                <a:cs typeface="Times New Roman" panose="02020603050405020304" pitchFamily="18" charset="0"/>
+              </a:rPr>
+              <a:t>获取特定用户评论单元测试</a:t>
+            </a:r>
+            <a:endParaRPr lang="zh-CN" altLang="en-US" dirty="0"/>
+          </a:p>
+        </p:txBody>
+      </p:sp>
+      <p:pic>
+        <p:nvPicPr>
+          <p:cNvPr id="4" name="图片 3">
+            <a:extLst>
+              <a:ext uri="{FF2B5EF4-FFF2-40B4-BE49-F238E27FC236}">
+                <a16:creationId xmlns:a16="http://schemas.microsoft.com/office/drawing/2014/main" id="{85D28195-D19B-47AF-967E-61DE6EE749AA}"/>
+              </a:ext>
+            </a:extLst>
+          </p:cNvPr>
+          <p:cNvPicPr>
+            <a:picLocks noChangeAspect="1"/>
+          </p:cNvPicPr>
+          <p:nvPr/>
+        </p:nvPicPr>
+        <p:blipFill>
+          <a:blip r:embed="rId2">
+            <a:extLst>
+              <a:ext uri="{28A0092B-C50C-407E-A947-70E740481C1C}">
+                <a14:useLocalDpi xmlns:a14="http://schemas.microsoft.com/office/drawing/2010/main" val="0"/>
+              </a:ext>
+            </a:extLst>
+          </a:blip>
+          <a:srcRect/>
+          <a:stretch>
+            <a:fillRect/>
+          </a:stretch>
+        </p:blipFill>
+        <p:spPr bwMode="auto">
+          <a:xfrm>
+            <a:off x="1847227" y="1428883"/>
+            <a:ext cx="8997276" cy="4871999"/>
+          </a:xfrm>
+          <a:prstGeom prst="rect">
+            <a:avLst/>
+          </a:prstGeom>
+          <a:noFill/>
+          <a:ln>
+            <a:noFill/>
+          </a:ln>
+        </p:spPr>
+      </p:pic>
+      <p:sp>
+        <p:nvSpPr>
+          <p:cNvPr id="5" name="文本框 4">
+            <a:extLst>
+              <a:ext uri="{FF2B5EF4-FFF2-40B4-BE49-F238E27FC236}">
+                <a16:creationId xmlns:a16="http://schemas.microsoft.com/office/drawing/2014/main" id="{92591110-D5BB-42C2-A802-9C2290DF4580}"/>
+              </a:ext>
+            </a:extLst>
+          </p:cNvPr>
+          <p:cNvSpPr txBox="1"/>
+          <p:nvPr/>
+        </p:nvSpPr>
+        <p:spPr>
+          <a:xfrm>
+            <a:off x="357422" y="2562096"/>
+            <a:ext cx="677108" cy="1733808"/>
+          </a:xfrm>
+          <a:prstGeom prst="rect">
+            <a:avLst/>
+          </a:prstGeom>
+          <a:noFill/>
+        </p:spPr>
+        <p:txBody>
+          <a:bodyPr vert="eaVert" wrap="none" rtlCol="0">
+            <a:spAutoFit/>
+          </a:bodyPr>
+          <a:lstStyle/>
+          <a:p>
+            <a:r>
+              <a:rPr lang="zh-CN" altLang="en-US" sz="3200" dirty="0">
+                <a:solidFill>
+                  <a:schemeClr val="tx1">
+                    <a:lumMod val="50000"/>
+                    <a:lumOff val="50000"/>
+                  </a:schemeClr>
+                </a:solidFill>
+                <a:latin typeface="幼圆" panose="02010509060101010101" pitchFamily="49" charset="-122"/>
+                <a:ea typeface="幼圆" panose="02010509060101010101" pitchFamily="49" charset="-122"/>
+              </a:rPr>
+              <a:t>单元测试</a:t>
+            </a:r>
+          </a:p>
+        </p:txBody>
+      </p:sp>
+    </p:spTree>
+    <p:extLst>
+      <p:ext uri="{BB962C8B-B14F-4D97-AF65-F5344CB8AC3E}">
+        <p14:creationId xmlns:p14="http://schemas.microsoft.com/office/powerpoint/2010/main" val="2631854202"/>
       </p:ext>
     </p:extLst>
   </p:cSld>
@@ -10071,7 +6891,7 @@
                 <a:ea typeface="黑体" panose="02010609060101010101" pitchFamily="49" charset="-122"/>
                 <a:cs typeface="Times New Roman" panose="02020603050405020304" pitchFamily="18" charset="0"/>
               </a:rPr>
-              <a:t>注册单元测试</a:t>
+              <a:t>修改密码</a:t>
             </a:r>
             <a:endParaRPr lang="zh-CN" altLang="en-US" dirty="0"/>
           </a:p>
@@ -10082,7 +6902,7 @@
           <p:cNvPr id="4" name="图片 3">
             <a:extLst>
               <a:ext uri="{FF2B5EF4-FFF2-40B4-BE49-F238E27FC236}">
-                <a16:creationId xmlns:a16="http://schemas.microsoft.com/office/drawing/2014/main" id="{9BF75C35-8818-4DBA-8675-4E1C2D7DA8D2}"/>
+                <a16:creationId xmlns:a16="http://schemas.microsoft.com/office/drawing/2014/main" id="{38E03F96-34AB-4C19-B940-2C010C823957}"/>
               </a:ext>
             </a:extLst>
           </p:cNvPr>
@@ -10106,8 +6926,8 @@
         </p:blipFill>
         <p:spPr bwMode="auto">
           <a:xfrm>
-            <a:off x="1018372" y="1083152"/>
-            <a:ext cx="9893997" cy="5217730"/>
+            <a:off x="307902" y="1600297"/>
+            <a:ext cx="11106002" cy="4501924"/>
           </a:xfrm>
           <a:prstGeom prst="rect">
             <a:avLst/>
@@ -10118,54 +6938,10 @@
           </a:ln>
         </p:spPr>
       </p:pic>
-      <p:sp>
-        <p:nvSpPr>
-          <p:cNvPr id="5" name="文本框 4">
-            <a:extLst>
-              <a:ext uri="{FF2B5EF4-FFF2-40B4-BE49-F238E27FC236}">
-                <a16:creationId xmlns:a16="http://schemas.microsoft.com/office/drawing/2014/main" id="{FCDA0F98-E679-47FF-B841-32EF9A3694E1}"/>
-              </a:ext>
-            </a:extLst>
-          </p:cNvPr>
-          <p:cNvSpPr txBox="1"/>
-          <p:nvPr/>
-        </p:nvSpPr>
-        <p:spPr>
-          <a:xfrm>
-            <a:off x="357422" y="2562096"/>
-            <a:ext cx="677108" cy="1733808"/>
-          </a:xfrm>
-          <a:prstGeom prst="rect">
-            <a:avLst/>
-          </a:prstGeom>
-          <a:noFill/>
-        </p:spPr>
-        <p:txBody>
-          <a:bodyPr vert="eaVert" wrap="none" rtlCol="0">
-            <a:spAutoFit/>
-          </a:bodyPr>
-          <a:lstStyle/>
-          <a:p>
-            <a:r>
-              <a:rPr lang="zh-CN" altLang="en-US" sz="3200" dirty="0">
-                <a:solidFill>
-                  <a:schemeClr val="tx1">
-                    <a:lumMod val="50000"/>
-                    <a:lumOff val="50000"/>
-                  </a:schemeClr>
-                </a:solidFill>
-                <a:latin typeface="幼圆" panose="02010509060101010101" pitchFamily="49" charset="-122"/>
-                <a:ea typeface="幼圆" panose="02010509060101010101" pitchFamily="49" charset="-122"/>
-              </a:rPr>
-              <a:t>单元测试</a:t>
-            </a:r>
-          </a:p>
-        </p:txBody>
-      </p:sp>
     </p:spTree>
     <p:extLst>
       <p:ext uri="{BB962C8B-B14F-4D97-AF65-F5344CB8AC3E}">
-        <p14:creationId xmlns:p14="http://schemas.microsoft.com/office/powerpoint/2010/main" val="3254062217"/>
+        <p14:creationId xmlns:p14="http://schemas.microsoft.com/office/powerpoint/2010/main" val="711851981"/>
       </p:ext>
     </p:extLst>
   </p:cSld>
@@ -10218,7 +6994,7 @@
         </p:nvSpPr>
         <p:spPr>
           <a:xfrm>
-            <a:off x="4746949" y="557118"/>
+            <a:off x="4457700" y="571851"/>
             <a:ext cx="6097554" cy="369332"/>
           </a:xfrm>
           <a:prstGeom prst="rect">
@@ -10238,7 +7014,7 @@
                 <a:ea typeface="黑体" panose="02010609060101010101" pitchFamily="49" charset="-122"/>
                 <a:cs typeface="Times New Roman" panose="02020603050405020304" pitchFamily="18" charset="0"/>
               </a:rPr>
-              <a:t>获取特定用户评论单元测试</a:t>
+              <a:t>邮箱验证码单元测试</a:t>
             </a:r>
             <a:endParaRPr lang="zh-CN" altLang="en-US" dirty="0"/>
           </a:p>
@@ -10246,10 +7022,10 @@
       </p:sp>
       <p:pic>
         <p:nvPicPr>
-          <p:cNvPr id="4" name="图片 3">
+          <p:cNvPr id="5" name="图片 4">
             <a:extLst>
               <a:ext uri="{FF2B5EF4-FFF2-40B4-BE49-F238E27FC236}">
-                <a16:creationId xmlns:a16="http://schemas.microsoft.com/office/drawing/2014/main" id="{85D28195-D19B-47AF-967E-61DE6EE749AA}"/>
+                <a16:creationId xmlns:a16="http://schemas.microsoft.com/office/drawing/2014/main" id="{AF05E3D5-258E-4874-8D7D-00D3E9976ABD}"/>
               </a:ext>
             </a:extLst>
           </p:cNvPr>
@@ -10273,8 +7049,8 @@
         </p:blipFill>
         <p:spPr bwMode="auto">
           <a:xfrm>
-            <a:off x="1847227" y="1428883"/>
-            <a:ext cx="8997276" cy="4871999"/>
+            <a:off x="1492898" y="1251623"/>
+            <a:ext cx="8903970" cy="5158745"/>
           </a:xfrm>
           <a:prstGeom prst="rect">
             <a:avLst/>
@@ -10287,10 +7063,10 @@
       </p:pic>
       <p:sp>
         <p:nvSpPr>
-          <p:cNvPr id="5" name="文本框 4">
+          <p:cNvPr id="4" name="文本框 3">
             <a:extLst>
               <a:ext uri="{FF2B5EF4-FFF2-40B4-BE49-F238E27FC236}">
-                <a16:creationId xmlns:a16="http://schemas.microsoft.com/office/drawing/2014/main" id="{92591110-D5BB-42C2-A802-9C2290DF4580}"/>
+                <a16:creationId xmlns:a16="http://schemas.microsoft.com/office/drawing/2014/main" id="{C8DA43E2-8B5D-43D6-831C-8E811CFA8D75}"/>
               </a:ext>
             </a:extLst>
           </p:cNvPr>
@@ -10332,7 +7108,7 @@
     </p:spTree>
     <p:extLst>
       <p:ext uri="{BB962C8B-B14F-4D97-AF65-F5344CB8AC3E}">
-        <p14:creationId xmlns:p14="http://schemas.microsoft.com/office/powerpoint/2010/main" val="2631854202"/>
+        <p14:creationId xmlns:p14="http://schemas.microsoft.com/office/powerpoint/2010/main" val="1935880438"/>
       </p:ext>
     </p:extLst>
   </p:cSld>
@@ -10405,463 +7181,6 @@
                 <a:ea typeface="黑体" panose="02010609060101010101" pitchFamily="49" charset="-122"/>
                 <a:cs typeface="Times New Roman" panose="02020603050405020304" pitchFamily="18" charset="0"/>
               </a:rPr>
-              <a:t>修改密码</a:t>
-            </a:r>
-            <a:endParaRPr lang="zh-CN" altLang="en-US" dirty="0"/>
-          </a:p>
-        </p:txBody>
-      </p:sp>
-      <p:pic>
-        <p:nvPicPr>
-          <p:cNvPr id="4" name="图片 3">
-            <a:extLst>
-              <a:ext uri="{FF2B5EF4-FFF2-40B4-BE49-F238E27FC236}">
-                <a16:creationId xmlns:a16="http://schemas.microsoft.com/office/drawing/2014/main" id="{38E03F96-34AB-4C19-B940-2C010C823957}"/>
-              </a:ext>
-            </a:extLst>
-          </p:cNvPr>
-          <p:cNvPicPr>
-            <a:picLocks noChangeAspect="1"/>
-          </p:cNvPicPr>
-          <p:nvPr/>
-        </p:nvPicPr>
-        <p:blipFill>
-          <a:blip r:embed="rId2">
-            <a:extLst>
-              <a:ext uri="{28A0092B-C50C-407E-A947-70E740481C1C}">
-                <a14:useLocalDpi xmlns:a14="http://schemas.microsoft.com/office/drawing/2010/main" val="0"/>
-              </a:ext>
-            </a:extLst>
-          </a:blip>
-          <a:srcRect/>
-          <a:stretch>
-            <a:fillRect/>
-          </a:stretch>
-        </p:blipFill>
-        <p:spPr bwMode="auto">
-          <a:xfrm>
-            <a:off x="307902" y="1600297"/>
-            <a:ext cx="11106002" cy="4501924"/>
-          </a:xfrm>
-          <a:prstGeom prst="rect">
-            <a:avLst/>
-          </a:prstGeom>
-          <a:noFill/>
-          <a:ln>
-            <a:noFill/>
-          </a:ln>
-        </p:spPr>
-      </p:pic>
-    </p:spTree>
-    <p:extLst>
-      <p:ext uri="{BB962C8B-B14F-4D97-AF65-F5344CB8AC3E}">
-        <p14:creationId xmlns:p14="http://schemas.microsoft.com/office/powerpoint/2010/main" val="711851981"/>
-      </p:ext>
-    </p:extLst>
-  </p:cSld>
-  <p:clrMapOvr>
-    <a:masterClrMapping/>
-  </p:clrMapOvr>
-  <mc:AlternateContent xmlns:mc="http://schemas.openxmlformats.org/markup-compatibility/2006" xmlns:p15="http://schemas.microsoft.com/office/powerpoint/2012/main">
-    <mc:Choice Requires="p15">
-      <p:transition xmlns:p14="http://schemas.microsoft.com/office/powerpoint/2010/main" spd="slow" p14:dur="2000" advTm="0">
-        <p15:prstTrans prst="drape"/>
-      </p:transition>
-    </mc:Choice>
-    <mc:Fallback xmlns="">
-      <p:transition spd="slow" advTm="0">
-        <p:fade/>
-      </p:transition>
-    </mc:Fallback>
-  </mc:AlternateContent>
-</p:sld>
-</file>
-
-<file path=ppt/slides/slide29.xml><?xml version="1.0" encoding="utf-8"?>
-<p:sld xmlns:a="http://schemas.openxmlformats.org/drawingml/2006/main" xmlns:r="http://schemas.openxmlformats.org/officeDocument/2006/relationships" xmlns:p="http://schemas.openxmlformats.org/presentationml/2006/main">
-  <p:cSld>
-    <p:spTree>
-      <p:nvGrpSpPr>
-        <p:cNvPr id="1" name=""/>
-        <p:cNvGrpSpPr/>
-        <p:nvPr/>
-      </p:nvGrpSpPr>
-      <p:grpSpPr>
-        <a:xfrm>
-          <a:off x="0" y="0"/>
-          <a:ext cx="0" cy="0"/>
-          <a:chOff x="0" y="0"/>
-          <a:chExt cx="0" cy="0"/>
-        </a:xfrm>
-      </p:grpSpPr>
-      <p:sp>
-        <p:nvSpPr>
-          <p:cNvPr id="7" name="文本框 6">
-            <a:extLst>
-              <a:ext uri="{FF2B5EF4-FFF2-40B4-BE49-F238E27FC236}">
-                <a16:creationId xmlns:a16="http://schemas.microsoft.com/office/drawing/2014/main" id="{E57F6AE6-104F-416D-AA49-68C9A7B9B136}"/>
-              </a:ext>
-            </a:extLst>
-          </p:cNvPr>
-          <p:cNvSpPr txBox="1"/>
-          <p:nvPr/>
-        </p:nvSpPr>
-        <p:spPr>
-          <a:xfrm>
-            <a:off x="4457700" y="571851"/>
-            <a:ext cx="6097554" cy="369332"/>
-          </a:xfrm>
-          <a:prstGeom prst="rect">
-            <a:avLst/>
-          </a:prstGeom>
-          <a:noFill/>
-        </p:spPr>
-        <p:txBody>
-          <a:bodyPr wrap="square">
-            <a:spAutoFit/>
-          </a:bodyPr>
-          <a:lstStyle/>
-          <a:p>
-            <a:r>
-              <a:rPr lang="zh-CN" altLang="zh-CN" sz="1800" dirty="0">
-                <a:effectLst/>
-                <a:ea typeface="黑体" panose="02010609060101010101" pitchFamily="49" charset="-122"/>
-                <a:cs typeface="Times New Roman" panose="02020603050405020304" pitchFamily="18" charset="0"/>
-              </a:rPr>
-              <a:t>邮箱验证码单元测试</a:t>
-            </a:r>
-            <a:endParaRPr lang="zh-CN" altLang="en-US" dirty="0"/>
-          </a:p>
-        </p:txBody>
-      </p:sp>
-      <p:pic>
-        <p:nvPicPr>
-          <p:cNvPr id="5" name="图片 4">
-            <a:extLst>
-              <a:ext uri="{FF2B5EF4-FFF2-40B4-BE49-F238E27FC236}">
-                <a16:creationId xmlns:a16="http://schemas.microsoft.com/office/drawing/2014/main" id="{AF05E3D5-258E-4874-8D7D-00D3E9976ABD}"/>
-              </a:ext>
-            </a:extLst>
-          </p:cNvPr>
-          <p:cNvPicPr>
-            <a:picLocks noChangeAspect="1"/>
-          </p:cNvPicPr>
-          <p:nvPr/>
-        </p:nvPicPr>
-        <p:blipFill>
-          <a:blip r:embed="rId2">
-            <a:extLst>
-              <a:ext uri="{28A0092B-C50C-407E-A947-70E740481C1C}">
-                <a14:useLocalDpi xmlns:a14="http://schemas.microsoft.com/office/drawing/2010/main" val="0"/>
-              </a:ext>
-            </a:extLst>
-          </a:blip>
-          <a:srcRect/>
-          <a:stretch>
-            <a:fillRect/>
-          </a:stretch>
-        </p:blipFill>
-        <p:spPr bwMode="auto">
-          <a:xfrm>
-            <a:off x="1492898" y="1251623"/>
-            <a:ext cx="8903970" cy="5158745"/>
-          </a:xfrm>
-          <a:prstGeom prst="rect">
-            <a:avLst/>
-          </a:prstGeom>
-          <a:noFill/>
-          <a:ln>
-            <a:noFill/>
-          </a:ln>
-        </p:spPr>
-      </p:pic>
-      <p:sp>
-        <p:nvSpPr>
-          <p:cNvPr id="4" name="文本框 3">
-            <a:extLst>
-              <a:ext uri="{FF2B5EF4-FFF2-40B4-BE49-F238E27FC236}">
-                <a16:creationId xmlns:a16="http://schemas.microsoft.com/office/drawing/2014/main" id="{C8DA43E2-8B5D-43D6-831C-8E811CFA8D75}"/>
-              </a:ext>
-            </a:extLst>
-          </p:cNvPr>
-          <p:cNvSpPr txBox="1"/>
-          <p:nvPr/>
-        </p:nvSpPr>
-        <p:spPr>
-          <a:xfrm>
-            <a:off x="357422" y="2562096"/>
-            <a:ext cx="677108" cy="1733808"/>
-          </a:xfrm>
-          <a:prstGeom prst="rect">
-            <a:avLst/>
-          </a:prstGeom>
-          <a:noFill/>
-        </p:spPr>
-        <p:txBody>
-          <a:bodyPr vert="eaVert" wrap="none" rtlCol="0">
-            <a:spAutoFit/>
-          </a:bodyPr>
-          <a:lstStyle/>
-          <a:p>
-            <a:r>
-              <a:rPr lang="zh-CN" altLang="en-US" sz="3200" dirty="0">
-                <a:solidFill>
-                  <a:schemeClr val="tx1">
-                    <a:lumMod val="50000"/>
-                    <a:lumOff val="50000"/>
-                  </a:schemeClr>
-                </a:solidFill>
-                <a:latin typeface="幼圆" panose="02010509060101010101" pitchFamily="49" charset="-122"/>
-                <a:ea typeface="幼圆" panose="02010509060101010101" pitchFamily="49" charset="-122"/>
-              </a:rPr>
-              <a:t>单元测试</a:t>
-            </a:r>
-          </a:p>
-        </p:txBody>
-      </p:sp>
-    </p:spTree>
-    <p:extLst>
-      <p:ext uri="{BB962C8B-B14F-4D97-AF65-F5344CB8AC3E}">
-        <p14:creationId xmlns:p14="http://schemas.microsoft.com/office/powerpoint/2010/main" val="1935880438"/>
-      </p:ext>
-    </p:extLst>
-  </p:cSld>
-  <p:clrMapOvr>
-    <a:masterClrMapping/>
-  </p:clrMapOvr>
-  <mc:AlternateContent xmlns:mc="http://schemas.openxmlformats.org/markup-compatibility/2006" xmlns:p15="http://schemas.microsoft.com/office/powerpoint/2012/main">
-    <mc:Choice Requires="p15">
-      <p:transition xmlns:p14="http://schemas.microsoft.com/office/powerpoint/2010/main" spd="slow" p14:dur="2000" advTm="0">
-        <p15:prstTrans prst="drape"/>
-      </p:transition>
-    </mc:Choice>
-    <mc:Fallback xmlns="">
-      <p:transition spd="slow" advTm="0">
-        <p:fade/>
-      </p:transition>
-    </mc:Fallback>
-  </mc:AlternateContent>
-</p:sld>
-</file>
-
-<file path=ppt/slides/slide3.xml><?xml version="1.0" encoding="utf-8"?>
-<p:sld xmlns:a="http://schemas.openxmlformats.org/drawingml/2006/main" xmlns:r="http://schemas.openxmlformats.org/officeDocument/2006/relationships" xmlns:p="http://schemas.openxmlformats.org/presentationml/2006/main">
-  <p:cSld>
-    <p:bg>
-      <p:bgPr>
-        <a:solidFill>
-          <a:schemeClr val="bg1">
-            <a:lumMod val="95000"/>
-          </a:schemeClr>
-        </a:solidFill>
-        <a:effectLst/>
-      </p:bgPr>
-    </p:bg>
-    <p:spTree>
-      <p:nvGrpSpPr>
-        <p:cNvPr id="1" name=""/>
-        <p:cNvGrpSpPr/>
-        <p:nvPr/>
-      </p:nvGrpSpPr>
-      <p:grpSpPr>
-        <a:xfrm>
-          <a:off x="0" y="0"/>
-          <a:ext cx="0" cy="0"/>
-          <a:chOff x="0" y="0"/>
-          <a:chExt cx="0" cy="0"/>
-        </a:xfrm>
-      </p:grpSpPr>
-      <p:pic>
-        <p:nvPicPr>
-          <p:cNvPr id="8" name="图片 7"/>
-          <p:cNvPicPr>
-            <a:picLocks noChangeAspect="1"/>
-          </p:cNvPicPr>
-          <p:nvPr/>
-        </p:nvPicPr>
-        <p:blipFill rotWithShape="1">
-          <a:blip r:embed="rId2">
-            <a:extLst>
-              <a:ext uri="{28A0092B-C50C-407E-A947-70E740481C1C}">
-                <a14:useLocalDpi xmlns:a14="http://schemas.microsoft.com/office/drawing/2010/main" val="0"/>
-              </a:ext>
-            </a:extLst>
-          </a:blip>
-          <a:srcRect l="36622" t="27234" r="41356" b="38865"/>
-          <a:stretch/>
-        </p:blipFill>
-        <p:spPr>
-          <a:xfrm>
-            <a:off x="2844166" y="2541008"/>
-            <a:ext cx="2050927" cy="1775983"/>
-          </a:xfrm>
-          <a:prstGeom prst="rect">
-            <a:avLst/>
-          </a:prstGeom>
-        </p:spPr>
-      </p:pic>
-      <p:sp>
-        <p:nvSpPr>
-          <p:cNvPr id="4" name="文本框 3"/>
-          <p:cNvSpPr txBox="1"/>
-          <p:nvPr/>
-        </p:nvSpPr>
-        <p:spPr>
-          <a:xfrm>
-            <a:off x="3214954" y="2541008"/>
-            <a:ext cx="1415772" cy="1569660"/>
-          </a:xfrm>
-          <a:prstGeom prst="rect">
-            <a:avLst/>
-          </a:prstGeom>
-          <a:noFill/>
-        </p:spPr>
-        <p:txBody>
-          <a:bodyPr wrap="none" rtlCol="0">
-            <a:spAutoFit/>
-          </a:bodyPr>
-          <a:lstStyle/>
-          <a:p>
-            <a:r>
-              <a:rPr lang="en-US" altLang="zh-CN" sz="9600" dirty="0">
-                <a:solidFill>
-                  <a:schemeClr val="tx1">
-                    <a:lumMod val="50000"/>
-                    <a:lumOff val="50000"/>
-                  </a:schemeClr>
-                </a:solidFill>
-                <a:latin typeface="楷体" panose="02010609060101010101" pitchFamily="49" charset="-122"/>
-                <a:ea typeface="楷体" panose="02010609060101010101" pitchFamily="49" charset="-122"/>
-              </a:rPr>
-              <a:t>01</a:t>
-            </a:r>
-            <a:endParaRPr lang="zh-CN" altLang="en-US" sz="9600" dirty="0">
-              <a:solidFill>
-                <a:schemeClr val="tx1">
-                  <a:lumMod val="50000"/>
-                  <a:lumOff val="50000"/>
-                </a:schemeClr>
-              </a:solidFill>
-              <a:latin typeface="楷体" panose="02010609060101010101" pitchFamily="49" charset="-122"/>
-              <a:ea typeface="楷体" panose="02010609060101010101" pitchFamily="49" charset="-122"/>
-            </a:endParaRPr>
-          </a:p>
-        </p:txBody>
-      </p:sp>
-      <p:sp>
-        <p:nvSpPr>
-          <p:cNvPr id="5" name="文本框 4"/>
-          <p:cNvSpPr txBox="1"/>
-          <p:nvPr/>
-        </p:nvSpPr>
-        <p:spPr>
-          <a:xfrm>
-            <a:off x="5782130" y="2759902"/>
-            <a:ext cx="3583032" cy="1107996"/>
-          </a:xfrm>
-          <a:prstGeom prst="rect">
-            <a:avLst/>
-          </a:prstGeom>
-          <a:noFill/>
-        </p:spPr>
-        <p:txBody>
-          <a:bodyPr wrap="none" rtlCol="0">
-            <a:spAutoFit/>
-          </a:bodyPr>
-          <a:lstStyle/>
-          <a:p>
-            <a:r>
-              <a:rPr lang="zh-CN" altLang="en-US" sz="6600" b="1" dirty="0">
-                <a:solidFill>
-                  <a:schemeClr val="tx1">
-                    <a:lumMod val="50000"/>
-                    <a:lumOff val="50000"/>
-                  </a:schemeClr>
-                </a:solidFill>
-                <a:latin typeface="幼圆" panose="02010509060101010101" pitchFamily="49" charset="-122"/>
-                <a:ea typeface="幼圆" panose="02010509060101010101" pitchFamily="49" charset="-122"/>
-              </a:rPr>
-              <a:t>程序清单</a:t>
-            </a:r>
-          </a:p>
-        </p:txBody>
-      </p:sp>
-    </p:spTree>
-    <p:extLst>
-      <p:ext uri="{BB962C8B-B14F-4D97-AF65-F5344CB8AC3E}">
-        <p14:creationId xmlns:p14="http://schemas.microsoft.com/office/powerpoint/2010/main" val="2467079865"/>
-      </p:ext>
-    </p:extLst>
-  </p:cSld>
-  <p:clrMapOvr>
-    <a:masterClrMapping/>
-  </p:clrMapOvr>
-  <mc:AlternateContent xmlns:mc="http://schemas.openxmlformats.org/markup-compatibility/2006" xmlns:p15="http://schemas.microsoft.com/office/powerpoint/2012/main">
-    <mc:Choice Requires="p15">
-      <p:transition xmlns:p14="http://schemas.microsoft.com/office/powerpoint/2010/main" spd="slow" p14:dur="2000" advTm="0">
-        <p15:prstTrans prst="drape"/>
-      </p:transition>
-    </mc:Choice>
-    <mc:Fallback xmlns="">
-      <p:transition spd="slow" advTm="0">
-        <p:fade/>
-      </p:transition>
-    </mc:Fallback>
-  </mc:AlternateContent>
-</p:sld>
-</file>
-
-<file path=ppt/slides/slide30.xml><?xml version="1.0" encoding="utf-8"?>
-<p:sld xmlns:a="http://schemas.openxmlformats.org/drawingml/2006/main" xmlns:r="http://schemas.openxmlformats.org/officeDocument/2006/relationships" xmlns:p="http://schemas.openxmlformats.org/presentationml/2006/main">
-  <p:cSld>
-    <p:spTree>
-      <p:nvGrpSpPr>
-        <p:cNvPr id="1" name=""/>
-        <p:cNvGrpSpPr/>
-        <p:nvPr/>
-      </p:nvGrpSpPr>
-      <p:grpSpPr>
-        <a:xfrm>
-          <a:off x="0" y="0"/>
-          <a:ext cx="0" cy="0"/>
-          <a:chOff x="0" y="0"/>
-          <a:chExt cx="0" cy="0"/>
-        </a:xfrm>
-      </p:grpSpPr>
-      <p:sp>
-        <p:nvSpPr>
-          <p:cNvPr id="7" name="文本框 6">
-            <a:extLst>
-              <a:ext uri="{FF2B5EF4-FFF2-40B4-BE49-F238E27FC236}">
-                <a16:creationId xmlns:a16="http://schemas.microsoft.com/office/drawing/2014/main" id="{E57F6AE6-104F-416D-AA49-68C9A7B9B136}"/>
-              </a:ext>
-            </a:extLst>
-          </p:cNvPr>
-          <p:cNvSpPr txBox="1"/>
-          <p:nvPr/>
-        </p:nvSpPr>
-        <p:spPr>
-          <a:xfrm>
-            <a:off x="4746949" y="557118"/>
-            <a:ext cx="6097554" cy="369332"/>
-          </a:xfrm>
-          <a:prstGeom prst="rect">
-            <a:avLst/>
-          </a:prstGeom>
-          <a:noFill/>
-        </p:spPr>
-        <p:txBody>
-          <a:bodyPr wrap="square">
-            <a:spAutoFit/>
-          </a:bodyPr>
-          <a:lstStyle/>
-          <a:p>
-            <a:r>
-              <a:rPr lang="zh-CN" altLang="zh-CN" sz="1800" dirty="0">
-                <a:effectLst/>
-                <a:ea typeface="黑体" panose="02010609060101010101" pitchFamily="49" charset="-122"/>
-                <a:cs typeface="Times New Roman" panose="02020603050405020304" pitchFamily="18" charset="0"/>
-              </a:rPr>
               <a:t>修改个性签名</a:t>
             </a:r>
             <a:endParaRPr lang="zh-CN" altLang="en-US" dirty="0"/>
@@ -10978,7 +7297,7 @@
 </p:sld>
 </file>
 
-<file path=ppt/slides/slide31.xml><?xml version="1.0" encoding="utf-8"?>
+<file path=ppt/slides/slide29.xml><?xml version="1.0" encoding="utf-8"?>
 <p:sld xmlns:a="http://schemas.openxmlformats.org/drawingml/2006/main" xmlns:r="http://schemas.openxmlformats.org/officeDocument/2006/relationships" xmlns:p="http://schemas.openxmlformats.org/presentationml/2006/main">
   <p:cSld>
     <p:spTree>
@@ -11348,7 +7667,174 @@
 </p:sld>
 </file>
 
-<file path=ppt/slides/slide32.xml><?xml version="1.0" encoding="utf-8"?>
+<file path=ppt/slides/slide3.xml><?xml version="1.0" encoding="utf-8"?>
+<p:sld xmlns:a="http://schemas.openxmlformats.org/drawingml/2006/main" xmlns:r="http://schemas.openxmlformats.org/officeDocument/2006/relationships" xmlns:p="http://schemas.openxmlformats.org/presentationml/2006/main">
+  <p:cSld>
+    <p:bg>
+      <p:bgPr>
+        <a:solidFill>
+          <a:schemeClr val="bg1">
+            <a:lumMod val="95000"/>
+          </a:schemeClr>
+        </a:solidFill>
+        <a:effectLst/>
+      </p:bgPr>
+    </p:bg>
+    <p:spTree>
+      <p:nvGrpSpPr>
+        <p:cNvPr id="1" name=""/>
+        <p:cNvGrpSpPr/>
+        <p:nvPr/>
+      </p:nvGrpSpPr>
+      <p:grpSpPr>
+        <a:xfrm>
+          <a:off x="0" y="0"/>
+          <a:ext cx="0" cy="0"/>
+          <a:chOff x="0" y="0"/>
+          <a:chExt cx="0" cy="0"/>
+        </a:xfrm>
+      </p:grpSpPr>
+      <p:pic>
+        <p:nvPicPr>
+          <p:cNvPr id="8" name="图片 7"/>
+          <p:cNvPicPr>
+            <a:picLocks noChangeAspect="1"/>
+          </p:cNvPicPr>
+          <p:nvPr/>
+        </p:nvPicPr>
+        <p:blipFill rotWithShape="1">
+          <a:blip r:embed="rId2">
+            <a:extLst>
+              <a:ext uri="{28A0092B-C50C-407E-A947-70E740481C1C}">
+                <a14:useLocalDpi xmlns:a14="http://schemas.microsoft.com/office/drawing/2010/main" val="0"/>
+              </a:ext>
+            </a:extLst>
+          </a:blip>
+          <a:srcRect l="36622" t="27234" r="41356" b="38865"/>
+          <a:stretch/>
+        </p:blipFill>
+        <p:spPr>
+          <a:xfrm>
+            <a:off x="2844166" y="2541008"/>
+            <a:ext cx="2050927" cy="1775983"/>
+          </a:xfrm>
+          <a:prstGeom prst="rect">
+            <a:avLst/>
+          </a:prstGeom>
+        </p:spPr>
+      </p:pic>
+      <p:sp>
+        <p:nvSpPr>
+          <p:cNvPr id="4" name="文本框 3"/>
+          <p:cNvSpPr txBox="1"/>
+          <p:nvPr/>
+        </p:nvSpPr>
+        <p:spPr>
+          <a:xfrm>
+            <a:off x="3214954" y="2541008"/>
+            <a:ext cx="1415772" cy="1569660"/>
+          </a:xfrm>
+          <a:prstGeom prst="rect">
+            <a:avLst/>
+          </a:prstGeom>
+          <a:noFill/>
+        </p:spPr>
+        <p:txBody>
+          <a:bodyPr wrap="none" rtlCol="0">
+            <a:spAutoFit/>
+          </a:bodyPr>
+          <a:lstStyle/>
+          <a:p>
+            <a:r>
+              <a:rPr lang="en-US" altLang="zh-CN" sz="9600" dirty="0">
+                <a:solidFill>
+                  <a:schemeClr val="tx1">
+                    <a:lumMod val="50000"/>
+                    <a:lumOff val="50000"/>
+                  </a:schemeClr>
+                </a:solidFill>
+                <a:latin typeface="楷体" panose="02010609060101010101" pitchFamily="49" charset="-122"/>
+                <a:ea typeface="楷体" panose="02010609060101010101" pitchFamily="49" charset="-122"/>
+              </a:rPr>
+              <a:t>01</a:t>
+            </a:r>
+            <a:endParaRPr lang="zh-CN" altLang="en-US" sz="9600" dirty="0">
+              <a:solidFill>
+                <a:schemeClr val="tx1">
+                  <a:lumMod val="50000"/>
+                  <a:lumOff val="50000"/>
+                </a:schemeClr>
+              </a:solidFill>
+              <a:latin typeface="楷体" panose="02010609060101010101" pitchFamily="49" charset="-122"/>
+              <a:ea typeface="楷体" panose="02010609060101010101" pitchFamily="49" charset="-122"/>
+            </a:endParaRPr>
+          </a:p>
+        </p:txBody>
+      </p:sp>
+      <p:sp>
+        <p:nvSpPr>
+          <p:cNvPr id="5" name="文本框 4"/>
+          <p:cNvSpPr txBox="1"/>
+          <p:nvPr/>
+        </p:nvSpPr>
+        <p:spPr>
+          <a:xfrm>
+            <a:off x="5782130" y="2759902"/>
+            <a:ext cx="3583032" cy="1107996"/>
+          </a:xfrm>
+          <a:prstGeom prst="rect">
+            <a:avLst/>
+          </a:prstGeom>
+          <a:noFill/>
+        </p:spPr>
+        <p:txBody>
+          <a:bodyPr wrap="none" rtlCol="0">
+            <a:spAutoFit/>
+          </a:bodyPr>
+          <a:lstStyle/>
+          <a:p>
+            <a:r>
+              <a:rPr lang="zh-CN" altLang="en-US" sz="6600" b="1" dirty="0">
+                <a:solidFill>
+                  <a:schemeClr val="tx1">
+                    <a:lumMod val="50000"/>
+                    <a:lumOff val="50000"/>
+                  </a:schemeClr>
+                </a:solidFill>
+                <a:latin typeface="幼圆" panose="02010509060101010101" pitchFamily="49" charset="-122"/>
+                <a:ea typeface="幼圆" panose="02010509060101010101" pitchFamily="49" charset="-122"/>
+              </a:rPr>
+              <a:t>程序清单</a:t>
+            </a:r>
+          </a:p>
+        </p:txBody>
+      </p:sp>
+    </p:spTree>
+    <p:extLst>
+      <p:ext uri="{BB962C8B-B14F-4D97-AF65-F5344CB8AC3E}">
+        <p14:creationId xmlns:p14="http://schemas.microsoft.com/office/powerpoint/2010/main" val="2467079865"/>
+      </p:ext>
+    </p:extLst>
+  </p:cSld>
+  <p:clrMapOvr>
+    <a:masterClrMapping/>
+  </p:clrMapOvr>
+  <mc:AlternateContent xmlns:mc="http://schemas.openxmlformats.org/markup-compatibility/2006" xmlns:p15="http://schemas.microsoft.com/office/powerpoint/2012/main">
+    <mc:Choice Requires="p15">
+      <p:transition xmlns:p14="http://schemas.microsoft.com/office/powerpoint/2010/main" spd="slow" p14:dur="2000" advTm="0">
+        <p15:prstTrans prst="drape"/>
+      </p:transition>
+    </mc:Choice>
+    <mc:Fallback xmlns="">
+      <p:transition spd="slow" advTm="0">
+        <p:fade/>
+      </p:transition>
+    </mc:Fallback>
+  </mc:AlternateContent>
+</p:sld>
+</file>
+
+<file path=ppt/slides/slide30.xml><?xml version="1.0" encoding="utf-8"?>
 <p:sld xmlns:a="http://schemas.openxmlformats.org/drawingml/2006/main" xmlns:r="http://schemas.openxmlformats.org/officeDocument/2006/relationships" xmlns:p="http://schemas.openxmlformats.org/presentationml/2006/main">
   <p:cSld>
     <p:spTree>
@@ -11460,7 +7946,7 @@
 </p:sld>
 </file>
 
-<file path=ppt/slides/slide33.xml><?xml version="1.0" encoding="utf-8"?>
+<file path=ppt/slides/slide31.xml><?xml version="1.0" encoding="utf-8"?>
 <p:sld xmlns:a="http://schemas.openxmlformats.org/drawingml/2006/main" xmlns:r="http://schemas.openxmlformats.org/officeDocument/2006/relationships" xmlns:p="http://schemas.openxmlformats.org/presentationml/2006/main">
   <p:cSld>
     <p:spTree>
@@ -11617,7 +8103,7 @@
 </p:sld>
 </file>
 
-<file path=ppt/slides/slide34.xml><?xml version="1.0" encoding="utf-8"?>
+<file path=ppt/slides/slide32.xml><?xml version="1.0" encoding="utf-8"?>
 <p:sld xmlns:a="http://schemas.openxmlformats.org/drawingml/2006/main" xmlns:r="http://schemas.openxmlformats.org/officeDocument/2006/relationships" xmlns:p="http://schemas.openxmlformats.org/presentationml/2006/main">
   <p:cSld>
     <p:spTree>
@@ -11738,6 +8224,42 @@
           </a:p>
         </p:txBody>
       </p:sp>
+      <p:pic>
+        <p:nvPicPr>
+          <p:cNvPr id="6" name="图片 5">
+            <a:extLst>
+              <a:ext uri="{FF2B5EF4-FFF2-40B4-BE49-F238E27FC236}">
+                <a16:creationId xmlns:a16="http://schemas.microsoft.com/office/drawing/2014/main" id="{4E0DA579-FECE-46BE-B656-7045C01AA303}"/>
+              </a:ext>
+            </a:extLst>
+          </p:cNvPr>
+          <p:cNvPicPr>
+            <a:picLocks noChangeAspect="1"/>
+          </p:cNvPicPr>
+          <p:nvPr/>
+        </p:nvPicPr>
+        <p:blipFill>
+          <a:blip r:embed="rId4">
+            <a:extLst>
+              <a:ext uri="{28A0092B-C50C-407E-A947-70E740481C1C}">
+                <a14:useLocalDpi xmlns:a14="http://schemas.microsoft.com/office/drawing/2010/main" val="0"/>
+              </a:ext>
+            </a:extLst>
+          </a:blip>
+          <a:stretch>
+            <a:fillRect/>
+          </a:stretch>
+        </p:blipFill>
+        <p:spPr>
+          <a:xfrm>
+            <a:off x="0" y="0"/>
+            <a:ext cx="4504446" cy="2298756"/>
+          </a:xfrm>
+          <a:prstGeom prst="rect">
+            <a:avLst/>
+          </a:prstGeom>
+        </p:spPr>
+      </p:pic>
     </p:spTree>
     <p:extLst>
       <p:ext uri="{BB962C8B-B14F-4D97-AF65-F5344CB8AC3E}">
@@ -11870,6 +8392,97 @@
                       </p:childTnLst>
                     </p:cTn>
                   </p:par>
+                  <p:par>
+                    <p:cTn id="13" fill="hold">
+                      <p:stCondLst>
+                        <p:cond delay="indefinite"/>
+                      </p:stCondLst>
+                      <p:childTnLst>
+                        <p:par>
+                          <p:cTn id="14" fill="hold">
+                            <p:stCondLst>
+                              <p:cond delay="0"/>
+                            </p:stCondLst>
+                            <p:childTnLst>
+                              <p:par>
+                                <p:cTn id="15" presetID="2" presetClass="entr" presetSubtype="4" fill="hold" nodeType="clickEffect">
+                                  <p:stCondLst>
+                                    <p:cond delay="0"/>
+                                  </p:stCondLst>
+                                  <p:childTnLst>
+                                    <p:set>
+                                      <p:cBhvr>
+                                        <p:cTn id="16" dur="1" fill="hold">
+                                          <p:stCondLst>
+                                            <p:cond delay="0"/>
+                                          </p:stCondLst>
+                                        </p:cTn>
+                                        <p:tgtEl>
+                                          <p:spTgt spid="6"/>
+                                        </p:tgtEl>
+                                        <p:attrNameLst>
+                                          <p:attrName>style.visibility</p:attrName>
+                                        </p:attrNameLst>
+                                      </p:cBhvr>
+                                      <p:to>
+                                        <p:strVal val="visible"/>
+                                      </p:to>
+                                    </p:set>
+                                    <p:anim calcmode="lin" valueType="num">
+                                      <p:cBhvr additive="base">
+                                        <p:cTn id="17" dur="500" fill="hold"/>
+                                        <p:tgtEl>
+                                          <p:spTgt spid="6"/>
+                                        </p:tgtEl>
+                                        <p:attrNameLst>
+                                          <p:attrName>ppt_x</p:attrName>
+                                        </p:attrNameLst>
+                                      </p:cBhvr>
+                                      <p:tavLst>
+                                        <p:tav tm="0">
+                                          <p:val>
+                                            <p:strVal val="#ppt_x"/>
+                                          </p:val>
+                                        </p:tav>
+                                        <p:tav tm="100000">
+                                          <p:val>
+                                            <p:strVal val="#ppt_x"/>
+                                          </p:val>
+                                        </p:tav>
+                                      </p:tavLst>
+                                    </p:anim>
+                                    <p:anim calcmode="lin" valueType="num">
+                                      <p:cBhvr additive="base">
+                                        <p:cTn id="18" dur="500" fill="hold"/>
+                                        <p:tgtEl>
+                                          <p:spTgt spid="6"/>
+                                        </p:tgtEl>
+                                        <p:attrNameLst>
+                                          <p:attrName>ppt_y</p:attrName>
+                                        </p:attrNameLst>
+                                      </p:cBhvr>
+                                      <p:tavLst>
+                                        <p:tav tm="0">
+                                          <p:val>
+                                            <p:strVal val="1+#ppt_h/2"/>
+                                          </p:val>
+                                        </p:tav>
+                                        <p:tav tm="100000">
+                                          <p:val>
+                                            <p:strVal val="#ppt_y"/>
+                                          </p:val>
+                                        </p:tav>
+                                      </p:tavLst>
+                                    </p:anim>
+                                  </p:childTnLst>
+                                </p:cTn>
+                              </p:par>
+                            </p:childTnLst>
+                          </p:cTn>
+                        </p:par>
+                      </p:childTnLst>
+                    </p:cTn>
+                  </p:par>
                 </p:childTnLst>
               </p:cTn>
               <p:prevCondLst>
@@ -11895,7 +8508,7 @@
 </p:sld>
 </file>
 
-<file path=ppt/slides/slide35.xml><?xml version="1.0" encoding="utf-8"?>
+<file path=ppt/slides/slide33.xml><?xml version="1.0" encoding="utf-8"?>
 <p:sld xmlns:a="http://schemas.openxmlformats.org/drawingml/2006/main" xmlns:r="http://schemas.openxmlformats.org/officeDocument/2006/relationships" xmlns:p="http://schemas.openxmlformats.org/presentationml/2006/main">
   <p:cSld>
     <p:spTree>
@@ -12097,7 +8710,7 @@
 </p:sld>
 </file>
 
-<file path=ppt/slides/slide36.xml><?xml version="1.0" encoding="utf-8"?>
+<file path=ppt/slides/slide34.xml><?xml version="1.0" encoding="utf-8"?>
 <p:sld xmlns:a="http://schemas.openxmlformats.org/drawingml/2006/main" xmlns:r="http://schemas.openxmlformats.org/officeDocument/2006/relationships" xmlns:p="http://schemas.openxmlformats.org/presentationml/2006/main">
   <p:cSld>
     <p:spTree>
@@ -12299,6 +8912,391 @@
 </p:sld>
 </file>
 
+<file path=ppt/slides/slide35.xml><?xml version="1.0" encoding="utf-8"?>
+<p:sld xmlns:a="http://schemas.openxmlformats.org/drawingml/2006/main" xmlns:r="http://schemas.openxmlformats.org/officeDocument/2006/relationships" xmlns:p="http://schemas.openxmlformats.org/presentationml/2006/main">
+  <p:cSld>
+    <p:spTree>
+      <p:nvGrpSpPr>
+        <p:cNvPr id="1" name=""/>
+        <p:cNvGrpSpPr/>
+        <p:nvPr/>
+      </p:nvGrpSpPr>
+      <p:grpSpPr>
+        <a:xfrm>
+          <a:off x="0" y="0"/>
+          <a:ext cx="0" cy="0"/>
+          <a:chOff x="0" y="0"/>
+          <a:chExt cx="0" cy="0"/>
+        </a:xfrm>
+      </p:grpSpPr>
+      <p:sp>
+        <p:nvSpPr>
+          <p:cNvPr id="5" name="文本框 4"/>
+          <p:cNvSpPr txBox="1"/>
+          <p:nvPr/>
+        </p:nvSpPr>
+        <p:spPr>
+          <a:xfrm>
+            <a:off x="146439" y="91347"/>
+            <a:ext cx="1728358" cy="707886"/>
+          </a:xfrm>
+          <a:prstGeom prst="rect">
+            <a:avLst/>
+          </a:prstGeom>
+          <a:noFill/>
+        </p:spPr>
+        <p:txBody>
+          <a:bodyPr wrap="none" rtlCol="0">
+            <a:spAutoFit/>
+          </a:bodyPr>
+          <a:lstStyle/>
+          <a:p>
+            <a:r>
+              <a:rPr lang="zh-CN" altLang="en-US" sz="4000" b="1" dirty="0">
+                <a:solidFill>
+                  <a:schemeClr val="tx1">
+                    <a:lumMod val="50000"/>
+                    <a:lumOff val="50000"/>
+                  </a:schemeClr>
+                </a:solidFill>
+                <a:latin typeface="幼圆" panose="02010509060101010101" pitchFamily="49" charset="-122"/>
+                <a:ea typeface="幼圆" panose="02010509060101010101" pitchFamily="49" charset="-122"/>
+              </a:rPr>
+              <a:t>甘特图</a:t>
+            </a:r>
+          </a:p>
+        </p:txBody>
+      </p:sp>
+      <p:pic>
+        <p:nvPicPr>
+          <p:cNvPr id="3" name="图片 2">
+            <a:extLst>
+              <a:ext uri="{FF2B5EF4-FFF2-40B4-BE49-F238E27FC236}">
+                <a16:creationId xmlns:a16="http://schemas.microsoft.com/office/drawing/2014/main" id="{6FD1C8C5-208D-4191-9B18-9D9AC55C6315}"/>
+              </a:ext>
+            </a:extLst>
+          </p:cNvPr>
+          <p:cNvPicPr>
+            <a:picLocks noChangeAspect="1"/>
+          </p:cNvPicPr>
+          <p:nvPr/>
+        </p:nvPicPr>
+        <p:blipFill>
+          <a:blip r:embed="rId2"/>
+          <a:stretch>
+            <a:fillRect/>
+          </a:stretch>
+        </p:blipFill>
+        <p:spPr>
+          <a:xfrm>
+            <a:off x="0" y="1125775"/>
+            <a:ext cx="12192000" cy="4606450"/>
+          </a:xfrm>
+          <a:prstGeom prst="rect">
+            <a:avLst/>
+          </a:prstGeom>
+        </p:spPr>
+      </p:pic>
+    </p:spTree>
+    <p:extLst>
+      <p:ext uri="{BB962C8B-B14F-4D97-AF65-F5344CB8AC3E}">
+        <p14:creationId xmlns:p14="http://schemas.microsoft.com/office/powerpoint/2010/main" val="239198148"/>
+      </p:ext>
+    </p:extLst>
+  </p:cSld>
+  <p:clrMapOvr>
+    <a:masterClrMapping/>
+  </p:clrMapOvr>
+  <mc:AlternateContent xmlns:mc="http://schemas.openxmlformats.org/markup-compatibility/2006" xmlns:p15="http://schemas.microsoft.com/office/powerpoint/2012/main">
+    <mc:Choice Requires="p15">
+      <p:transition xmlns:p14="http://schemas.microsoft.com/office/powerpoint/2010/main" spd="slow" p14:dur="2000" advTm="0">
+        <p15:prstTrans prst="drape"/>
+      </p:transition>
+    </mc:Choice>
+    <mc:Fallback xmlns="">
+      <p:transition spd="slow" advTm="0">
+        <p:fade/>
+      </p:transition>
+    </mc:Fallback>
+  </mc:AlternateContent>
+</p:sld>
+</file>
+
+<file path=ppt/slides/slide36.xml><?xml version="1.0" encoding="utf-8"?>
+<p:sld xmlns:a="http://schemas.openxmlformats.org/drawingml/2006/main" xmlns:r="http://schemas.openxmlformats.org/officeDocument/2006/relationships" xmlns:p="http://schemas.openxmlformats.org/presentationml/2006/main">
+  <p:cSld>
+    <p:spTree>
+      <p:nvGrpSpPr>
+        <p:cNvPr id="1" name=""/>
+        <p:cNvGrpSpPr/>
+        <p:nvPr/>
+      </p:nvGrpSpPr>
+      <p:grpSpPr>
+        <a:xfrm>
+          <a:off x="0" y="0"/>
+          <a:ext cx="0" cy="0"/>
+          <a:chOff x="0" y="0"/>
+          <a:chExt cx="0" cy="0"/>
+        </a:xfrm>
+      </p:grpSpPr>
+      <p:sp>
+        <p:nvSpPr>
+          <p:cNvPr id="2" name="文本框 1">
+            <a:extLst>
+              <a:ext uri="{FF2B5EF4-FFF2-40B4-BE49-F238E27FC236}">
+                <a16:creationId xmlns:a16="http://schemas.microsoft.com/office/drawing/2014/main" id="{F3DA6267-1232-430E-85F2-0600C18D1A7F}"/>
+              </a:ext>
+            </a:extLst>
+          </p:cNvPr>
+          <p:cNvSpPr txBox="1"/>
+          <p:nvPr/>
+        </p:nvSpPr>
+        <p:spPr>
+          <a:xfrm>
+            <a:off x="146439" y="91347"/>
+            <a:ext cx="2242922" cy="707886"/>
+          </a:xfrm>
+          <a:prstGeom prst="rect">
+            <a:avLst/>
+          </a:prstGeom>
+          <a:noFill/>
+        </p:spPr>
+        <p:txBody>
+          <a:bodyPr wrap="none" rtlCol="0">
+            <a:spAutoFit/>
+          </a:bodyPr>
+          <a:lstStyle/>
+          <a:p>
+            <a:r>
+              <a:rPr lang="zh-CN" altLang="en-US" sz="4000" b="1" dirty="0">
+                <a:solidFill>
+                  <a:schemeClr val="tx1">
+                    <a:lumMod val="50000"/>
+                    <a:lumOff val="50000"/>
+                  </a:schemeClr>
+                </a:solidFill>
+                <a:latin typeface="幼圆" panose="02010509060101010101" pitchFamily="49" charset="-122"/>
+                <a:ea typeface="幼圆" panose="02010509060101010101" pitchFamily="49" charset="-122"/>
+              </a:rPr>
+              <a:t>项目总结</a:t>
+            </a:r>
+          </a:p>
+        </p:txBody>
+      </p:sp>
+      <p:sp>
+        <p:nvSpPr>
+          <p:cNvPr id="4" name="文本框 3">
+            <a:extLst>
+              <a:ext uri="{FF2B5EF4-FFF2-40B4-BE49-F238E27FC236}">
+                <a16:creationId xmlns:a16="http://schemas.microsoft.com/office/drawing/2014/main" id="{2C721027-886F-4AC2-86D4-E57207299607}"/>
+              </a:ext>
+            </a:extLst>
+          </p:cNvPr>
+          <p:cNvSpPr txBox="1"/>
+          <p:nvPr/>
+        </p:nvSpPr>
+        <p:spPr>
+          <a:xfrm>
+            <a:off x="1772817" y="2320031"/>
+            <a:ext cx="8213270" cy="2954655"/>
+          </a:xfrm>
+          <a:prstGeom prst="rect">
+            <a:avLst/>
+          </a:prstGeom>
+          <a:noFill/>
+        </p:spPr>
+        <p:txBody>
+          <a:bodyPr wrap="square">
+            <a:spAutoFit/>
+          </a:bodyPr>
+          <a:lstStyle/>
+          <a:p>
+            <a:pPr algn="just"/>
+            <a:r>
+              <a:rPr lang="en-US" altLang="zh-CN" sz="2400" kern="100" dirty="0">
+                <a:solidFill>
+                  <a:schemeClr val="tx2">
+                    <a:lumMod val="75000"/>
+                  </a:schemeClr>
+                </a:solidFill>
+                <a:latin typeface="黑体" panose="02010609060101010101" pitchFamily="49" charset="-122"/>
+                <a:ea typeface="黑体" panose="02010609060101010101" pitchFamily="49" charset="-122"/>
+                <a:cs typeface="Times New Roman" panose="02020603050405020304" pitchFamily="18" charset="0"/>
+              </a:rPr>
+              <a:t>    </a:t>
+            </a:r>
+            <a:r>
+              <a:rPr lang="zh-CN" altLang="zh-CN" sz="2400" kern="100" dirty="0">
+                <a:solidFill>
+                  <a:schemeClr val="tx2">
+                    <a:lumMod val="75000"/>
+                  </a:schemeClr>
+                </a:solidFill>
+                <a:effectLst/>
+                <a:latin typeface="黑体" panose="02010609060101010101" pitchFamily="49" charset="-122"/>
+                <a:ea typeface="黑体" panose="02010609060101010101" pitchFamily="49" charset="-122"/>
+                <a:cs typeface="Times New Roman" panose="02020603050405020304" pitchFamily="18" charset="0"/>
+              </a:rPr>
+              <a:t>本表白墙项目历时一个</a:t>
+            </a:r>
+            <a:r>
+              <a:rPr lang="zh-CN" altLang="en-US" sz="2400" kern="100" dirty="0">
+                <a:solidFill>
+                  <a:schemeClr val="tx2">
+                    <a:lumMod val="75000"/>
+                  </a:schemeClr>
+                </a:solidFill>
+                <a:effectLst/>
+                <a:latin typeface="黑体" panose="02010609060101010101" pitchFamily="49" charset="-122"/>
+                <a:ea typeface="黑体" panose="02010609060101010101" pitchFamily="49" charset="-122"/>
+                <a:cs typeface="Times New Roman" panose="02020603050405020304" pitchFamily="18" charset="0"/>
+              </a:rPr>
+              <a:t>学期</a:t>
+            </a:r>
+            <a:r>
+              <a:rPr lang="zh-CN" altLang="zh-CN" sz="2400" kern="100" dirty="0">
+                <a:solidFill>
+                  <a:schemeClr val="tx2">
+                    <a:lumMod val="75000"/>
+                  </a:schemeClr>
+                </a:solidFill>
+                <a:effectLst/>
+                <a:latin typeface="黑体" panose="02010609060101010101" pitchFamily="49" charset="-122"/>
+                <a:ea typeface="黑体" panose="02010609060101010101" pitchFamily="49" charset="-122"/>
+                <a:cs typeface="Times New Roman" panose="02020603050405020304" pitchFamily="18" charset="0"/>
+              </a:rPr>
+              <a:t>，</a:t>
+            </a:r>
+            <a:r>
+              <a:rPr lang="zh-CN" altLang="en-US" sz="2400" kern="100" dirty="0">
+                <a:solidFill>
+                  <a:schemeClr val="tx2">
+                    <a:lumMod val="75000"/>
+                  </a:schemeClr>
+                </a:solidFill>
+                <a:effectLst/>
+                <a:latin typeface="黑体" panose="02010609060101010101" pitchFamily="49" charset="-122"/>
+                <a:ea typeface="黑体" panose="02010609060101010101" pitchFamily="49" charset="-122"/>
+                <a:cs typeface="Times New Roman" panose="02020603050405020304" pitchFamily="18" charset="0"/>
+              </a:rPr>
+              <a:t>代码实现</a:t>
+            </a:r>
+            <a:r>
+              <a:rPr lang="zh-CN" altLang="zh-CN" sz="2400" kern="100" dirty="0">
+                <a:solidFill>
+                  <a:schemeClr val="tx2">
+                    <a:lumMod val="75000"/>
+                  </a:schemeClr>
+                </a:solidFill>
+                <a:effectLst/>
+                <a:latin typeface="黑体" panose="02010609060101010101" pitchFamily="49" charset="-122"/>
+                <a:ea typeface="黑体" panose="02010609060101010101" pitchFamily="49" charset="-122"/>
+                <a:cs typeface="Times New Roman" panose="02020603050405020304" pitchFamily="18" charset="0"/>
+              </a:rPr>
+              <a:t>由王义博同学负责登录注册模块和个人中心，郑航舰同学负责用户模块，吴联想同学负责管理员模块。虽然最终做出的结果没有尽善尽美，但是我们小组也尽了我们自己的全力，同时也学到了很多东西，例如从头到尾经历了一遍软件的开发，在软件开发的过程中也学到了</a:t>
+            </a:r>
+            <a:r>
+              <a:rPr lang="en-US" altLang="zh-CN" sz="2400" kern="100" dirty="0" err="1">
+                <a:solidFill>
+                  <a:schemeClr val="tx2">
+                    <a:lumMod val="75000"/>
+                  </a:schemeClr>
+                </a:solidFill>
+                <a:effectLst/>
+                <a:latin typeface="黑体" panose="02010609060101010101" pitchFamily="49" charset="-122"/>
+                <a:ea typeface="黑体" panose="02010609060101010101" pitchFamily="49" charset="-122"/>
+                <a:cs typeface="Times New Roman" panose="02020603050405020304" pitchFamily="18" charset="0"/>
+              </a:rPr>
+              <a:t>Springboot</a:t>
+            </a:r>
+            <a:r>
+              <a:rPr lang="zh-CN" altLang="zh-CN" sz="2400" kern="100" dirty="0">
+                <a:solidFill>
+                  <a:schemeClr val="tx2">
+                    <a:lumMod val="75000"/>
+                  </a:schemeClr>
+                </a:solidFill>
+                <a:effectLst/>
+                <a:latin typeface="黑体" panose="02010609060101010101" pitchFamily="49" charset="-122"/>
+                <a:ea typeface="黑体" panose="02010609060101010101" pitchFamily="49" charset="-122"/>
+                <a:cs typeface="Times New Roman" panose="02020603050405020304" pitchFamily="18" charset="0"/>
+              </a:rPr>
+              <a:t>和</a:t>
+            </a:r>
+            <a:r>
+              <a:rPr lang="en-US" altLang="zh-CN" sz="2400" kern="100" dirty="0">
+                <a:solidFill>
+                  <a:schemeClr val="tx2">
+                    <a:lumMod val="75000"/>
+                  </a:schemeClr>
+                </a:solidFill>
+                <a:effectLst/>
+                <a:latin typeface="黑体" panose="02010609060101010101" pitchFamily="49" charset="-122"/>
+                <a:ea typeface="黑体" panose="02010609060101010101" pitchFamily="49" charset="-122"/>
+                <a:cs typeface="Times New Roman" panose="02020603050405020304" pitchFamily="18" charset="0"/>
+              </a:rPr>
+              <a:t>Vue</a:t>
+            </a:r>
+            <a:r>
+              <a:rPr lang="zh-CN" altLang="zh-CN" sz="2400" kern="100" dirty="0">
+                <a:solidFill>
+                  <a:schemeClr val="tx2">
+                    <a:lumMod val="75000"/>
+                  </a:schemeClr>
+                </a:solidFill>
+                <a:effectLst/>
+                <a:latin typeface="黑体" panose="02010609060101010101" pitchFamily="49" charset="-122"/>
+                <a:ea typeface="黑体" panose="02010609060101010101" pitchFamily="49" charset="-122"/>
+                <a:cs typeface="Times New Roman" panose="02020603050405020304" pitchFamily="18" charset="0"/>
+              </a:rPr>
+              <a:t>的相关知识，收获还是很多的。</a:t>
+            </a:r>
+          </a:p>
+          <a:p>
+            <a:pPr algn="just"/>
+            <a:r>
+              <a:rPr lang="en-US" altLang="zh-CN" sz="1800" kern="100" dirty="0">
+                <a:effectLst/>
+                <a:latin typeface="等线" panose="02010600030101010101" pitchFamily="2" charset="-122"/>
+                <a:ea typeface="等线" panose="02010600030101010101" pitchFamily="2" charset="-122"/>
+                <a:cs typeface="Times New Roman" panose="02020603050405020304" pitchFamily="18" charset="0"/>
+              </a:rPr>
+              <a:t> </a:t>
+            </a:r>
+            <a:endParaRPr lang="zh-CN" altLang="zh-CN" sz="1800" kern="100" dirty="0">
+              <a:effectLst/>
+              <a:latin typeface="等线" panose="02010600030101010101" pitchFamily="2" charset="-122"/>
+              <a:ea typeface="等线" panose="02010600030101010101" pitchFamily="2" charset="-122"/>
+              <a:cs typeface="Times New Roman" panose="02020603050405020304" pitchFamily="18" charset="0"/>
+            </a:endParaRPr>
+          </a:p>
+        </p:txBody>
+      </p:sp>
+    </p:spTree>
+    <p:extLst>
+      <p:ext uri="{BB962C8B-B14F-4D97-AF65-F5344CB8AC3E}">
+        <p14:creationId xmlns:p14="http://schemas.microsoft.com/office/powerpoint/2010/main" val="2120013021"/>
+      </p:ext>
+    </p:extLst>
+  </p:cSld>
+  <p:clrMapOvr>
+    <a:masterClrMapping/>
+  </p:clrMapOvr>
+  <mc:AlternateContent xmlns:mc="http://schemas.openxmlformats.org/markup-compatibility/2006" xmlns:p159="http://schemas.microsoft.com/office/powerpoint/2015/09/main">
+    <mc:Choice Requires="p159">
+      <p:transition xmlns:p14="http://schemas.microsoft.com/office/powerpoint/2010/main" spd="slow" p14:dur="2000" advTm="0">
+        <p159:morph option="byObject"/>
+      </p:transition>
+    </mc:Choice>
+    <mc:Fallback xmlns="">
+      <p:transition spd="slow" advTm="0">
+        <p:fade/>
+      </p:transition>
+    </mc:Fallback>
+  </mc:AlternateContent>
+</p:sld>
+</file>
+
 <file path=ppt/slides/slide37.xml><?xml version="1.0" encoding="utf-8"?>
 <p:sld xmlns:a="http://schemas.openxmlformats.org/drawingml/2006/main" xmlns:r="http://schemas.openxmlformats.org/officeDocument/2006/relationships" xmlns:p="http://schemas.openxmlformats.org/presentationml/2006/main">
   <p:cSld>
@@ -12325,7 +9323,7 @@
         <p:spPr>
           <a:xfrm>
             <a:off x="146439" y="91347"/>
-            <a:ext cx="1728358" cy="707886"/>
+            <a:ext cx="2246128" cy="707886"/>
           </a:xfrm>
           <a:prstGeom prst="rect">
             <a:avLst/>
@@ -12349,45 +9347,506 @@
                 <a:latin typeface="幼圆" panose="02010509060101010101" pitchFamily="49" charset="-122"/>
                 <a:ea typeface="幼圆" panose="02010509060101010101" pitchFamily="49" charset="-122"/>
               </a:rPr>
-              <a:t>甘特图</a:t>
-            </a:r>
-          </a:p>
-        </p:txBody>
-      </p:sp>
-      <p:pic>
-        <p:nvPicPr>
-          <p:cNvPr id="4" name="图片 3">
+              <a:t>参考资料</a:t>
+            </a:r>
+          </a:p>
+        </p:txBody>
+      </p:sp>
+      <p:sp>
+        <p:nvSpPr>
+          <p:cNvPr id="2" name="文本框 1">
             <a:extLst>
               <a:ext uri="{FF2B5EF4-FFF2-40B4-BE49-F238E27FC236}">
-                <a16:creationId xmlns:a16="http://schemas.microsoft.com/office/drawing/2014/main" id="{AAFA4364-BE98-4F3B-9621-F0C8EFAF4E4E}"/>
+                <a16:creationId xmlns:a16="http://schemas.microsoft.com/office/drawing/2014/main" id="{63438315-2921-45F1-9C30-7B33CB02DD37}"/>
               </a:ext>
             </a:extLst>
           </p:cNvPr>
-          <p:cNvPicPr>
-            <a:picLocks noChangeAspect="1"/>
-          </p:cNvPicPr>
+          <p:cNvSpPr txBox="1"/>
           <p:nvPr/>
-        </p:nvPicPr>
-        <p:blipFill>
-          <a:blip r:embed="rId2"/>
-          <a:stretch>
-            <a:fillRect/>
-          </a:stretch>
-        </p:blipFill>
-        <p:spPr>
-          <a:xfrm>
-            <a:off x="0" y="969856"/>
-            <a:ext cx="12192000" cy="4918287"/>
+        </p:nvSpPr>
+        <p:spPr>
+          <a:xfrm>
+            <a:off x="700088" y="1828800"/>
+            <a:ext cx="10844212" cy="1938992"/>
           </a:xfrm>
           <a:prstGeom prst="rect">
             <a:avLst/>
           </a:prstGeom>
-        </p:spPr>
-      </p:pic>
+          <a:noFill/>
+        </p:spPr>
+        <p:txBody>
+          <a:bodyPr wrap="square" rtlCol="0">
+            <a:spAutoFit/>
+          </a:bodyPr>
+          <a:lstStyle/>
+          <a:p>
+            <a:pPr marL="0" marR="0" lvl="0" indent="0" algn="l" defTabSz="914400" rtl="0" eaLnBrk="1" fontAlgn="auto" latinLnBrk="0" hangingPunct="1">
+              <a:lnSpc>
+                <a:spcPct val="100000"/>
+              </a:lnSpc>
+              <a:spcBef>
+                <a:spcPts val="0"/>
+              </a:spcBef>
+              <a:spcAft>
+                <a:spcPts val="0"/>
+              </a:spcAft>
+              <a:buClrTx/>
+              <a:buSzTx/>
+              <a:buFontTx/>
+              <a:buNone/>
+              <a:tabLst/>
+              <a:defRPr/>
+            </a:pPr>
+            <a:r>
+              <a:rPr kumimoji="0" lang="en-US" altLang="zh-CN" sz="2400" b="0" i="0" u="none" strike="noStrike" kern="1200" cap="none" spc="0" normalizeH="0" baseline="0" noProof="0" dirty="0">
+                <a:ln>
+                  <a:noFill/>
+                </a:ln>
+                <a:solidFill>
+                  <a:prstClr val="black"/>
+                </a:solidFill>
+                <a:effectLst/>
+                <a:uLnTx/>
+                <a:uFillTx/>
+                <a:latin typeface="等线" panose="020F0502020204030204"/>
+                <a:ea typeface="等线" panose="02010600030101010101" pitchFamily="2" charset="-122"/>
+                <a:cs typeface="+mn-cs"/>
+              </a:rPr>
+              <a:t>1.《</a:t>
+            </a:r>
+            <a:r>
+              <a:rPr kumimoji="0" lang="zh-CN" altLang="en-US" sz="2400" b="0" i="0" u="none" strike="noStrike" kern="1200" cap="none" spc="0" normalizeH="0" baseline="0" noProof="0" dirty="0">
+                <a:ln>
+                  <a:noFill/>
+                </a:ln>
+                <a:solidFill>
+                  <a:prstClr val="black"/>
+                </a:solidFill>
+                <a:effectLst/>
+                <a:uLnTx/>
+                <a:uFillTx/>
+                <a:latin typeface="等线" panose="020F0502020204030204"/>
+                <a:ea typeface="等线" panose="02010600030101010101" pitchFamily="2" charset="-122"/>
+                <a:cs typeface="+mn-cs"/>
+              </a:rPr>
+              <a:t>计算机软件需求规格说明规范</a:t>
+            </a:r>
+            <a:r>
+              <a:rPr kumimoji="0" lang="en-US" altLang="zh-CN" sz="2400" b="0" i="0" u="none" strike="noStrike" kern="1200" cap="none" spc="0" normalizeH="0" baseline="0" noProof="0" dirty="0">
+                <a:ln>
+                  <a:noFill/>
+                </a:ln>
+                <a:solidFill>
+                  <a:prstClr val="black"/>
+                </a:solidFill>
+                <a:effectLst/>
+                <a:uLnTx/>
+                <a:uFillTx/>
+                <a:latin typeface="等线" panose="020F0502020204030204"/>
+                <a:ea typeface="等线" panose="02010600030101010101" pitchFamily="2" charset="-122"/>
+                <a:cs typeface="+mn-cs"/>
+              </a:rPr>
+              <a:t>》</a:t>
+            </a:r>
+            <a:r>
+              <a:rPr kumimoji="0" lang="zh-CN" altLang="en-US" sz="2400" b="0" i="0" u="none" strike="noStrike" kern="1200" cap="none" spc="0" normalizeH="0" baseline="0" noProof="0" dirty="0">
+                <a:ln>
+                  <a:noFill/>
+                </a:ln>
+                <a:solidFill>
+                  <a:prstClr val="black"/>
+                </a:solidFill>
+                <a:effectLst/>
+                <a:uLnTx/>
+                <a:uFillTx/>
+                <a:latin typeface="等线" panose="020F0502020204030204"/>
+                <a:ea typeface="等线" panose="02010600030101010101" pitchFamily="2" charset="-122"/>
+                <a:cs typeface="+mn-cs"/>
+              </a:rPr>
+              <a:t>（</a:t>
+            </a:r>
+            <a:r>
+              <a:rPr kumimoji="0" lang="en-US" altLang="zh-CN" sz="2400" b="0" i="0" u="none" strike="noStrike" kern="1200" cap="none" spc="0" normalizeH="0" baseline="0" noProof="0" dirty="0">
+                <a:ln>
+                  <a:noFill/>
+                </a:ln>
+                <a:solidFill>
+                  <a:prstClr val="black"/>
+                </a:solidFill>
+                <a:effectLst/>
+                <a:uLnTx/>
+                <a:uFillTx/>
+                <a:latin typeface="等线" panose="020F0502020204030204"/>
+                <a:ea typeface="等线" panose="02010600030101010101" pitchFamily="2" charset="-122"/>
+                <a:cs typeface="+mn-cs"/>
+              </a:rPr>
+              <a:t>GB/T9385-2008</a:t>
+            </a:r>
+            <a:r>
+              <a:rPr kumimoji="0" lang="zh-CN" altLang="en-US" sz="2400" b="0" i="0" u="none" strike="noStrike" kern="1200" cap="none" spc="0" normalizeH="0" baseline="0" noProof="0" dirty="0">
+                <a:ln>
+                  <a:noFill/>
+                </a:ln>
+                <a:solidFill>
+                  <a:prstClr val="black"/>
+                </a:solidFill>
+                <a:effectLst/>
+                <a:uLnTx/>
+                <a:uFillTx/>
+                <a:latin typeface="等线" panose="020F0502020204030204"/>
+                <a:ea typeface="等线" panose="02010600030101010101" pitchFamily="2" charset="-122"/>
+                <a:cs typeface="+mn-cs"/>
+              </a:rPr>
+              <a:t>）</a:t>
+            </a:r>
+          </a:p>
+          <a:p>
+            <a:pPr marL="0" marR="0" lvl="0" indent="0" algn="l" defTabSz="914400" rtl="0" eaLnBrk="1" fontAlgn="auto" latinLnBrk="0" hangingPunct="1">
+              <a:lnSpc>
+                <a:spcPct val="100000"/>
+              </a:lnSpc>
+              <a:spcBef>
+                <a:spcPts val="0"/>
+              </a:spcBef>
+              <a:spcAft>
+                <a:spcPts val="0"/>
+              </a:spcAft>
+              <a:buClrTx/>
+              <a:buSzTx/>
+              <a:buFontTx/>
+              <a:buNone/>
+              <a:tabLst/>
+              <a:defRPr/>
+            </a:pPr>
+            <a:r>
+              <a:rPr kumimoji="0" lang="en-US" altLang="zh-CN" sz="2400" b="0" i="0" u="none" strike="noStrike" kern="1200" cap="none" spc="0" normalizeH="0" baseline="0" noProof="0" dirty="0">
+                <a:ln>
+                  <a:noFill/>
+                </a:ln>
+                <a:solidFill>
+                  <a:prstClr val="black"/>
+                </a:solidFill>
+                <a:effectLst/>
+                <a:uLnTx/>
+                <a:uFillTx/>
+                <a:latin typeface="等线" panose="020F0502020204030204"/>
+                <a:ea typeface="等线" panose="02010600030101010101" pitchFamily="2" charset="-122"/>
+                <a:cs typeface="+mn-cs"/>
+              </a:rPr>
+              <a:t>2.《</a:t>
+            </a:r>
+            <a:r>
+              <a:rPr kumimoji="0" lang="zh-CN" altLang="en-US" sz="2400" b="0" i="0" u="none" strike="noStrike" kern="1200" cap="none" spc="0" normalizeH="0" baseline="0" noProof="0" dirty="0">
+                <a:ln>
+                  <a:noFill/>
+                </a:ln>
+                <a:solidFill>
+                  <a:prstClr val="black"/>
+                </a:solidFill>
+                <a:effectLst/>
+                <a:uLnTx/>
+                <a:uFillTx/>
+                <a:latin typeface="等线" panose="020F0502020204030204"/>
+                <a:ea typeface="等线" panose="02010600030101010101" pitchFamily="2" charset="-122"/>
+                <a:cs typeface="+mn-cs"/>
+              </a:rPr>
+              <a:t>表白墙网站项目开发计划</a:t>
+            </a:r>
+            <a:r>
+              <a:rPr kumimoji="0" lang="en-US" altLang="zh-CN" sz="2400" b="0" i="0" u="none" strike="noStrike" kern="1200" cap="none" spc="0" normalizeH="0" baseline="0" noProof="0" dirty="0">
+                <a:ln>
+                  <a:noFill/>
+                </a:ln>
+                <a:solidFill>
+                  <a:prstClr val="black"/>
+                </a:solidFill>
+                <a:effectLst/>
+                <a:uLnTx/>
+                <a:uFillTx/>
+                <a:latin typeface="等线" panose="020F0502020204030204"/>
+                <a:ea typeface="等线" panose="02010600030101010101" pitchFamily="2" charset="-122"/>
+                <a:cs typeface="+mn-cs"/>
+              </a:rPr>
+              <a:t>》</a:t>
+            </a:r>
+          </a:p>
+          <a:p>
+            <a:pPr marL="0" marR="0" lvl="0" indent="0" algn="l" defTabSz="914400" rtl="0" eaLnBrk="1" fontAlgn="auto" latinLnBrk="0" hangingPunct="1">
+              <a:lnSpc>
+                <a:spcPct val="100000"/>
+              </a:lnSpc>
+              <a:spcBef>
+                <a:spcPts val="0"/>
+              </a:spcBef>
+              <a:spcAft>
+                <a:spcPts val="0"/>
+              </a:spcAft>
+              <a:buClrTx/>
+              <a:buSzTx/>
+              <a:buFontTx/>
+              <a:buNone/>
+              <a:tabLst/>
+              <a:defRPr/>
+            </a:pPr>
+            <a:r>
+              <a:rPr lang="en-US" altLang="zh-CN" sz="2400" dirty="0">
+                <a:solidFill>
+                  <a:prstClr val="black"/>
+                </a:solidFill>
+                <a:latin typeface="等线" panose="020F0502020204030204"/>
+                <a:ea typeface="等线" panose="02010600030101010101" pitchFamily="2" charset="-122"/>
+              </a:rPr>
+              <a:t>3</a:t>
+            </a:r>
+            <a:r>
+              <a:rPr kumimoji="0" lang="en-US" altLang="zh-CN" sz="2400" b="0" i="0" u="none" strike="noStrike" kern="1200" cap="none" spc="0" normalizeH="0" baseline="0" noProof="0" dirty="0">
+                <a:ln>
+                  <a:noFill/>
+                </a:ln>
+                <a:solidFill>
+                  <a:prstClr val="black"/>
+                </a:solidFill>
+                <a:effectLst/>
+                <a:uLnTx/>
+                <a:uFillTx/>
+                <a:latin typeface="等线" panose="020F0502020204030204"/>
+                <a:ea typeface="等线" panose="02010600030101010101" pitchFamily="2" charset="-122"/>
+                <a:cs typeface="+mn-cs"/>
+              </a:rPr>
+              <a:t>.《</a:t>
+            </a:r>
+            <a:r>
+              <a:rPr kumimoji="0" lang="zh-CN" altLang="en-US" sz="2400" b="0" i="0" u="none" strike="noStrike" kern="1200" cap="none" spc="0" normalizeH="0" baseline="0" noProof="0" dirty="0">
+                <a:ln>
+                  <a:noFill/>
+                </a:ln>
+                <a:solidFill>
+                  <a:prstClr val="black"/>
+                </a:solidFill>
+                <a:effectLst/>
+                <a:uLnTx/>
+                <a:uFillTx/>
+                <a:latin typeface="等线" panose="020F0502020204030204"/>
+                <a:ea typeface="等线" panose="02010600030101010101" pitchFamily="2" charset="-122"/>
+                <a:cs typeface="+mn-cs"/>
+              </a:rPr>
+              <a:t>软件工程导论</a:t>
+            </a:r>
+            <a:r>
+              <a:rPr kumimoji="0" lang="en-US" altLang="zh-CN" sz="2400" b="0" i="0" u="none" strike="noStrike" kern="1200" cap="none" spc="0" normalizeH="0" baseline="0" noProof="0" dirty="0">
+                <a:ln>
+                  <a:noFill/>
+                </a:ln>
+                <a:solidFill>
+                  <a:prstClr val="black"/>
+                </a:solidFill>
+                <a:effectLst/>
+                <a:uLnTx/>
+                <a:uFillTx/>
+                <a:latin typeface="等线" panose="020F0502020204030204"/>
+                <a:ea typeface="等线" panose="02010600030101010101" pitchFamily="2" charset="-122"/>
+                <a:cs typeface="+mn-cs"/>
+              </a:rPr>
+              <a:t>》</a:t>
+            </a:r>
+            <a:r>
+              <a:rPr kumimoji="0" lang="zh-CN" altLang="en-US" sz="2400" b="0" i="0" u="none" strike="noStrike" kern="1200" cap="none" spc="0" normalizeH="0" baseline="0" noProof="0" dirty="0">
+                <a:ln>
+                  <a:noFill/>
+                </a:ln>
+                <a:solidFill>
+                  <a:prstClr val="black"/>
+                </a:solidFill>
+                <a:effectLst/>
+                <a:uLnTx/>
+                <a:uFillTx/>
+                <a:latin typeface="等线" panose="020F0502020204030204"/>
+                <a:ea typeface="等线" panose="02010600030101010101" pitchFamily="2" charset="-122"/>
+                <a:cs typeface="+mn-cs"/>
+              </a:rPr>
+              <a:t>（张海藩、牟永敏编著第六版）</a:t>
+            </a:r>
+          </a:p>
+          <a:p>
+            <a:pPr marL="0" marR="0" lvl="0" indent="0" algn="l" defTabSz="914400" rtl="0" eaLnBrk="1" fontAlgn="auto" latinLnBrk="0" hangingPunct="1">
+              <a:lnSpc>
+                <a:spcPct val="100000"/>
+              </a:lnSpc>
+              <a:spcBef>
+                <a:spcPts val="0"/>
+              </a:spcBef>
+              <a:spcAft>
+                <a:spcPts val="0"/>
+              </a:spcAft>
+              <a:buClrTx/>
+              <a:buSzTx/>
+              <a:buFontTx/>
+              <a:buNone/>
+              <a:tabLst/>
+              <a:defRPr/>
+            </a:pPr>
+            <a:r>
+              <a:rPr lang="en-US" altLang="zh-CN" sz="2400" dirty="0">
+                <a:solidFill>
+                  <a:prstClr val="black"/>
+                </a:solidFill>
+                <a:latin typeface="等线" panose="020F0502020204030204"/>
+                <a:ea typeface="等线" panose="02010600030101010101" pitchFamily="2" charset="-122"/>
+              </a:rPr>
+              <a:t>4</a:t>
+            </a:r>
+            <a:r>
+              <a:rPr kumimoji="0" lang="en-US" altLang="zh-CN" sz="2400" b="0" i="0" u="none" strike="noStrike" kern="1200" cap="none" spc="0" normalizeH="0" baseline="0" noProof="0" dirty="0">
+                <a:ln>
+                  <a:noFill/>
+                </a:ln>
+                <a:solidFill>
+                  <a:prstClr val="black"/>
+                </a:solidFill>
+                <a:effectLst/>
+                <a:uLnTx/>
+                <a:uFillTx/>
+                <a:latin typeface="等线" panose="020F0502020204030204"/>
+                <a:ea typeface="等线" panose="02010600030101010101" pitchFamily="2" charset="-122"/>
+                <a:cs typeface="+mn-cs"/>
+              </a:rPr>
+              <a:t>.《</a:t>
+            </a:r>
+            <a:r>
+              <a:rPr kumimoji="0" lang="zh-CN" altLang="en-US" sz="2400" b="0" i="0" u="none" strike="noStrike" kern="1200" cap="none" spc="0" normalizeH="0" baseline="0" noProof="0" dirty="0">
+                <a:ln>
+                  <a:noFill/>
+                </a:ln>
+                <a:solidFill>
+                  <a:prstClr val="black"/>
+                </a:solidFill>
+                <a:effectLst/>
+                <a:uLnTx/>
+                <a:uFillTx/>
+                <a:latin typeface="等线" panose="020F0502020204030204"/>
+                <a:ea typeface="等线" panose="02010600030101010101" pitchFamily="2" charset="-122"/>
+                <a:cs typeface="+mn-cs"/>
+              </a:rPr>
+              <a:t>计算机软件产品开发文件编制指南</a:t>
+            </a:r>
+            <a:r>
+              <a:rPr kumimoji="0" lang="en-US" altLang="zh-CN" sz="2400" b="0" i="0" u="none" strike="noStrike" kern="1200" cap="none" spc="0" normalizeH="0" baseline="0" noProof="0" dirty="0">
+                <a:ln>
+                  <a:noFill/>
+                </a:ln>
+                <a:solidFill>
+                  <a:prstClr val="black"/>
+                </a:solidFill>
+                <a:effectLst/>
+                <a:uLnTx/>
+                <a:uFillTx/>
+                <a:latin typeface="等线" panose="020F0502020204030204"/>
+                <a:ea typeface="等线" panose="02010600030101010101" pitchFamily="2" charset="-122"/>
+                <a:cs typeface="+mn-cs"/>
+              </a:rPr>
+              <a:t>》(GB8567—88</a:t>
+            </a:r>
+            <a:r>
+              <a:rPr kumimoji="0" lang="zh-CN" altLang="en-US" sz="2400" b="0" i="0" u="none" strike="noStrike" kern="1200" cap="none" spc="0" normalizeH="0" baseline="0" noProof="0" dirty="0">
+                <a:ln>
+                  <a:noFill/>
+                </a:ln>
+                <a:solidFill>
+                  <a:prstClr val="black"/>
+                </a:solidFill>
+                <a:effectLst/>
+                <a:uLnTx/>
+                <a:uFillTx/>
+                <a:latin typeface="等线" panose="020F0502020204030204"/>
+                <a:ea typeface="等线" panose="02010600030101010101" pitchFamily="2" charset="-122"/>
+                <a:cs typeface="+mn-cs"/>
+              </a:rPr>
+              <a:t>）</a:t>
+            </a:r>
+            <a:endParaRPr kumimoji="0" lang="en-US" altLang="zh-CN" sz="2400" b="0" i="0" u="none" strike="noStrike" kern="1200" cap="none" spc="0" normalizeH="0" baseline="0" noProof="0" dirty="0">
+              <a:ln>
+                <a:noFill/>
+              </a:ln>
+              <a:solidFill>
+                <a:prstClr val="black"/>
+              </a:solidFill>
+              <a:effectLst/>
+              <a:uLnTx/>
+              <a:uFillTx/>
+              <a:latin typeface="等线" panose="020F0502020204030204"/>
+              <a:ea typeface="等线" panose="02010600030101010101" pitchFamily="2" charset="-122"/>
+              <a:cs typeface="+mn-cs"/>
+            </a:endParaRPr>
+          </a:p>
+          <a:p>
+            <a:pPr marL="0" marR="0" lvl="0" indent="0" algn="l" defTabSz="914400" rtl="0" eaLnBrk="1" fontAlgn="auto" latinLnBrk="0" hangingPunct="1">
+              <a:lnSpc>
+                <a:spcPct val="100000"/>
+              </a:lnSpc>
+              <a:spcBef>
+                <a:spcPts val="0"/>
+              </a:spcBef>
+              <a:spcAft>
+                <a:spcPts val="0"/>
+              </a:spcAft>
+              <a:buClrTx/>
+              <a:buSzTx/>
+              <a:buFontTx/>
+              <a:buNone/>
+              <a:tabLst/>
+              <a:defRPr/>
+            </a:pPr>
+            <a:r>
+              <a:rPr lang="en-US" altLang="zh-CN" sz="2400" dirty="0">
+                <a:solidFill>
+                  <a:prstClr val="black"/>
+                </a:solidFill>
+                <a:latin typeface="等线" panose="020F0502020204030204"/>
+                <a:ea typeface="等线" panose="02010600030101010101" pitchFamily="2" charset="-122"/>
+              </a:rPr>
+              <a:t>5.《</a:t>
+            </a:r>
+            <a:r>
+              <a:rPr lang="zh-CN" altLang="en-US" sz="2400">
+                <a:solidFill>
+                  <a:prstClr val="black"/>
+                </a:solidFill>
+                <a:latin typeface="等线" panose="020F0502020204030204"/>
+                <a:ea typeface="等线" panose="02010600030101010101" pitchFamily="2" charset="-122"/>
+              </a:rPr>
+              <a:t>校园表白墙软件用户手册</a:t>
+            </a:r>
+            <a:r>
+              <a:rPr lang="en-US" altLang="zh-CN" sz="2400">
+                <a:solidFill>
+                  <a:prstClr val="black"/>
+                </a:solidFill>
+                <a:latin typeface="等线" panose="020F0502020204030204"/>
+                <a:ea typeface="等线" panose="02010600030101010101" pitchFamily="2" charset="-122"/>
+              </a:rPr>
+              <a:t>》</a:t>
+            </a:r>
+            <a:endParaRPr kumimoji="0" lang="en-US" altLang="zh-CN" sz="2400" b="0" i="0" u="none" strike="noStrike" kern="1200" cap="none" spc="0" normalizeH="0" baseline="0" noProof="0" dirty="0">
+              <a:ln>
+                <a:noFill/>
+              </a:ln>
+              <a:solidFill>
+                <a:prstClr val="black"/>
+              </a:solidFill>
+              <a:effectLst/>
+              <a:uLnTx/>
+              <a:uFillTx/>
+              <a:latin typeface="等线" panose="020F0502020204030204"/>
+              <a:ea typeface="等线" panose="02010600030101010101" pitchFamily="2" charset="-122"/>
+              <a:cs typeface="+mn-cs"/>
+            </a:endParaRPr>
+          </a:p>
+        </p:txBody>
+      </p:sp>
     </p:spTree>
     <p:extLst>
       <p:ext uri="{BB962C8B-B14F-4D97-AF65-F5344CB8AC3E}">
-        <p14:creationId xmlns:p14="http://schemas.microsoft.com/office/powerpoint/2010/main" val="239198148"/>
+        <p14:creationId xmlns:p14="http://schemas.microsoft.com/office/powerpoint/2010/main" val="2935235600"/>
       </p:ext>
     </p:extLst>
   </p:cSld>
@@ -12428,1036 +9887,6 @@
       </p:grpSpPr>
       <p:sp>
         <p:nvSpPr>
-          <p:cNvPr id="2" name="文本框 1">
-            <a:extLst>
-              <a:ext uri="{FF2B5EF4-FFF2-40B4-BE49-F238E27FC236}">
-                <a16:creationId xmlns:a16="http://schemas.microsoft.com/office/drawing/2014/main" id="{F3DA6267-1232-430E-85F2-0600C18D1A7F}"/>
-              </a:ext>
-            </a:extLst>
-          </p:cNvPr>
-          <p:cNvSpPr txBox="1"/>
-          <p:nvPr/>
-        </p:nvSpPr>
-        <p:spPr>
-          <a:xfrm>
-            <a:off x="146439" y="91347"/>
-            <a:ext cx="2242922" cy="707886"/>
-          </a:xfrm>
-          <a:prstGeom prst="rect">
-            <a:avLst/>
-          </a:prstGeom>
-          <a:noFill/>
-        </p:spPr>
-        <p:txBody>
-          <a:bodyPr wrap="none" rtlCol="0">
-            <a:spAutoFit/>
-          </a:bodyPr>
-          <a:lstStyle/>
-          <a:p>
-            <a:r>
-              <a:rPr lang="zh-CN" altLang="en-US" sz="4000" b="1" dirty="0">
-                <a:solidFill>
-                  <a:schemeClr val="tx1">
-                    <a:lumMod val="50000"/>
-                    <a:lumOff val="50000"/>
-                  </a:schemeClr>
-                </a:solidFill>
-                <a:latin typeface="幼圆" panose="02010509060101010101" pitchFamily="49" charset="-122"/>
-                <a:ea typeface="幼圆" panose="02010509060101010101" pitchFamily="49" charset="-122"/>
-              </a:rPr>
-              <a:t>项目总结</a:t>
-            </a:r>
-          </a:p>
-        </p:txBody>
-      </p:sp>
-      <p:sp>
-        <p:nvSpPr>
-          <p:cNvPr id="4" name="文本框 3">
-            <a:extLst>
-              <a:ext uri="{FF2B5EF4-FFF2-40B4-BE49-F238E27FC236}">
-                <a16:creationId xmlns:a16="http://schemas.microsoft.com/office/drawing/2014/main" id="{2C721027-886F-4AC2-86D4-E57207299607}"/>
-              </a:ext>
-            </a:extLst>
-          </p:cNvPr>
-          <p:cNvSpPr txBox="1"/>
-          <p:nvPr/>
-        </p:nvSpPr>
-        <p:spPr>
-          <a:xfrm>
-            <a:off x="1772817" y="2320031"/>
-            <a:ext cx="8213270" cy="2954655"/>
-          </a:xfrm>
-          <a:prstGeom prst="rect">
-            <a:avLst/>
-          </a:prstGeom>
-          <a:noFill/>
-        </p:spPr>
-        <p:txBody>
-          <a:bodyPr wrap="square">
-            <a:spAutoFit/>
-          </a:bodyPr>
-          <a:lstStyle/>
-          <a:p>
-            <a:pPr algn="just"/>
-            <a:r>
-              <a:rPr lang="en-US" altLang="zh-CN" sz="2400" kern="100" dirty="0">
-                <a:solidFill>
-                  <a:schemeClr val="tx2">
-                    <a:lumMod val="75000"/>
-                  </a:schemeClr>
-                </a:solidFill>
-                <a:latin typeface="黑体" panose="02010609060101010101" pitchFamily="49" charset="-122"/>
-                <a:ea typeface="黑体" panose="02010609060101010101" pitchFamily="49" charset="-122"/>
-                <a:cs typeface="Times New Roman" panose="02020603050405020304" pitchFamily="18" charset="0"/>
-              </a:rPr>
-              <a:t>    </a:t>
-            </a:r>
-            <a:r>
-              <a:rPr lang="zh-CN" altLang="zh-CN" sz="2400" kern="100" dirty="0">
-                <a:solidFill>
-                  <a:schemeClr val="tx2">
-                    <a:lumMod val="75000"/>
-                  </a:schemeClr>
-                </a:solidFill>
-                <a:effectLst/>
-                <a:latin typeface="黑体" panose="02010609060101010101" pitchFamily="49" charset="-122"/>
-                <a:ea typeface="黑体" panose="02010609060101010101" pitchFamily="49" charset="-122"/>
-                <a:cs typeface="Times New Roman" panose="02020603050405020304" pitchFamily="18" charset="0"/>
-              </a:rPr>
-              <a:t>本表白墙项目历时一个</a:t>
-            </a:r>
-            <a:r>
-              <a:rPr lang="zh-CN" altLang="en-US" sz="2400" kern="100" dirty="0">
-                <a:solidFill>
-                  <a:schemeClr val="tx2">
-                    <a:lumMod val="75000"/>
-                  </a:schemeClr>
-                </a:solidFill>
-                <a:effectLst/>
-                <a:latin typeface="黑体" panose="02010609060101010101" pitchFamily="49" charset="-122"/>
-                <a:ea typeface="黑体" panose="02010609060101010101" pitchFamily="49" charset="-122"/>
-                <a:cs typeface="Times New Roman" panose="02020603050405020304" pitchFamily="18" charset="0"/>
-              </a:rPr>
-              <a:t>学期</a:t>
-            </a:r>
-            <a:r>
-              <a:rPr lang="zh-CN" altLang="zh-CN" sz="2400" kern="100" dirty="0">
-                <a:solidFill>
-                  <a:schemeClr val="tx2">
-                    <a:lumMod val="75000"/>
-                  </a:schemeClr>
-                </a:solidFill>
-                <a:effectLst/>
-                <a:latin typeface="黑体" panose="02010609060101010101" pitchFamily="49" charset="-122"/>
-                <a:ea typeface="黑体" panose="02010609060101010101" pitchFamily="49" charset="-122"/>
-                <a:cs typeface="Times New Roman" panose="02020603050405020304" pitchFamily="18" charset="0"/>
-              </a:rPr>
-              <a:t>，</a:t>
-            </a:r>
-            <a:r>
-              <a:rPr lang="zh-CN" altLang="en-US" sz="2400" kern="100" dirty="0">
-                <a:solidFill>
-                  <a:schemeClr val="tx2">
-                    <a:lumMod val="75000"/>
-                  </a:schemeClr>
-                </a:solidFill>
-                <a:effectLst/>
-                <a:latin typeface="黑体" panose="02010609060101010101" pitchFamily="49" charset="-122"/>
-                <a:ea typeface="黑体" panose="02010609060101010101" pitchFamily="49" charset="-122"/>
-                <a:cs typeface="Times New Roman" panose="02020603050405020304" pitchFamily="18" charset="0"/>
-              </a:rPr>
-              <a:t>代码实现</a:t>
-            </a:r>
-            <a:r>
-              <a:rPr lang="zh-CN" altLang="zh-CN" sz="2400" kern="100" dirty="0">
-                <a:solidFill>
-                  <a:schemeClr val="tx2">
-                    <a:lumMod val="75000"/>
-                  </a:schemeClr>
-                </a:solidFill>
-                <a:effectLst/>
-                <a:latin typeface="黑体" panose="02010609060101010101" pitchFamily="49" charset="-122"/>
-                <a:ea typeface="黑体" panose="02010609060101010101" pitchFamily="49" charset="-122"/>
-                <a:cs typeface="Times New Roman" panose="02020603050405020304" pitchFamily="18" charset="0"/>
-              </a:rPr>
-              <a:t>由王义博同学负责登录注册模块和个人中心，郑航舰同学负责用户模块，吴联想同学负责管理员模块。虽然最终做出的结果没有尽善尽美，但是我们小组也尽了我们自己的全力，同时也学到了很多东西，例如从头到尾经历了一遍软件的开发，在软件开发的过程中也学到了</a:t>
-            </a:r>
-            <a:r>
-              <a:rPr lang="en-US" altLang="zh-CN" sz="2400" kern="100" dirty="0" err="1">
-                <a:solidFill>
-                  <a:schemeClr val="tx2">
-                    <a:lumMod val="75000"/>
-                  </a:schemeClr>
-                </a:solidFill>
-                <a:effectLst/>
-                <a:latin typeface="黑体" panose="02010609060101010101" pitchFamily="49" charset="-122"/>
-                <a:ea typeface="黑体" panose="02010609060101010101" pitchFamily="49" charset="-122"/>
-                <a:cs typeface="Times New Roman" panose="02020603050405020304" pitchFamily="18" charset="0"/>
-              </a:rPr>
-              <a:t>Springboot</a:t>
-            </a:r>
-            <a:r>
-              <a:rPr lang="zh-CN" altLang="zh-CN" sz="2400" kern="100" dirty="0">
-                <a:solidFill>
-                  <a:schemeClr val="tx2">
-                    <a:lumMod val="75000"/>
-                  </a:schemeClr>
-                </a:solidFill>
-                <a:effectLst/>
-                <a:latin typeface="黑体" panose="02010609060101010101" pitchFamily="49" charset="-122"/>
-                <a:ea typeface="黑体" panose="02010609060101010101" pitchFamily="49" charset="-122"/>
-                <a:cs typeface="Times New Roman" panose="02020603050405020304" pitchFamily="18" charset="0"/>
-              </a:rPr>
-              <a:t>和</a:t>
-            </a:r>
-            <a:r>
-              <a:rPr lang="en-US" altLang="zh-CN" sz="2400" kern="100" dirty="0">
-                <a:solidFill>
-                  <a:schemeClr val="tx2">
-                    <a:lumMod val="75000"/>
-                  </a:schemeClr>
-                </a:solidFill>
-                <a:effectLst/>
-                <a:latin typeface="黑体" panose="02010609060101010101" pitchFamily="49" charset="-122"/>
-                <a:ea typeface="黑体" panose="02010609060101010101" pitchFamily="49" charset="-122"/>
-                <a:cs typeface="Times New Roman" panose="02020603050405020304" pitchFamily="18" charset="0"/>
-              </a:rPr>
-              <a:t>Vue</a:t>
-            </a:r>
-            <a:r>
-              <a:rPr lang="zh-CN" altLang="zh-CN" sz="2400" kern="100" dirty="0">
-                <a:solidFill>
-                  <a:schemeClr val="tx2">
-                    <a:lumMod val="75000"/>
-                  </a:schemeClr>
-                </a:solidFill>
-                <a:effectLst/>
-                <a:latin typeface="黑体" panose="02010609060101010101" pitchFamily="49" charset="-122"/>
-                <a:ea typeface="黑体" panose="02010609060101010101" pitchFamily="49" charset="-122"/>
-                <a:cs typeface="Times New Roman" panose="02020603050405020304" pitchFamily="18" charset="0"/>
-              </a:rPr>
-              <a:t>的相关知识，收获还是很多的。</a:t>
-            </a:r>
-          </a:p>
-          <a:p>
-            <a:pPr algn="just"/>
-            <a:r>
-              <a:rPr lang="en-US" altLang="zh-CN" sz="1800" kern="100" dirty="0">
-                <a:effectLst/>
-                <a:latin typeface="等线" panose="02010600030101010101" pitchFamily="2" charset="-122"/>
-                <a:ea typeface="等线" panose="02010600030101010101" pitchFamily="2" charset="-122"/>
-                <a:cs typeface="Times New Roman" panose="02020603050405020304" pitchFamily="18" charset="0"/>
-              </a:rPr>
-              <a:t> </a:t>
-            </a:r>
-            <a:endParaRPr lang="zh-CN" altLang="zh-CN" sz="1800" kern="100" dirty="0">
-              <a:effectLst/>
-              <a:latin typeface="等线" panose="02010600030101010101" pitchFamily="2" charset="-122"/>
-              <a:ea typeface="等线" panose="02010600030101010101" pitchFamily="2" charset="-122"/>
-              <a:cs typeface="Times New Roman" panose="02020603050405020304" pitchFamily="18" charset="0"/>
-            </a:endParaRPr>
-          </a:p>
-        </p:txBody>
-      </p:sp>
-    </p:spTree>
-    <p:extLst>
-      <p:ext uri="{BB962C8B-B14F-4D97-AF65-F5344CB8AC3E}">
-        <p14:creationId xmlns:p14="http://schemas.microsoft.com/office/powerpoint/2010/main" val="2120013021"/>
-      </p:ext>
-    </p:extLst>
-  </p:cSld>
-  <p:clrMapOvr>
-    <a:masterClrMapping/>
-  </p:clrMapOvr>
-  <mc:AlternateContent xmlns:mc="http://schemas.openxmlformats.org/markup-compatibility/2006">
-    <mc:Choice xmlns:p159="http://schemas.microsoft.com/office/powerpoint/2015/09/main" Requires="p159">
-      <p:transition xmlns:p14="http://schemas.microsoft.com/office/powerpoint/2010/main" spd="slow" p14:dur="2000" advTm="0">
-        <p159:morph option="byObject"/>
-      </p:transition>
-    </mc:Choice>
-    <mc:Fallback>
-      <p:transition spd="slow" advTm="0">
-        <p:fade/>
-      </p:transition>
-    </mc:Fallback>
-  </mc:AlternateContent>
-</p:sld>
-</file>
-
-<file path=ppt/slides/slide39.xml><?xml version="1.0" encoding="utf-8"?>
-<p:sld xmlns:a="http://schemas.openxmlformats.org/drawingml/2006/main" xmlns:r="http://schemas.openxmlformats.org/officeDocument/2006/relationships" xmlns:p="http://schemas.openxmlformats.org/presentationml/2006/main">
-  <p:cSld>
-    <p:spTree>
-      <p:nvGrpSpPr>
-        <p:cNvPr id="1" name=""/>
-        <p:cNvGrpSpPr/>
-        <p:nvPr/>
-      </p:nvGrpSpPr>
-      <p:grpSpPr>
-        <a:xfrm>
-          <a:off x="0" y="0"/>
-          <a:ext cx="0" cy="0"/>
-          <a:chOff x="0" y="0"/>
-          <a:chExt cx="0" cy="0"/>
-        </a:xfrm>
-      </p:grpSpPr>
-      <p:sp>
-        <p:nvSpPr>
-          <p:cNvPr id="5" name="文本框 4"/>
-          <p:cNvSpPr txBox="1"/>
-          <p:nvPr/>
-        </p:nvSpPr>
-        <p:spPr>
-          <a:xfrm>
-            <a:off x="146439" y="91347"/>
-            <a:ext cx="2246128" cy="707886"/>
-          </a:xfrm>
-          <a:prstGeom prst="rect">
-            <a:avLst/>
-          </a:prstGeom>
-          <a:noFill/>
-        </p:spPr>
-        <p:txBody>
-          <a:bodyPr wrap="none" rtlCol="0">
-            <a:spAutoFit/>
-          </a:bodyPr>
-          <a:lstStyle/>
-          <a:p>
-            <a:r>
-              <a:rPr lang="zh-CN" altLang="en-US" sz="4000" b="1" dirty="0">
-                <a:solidFill>
-                  <a:schemeClr val="tx1">
-                    <a:lumMod val="50000"/>
-                    <a:lumOff val="50000"/>
-                  </a:schemeClr>
-                </a:solidFill>
-                <a:latin typeface="幼圆" panose="02010509060101010101" pitchFamily="49" charset="-122"/>
-                <a:ea typeface="幼圆" panose="02010509060101010101" pitchFamily="49" charset="-122"/>
-              </a:rPr>
-              <a:t>参考资料</a:t>
-            </a:r>
-          </a:p>
-        </p:txBody>
-      </p:sp>
-      <p:sp>
-        <p:nvSpPr>
-          <p:cNvPr id="2" name="文本框 1">
-            <a:extLst>
-              <a:ext uri="{FF2B5EF4-FFF2-40B4-BE49-F238E27FC236}">
-                <a16:creationId xmlns:a16="http://schemas.microsoft.com/office/drawing/2014/main" id="{63438315-2921-45F1-9C30-7B33CB02DD37}"/>
-              </a:ext>
-            </a:extLst>
-          </p:cNvPr>
-          <p:cNvSpPr txBox="1"/>
-          <p:nvPr/>
-        </p:nvSpPr>
-        <p:spPr>
-          <a:xfrm>
-            <a:off x="700088" y="1828800"/>
-            <a:ext cx="10844212" cy="1938992"/>
-          </a:xfrm>
-          <a:prstGeom prst="rect">
-            <a:avLst/>
-          </a:prstGeom>
-          <a:noFill/>
-        </p:spPr>
-        <p:txBody>
-          <a:bodyPr wrap="square" rtlCol="0">
-            <a:spAutoFit/>
-          </a:bodyPr>
-          <a:lstStyle/>
-          <a:p>
-            <a:pPr marL="0" marR="0" lvl="0" indent="0" algn="l" defTabSz="914400" rtl="0" eaLnBrk="1" fontAlgn="auto" latinLnBrk="0" hangingPunct="1">
-              <a:lnSpc>
-                <a:spcPct val="100000"/>
-              </a:lnSpc>
-              <a:spcBef>
-                <a:spcPts val="0"/>
-              </a:spcBef>
-              <a:spcAft>
-                <a:spcPts val="0"/>
-              </a:spcAft>
-              <a:buClrTx/>
-              <a:buSzTx/>
-              <a:buFontTx/>
-              <a:buNone/>
-              <a:tabLst/>
-              <a:defRPr/>
-            </a:pPr>
-            <a:r>
-              <a:rPr kumimoji="0" lang="en-US" altLang="zh-CN" sz="2400" b="0" i="0" u="none" strike="noStrike" kern="1200" cap="none" spc="0" normalizeH="0" baseline="0" noProof="0" dirty="0">
-                <a:ln>
-                  <a:noFill/>
-                </a:ln>
-                <a:solidFill>
-                  <a:prstClr val="black"/>
-                </a:solidFill>
-                <a:effectLst/>
-                <a:uLnTx/>
-                <a:uFillTx/>
-                <a:latin typeface="等线" panose="020F0502020204030204"/>
-                <a:ea typeface="等线" panose="02010600030101010101" pitchFamily="2" charset="-122"/>
-                <a:cs typeface="+mn-cs"/>
-              </a:rPr>
-              <a:t>1.《</a:t>
-            </a:r>
-            <a:r>
-              <a:rPr kumimoji="0" lang="zh-CN" altLang="en-US" sz="2400" b="0" i="0" u="none" strike="noStrike" kern="1200" cap="none" spc="0" normalizeH="0" baseline="0" noProof="0" dirty="0">
-                <a:ln>
-                  <a:noFill/>
-                </a:ln>
-                <a:solidFill>
-                  <a:prstClr val="black"/>
-                </a:solidFill>
-                <a:effectLst/>
-                <a:uLnTx/>
-                <a:uFillTx/>
-                <a:latin typeface="等线" panose="020F0502020204030204"/>
-                <a:ea typeface="等线" panose="02010600030101010101" pitchFamily="2" charset="-122"/>
-                <a:cs typeface="+mn-cs"/>
-              </a:rPr>
-              <a:t>计算机软件需求规格说明规范</a:t>
-            </a:r>
-            <a:r>
-              <a:rPr kumimoji="0" lang="en-US" altLang="zh-CN" sz="2400" b="0" i="0" u="none" strike="noStrike" kern="1200" cap="none" spc="0" normalizeH="0" baseline="0" noProof="0" dirty="0">
-                <a:ln>
-                  <a:noFill/>
-                </a:ln>
-                <a:solidFill>
-                  <a:prstClr val="black"/>
-                </a:solidFill>
-                <a:effectLst/>
-                <a:uLnTx/>
-                <a:uFillTx/>
-                <a:latin typeface="等线" panose="020F0502020204030204"/>
-                <a:ea typeface="等线" panose="02010600030101010101" pitchFamily="2" charset="-122"/>
-                <a:cs typeface="+mn-cs"/>
-              </a:rPr>
-              <a:t>》</a:t>
-            </a:r>
-            <a:r>
-              <a:rPr kumimoji="0" lang="zh-CN" altLang="en-US" sz="2400" b="0" i="0" u="none" strike="noStrike" kern="1200" cap="none" spc="0" normalizeH="0" baseline="0" noProof="0" dirty="0">
-                <a:ln>
-                  <a:noFill/>
-                </a:ln>
-                <a:solidFill>
-                  <a:prstClr val="black"/>
-                </a:solidFill>
-                <a:effectLst/>
-                <a:uLnTx/>
-                <a:uFillTx/>
-                <a:latin typeface="等线" panose="020F0502020204030204"/>
-                <a:ea typeface="等线" panose="02010600030101010101" pitchFamily="2" charset="-122"/>
-                <a:cs typeface="+mn-cs"/>
-              </a:rPr>
-              <a:t>（</a:t>
-            </a:r>
-            <a:r>
-              <a:rPr kumimoji="0" lang="en-US" altLang="zh-CN" sz="2400" b="0" i="0" u="none" strike="noStrike" kern="1200" cap="none" spc="0" normalizeH="0" baseline="0" noProof="0" dirty="0">
-                <a:ln>
-                  <a:noFill/>
-                </a:ln>
-                <a:solidFill>
-                  <a:prstClr val="black"/>
-                </a:solidFill>
-                <a:effectLst/>
-                <a:uLnTx/>
-                <a:uFillTx/>
-                <a:latin typeface="等线" panose="020F0502020204030204"/>
-                <a:ea typeface="等线" panose="02010600030101010101" pitchFamily="2" charset="-122"/>
-                <a:cs typeface="+mn-cs"/>
-              </a:rPr>
-              <a:t>GB/T9385-2008</a:t>
-            </a:r>
-            <a:r>
-              <a:rPr kumimoji="0" lang="zh-CN" altLang="en-US" sz="2400" b="0" i="0" u="none" strike="noStrike" kern="1200" cap="none" spc="0" normalizeH="0" baseline="0" noProof="0" dirty="0">
-                <a:ln>
-                  <a:noFill/>
-                </a:ln>
-                <a:solidFill>
-                  <a:prstClr val="black"/>
-                </a:solidFill>
-                <a:effectLst/>
-                <a:uLnTx/>
-                <a:uFillTx/>
-                <a:latin typeface="等线" panose="020F0502020204030204"/>
-                <a:ea typeface="等线" panose="02010600030101010101" pitchFamily="2" charset="-122"/>
-                <a:cs typeface="+mn-cs"/>
-              </a:rPr>
-              <a:t>）</a:t>
-            </a:r>
-          </a:p>
-          <a:p>
-            <a:pPr marL="0" marR="0" lvl="0" indent="0" algn="l" defTabSz="914400" rtl="0" eaLnBrk="1" fontAlgn="auto" latinLnBrk="0" hangingPunct="1">
-              <a:lnSpc>
-                <a:spcPct val="100000"/>
-              </a:lnSpc>
-              <a:spcBef>
-                <a:spcPts val="0"/>
-              </a:spcBef>
-              <a:spcAft>
-                <a:spcPts val="0"/>
-              </a:spcAft>
-              <a:buClrTx/>
-              <a:buSzTx/>
-              <a:buFontTx/>
-              <a:buNone/>
-              <a:tabLst/>
-              <a:defRPr/>
-            </a:pPr>
-            <a:r>
-              <a:rPr kumimoji="0" lang="en-US" altLang="zh-CN" sz="2400" b="0" i="0" u="none" strike="noStrike" kern="1200" cap="none" spc="0" normalizeH="0" baseline="0" noProof="0" dirty="0">
-                <a:ln>
-                  <a:noFill/>
-                </a:ln>
-                <a:solidFill>
-                  <a:prstClr val="black"/>
-                </a:solidFill>
-                <a:effectLst/>
-                <a:uLnTx/>
-                <a:uFillTx/>
-                <a:latin typeface="等线" panose="020F0502020204030204"/>
-                <a:ea typeface="等线" panose="02010600030101010101" pitchFamily="2" charset="-122"/>
-                <a:cs typeface="+mn-cs"/>
-              </a:rPr>
-              <a:t>2.《</a:t>
-            </a:r>
-            <a:r>
-              <a:rPr kumimoji="0" lang="zh-CN" altLang="en-US" sz="2400" b="0" i="0" u="none" strike="noStrike" kern="1200" cap="none" spc="0" normalizeH="0" baseline="0" noProof="0" dirty="0">
-                <a:ln>
-                  <a:noFill/>
-                </a:ln>
-                <a:solidFill>
-                  <a:prstClr val="black"/>
-                </a:solidFill>
-                <a:effectLst/>
-                <a:uLnTx/>
-                <a:uFillTx/>
-                <a:latin typeface="等线" panose="020F0502020204030204"/>
-                <a:ea typeface="等线" panose="02010600030101010101" pitchFamily="2" charset="-122"/>
-                <a:cs typeface="+mn-cs"/>
-              </a:rPr>
-              <a:t>表白墙网站项目开发计划</a:t>
-            </a:r>
-            <a:r>
-              <a:rPr kumimoji="0" lang="en-US" altLang="zh-CN" sz="2400" b="0" i="0" u="none" strike="noStrike" kern="1200" cap="none" spc="0" normalizeH="0" baseline="0" noProof="0" dirty="0">
-                <a:ln>
-                  <a:noFill/>
-                </a:ln>
-                <a:solidFill>
-                  <a:prstClr val="black"/>
-                </a:solidFill>
-                <a:effectLst/>
-                <a:uLnTx/>
-                <a:uFillTx/>
-                <a:latin typeface="等线" panose="020F0502020204030204"/>
-                <a:ea typeface="等线" panose="02010600030101010101" pitchFamily="2" charset="-122"/>
-                <a:cs typeface="+mn-cs"/>
-              </a:rPr>
-              <a:t>》</a:t>
-            </a:r>
-          </a:p>
-          <a:p>
-            <a:pPr marL="0" marR="0" lvl="0" indent="0" algn="l" defTabSz="914400" rtl="0" eaLnBrk="1" fontAlgn="auto" latinLnBrk="0" hangingPunct="1">
-              <a:lnSpc>
-                <a:spcPct val="100000"/>
-              </a:lnSpc>
-              <a:spcBef>
-                <a:spcPts val="0"/>
-              </a:spcBef>
-              <a:spcAft>
-                <a:spcPts val="0"/>
-              </a:spcAft>
-              <a:buClrTx/>
-              <a:buSzTx/>
-              <a:buFontTx/>
-              <a:buNone/>
-              <a:tabLst/>
-              <a:defRPr/>
-            </a:pPr>
-            <a:r>
-              <a:rPr lang="en-US" altLang="zh-CN" sz="2400" dirty="0">
-                <a:solidFill>
-                  <a:prstClr val="black"/>
-                </a:solidFill>
-                <a:latin typeface="等线" panose="020F0502020204030204"/>
-                <a:ea typeface="等线" panose="02010600030101010101" pitchFamily="2" charset="-122"/>
-              </a:rPr>
-              <a:t>3</a:t>
-            </a:r>
-            <a:r>
-              <a:rPr kumimoji="0" lang="en-US" altLang="zh-CN" sz="2400" b="0" i="0" u="none" strike="noStrike" kern="1200" cap="none" spc="0" normalizeH="0" baseline="0" noProof="0" dirty="0">
-                <a:ln>
-                  <a:noFill/>
-                </a:ln>
-                <a:solidFill>
-                  <a:prstClr val="black"/>
-                </a:solidFill>
-                <a:effectLst/>
-                <a:uLnTx/>
-                <a:uFillTx/>
-                <a:latin typeface="等线" panose="020F0502020204030204"/>
-                <a:ea typeface="等线" panose="02010600030101010101" pitchFamily="2" charset="-122"/>
-                <a:cs typeface="+mn-cs"/>
-              </a:rPr>
-              <a:t>.《</a:t>
-            </a:r>
-            <a:r>
-              <a:rPr kumimoji="0" lang="zh-CN" altLang="en-US" sz="2400" b="0" i="0" u="none" strike="noStrike" kern="1200" cap="none" spc="0" normalizeH="0" baseline="0" noProof="0" dirty="0">
-                <a:ln>
-                  <a:noFill/>
-                </a:ln>
-                <a:solidFill>
-                  <a:prstClr val="black"/>
-                </a:solidFill>
-                <a:effectLst/>
-                <a:uLnTx/>
-                <a:uFillTx/>
-                <a:latin typeface="等线" panose="020F0502020204030204"/>
-                <a:ea typeface="等线" panose="02010600030101010101" pitchFamily="2" charset="-122"/>
-                <a:cs typeface="+mn-cs"/>
-              </a:rPr>
-              <a:t>软件工程导论</a:t>
-            </a:r>
-            <a:r>
-              <a:rPr kumimoji="0" lang="en-US" altLang="zh-CN" sz="2400" b="0" i="0" u="none" strike="noStrike" kern="1200" cap="none" spc="0" normalizeH="0" baseline="0" noProof="0" dirty="0">
-                <a:ln>
-                  <a:noFill/>
-                </a:ln>
-                <a:solidFill>
-                  <a:prstClr val="black"/>
-                </a:solidFill>
-                <a:effectLst/>
-                <a:uLnTx/>
-                <a:uFillTx/>
-                <a:latin typeface="等线" panose="020F0502020204030204"/>
-                <a:ea typeface="等线" panose="02010600030101010101" pitchFamily="2" charset="-122"/>
-                <a:cs typeface="+mn-cs"/>
-              </a:rPr>
-              <a:t>》</a:t>
-            </a:r>
-            <a:r>
-              <a:rPr kumimoji="0" lang="zh-CN" altLang="en-US" sz="2400" b="0" i="0" u="none" strike="noStrike" kern="1200" cap="none" spc="0" normalizeH="0" baseline="0" noProof="0" dirty="0">
-                <a:ln>
-                  <a:noFill/>
-                </a:ln>
-                <a:solidFill>
-                  <a:prstClr val="black"/>
-                </a:solidFill>
-                <a:effectLst/>
-                <a:uLnTx/>
-                <a:uFillTx/>
-                <a:latin typeface="等线" panose="020F0502020204030204"/>
-                <a:ea typeface="等线" panose="02010600030101010101" pitchFamily="2" charset="-122"/>
-                <a:cs typeface="+mn-cs"/>
-              </a:rPr>
-              <a:t>（张海藩、牟永敏编著第六版）</a:t>
-            </a:r>
-          </a:p>
-          <a:p>
-            <a:pPr marL="0" marR="0" lvl="0" indent="0" algn="l" defTabSz="914400" rtl="0" eaLnBrk="1" fontAlgn="auto" latinLnBrk="0" hangingPunct="1">
-              <a:lnSpc>
-                <a:spcPct val="100000"/>
-              </a:lnSpc>
-              <a:spcBef>
-                <a:spcPts val="0"/>
-              </a:spcBef>
-              <a:spcAft>
-                <a:spcPts val="0"/>
-              </a:spcAft>
-              <a:buClrTx/>
-              <a:buSzTx/>
-              <a:buFontTx/>
-              <a:buNone/>
-              <a:tabLst/>
-              <a:defRPr/>
-            </a:pPr>
-            <a:r>
-              <a:rPr lang="en-US" altLang="zh-CN" sz="2400" dirty="0">
-                <a:solidFill>
-                  <a:prstClr val="black"/>
-                </a:solidFill>
-                <a:latin typeface="等线" panose="020F0502020204030204"/>
-                <a:ea typeface="等线" panose="02010600030101010101" pitchFamily="2" charset="-122"/>
-              </a:rPr>
-              <a:t>4</a:t>
-            </a:r>
-            <a:r>
-              <a:rPr kumimoji="0" lang="en-US" altLang="zh-CN" sz="2400" b="0" i="0" u="none" strike="noStrike" kern="1200" cap="none" spc="0" normalizeH="0" baseline="0" noProof="0" dirty="0">
-                <a:ln>
-                  <a:noFill/>
-                </a:ln>
-                <a:solidFill>
-                  <a:prstClr val="black"/>
-                </a:solidFill>
-                <a:effectLst/>
-                <a:uLnTx/>
-                <a:uFillTx/>
-                <a:latin typeface="等线" panose="020F0502020204030204"/>
-                <a:ea typeface="等线" panose="02010600030101010101" pitchFamily="2" charset="-122"/>
-                <a:cs typeface="+mn-cs"/>
-              </a:rPr>
-              <a:t>.《</a:t>
-            </a:r>
-            <a:r>
-              <a:rPr kumimoji="0" lang="zh-CN" altLang="en-US" sz="2400" b="0" i="0" u="none" strike="noStrike" kern="1200" cap="none" spc="0" normalizeH="0" baseline="0" noProof="0" dirty="0">
-                <a:ln>
-                  <a:noFill/>
-                </a:ln>
-                <a:solidFill>
-                  <a:prstClr val="black"/>
-                </a:solidFill>
-                <a:effectLst/>
-                <a:uLnTx/>
-                <a:uFillTx/>
-                <a:latin typeface="等线" panose="020F0502020204030204"/>
-                <a:ea typeface="等线" panose="02010600030101010101" pitchFamily="2" charset="-122"/>
-                <a:cs typeface="+mn-cs"/>
-              </a:rPr>
-              <a:t>计算机软件产品开发文件编制指南</a:t>
-            </a:r>
-            <a:r>
-              <a:rPr kumimoji="0" lang="en-US" altLang="zh-CN" sz="2400" b="0" i="0" u="none" strike="noStrike" kern="1200" cap="none" spc="0" normalizeH="0" baseline="0" noProof="0" dirty="0">
-                <a:ln>
-                  <a:noFill/>
-                </a:ln>
-                <a:solidFill>
-                  <a:prstClr val="black"/>
-                </a:solidFill>
-                <a:effectLst/>
-                <a:uLnTx/>
-                <a:uFillTx/>
-                <a:latin typeface="等线" panose="020F0502020204030204"/>
-                <a:ea typeface="等线" panose="02010600030101010101" pitchFamily="2" charset="-122"/>
-                <a:cs typeface="+mn-cs"/>
-              </a:rPr>
-              <a:t>》(GB8567—88</a:t>
-            </a:r>
-            <a:r>
-              <a:rPr kumimoji="0" lang="zh-CN" altLang="en-US" sz="2400" b="0" i="0" u="none" strike="noStrike" kern="1200" cap="none" spc="0" normalizeH="0" baseline="0" noProof="0" dirty="0">
-                <a:ln>
-                  <a:noFill/>
-                </a:ln>
-                <a:solidFill>
-                  <a:prstClr val="black"/>
-                </a:solidFill>
-                <a:effectLst/>
-                <a:uLnTx/>
-                <a:uFillTx/>
-                <a:latin typeface="等线" panose="020F0502020204030204"/>
-                <a:ea typeface="等线" panose="02010600030101010101" pitchFamily="2" charset="-122"/>
-                <a:cs typeface="+mn-cs"/>
-              </a:rPr>
-              <a:t>）</a:t>
-            </a:r>
-            <a:endParaRPr kumimoji="0" lang="en-US" altLang="zh-CN" sz="2400" b="0" i="0" u="none" strike="noStrike" kern="1200" cap="none" spc="0" normalizeH="0" baseline="0" noProof="0" dirty="0">
-              <a:ln>
-                <a:noFill/>
-              </a:ln>
-              <a:solidFill>
-                <a:prstClr val="black"/>
-              </a:solidFill>
-              <a:effectLst/>
-              <a:uLnTx/>
-              <a:uFillTx/>
-              <a:latin typeface="等线" panose="020F0502020204030204"/>
-              <a:ea typeface="等线" panose="02010600030101010101" pitchFamily="2" charset="-122"/>
-              <a:cs typeface="+mn-cs"/>
-            </a:endParaRPr>
-          </a:p>
-          <a:p>
-            <a:pPr marL="0" marR="0" lvl="0" indent="0" algn="l" defTabSz="914400" rtl="0" eaLnBrk="1" fontAlgn="auto" latinLnBrk="0" hangingPunct="1">
-              <a:lnSpc>
-                <a:spcPct val="100000"/>
-              </a:lnSpc>
-              <a:spcBef>
-                <a:spcPts val="0"/>
-              </a:spcBef>
-              <a:spcAft>
-                <a:spcPts val="0"/>
-              </a:spcAft>
-              <a:buClrTx/>
-              <a:buSzTx/>
-              <a:buFontTx/>
-              <a:buNone/>
-              <a:tabLst/>
-              <a:defRPr/>
-            </a:pPr>
-            <a:r>
-              <a:rPr lang="en-US" altLang="zh-CN" sz="2400" dirty="0">
-                <a:solidFill>
-                  <a:prstClr val="black"/>
-                </a:solidFill>
-                <a:latin typeface="等线" panose="020F0502020204030204"/>
-                <a:ea typeface="等线" panose="02010600030101010101" pitchFamily="2" charset="-122"/>
-              </a:rPr>
-              <a:t>5.《</a:t>
-            </a:r>
-            <a:r>
-              <a:rPr lang="zh-CN" altLang="en-US" sz="2400">
-                <a:solidFill>
-                  <a:prstClr val="black"/>
-                </a:solidFill>
-                <a:latin typeface="等线" panose="020F0502020204030204"/>
-                <a:ea typeface="等线" panose="02010600030101010101" pitchFamily="2" charset="-122"/>
-              </a:rPr>
-              <a:t>校园表白墙软件用户手册</a:t>
-            </a:r>
-            <a:r>
-              <a:rPr lang="en-US" altLang="zh-CN" sz="2400">
-                <a:solidFill>
-                  <a:prstClr val="black"/>
-                </a:solidFill>
-                <a:latin typeface="等线" panose="020F0502020204030204"/>
-                <a:ea typeface="等线" panose="02010600030101010101" pitchFamily="2" charset="-122"/>
-              </a:rPr>
-              <a:t>》</a:t>
-            </a:r>
-            <a:endParaRPr kumimoji="0" lang="en-US" altLang="zh-CN" sz="2400" b="0" i="0" u="none" strike="noStrike" kern="1200" cap="none" spc="0" normalizeH="0" baseline="0" noProof="0" dirty="0">
-              <a:ln>
-                <a:noFill/>
-              </a:ln>
-              <a:solidFill>
-                <a:prstClr val="black"/>
-              </a:solidFill>
-              <a:effectLst/>
-              <a:uLnTx/>
-              <a:uFillTx/>
-              <a:latin typeface="等线" panose="020F0502020204030204"/>
-              <a:ea typeface="等线" panose="02010600030101010101" pitchFamily="2" charset="-122"/>
-              <a:cs typeface="+mn-cs"/>
-            </a:endParaRPr>
-          </a:p>
-        </p:txBody>
-      </p:sp>
-    </p:spTree>
-    <p:extLst>
-      <p:ext uri="{BB962C8B-B14F-4D97-AF65-F5344CB8AC3E}">
-        <p14:creationId xmlns:p14="http://schemas.microsoft.com/office/powerpoint/2010/main" val="2935235600"/>
-      </p:ext>
-    </p:extLst>
-  </p:cSld>
-  <p:clrMapOvr>
-    <a:masterClrMapping/>
-  </p:clrMapOvr>
-  <mc:AlternateContent xmlns:mc="http://schemas.openxmlformats.org/markup-compatibility/2006" xmlns:p15="http://schemas.microsoft.com/office/powerpoint/2012/main">
-    <mc:Choice Requires="p15">
-      <p:transition xmlns:p14="http://schemas.microsoft.com/office/powerpoint/2010/main" spd="slow" p14:dur="2000" advTm="0">
-        <p15:prstTrans prst="drape"/>
-      </p:transition>
-    </mc:Choice>
-    <mc:Fallback xmlns="">
-      <p:transition spd="slow" advTm="0">
-        <p:fade/>
-      </p:transition>
-    </mc:Fallback>
-  </mc:AlternateContent>
-</p:sld>
-</file>
-
-<file path=ppt/slides/slide4.xml><?xml version="1.0" encoding="utf-8"?>
-<p:sld xmlns:a="http://schemas.openxmlformats.org/drawingml/2006/main" xmlns:r="http://schemas.openxmlformats.org/officeDocument/2006/relationships" xmlns:p="http://schemas.openxmlformats.org/presentationml/2006/main">
-  <p:cSld>
-    <p:spTree>
-      <p:nvGrpSpPr>
-        <p:cNvPr id="1" name=""/>
-        <p:cNvGrpSpPr/>
-        <p:nvPr/>
-      </p:nvGrpSpPr>
-      <p:grpSpPr>
-        <a:xfrm>
-          <a:off x="0" y="0"/>
-          <a:ext cx="0" cy="0"/>
-          <a:chOff x="0" y="0"/>
-          <a:chExt cx="0" cy="0"/>
-        </a:xfrm>
-      </p:grpSpPr>
-      <p:sp>
-        <p:nvSpPr>
-          <p:cNvPr id="11" name="文本框 10"/>
-          <p:cNvSpPr txBox="1"/>
-          <p:nvPr/>
-        </p:nvSpPr>
-        <p:spPr>
-          <a:xfrm>
-            <a:off x="282342" y="2172083"/>
-            <a:ext cx="677108" cy="1733808"/>
-          </a:xfrm>
-          <a:prstGeom prst="rect">
-            <a:avLst/>
-          </a:prstGeom>
-          <a:noFill/>
-        </p:spPr>
-        <p:txBody>
-          <a:bodyPr vert="eaVert" wrap="none" rtlCol="0">
-            <a:spAutoFit/>
-          </a:bodyPr>
-          <a:lstStyle/>
-          <a:p>
-            <a:r>
-              <a:rPr lang="zh-CN" altLang="en-US" sz="3200" dirty="0">
-                <a:solidFill>
-                  <a:schemeClr val="tx1">
-                    <a:lumMod val="50000"/>
-                    <a:lumOff val="50000"/>
-                  </a:schemeClr>
-                </a:solidFill>
-                <a:latin typeface="幼圆" panose="02010509060101010101" pitchFamily="49" charset="-122"/>
-                <a:ea typeface="幼圆" panose="02010509060101010101" pitchFamily="49" charset="-122"/>
-              </a:rPr>
-              <a:t>程序清单</a:t>
-            </a:r>
-          </a:p>
-        </p:txBody>
-      </p:sp>
-      <p:cxnSp>
-        <p:nvCxnSpPr>
-          <p:cNvPr id="12" name="直接连接符 11"/>
-          <p:cNvCxnSpPr>
-            <a:cxnSpLocks/>
-          </p:cNvCxnSpPr>
-          <p:nvPr/>
-        </p:nvCxnSpPr>
-        <p:spPr>
-          <a:xfrm>
-            <a:off x="1621000" y="494522"/>
-            <a:ext cx="0" cy="5966910"/>
-          </a:xfrm>
-          <a:prstGeom prst="line">
-            <a:avLst/>
-          </a:prstGeom>
-          <a:ln w="12700">
-            <a:solidFill>
-              <a:srgbClr val="B3946B"/>
-            </a:solidFill>
-          </a:ln>
-        </p:spPr>
-        <p:style>
-          <a:lnRef idx="1">
-            <a:schemeClr val="accent1"/>
-          </a:lnRef>
-          <a:fillRef idx="0">
-            <a:schemeClr val="accent1"/>
-          </a:fillRef>
-          <a:effectRef idx="0">
-            <a:schemeClr val="accent1"/>
-          </a:effectRef>
-          <a:fontRef idx="minor">
-            <a:schemeClr val="tx1"/>
-          </a:fontRef>
-        </p:style>
-      </p:cxnSp>
-      <p:sp>
-        <p:nvSpPr>
-          <p:cNvPr id="15" name="矩形 14"/>
-          <p:cNvSpPr/>
-          <p:nvPr/>
-        </p:nvSpPr>
-        <p:spPr>
-          <a:xfrm rot="5400000">
-            <a:off x="-72959" y="3132305"/>
-            <a:ext cx="369652" cy="223735"/>
-          </a:xfrm>
-          <a:prstGeom prst="rect">
-            <a:avLst/>
-          </a:prstGeom>
-          <a:solidFill>
-            <a:srgbClr val="B3946B"/>
-          </a:solidFill>
-          <a:ln>
-            <a:noFill/>
-          </a:ln>
-        </p:spPr>
-        <p:style>
-          <a:lnRef idx="2">
-            <a:schemeClr val="accent1">
-              <a:shade val="50000"/>
-            </a:schemeClr>
-          </a:lnRef>
-          <a:fillRef idx="1">
-            <a:schemeClr val="accent1"/>
-          </a:fillRef>
-          <a:effectRef idx="0">
-            <a:schemeClr val="accent1"/>
-          </a:effectRef>
-          <a:fontRef idx="minor">
-            <a:schemeClr val="lt1"/>
-          </a:fontRef>
-        </p:style>
-        <p:txBody>
-          <a:bodyPr rtlCol="0" anchor="ctr"/>
-          <a:lstStyle/>
-          <a:p>
-            <a:pPr algn="ctr"/>
-            <a:endParaRPr lang="zh-CN" altLang="en-US"/>
-          </a:p>
-        </p:txBody>
-      </p:sp>
-      <p:pic>
-        <p:nvPicPr>
-          <p:cNvPr id="3" name="图片 2">
-            <a:extLst>
-              <a:ext uri="{FF2B5EF4-FFF2-40B4-BE49-F238E27FC236}">
-                <a16:creationId xmlns:a16="http://schemas.microsoft.com/office/drawing/2014/main" id="{0BBFFD70-701A-45B9-83EB-6BCD9F12CCD9}"/>
-              </a:ext>
-            </a:extLst>
-          </p:cNvPr>
-          <p:cNvPicPr>
-            <a:picLocks noChangeAspect="1"/>
-          </p:cNvPicPr>
-          <p:nvPr/>
-        </p:nvPicPr>
-        <p:blipFill>
-          <a:blip r:embed="rId2"/>
-          <a:stretch>
-            <a:fillRect/>
-          </a:stretch>
-        </p:blipFill>
-        <p:spPr>
-          <a:xfrm>
-            <a:off x="0" y="476448"/>
-            <a:ext cx="12192000" cy="5905103"/>
-          </a:xfrm>
-          <a:prstGeom prst="rect">
-            <a:avLst/>
-          </a:prstGeom>
-        </p:spPr>
-      </p:pic>
-    </p:spTree>
-    <p:extLst>
-      <p:ext uri="{BB962C8B-B14F-4D97-AF65-F5344CB8AC3E}">
-        <p14:creationId xmlns:p14="http://schemas.microsoft.com/office/powerpoint/2010/main" val="876055422"/>
-      </p:ext>
-    </p:extLst>
-  </p:cSld>
-  <p:clrMapOvr>
-    <a:masterClrMapping/>
-  </p:clrMapOvr>
-  <p:transition spd="slow" advTm="0">
-    <p:cover dir="u"/>
-  </p:transition>
-</p:sld>
-</file>
-
-<file path=ppt/slides/slide40.xml><?xml version="1.0" encoding="utf-8"?>
-<p:sld xmlns:a="http://schemas.openxmlformats.org/drawingml/2006/main" xmlns:r="http://schemas.openxmlformats.org/officeDocument/2006/relationships" xmlns:p="http://schemas.openxmlformats.org/presentationml/2006/main">
-  <p:cSld>
-    <p:spTree>
-      <p:nvGrpSpPr>
-        <p:cNvPr id="1" name=""/>
-        <p:cNvGrpSpPr/>
-        <p:nvPr/>
-      </p:nvGrpSpPr>
-      <p:grpSpPr>
-        <a:xfrm>
-          <a:off x="0" y="0"/>
-          <a:ext cx="0" cy="0"/>
-          <a:chOff x="0" y="0"/>
-          <a:chExt cx="0" cy="0"/>
-        </a:xfrm>
-      </p:grpSpPr>
-      <p:sp>
-        <p:nvSpPr>
           <p:cNvPr id="5" name="文本框 4"/>
           <p:cNvSpPr txBox="1"/>
           <p:nvPr/>
@@ -13509,14 +9938,14 @@
           <p:nvPr>
             <p:extLst>
               <p:ext uri="{D42A27DB-BD31-4B8C-83A1-F6EECF244321}">
-                <p14:modId xmlns:p14="http://schemas.microsoft.com/office/powerpoint/2010/main" val="137987304"/>
+                <p14:modId xmlns:p14="http://schemas.microsoft.com/office/powerpoint/2010/main" val="2003528567"/>
               </p:ext>
             </p:extLst>
           </p:nvPr>
         </p:nvGraphicFramePr>
         <p:xfrm>
-          <a:off x="541177" y="1563086"/>
-          <a:ext cx="10366312" cy="4374373"/>
+          <a:off x="912843" y="956597"/>
+          <a:ext cx="10366313" cy="4648693"/>
         </p:xfrm>
         <a:graphic>
           <a:graphicData uri="http://schemas.openxmlformats.org/drawingml/2006/table">
@@ -13532,31 +9961,38 @@
                     </a:ext>
                   </a:extLst>
                 </a:gridCol>
-                <a:gridCol w="1464033">
+                <a:gridCol w="1111241">
                   <a:extLst>
                     <a:ext uri="{9D8B030D-6E8A-4147-A177-3AD203B41FA5}">
                       <a16:colId xmlns:a16="http://schemas.microsoft.com/office/drawing/2014/main" val="3678379424"/>
                     </a:ext>
                   </a:extLst>
                 </a:gridCol>
-                <a:gridCol w="1684286">
+                <a:gridCol w="1446245">
                   <a:extLst>
                     <a:ext uri="{9D8B030D-6E8A-4147-A177-3AD203B41FA5}">
                       <a16:colId xmlns:a16="http://schemas.microsoft.com/office/drawing/2014/main" val="195593621"/>
                     </a:ext>
                   </a:extLst>
                 </a:gridCol>
-                <a:gridCol w="2255727">
+                <a:gridCol w="2052734">
                   <a:extLst>
                     <a:ext uri="{9D8B030D-6E8A-4147-A177-3AD203B41FA5}">
                       <a16:colId xmlns:a16="http://schemas.microsoft.com/office/drawing/2014/main" val="2772141394"/>
                     </a:ext>
                   </a:extLst>
                 </a:gridCol>
-                <a:gridCol w="2255727">
+                <a:gridCol w="1921690">
                   <a:extLst>
                     <a:ext uri="{9D8B030D-6E8A-4147-A177-3AD203B41FA5}">
                       <a16:colId xmlns:a16="http://schemas.microsoft.com/office/drawing/2014/main" val="3552239207"/>
+                    </a:ext>
+                  </a:extLst>
+                </a:gridCol>
+                <a:gridCol w="1127864">
+                  <a:extLst>
+                    <a:ext uri="{9D8B030D-6E8A-4147-A177-3AD203B41FA5}">
+                      <a16:colId xmlns:a16="http://schemas.microsoft.com/office/drawing/2014/main" val="4193565991"/>
                     </a:ext>
                   </a:extLst>
                 </a:gridCol>
@@ -13658,6 +10094,24 @@
                     <a:p>
                       <a:r>
                         <a:rPr lang="zh-CN" altLang="en-US" dirty="0"/>
+                        <a:t>任务</a:t>
+                      </a:r>
+                      <a:r>
+                        <a:rPr lang="en-US" altLang="zh-CN" dirty="0"/>
+                        <a:t>5</a:t>
+                      </a:r>
+                      <a:endParaRPr lang="zh-CN" altLang="en-US" dirty="0"/>
+                    </a:p>
+                  </a:txBody>
+                  <a:tcPr/>
+                </a:tc>
+                <a:tc>
+                  <a:txBody>
+                    <a:bodyPr/>
+                    <a:lstStyle/>
+                    <a:p>
+                      <a:r>
+                        <a:rPr lang="zh-CN" altLang="en-US" dirty="0"/>
                         <a:t>最终得分</a:t>
                       </a:r>
                     </a:p>
@@ -13698,7 +10152,7 @@
                     <a:p>
                       <a:r>
                         <a:rPr lang="en-US" altLang="zh-CN" dirty="0"/>
-                        <a:t>90</a:t>
+                        <a:t>86</a:t>
                       </a:r>
                       <a:r>
                         <a:rPr lang="zh-CN" altLang="en-US" dirty="0"/>
@@ -13779,6 +10233,30 @@
                     </a:p>
                     <a:p>
                       <a:endParaRPr lang="zh-CN" altLang="en-US" dirty="0"/>
+                    </a:p>
+                  </a:txBody>
+                  <a:tcPr/>
+                </a:tc>
+                <a:tc>
+                  <a:txBody>
+                    <a:bodyPr/>
+                    <a:lstStyle/>
+                    <a:p>
+                      <a:r>
+                        <a:rPr lang="zh-CN" altLang="en-US" dirty="0"/>
+                        <a:t>网站部署</a:t>
+                      </a:r>
+                      <a:endParaRPr lang="en-US" altLang="zh-CN" dirty="0"/>
+                    </a:p>
+                    <a:p>
+                      <a:r>
+                        <a:rPr lang="en-US" altLang="zh-CN" dirty="0"/>
+                        <a:t>92</a:t>
+                      </a:r>
+                      <a:r>
+                        <a:rPr lang="zh-CN" altLang="en-US" dirty="0"/>
+                        <a:t>分</a:t>
+                      </a:r>
                     </a:p>
                   </a:txBody>
                   <a:tcPr/>
@@ -13912,6 +10390,16 @@
                         <a:t>分</a:t>
                       </a:r>
                     </a:p>
+                    <a:p>
+                      <a:endParaRPr lang="zh-CN" altLang="en-US" dirty="0"/>
+                    </a:p>
+                  </a:txBody>
+                  <a:tcPr/>
+                </a:tc>
+                <a:tc>
+                  <a:txBody>
+                    <a:bodyPr/>
+                    <a:lstStyle/>
                     <a:p>
                       <a:endParaRPr lang="zh-CN" altLang="en-US" dirty="0"/>
                     </a:p>
@@ -14063,6 +10551,16 @@
                     <a:bodyPr/>
                     <a:lstStyle/>
                     <a:p>
+                      <a:endParaRPr lang="zh-CN" altLang="en-US" dirty="0"/>
+                    </a:p>
+                  </a:txBody>
+                  <a:tcPr/>
+                </a:tc>
+                <a:tc>
+                  <a:txBody>
+                    <a:bodyPr/>
+                    <a:lstStyle/>
+                    <a:p>
                       <a:r>
                         <a:rPr lang="en-US" altLang="zh-CN" dirty="0"/>
                         <a:t>84</a:t>
@@ -14110,7 +10608,7 @@
 </p:sld>
 </file>
 
-<file path=ppt/slides/slide41.xml><?xml version="1.0" encoding="utf-8"?>
+<file path=ppt/slides/slide39.xml><?xml version="1.0" encoding="utf-8"?>
 <p:sld xmlns:a="http://schemas.openxmlformats.org/drawingml/2006/main" xmlns:r="http://schemas.openxmlformats.org/officeDocument/2006/relationships" xmlns:p="http://schemas.openxmlformats.org/presentationml/2006/main">
   <p:cSld>
     <p:bg>
@@ -14744,6 +11242,190 @@
       </p:transition>
     </mc:Fallback>
   </mc:AlternateContent>
+</p:sld>
+</file>
+
+<file path=ppt/slides/slide4.xml><?xml version="1.0" encoding="utf-8"?>
+<p:sld xmlns:a="http://schemas.openxmlformats.org/drawingml/2006/main" xmlns:r="http://schemas.openxmlformats.org/officeDocument/2006/relationships" xmlns:p="http://schemas.openxmlformats.org/presentationml/2006/main">
+  <p:cSld>
+    <p:spTree>
+      <p:nvGrpSpPr>
+        <p:cNvPr id="1" name=""/>
+        <p:cNvGrpSpPr/>
+        <p:nvPr/>
+      </p:nvGrpSpPr>
+      <p:grpSpPr>
+        <a:xfrm>
+          <a:off x="0" y="0"/>
+          <a:ext cx="0" cy="0"/>
+          <a:chOff x="0" y="0"/>
+          <a:chExt cx="0" cy="0"/>
+        </a:xfrm>
+      </p:grpSpPr>
+      <p:sp>
+        <p:nvSpPr>
+          <p:cNvPr id="11" name="文本框 10"/>
+          <p:cNvSpPr txBox="1"/>
+          <p:nvPr/>
+        </p:nvSpPr>
+        <p:spPr>
+          <a:xfrm>
+            <a:off x="282342" y="2172083"/>
+            <a:ext cx="677108" cy="1733808"/>
+          </a:xfrm>
+          <a:prstGeom prst="rect">
+            <a:avLst/>
+          </a:prstGeom>
+          <a:noFill/>
+        </p:spPr>
+        <p:txBody>
+          <a:bodyPr vert="eaVert" wrap="none" rtlCol="0">
+            <a:spAutoFit/>
+          </a:bodyPr>
+          <a:lstStyle/>
+          <a:p>
+            <a:r>
+              <a:rPr lang="zh-CN" altLang="en-US" sz="3200" dirty="0">
+                <a:solidFill>
+                  <a:schemeClr val="tx1">
+                    <a:lumMod val="50000"/>
+                    <a:lumOff val="50000"/>
+                  </a:schemeClr>
+                </a:solidFill>
+                <a:latin typeface="幼圆" panose="02010509060101010101" pitchFamily="49" charset="-122"/>
+                <a:ea typeface="幼圆" panose="02010509060101010101" pitchFamily="49" charset="-122"/>
+              </a:rPr>
+              <a:t>程序清单</a:t>
+            </a:r>
+          </a:p>
+        </p:txBody>
+      </p:sp>
+      <p:cxnSp>
+        <p:nvCxnSpPr>
+          <p:cNvPr id="12" name="直接连接符 11"/>
+          <p:cNvCxnSpPr>
+            <a:cxnSpLocks/>
+          </p:cNvCxnSpPr>
+          <p:nvPr/>
+        </p:nvCxnSpPr>
+        <p:spPr>
+          <a:xfrm>
+            <a:off x="1621000" y="494522"/>
+            <a:ext cx="0" cy="5966910"/>
+          </a:xfrm>
+          <a:prstGeom prst="line">
+            <a:avLst/>
+          </a:prstGeom>
+          <a:ln w="12700">
+            <a:solidFill>
+              <a:srgbClr val="B3946B"/>
+            </a:solidFill>
+          </a:ln>
+        </p:spPr>
+        <p:style>
+          <a:lnRef idx="1">
+            <a:schemeClr val="accent1"/>
+          </a:lnRef>
+          <a:fillRef idx="0">
+            <a:schemeClr val="accent1"/>
+          </a:fillRef>
+          <a:effectRef idx="0">
+            <a:schemeClr val="accent1"/>
+          </a:effectRef>
+          <a:fontRef idx="minor">
+            <a:schemeClr val="tx1"/>
+          </a:fontRef>
+        </p:style>
+      </p:cxnSp>
+      <p:sp>
+        <p:nvSpPr>
+          <p:cNvPr id="15" name="矩形 14"/>
+          <p:cNvSpPr/>
+          <p:nvPr/>
+        </p:nvSpPr>
+        <p:spPr>
+          <a:xfrm rot="5400000">
+            <a:off x="-72959" y="3132305"/>
+            <a:ext cx="369652" cy="223735"/>
+          </a:xfrm>
+          <a:prstGeom prst="rect">
+            <a:avLst/>
+          </a:prstGeom>
+          <a:solidFill>
+            <a:srgbClr val="B3946B"/>
+          </a:solidFill>
+          <a:ln>
+            <a:noFill/>
+          </a:ln>
+        </p:spPr>
+        <p:style>
+          <a:lnRef idx="2">
+            <a:schemeClr val="accent1">
+              <a:shade val="50000"/>
+            </a:schemeClr>
+          </a:lnRef>
+          <a:fillRef idx="1">
+            <a:schemeClr val="accent1"/>
+          </a:fillRef>
+          <a:effectRef idx="0">
+            <a:schemeClr val="accent1"/>
+          </a:effectRef>
+          <a:fontRef idx="minor">
+            <a:schemeClr val="lt1"/>
+          </a:fontRef>
+        </p:style>
+        <p:txBody>
+          <a:bodyPr rtlCol="0" anchor="ctr"/>
+          <a:lstStyle/>
+          <a:p>
+            <a:pPr algn="ctr"/>
+            <a:endParaRPr lang="zh-CN" altLang="en-US"/>
+          </a:p>
+        </p:txBody>
+      </p:sp>
+      <p:pic>
+        <p:nvPicPr>
+          <p:cNvPr id="3" name="图片 2">
+            <a:extLst>
+              <a:ext uri="{FF2B5EF4-FFF2-40B4-BE49-F238E27FC236}">
+                <a16:creationId xmlns:a16="http://schemas.microsoft.com/office/drawing/2014/main" id="{0BBFFD70-701A-45B9-83EB-6BCD9F12CCD9}"/>
+              </a:ext>
+            </a:extLst>
+          </p:cNvPr>
+          <p:cNvPicPr>
+            <a:picLocks noChangeAspect="1"/>
+          </p:cNvPicPr>
+          <p:nvPr/>
+        </p:nvPicPr>
+        <p:blipFill>
+          <a:blip r:embed="rId2"/>
+          <a:stretch>
+            <a:fillRect/>
+          </a:stretch>
+        </p:blipFill>
+        <p:spPr>
+          <a:xfrm>
+            <a:off x="0" y="476448"/>
+            <a:ext cx="12192000" cy="5905103"/>
+          </a:xfrm>
+          <a:prstGeom prst="rect">
+            <a:avLst/>
+          </a:prstGeom>
+        </p:spPr>
+      </p:pic>
+    </p:spTree>
+    <p:extLst>
+      <p:ext uri="{BB962C8B-B14F-4D97-AF65-F5344CB8AC3E}">
+        <p14:creationId xmlns:p14="http://schemas.microsoft.com/office/powerpoint/2010/main" val="876055422"/>
+      </p:ext>
+    </p:extLst>
+  </p:cSld>
+  <p:clrMapOvr>
+    <a:masterClrMapping/>
+  </p:clrMapOvr>
+  <p:transition spd="slow" advTm="0">
+    <p:cover dir="u"/>
+  </p:transition>
 </p:sld>
 </file>
 
